--- a/Presentation.pptx
+++ b/Presentation.pptx
@@ -1,36 +1,43 @@
 
 <file path=ppt/presentation.xml><?xml version="1.0" encoding="utf-8"?>
-<p:presentation xmlns:a="http://schemas.openxmlformats.org/drawingml/2006/main" xmlns:r="http://schemas.openxmlformats.org/officeDocument/2006/relationships" xmlns:mc="http://schemas.openxmlformats.org/markup-compatibility/2006" xmlns:mv="urn:schemas-microsoft-com:mac:vml" xmlns:p="http://schemas.openxmlformats.org/presentationml/2006/main" xmlns:c="http://schemas.openxmlformats.org/drawingml/2006/chart" xmlns:dgm="http://schemas.openxmlformats.org/drawingml/2006/diagram" xmlns:o="urn:schemas-microsoft-com:office:office" xmlns:v="urn:schemas-microsoft-com:vml" xmlns:pvml="urn:schemas-microsoft-com:office:powerpoint" xmlns:com="http://schemas.openxmlformats.org/drawingml/2006/compatibility" xmlns:p14="http://schemas.microsoft.com/office/powerpoint/2010/main" xmlns:p15="http://schemas.microsoft.com/office/powerpoint/2012/main" xmlns:ahyp="http://schemas.microsoft.com/office/drawing/2018/hyperlinkcolor" autoCompressPictures="0" embedTrueTypeFonts="1" strictFirstAndLastChars="0" saveSubsetFonts="1">
+<p:presentation xmlns:a="http://schemas.openxmlformats.org/drawingml/2006/main" xmlns:r="http://schemas.openxmlformats.org/officeDocument/2006/relationships" xmlns:p="http://schemas.openxmlformats.org/presentationml/2006/main" strictFirstAndLastChars="0" embedTrueTypeFonts="1" saveSubsetFonts="1" autoCompressPictures="0">
   <p:sldMasterIdLst>
-    <p:sldMasterId id="2147483659" r:id="rId4"/>
+    <p:sldMasterId id="2147483659" r:id="rId1"/>
   </p:sldMasterIdLst>
   <p:notesMasterIdLst>
-    <p:notesMasterId r:id="rId5"/>
+    <p:notesMasterId r:id="rId11"/>
   </p:notesMasterIdLst>
   <p:sldIdLst>
-    <p:sldId id="256" r:id="rId6"/>
-    <p:sldId id="257" r:id="rId7"/>
-    <p:sldId id="258" r:id="rId8"/>
-    <p:sldId id="259" r:id="rId9"/>
-    <p:sldId id="260" r:id="rId10"/>
-    <p:sldId id="261" r:id="rId11"/>
-    <p:sldId id="262" r:id="rId12"/>
-    <p:sldId id="263" r:id="rId13"/>
-    <p:sldId id="264" r:id="rId14"/>
+    <p:sldId id="256" r:id="rId2"/>
+    <p:sldId id="257" r:id="rId3"/>
+    <p:sldId id="258" r:id="rId4"/>
+    <p:sldId id="259" r:id="rId5"/>
+    <p:sldId id="260" r:id="rId6"/>
+    <p:sldId id="261" r:id="rId7"/>
+    <p:sldId id="262" r:id="rId8"/>
+    <p:sldId id="263" r:id="rId9"/>
+    <p:sldId id="264" r:id="rId10"/>
   </p:sldIdLst>
-  <p:sldSz cy="5143500" cx="9144000"/>
+  <p:sldSz cx="9144000" cy="5143500" type="screen16x9"/>
   <p:notesSz cx="6858000" cy="9144000"/>
   <p:embeddedFontLst>
     <p:embeddedFont>
-      <p:font typeface="Nunito"/>
-      <p:regular r:id="rId15"/>
-      <p:bold r:id="rId16"/>
-      <p:italic r:id="rId17"/>
-      <p:boldItalic r:id="rId18"/>
+      <p:font typeface="Calibri" panose="020F0502020204030204" pitchFamily="34" charset="0"/>
+      <p:regular r:id="rId12"/>
+      <p:bold r:id="rId13"/>
+      <p:italic r:id="rId14"/>
+      <p:boldItalic r:id="rId15"/>
+    </p:embeddedFont>
+    <p:embeddedFont>
+      <p:font typeface="Nunito" pitchFamily="2" charset="-52"/>
+      <p:regular r:id="rId16"/>
+      <p:bold r:id="rId17"/>
+      <p:italic r:id="rId18"/>
+      <p:boldItalic r:id="rId19"/>
     </p:embeddedFont>
   </p:embeddedFontLst>
   <p:defaultTextStyle>
-    <a:defPPr lvl="0" marR="0" rtl="0" algn="l">
+    <a:defPPr marR="0" lvl="0" algn="l" rtl="0">
       <a:lnSpc>
         <a:spcPct val="100000"/>
       </a:lnSpc>
@@ -41,7 +48,7 @@
         <a:spcPts val="0"/>
       </a:spcAft>
     </a:defPPr>
-    <a:lvl1pPr lvl="0" marR="0" rtl="0" algn="l">
+    <a:lvl1pPr marR="0" lvl="0" algn="l" rtl="0">
       <a:lnSpc>
         <a:spcPct val="100000"/>
       </a:lnSpc>
@@ -55,7 +62,7 @@
         <a:srgbClr val="000000"/>
       </a:buClr>
       <a:buFont typeface="Arial"/>
-      <a:defRPr b="0" i="0" sz="1400" u="none" cap="none" strike="noStrike">
+      <a:defRPr sz="1400" b="0" i="0" u="none" strike="noStrike" cap="none">
         <a:solidFill>
           <a:srgbClr val="000000"/>
         </a:solidFill>
@@ -65,7 +72,7 @@
         <a:sym typeface="Arial"/>
       </a:defRPr>
     </a:lvl1pPr>
-    <a:lvl2pPr lvl="1" marR="0" rtl="0" algn="l">
+    <a:lvl2pPr marR="0" lvl="1" algn="l" rtl="0">
       <a:lnSpc>
         <a:spcPct val="100000"/>
       </a:lnSpc>
@@ -79,7 +86,7 @@
         <a:srgbClr val="000000"/>
       </a:buClr>
       <a:buFont typeface="Arial"/>
-      <a:defRPr b="0" i="0" sz="1400" u="none" cap="none" strike="noStrike">
+      <a:defRPr sz="1400" b="0" i="0" u="none" strike="noStrike" cap="none">
         <a:solidFill>
           <a:srgbClr val="000000"/>
         </a:solidFill>
@@ -89,7 +96,7 @@
         <a:sym typeface="Arial"/>
       </a:defRPr>
     </a:lvl2pPr>
-    <a:lvl3pPr lvl="2" marR="0" rtl="0" algn="l">
+    <a:lvl3pPr marR="0" lvl="2" algn="l" rtl="0">
       <a:lnSpc>
         <a:spcPct val="100000"/>
       </a:lnSpc>
@@ -103,7 +110,7 @@
         <a:srgbClr val="000000"/>
       </a:buClr>
       <a:buFont typeface="Arial"/>
-      <a:defRPr b="0" i="0" sz="1400" u="none" cap="none" strike="noStrike">
+      <a:defRPr sz="1400" b="0" i="0" u="none" strike="noStrike" cap="none">
         <a:solidFill>
           <a:srgbClr val="000000"/>
         </a:solidFill>
@@ -113,7 +120,7 @@
         <a:sym typeface="Arial"/>
       </a:defRPr>
     </a:lvl3pPr>
-    <a:lvl4pPr lvl="3" marR="0" rtl="0" algn="l">
+    <a:lvl4pPr marR="0" lvl="3" algn="l" rtl="0">
       <a:lnSpc>
         <a:spcPct val="100000"/>
       </a:lnSpc>
@@ -127,7 +134,7 @@
         <a:srgbClr val="000000"/>
       </a:buClr>
       <a:buFont typeface="Arial"/>
-      <a:defRPr b="0" i="0" sz="1400" u="none" cap="none" strike="noStrike">
+      <a:defRPr sz="1400" b="0" i="0" u="none" strike="noStrike" cap="none">
         <a:solidFill>
           <a:srgbClr val="000000"/>
         </a:solidFill>
@@ -137,7 +144,7 @@
         <a:sym typeface="Arial"/>
       </a:defRPr>
     </a:lvl4pPr>
-    <a:lvl5pPr lvl="4" marR="0" rtl="0" algn="l">
+    <a:lvl5pPr marR="0" lvl="4" algn="l" rtl="0">
       <a:lnSpc>
         <a:spcPct val="100000"/>
       </a:lnSpc>
@@ -151,7 +158,7 @@
         <a:srgbClr val="000000"/>
       </a:buClr>
       <a:buFont typeface="Arial"/>
-      <a:defRPr b="0" i="0" sz="1400" u="none" cap="none" strike="noStrike">
+      <a:defRPr sz="1400" b="0" i="0" u="none" strike="noStrike" cap="none">
         <a:solidFill>
           <a:srgbClr val="000000"/>
         </a:solidFill>
@@ -161,7 +168,7 @@
         <a:sym typeface="Arial"/>
       </a:defRPr>
     </a:lvl5pPr>
-    <a:lvl6pPr lvl="5" marR="0" rtl="0" algn="l">
+    <a:lvl6pPr marR="0" lvl="5" algn="l" rtl="0">
       <a:lnSpc>
         <a:spcPct val="100000"/>
       </a:lnSpc>
@@ -175,7 +182,7 @@
         <a:srgbClr val="000000"/>
       </a:buClr>
       <a:buFont typeface="Arial"/>
-      <a:defRPr b="0" i="0" sz="1400" u="none" cap="none" strike="noStrike">
+      <a:defRPr sz="1400" b="0" i="0" u="none" strike="noStrike" cap="none">
         <a:solidFill>
           <a:srgbClr val="000000"/>
         </a:solidFill>
@@ -185,7 +192,7 @@
         <a:sym typeface="Arial"/>
       </a:defRPr>
     </a:lvl6pPr>
-    <a:lvl7pPr lvl="6" marR="0" rtl="0" algn="l">
+    <a:lvl7pPr marR="0" lvl="6" algn="l" rtl="0">
       <a:lnSpc>
         <a:spcPct val="100000"/>
       </a:lnSpc>
@@ -199,7 +206,7 @@
         <a:srgbClr val="000000"/>
       </a:buClr>
       <a:buFont typeface="Arial"/>
-      <a:defRPr b="0" i="0" sz="1400" u="none" cap="none" strike="noStrike">
+      <a:defRPr sz="1400" b="0" i="0" u="none" strike="noStrike" cap="none">
         <a:solidFill>
           <a:srgbClr val="000000"/>
         </a:solidFill>
@@ -209,7 +216,7 @@
         <a:sym typeface="Arial"/>
       </a:defRPr>
     </a:lvl7pPr>
-    <a:lvl8pPr lvl="7" marR="0" rtl="0" algn="l">
+    <a:lvl8pPr marR="0" lvl="7" algn="l" rtl="0">
       <a:lnSpc>
         <a:spcPct val="100000"/>
       </a:lnSpc>
@@ -223,7 +230,7 @@
         <a:srgbClr val="000000"/>
       </a:buClr>
       <a:buFont typeface="Arial"/>
-      <a:defRPr b="0" i="0" sz="1400" u="none" cap="none" strike="noStrike">
+      <a:defRPr sz="1400" b="0" i="0" u="none" strike="noStrike" cap="none">
         <a:solidFill>
           <a:srgbClr val="000000"/>
         </a:solidFill>
@@ -233,7 +240,7 @@
         <a:sym typeface="Arial"/>
       </a:defRPr>
     </a:lvl8pPr>
-    <a:lvl9pPr lvl="8" marR="0" rtl="0" algn="l">
+    <a:lvl9pPr marR="0" lvl="8" algn="l" rtl="0">
       <a:lnSpc>
         <a:spcPct val="100000"/>
       </a:lnSpc>
@@ -247,7 +254,7 @@
         <a:srgbClr val="000000"/>
       </a:buClr>
       <a:buFont typeface="Arial"/>
-      <a:defRPr b="0" i="0" sz="1400" u="none" cap="none" strike="noStrike">
+      <a:defRPr sz="1400" b="0" i="0" u="none" strike="noStrike" cap="none">
         <a:solidFill>
           <a:srgbClr val="000000"/>
         </a:solidFill>
@@ -260,7 +267,7 @@
   </p:defaultTextStyle>
   <p:extLst>
     <p:ext uri="{EFAFB233-063F-42B5-8137-9DF3F51BA10A}">
-      <p15:sldGuideLst>
+      <p15:sldGuideLst xmlns:p15="http://schemas.microsoft.com/office/powerpoint/2012/main">
         <p15:guide id="1" orient="horz" pos="1620">
           <p15:clr>
             <a:srgbClr val="747775"/>
@@ -278,11 +285,16 @@
 </file>
 
 <file path=ppt/notesMasters/notesMaster1.xml><?xml version="1.0" encoding="utf-8"?>
-<p:notesMaster xmlns:a="http://schemas.openxmlformats.org/drawingml/2006/main" xmlns:r="http://schemas.openxmlformats.org/officeDocument/2006/relationships" xmlns:mc="http://schemas.openxmlformats.org/markup-compatibility/2006" xmlns:mv="urn:schemas-microsoft-com:mac:vml" xmlns:p="http://schemas.openxmlformats.org/presentationml/2006/main" xmlns:c="http://schemas.openxmlformats.org/drawingml/2006/chart" xmlns:dgm="http://schemas.openxmlformats.org/drawingml/2006/diagram" xmlns:o="urn:schemas-microsoft-com:office:office" xmlns:v="urn:schemas-microsoft-com:vml" xmlns:pvml="urn:schemas-microsoft-com:office:powerpoint" xmlns:com="http://schemas.openxmlformats.org/drawingml/2006/compatibility" xmlns:p14="http://schemas.microsoft.com/office/powerpoint/2010/main" xmlns:p15="http://schemas.microsoft.com/office/powerpoint/2012/main" xmlns:ahyp="http://schemas.microsoft.com/office/drawing/2018/hyperlinkcolor">
+<p:notesMaster xmlns:a="http://schemas.openxmlformats.org/drawingml/2006/main" xmlns:r="http://schemas.openxmlformats.org/officeDocument/2006/relationships" xmlns:p="http://schemas.openxmlformats.org/presentationml/2006/main">
   <p:cSld>
+    <p:bg>
+      <p:bgRef idx="1001">
+        <a:schemeClr val="bg1"/>
+      </p:bgRef>
+    </p:bg>
     <p:spTree>
       <p:nvGrpSpPr>
-        <p:cNvPr id="2" name="Shape 2"/>
+        <p:cNvPr id="1" name="Shape 2"/>
         <p:cNvGrpSpPr/>
         <p:nvPr/>
       </p:nvGrpSpPr>
@@ -297,9 +309,11 @@
       <p:sp>
         <p:nvSpPr>
           <p:cNvPr id="3" name="Google Shape;3;n"/>
-          <p:cNvSpPr/>
+          <p:cNvSpPr>
+            <a:spLocks noGrp="1" noRot="1" noChangeAspect="1"/>
+          </p:cNvSpPr>
           <p:nvPr>
-            <p:ph idx="2" type="sldImg"/>
+            <p:ph type="sldImg" idx="2"/>
           </p:nvPr>
         </p:nvSpPr>
         <p:spPr>
@@ -308,9 +322,13 @@
             <a:ext cx="6096075" cy="3429000"/>
           </a:xfrm>
           <a:custGeom>
-            <a:rect b="b" l="l" r="r" t="t"/>
+            <a:avLst/>
+            <a:gdLst/>
+            <a:ahLst/>
+            <a:cxnLst/>
+            <a:rect l="l" t="t" r="r" b="b"/>
             <a:pathLst>
-              <a:path extrusionOk="0" h="120000" w="120000">
+              <a:path w="120000" h="120000" extrusionOk="0">
                 <a:moveTo>
                   <a:pt x="0" y="0"/>
                 </a:moveTo>
@@ -328,23 +346,25 @@
             </a:pathLst>
           </a:custGeom>
           <a:noFill/>
-          <a:ln cap="flat" cmpd="sng" w="9525">
+          <a:ln w="9525" cap="flat" cmpd="sng">
             <a:solidFill>
               <a:srgbClr val="000000"/>
             </a:solidFill>
             <a:prstDash val="solid"/>
             <a:round/>
-            <a:headEnd len="sm" w="sm" type="none"/>
-            <a:tailEnd len="sm" w="sm" type="none"/>
+            <a:headEnd type="none" w="sm" len="sm"/>
+            <a:tailEnd type="none" w="sm" len="sm"/>
           </a:ln>
         </p:spPr>
       </p:sp>
       <p:sp>
         <p:nvSpPr>
           <p:cNvPr id="4" name="Google Shape;4;n"/>
-          <p:cNvSpPr txBox="1"/>
+          <p:cNvSpPr txBox="1">
+            <a:spLocks noGrp="1"/>
+          </p:cNvSpPr>
           <p:nvPr>
-            <p:ph idx="1" type="body"/>
+            <p:ph type="body" idx="1"/>
           </p:nvPr>
         </p:nvSpPr>
         <p:spPr>
@@ -361,11 +381,11 @@
           </a:ln>
         </p:spPr>
         <p:txBody>
-          <a:bodyPr anchorCtr="0" anchor="t" bIns="91425" lIns="91425" spcFirstLastPara="1" rIns="91425" wrap="square" tIns="91425">
+          <a:bodyPr spcFirstLastPara="1" wrap="square" lIns="91425" tIns="91425" rIns="91425" bIns="91425" anchor="t" anchorCtr="0">
             <a:noAutofit/>
           </a:bodyPr>
           <a:lstStyle>
-            <a:lvl1pPr indent="-298450" lvl="0" marL="457200">
+            <a:lvl1pPr marL="457200" lvl="0" indent="-298450">
               <a:spcBef>
                 <a:spcPts val="0"/>
               </a:spcBef>
@@ -376,7 +396,7 @@
               <a:buChar char="●"/>
               <a:defRPr sz="1100"/>
             </a:lvl1pPr>
-            <a:lvl2pPr indent="-298450" lvl="1" marL="914400">
+            <a:lvl2pPr marL="914400" lvl="1" indent="-298450">
               <a:spcBef>
                 <a:spcPts val="0"/>
               </a:spcBef>
@@ -387,7 +407,7 @@
               <a:buChar char="○"/>
               <a:defRPr sz="1100"/>
             </a:lvl2pPr>
-            <a:lvl3pPr indent="-298450" lvl="2" marL="1371600">
+            <a:lvl3pPr marL="1371600" lvl="2" indent="-298450">
               <a:spcBef>
                 <a:spcPts val="0"/>
               </a:spcBef>
@@ -398,7 +418,7 @@
               <a:buChar char="■"/>
               <a:defRPr sz="1100"/>
             </a:lvl3pPr>
-            <a:lvl4pPr indent="-298450" lvl="3" marL="1828800">
+            <a:lvl4pPr marL="1828800" lvl="3" indent="-298450">
               <a:spcBef>
                 <a:spcPts val="0"/>
               </a:spcBef>
@@ -409,7 +429,7 @@
               <a:buChar char="●"/>
               <a:defRPr sz="1100"/>
             </a:lvl4pPr>
-            <a:lvl5pPr indent="-298450" lvl="4" marL="2286000">
+            <a:lvl5pPr marL="2286000" lvl="4" indent="-298450">
               <a:spcBef>
                 <a:spcPts val="0"/>
               </a:spcBef>
@@ -420,7 +440,7 @@
               <a:buChar char="○"/>
               <a:defRPr sz="1100"/>
             </a:lvl5pPr>
-            <a:lvl6pPr indent="-298450" lvl="5" marL="2743200">
+            <a:lvl6pPr marL="2743200" lvl="5" indent="-298450">
               <a:spcBef>
                 <a:spcPts val="0"/>
               </a:spcBef>
@@ -431,7 +451,7 @@
               <a:buChar char="■"/>
               <a:defRPr sz="1100"/>
             </a:lvl6pPr>
-            <a:lvl7pPr indent="-298450" lvl="6" marL="3200400">
+            <a:lvl7pPr marL="3200400" lvl="6" indent="-298450">
               <a:spcBef>
                 <a:spcPts val="0"/>
               </a:spcBef>
@@ -442,7 +462,7 @@
               <a:buChar char="●"/>
               <a:defRPr sz="1100"/>
             </a:lvl7pPr>
-            <a:lvl8pPr indent="-298450" lvl="7" marL="3657600">
+            <a:lvl8pPr marL="3657600" lvl="7" indent="-298450">
               <a:spcBef>
                 <a:spcPts val="0"/>
               </a:spcBef>
@@ -453,7 +473,7 @@
               <a:buChar char="○"/>
               <a:defRPr sz="1100"/>
             </a:lvl8pPr>
-            <a:lvl9pPr indent="-298450" lvl="8" marL="4114800">
+            <a:lvl9pPr marL="4114800" lvl="8" indent="-298450">
               <a:spcBef>
                 <a:spcPts val="0"/>
               </a:spcBef>
@@ -465,14 +485,16 @@
               <a:defRPr sz="1100"/>
             </a:lvl9pPr>
           </a:lstStyle>
-          <a:p/>
+          <a:p>
+            <a:endParaRPr/>
+          </a:p>
         </p:txBody>
       </p:sp>
     </p:spTree>
   </p:cSld>
-  <p:clrMap accent1="accent1" accent2="accent2" accent3="accent3" accent4="accent4" accent5="accent5" accent6="accent6" bg1="lt1" bg2="dk2" tx1="dk1" tx2="lt2" folHlink="folHlink" hlink="hlink"/>
+  <p:clrMap bg1="lt1" tx1="dk1" bg2="dk2" tx2="lt2" accent1="accent1" accent2="accent2" accent3="accent3" accent4="accent4" accent5="accent5" accent6="accent6" hlink="hlink" folHlink="folHlink"/>
   <p:notesStyle>
-    <a:defPPr lvl="0" marR="0" rtl="0" algn="l">
+    <a:defPPr marR="0" lvl="0" algn="l" rtl="0">
       <a:lnSpc>
         <a:spcPct val="100000"/>
       </a:lnSpc>
@@ -483,7 +505,7 @@
         <a:spcPts val="0"/>
       </a:spcAft>
     </a:defPPr>
-    <a:lvl1pPr lvl="0" marR="0" rtl="0" algn="l">
+    <a:lvl1pPr marR="0" lvl="0" algn="l" rtl="0">
       <a:lnSpc>
         <a:spcPct val="100000"/>
       </a:lnSpc>
@@ -497,7 +519,7 @@
         <a:srgbClr val="000000"/>
       </a:buClr>
       <a:buFont typeface="Arial"/>
-      <a:defRPr b="0" i="0" sz="1400" u="none" cap="none" strike="noStrike">
+      <a:defRPr sz="1400" b="0" i="0" u="none" strike="noStrike" cap="none">
         <a:solidFill>
           <a:srgbClr val="000000"/>
         </a:solidFill>
@@ -507,7 +529,7 @@
         <a:sym typeface="Arial"/>
       </a:defRPr>
     </a:lvl1pPr>
-    <a:lvl2pPr lvl="1" marR="0" rtl="0" algn="l">
+    <a:lvl2pPr marR="0" lvl="1" algn="l" rtl="0">
       <a:lnSpc>
         <a:spcPct val="100000"/>
       </a:lnSpc>
@@ -521,7 +543,7 @@
         <a:srgbClr val="000000"/>
       </a:buClr>
       <a:buFont typeface="Arial"/>
-      <a:defRPr b="0" i="0" sz="1400" u="none" cap="none" strike="noStrike">
+      <a:defRPr sz="1400" b="0" i="0" u="none" strike="noStrike" cap="none">
         <a:solidFill>
           <a:srgbClr val="000000"/>
         </a:solidFill>
@@ -531,7 +553,7 @@
         <a:sym typeface="Arial"/>
       </a:defRPr>
     </a:lvl2pPr>
-    <a:lvl3pPr lvl="2" marR="0" rtl="0" algn="l">
+    <a:lvl3pPr marR="0" lvl="2" algn="l" rtl="0">
       <a:lnSpc>
         <a:spcPct val="100000"/>
       </a:lnSpc>
@@ -545,7 +567,7 @@
         <a:srgbClr val="000000"/>
       </a:buClr>
       <a:buFont typeface="Arial"/>
-      <a:defRPr b="0" i="0" sz="1400" u="none" cap="none" strike="noStrike">
+      <a:defRPr sz="1400" b="0" i="0" u="none" strike="noStrike" cap="none">
         <a:solidFill>
           <a:srgbClr val="000000"/>
         </a:solidFill>
@@ -555,7 +577,7 @@
         <a:sym typeface="Arial"/>
       </a:defRPr>
     </a:lvl3pPr>
-    <a:lvl4pPr lvl="3" marR="0" rtl="0" algn="l">
+    <a:lvl4pPr marR="0" lvl="3" algn="l" rtl="0">
       <a:lnSpc>
         <a:spcPct val="100000"/>
       </a:lnSpc>
@@ -569,7 +591,7 @@
         <a:srgbClr val="000000"/>
       </a:buClr>
       <a:buFont typeface="Arial"/>
-      <a:defRPr b="0" i="0" sz="1400" u="none" cap="none" strike="noStrike">
+      <a:defRPr sz="1400" b="0" i="0" u="none" strike="noStrike" cap="none">
         <a:solidFill>
           <a:srgbClr val="000000"/>
         </a:solidFill>
@@ -579,7 +601,7 @@
         <a:sym typeface="Arial"/>
       </a:defRPr>
     </a:lvl4pPr>
-    <a:lvl5pPr lvl="4" marR="0" rtl="0" algn="l">
+    <a:lvl5pPr marR="0" lvl="4" algn="l" rtl="0">
       <a:lnSpc>
         <a:spcPct val="100000"/>
       </a:lnSpc>
@@ -593,7 +615,7 @@
         <a:srgbClr val="000000"/>
       </a:buClr>
       <a:buFont typeface="Arial"/>
-      <a:defRPr b="0" i="0" sz="1400" u="none" cap="none" strike="noStrike">
+      <a:defRPr sz="1400" b="0" i="0" u="none" strike="noStrike" cap="none">
         <a:solidFill>
           <a:srgbClr val="000000"/>
         </a:solidFill>
@@ -603,7 +625,7 @@
         <a:sym typeface="Arial"/>
       </a:defRPr>
     </a:lvl5pPr>
-    <a:lvl6pPr lvl="5" marR="0" rtl="0" algn="l">
+    <a:lvl6pPr marR="0" lvl="5" algn="l" rtl="0">
       <a:lnSpc>
         <a:spcPct val="100000"/>
       </a:lnSpc>
@@ -617,7 +639,7 @@
         <a:srgbClr val="000000"/>
       </a:buClr>
       <a:buFont typeface="Arial"/>
-      <a:defRPr b="0" i="0" sz="1400" u="none" cap="none" strike="noStrike">
+      <a:defRPr sz="1400" b="0" i="0" u="none" strike="noStrike" cap="none">
         <a:solidFill>
           <a:srgbClr val="000000"/>
         </a:solidFill>
@@ -627,7 +649,7 @@
         <a:sym typeface="Arial"/>
       </a:defRPr>
     </a:lvl6pPr>
-    <a:lvl7pPr lvl="6" marR="0" rtl="0" algn="l">
+    <a:lvl7pPr marR="0" lvl="6" algn="l" rtl="0">
       <a:lnSpc>
         <a:spcPct val="100000"/>
       </a:lnSpc>
@@ -641,7 +663,7 @@
         <a:srgbClr val="000000"/>
       </a:buClr>
       <a:buFont typeface="Arial"/>
-      <a:defRPr b="0" i="0" sz="1400" u="none" cap="none" strike="noStrike">
+      <a:defRPr sz="1400" b="0" i="0" u="none" strike="noStrike" cap="none">
         <a:solidFill>
           <a:srgbClr val="000000"/>
         </a:solidFill>
@@ -651,7 +673,7 @@
         <a:sym typeface="Arial"/>
       </a:defRPr>
     </a:lvl7pPr>
-    <a:lvl8pPr lvl="7" marR="0" rtl="0" algn="l">
+    <a:lvl8pPr marR="0" lvl="7" algn="l" rtl="0">
       <a:lnSpc>
         <a:spcPct val="100000"/>
       </a:lnSpc>
@@ -665,7 +687,7 @@
         <a:srgbClr val="000000"/>
       </a:buClr>
       <a:buFont typeface="Arial"/>
-      <a:defRPr b="0" i="0" sz="1400" u="none" cap="none" strike="noStrike">
+      <a:defRPr sz="1400" b="0" i="0" u="none" strike="noStrike" cap="none">
         <a:solidFill>
           <a:srgbClr val="000000"/>
         </a:solidFill>
@@ -675,7 +697,7 @@
         <a:sym typeface="Arial"/>
       </a:defRPr>
     </a:lvl8pPr>
-    <a:lvl9pPr lvl="8" marR="0" rtl="0" algn="l">
+    <a:lvl9pPr marR="0" lvl="8" algn="l" rtl="0">
       <a:lnSpc>
         <a:spcPct val="100000"/>
       </a:lnSpc>
@@ -689,7 +711,7 @@
         <a:srgbClr val="000000"/>
       </a:buClr>
       <a:buFont typeface="Arial"/>
-      <a:defRPr b="0" i="0" sz="1400" u="none" cap="none" strike="noStrike">
+      <a:defRPr sz="1400" b="0" i="0" u="none" strike="noStrike" cap="none">
         <a:solidFill>
           <a:srgbClr val="000000"/>
         </a:solidFill>
@@ -704,11 +726,11 @@
 </file>
 
 <file path=ppt/notesSlides/notesSlide1.xml><?xml version="1.0" encoding="utf-8"?>
-<p:notes xmlns:a="http://schemas.openxmlformats.org/drawingml/2006/main" xmlns:r="http://schemas.openxmlformats.org/officeDocument/2006/relationships" xmlns:mc="http://schemas.openxmlformats.org/markup-compatibility/2006" xmlns:mv="urn:schemas-microsoft-com:mac:vml" xmlns:p="http://schemas.openxmlformats.org/presentationml/2006/main" xmlns:c="http://schemas.openxmlformats.org/drawingml/2006/chart" xmlns:dgm="http://schemas.openxmlformats.org/drawingml/2006/diagram" xmlns:o="urn:schemas-microsoft-com:office:office" xmlns:v="urn:schemas-microsoft-com:vml" xmlns:pvml="urn:schemas-microsoft-com:office:powerpoint" xmlns:com="http://schemas.openxmlformats.org/drawingml/2006/compatibility" xmlns:p14="http://schemas.microsoft.com/office/powerpoint/2010/main" xmlns:p15="http://schemas.microsoft.com/office/powerpoint/2012/main" xmlns:ahyp="http://schemas.microsoft.com/office/drawing/2018/hyperlinkcolor" showMasterPhAnim="0" showMasterSp="0">
+<p:notes xmlns:a="http://schemas.openxmlformats.org/drawingml/2006/main" xmlns:r="http://schemas.openxmlformats.org/officeDocument/2006/relationships" xmlns:p="http://schemas.openxmlformats.org/presentationml/2006/main" showMasterSp="0" showMasterPhAnim="0">
   <p:cSld>
     <p:spTree>
       <p:nvGrpSpPr>
-        <p:cNvPr id="124" name="Shape 124"/>
+        <p:cNvPr id="1" name="Shape 124"/>
         <p:cNvGrpSpPr/>
         <p:nvPr/>
       </p:nvGrpSpPr>
@@ -723,9 +745,11 @@
       <p:sp>
         <p:nvSpPr>
           <p:cNvPr id="125" name="Google Shape;125;p:notes"/>
-          <p:cNvSpPr/>
+          <p:cNvSpPr>
+            <a:spLocks noGrp="1" noRot="1" noChangeAspect="1"/>
+          </p:cNvSpPr>
           <p:nvPr>
-            <p:ph idx="2" type="sldImg"/>
+            <p:ph type="sldImg" idx="2"/>
           </p:nvPr>
         </p:nvSpPr>
         <p:spPr>
@@ -734,9 +758,13 @@
             <a:ext cx="6096075" cy="3429000"/>
           </a:xfrm>
           <a:custGeom>
-            <a:rect b="b" l="l" r="r" t="t"/>
+            <a:avLst/>
+            <a:gdLst/>
+            <a:ahLst/>
+            <a:cxnLst/>
+            <a:rect l="l" t="t" r="r" b="b"/>
             <a:pathLst>
-              <a:path extrusionOk="0" h="120000" w="120000">
+              <a:path w="120000" h="120000" extrusionOk="0">
                 <a:moveTo>
                   <a:pt x="0" y="0"/>
                 </a:moveTo>
@@ -758,9 +786,11 @@
       <p:sp>
         <p:nvSpPr>
           <p:cNvPr id="126" name="Google Shape;126;p:notes"/>
-          <p:cNvSpPr txBox="1"/>
+          <p:cNvSpPr txBox="1">
+            <a:spLocks noGrp="1"/>
+          </p:cNvSpPr>
           <p:nvPr>
-            <p:ph idx="1" type="body"/>
+            <p:ph type="body" idx="1"/>
           </p:nvPr>
         </p:nvSpPr>
         <p:spPr>
@@ -773,12 +803,12 @@
           </a:prstGeom>
         </p:spPr>
         <p:txBody>
-          <a:bodyPr anchorCtr="0" anchor="t" bIns="91425" lIns="91425" spcFirstLastPara="1" rIns="91425" wrap="square" tIns="91425">
+          <a:bodyPr spcFirstLastPara="1" wrap="square" lIns="91425" tIns="91425" rIns="91425" bIns="91425" anchor="t" anchorCtr="0">
             <a:noAutofit/>
           </a:bodyPr>
           <a:lstStyle/>
           <a:p>
-            <a:pPr indent="0" lvl="0" marL="0" rtl="0" algn="l">
+            <a:pPr marL="0" lvl="0" indent="0" algn="l" rtl="0">
               <a:spcBef>
                 <a:spcPts val="0"/>
               </a:spcBef>
@@ -787,9 +817,6 @@
               </a:spcAft>
               <a:buNone/>
             </a:pPr>
-            <a:r>
-              <a:t/>
-            </a:r>
             <a:endParaRPr/>
           </a:p>
         </p:txBody>
@@ -803,11 +830,11 @@
 </file>
 
 <file path=ppt/notesSlides/notesSlide2.xml><?xml version="1.0" encoding="utf-8"?>
-<p:notes xmlns:a="http://schemas.openxmlformats.org/drawingml/2006/main" xmlns:r="http://schemas.openxmlformats.org/officeDocument/2006/relationships" xmlns:mc="http://schemas.openxmlformats.org/markup-compatibility/2006" xmlns:mv="urn:schemas-microsoft-com:mac:vml" xmlns:p="http://schemas.openxmlformats.org/presentationml/2006/main" xmlns:c="http://schemas.openxmlformats.org/drawingml/2006/chart" xmlns:dgm="http://schemas.openxmlformats.org/drawingml/2006/diagram" xmlns:o="urn:schemas-microsoft-com:office:office" xmlns:v="urn:schemas-microsoft-com:vml" xmlns:pvml="urn:schemas-microsoft-com:office:powerpoint" xmlns:com="http://schemas.openxmlformats.org/drawingml/2006/compatibility" xmlns:p14="http://schemas.microsoft.com/office/powerpoint/2010/main" xmlns:p15="http://schemas.microsoft.com/office/powerpoint/2012/main" xmlns:ahyp="http://schemas.microsoft.com/office/drawing/2018/hyperlinkcolor" showMasterPhAnim="0" showMasterSp="0">
+<p:notes xmlns:a="http://schemas.openxmlformats.org/drawingml/2006/main" xmlns:r="http://schemas.openxmlformats.org/officeDocument/2006/relationships" xmlns:p="http://schemas.openxmlformats.org/presentationml/2006/main" showMasterSp="0" showMasterPhAnim="0">
   <p:cSld>
     <p:spTree>
       <p:nvGrpSpPr>
-        <p:cNvPr id="131" name="Shape 131"/>
+        <p:cNvPr id="1" name="Shape 131"/>
         <p:cNvGrpSpPr/>
         <p:nvPr/>
       </p:nvGrpSpPr>
@@ -822,9 +849,11 @@
       <p:sp>
         <p:nvSpPr>
           <p:cNvPr id="132" name="Google Shape;132;g28a5ece5f68_0_120:notes"/>
-          <p:cNvSpPr/>
+          <p:cNvSpPr>
+            <a:spLocks noGrp="1" noRot="1" noChangeAspect="1"/>
+          </p:cNvSpPr>
           <p:nvPr>
-            <p:ph idx="2" type="sldImg"/>
+            <p:ph type="sldImg" idx="2"/>
           </p:nvPr>
         </p:nvSpPr>
         <p:spPr>
@@ -833,9 +862,13 @@
             <a:ext cx="6096000" cy="3429000"/>
           </a:xfrm>
           <a:custGeom>
-            <a:rect b="b" l="l" r="r" t="t"/>
+            <a:avLst/>
+            <a:gdLst/>
+            <a:ahLst/>
+            <a:cxnLst/>
+            <a:rect l="l" t="t" r="r" b="b"/>
             <a:pathLst>
-              <a:path extrusionOk="0" h="120000" w="120000">
+              <a:path w="120000" h="120000" extrusionOk="0">
                 <a:moveTo>
                   <a:pt x="0" y="0"/>
                 </a:moveTo>
@@ -857,9 +890,11 @@
       <p:sp>
         <p:nvSpPr>
           <p:cNvPr id="133" name="Google Shape;133;g28a5ece5f68_0_120:notes"/>
-          <p:cNvSpPr txBox="1"/>
+          <p:cNvSpPr txBox="1">
+            <a:spLocks noGrp="1"/>
+          </p:cNvSpPr>
           <p:nvPr>
-            <p:ph idx="1" type="body"/>
+            <p:ph type="body" idx="1"/>
           </p:nvPr>
         </p:nvSpPr>
         <p:spPr>
@@ -872,12 +907,12 @@
           </a:prstGeom>
         </p:spPr>
         <p:txBody>
-          <a:bodyPr anchorCtr="0" anchor="t" bIns="91425" lIns="91425" spcFirstLastPara="1" rIns="91425" wrap="square" tIns="91425">
+          <a:bodyPr spcFirstLastPara="1" wrap="square" lIns="91425" tIns="91425" rIns="91425" bIns="91425" anchor="t" anchorCtr="0">
             <a:noAutofit/>
           </a:bodyPr>
           <a:lstStyle/>
           <a:p>
-            <a:pPr indent="0" lvl="0" marL="0" rtl="0" algn="l">
+            <a:pPr marL="0" lvl="0" indent="0" algn="l" rtl="0">
               <a:spcBef>
                 <a:spcPts val="0"/>
               </a:spcBef>
@@ -886,9 +921,6 @@
               </a:spcAft>
               <a:buNone/>
             </a:pPr>
-            <a:r>
-              <a:t/>
-            </a:r>
             <a:endParaRPr/>
           </a:p>
         </p:txBody>
@@ -902,11 +934,11 @@
 </file>
 
 <file path=ppt/notesSlides/notesSlide3.xml><?xml version="1.0" encoding="utf-8"?>
-<p:notes xmlns:a="http://schemas.openxmlformats.org/drawingml/2006/main" xmlns:r="http://schemas.openxmlformats.org/officeDocument/2006/relationships" xmlns:mc="http://schemas.openxmlformats.org/markup-compatibility/2006" xmlns:mv="urn:schemas-microsoft-com:mac:vml" xmlns:p="http://schemas.openxmlformats.org/presentationml/2006/main" xmlns:c="http://schemas.openxmlformats.org/drawingml/2006/chart" xmlns:dgm="http://schemas.openxmlformats.org/drawingml/2006/diagram" xmlns:o="urn:schemas-microsoft-com:office:office" xmlns:v="urn:schemas-microsoft-com:vml" xmlns:pvml="urn:schemas-microsoft-com:office:powerpoint" xmlns:com="http://schemas.openxmlformats.org/drawingml/2006/compatibility" xmlns:p14="http://schemas.microsoft.com/office/powerpoint/2010/main" xmlns:p15="http://schemas.microsoft.com/office/powerpoint/2012/main" xmlns:ahyp="http://schemas.microsoft.com/office/drawing/2018/hyperlinkcolor" showMasterPhAnim="0" showMasterSp="0">
+<p:notes xmlns:a="http://schemas.openxmlformats.org/drawingml/2006/main" xmlns:r="http://schemas.openxmlformats.org/officeDocument/2006/relationships" xmlns:p="http://schemas.openxmlformats.org/presentationml/2006/main" showMasterSp="0" showMasterPhAnim="0">
   <p:cSld>
     <p:spTree>
       <p:nvGrpSpPr>
-        <p:cNvPr id="138" name="Shape 138"/>
+        <p:cNvPr id="1" name="Shape 138"/>
         <p:cNvGrpSpPr/>
         <p:nvPr/>
       </p:nvGrpSpPr>
@@ -921,9 +953,11 @@
       <p:sp>
         <p:nvSpPr>
           <p:cNvPr id="139" name="Google Shape;139;g28a5ece5f68_0_127:notes"/>
-          <p:cNvSpPr/>
+          <p:cNvSpPr>
+            <a:spLocks noGrp="1" noRot="1" noChangeAspect="1"/>
+          </p:cNvSpPr>
           <p:nvPr>
-            <p:ph idx="2" type="sldImg"/>
+            <p:ph type="sldImg" idx="2"/>
           </p:nvPr>
         </p:nvSpPr>
         <p:spPr>
@@ -932,9 +966,13 @@
             <a:ext cx="6096000" cy="3429000"/>
           </a:xfrm>
           <a:custGeom>
-            <a:rect b="b" l="l" r="r" t="t"/>
+            <a:avLst/>
+            <a:gdLst/>
+            <a:ahLst/>
+            <a:cxnLst/>
+            <a:rect l="l" t="t" r="r" b="b"/>
             <a:pathLst>
-              <a:path extrusionOk="0" h="120000" w="120000">
+              <a:path w="120000" h="120000" extrusionOk="0">
                 <a:moveTo>
                   <a:pt x="0" y="0"/>
                 </a:moveTo>
@@ -956,9 +994,11 @@
       <p:sp>
         <p:nvSpPr>
           <p:cNvPr id="140" name="Google Shape;140;g28a5ece5f68_0_127:notes"/>
-          <p:cNvSpPr txBox="1"/>
+          <p:cNvSpPr txBox="1">
+            <a:spLocks noGrp="1"/>
+          </p:cNvSpPr>
           <p:nvPr>
-            <p:ph idx="1" type="body"/>
+            <p:ph type="body" idx="1"/>
           </p:nvPr>
         </p:nvSpPr>
         <p:spPr>
@@ -971,12 +1011,12 @@
           </a:prstGeom>
         </p:spPr>
         <p:txBody>
-          <a:bodyPr anchorCtr="0" anchor="t" bIns="91425" lIns="91425" spcFirstLastPara="1" rIns="91425" wrap="square" tIns="91425">
+          <a:bodyPr spcFirstLastPara="1" wrap="square" lIns="91425" tIns="91425" rIns="91425" bIns="91425" anchor="t" anchorCtr="0">
             <a:noAutofit/>
           </a:bodyPr>
           <a:lstStyle/>
           <a:p>
-            <a:pPr indent="0" lvl="0" marL="0" rtl="0" algn="l">
+            <a:pPr marL="0" lvl="0" indent="0" algn="l" rtl="0">
               <a:spcBef>
                 <a:spcPts val="0"/>
               </a:spcBef>
@@ -985,9 +1025,6 @@
               </a:spcAft>
               <a:buNone/>
             </a:pPr>
-            <a:r>
-              <a:t/>
-            </a:r>
             <a:endParaRPr/>
           </a:p>
         </p:txBody>
@@ -1001,11 +1038,11 @@
 </file>
 
 <file path=ppt/notesSlides/notesSlide4.xml><?xml version="1.0" encoding="utf-8"?>
-<p:notes xmlns:a="http://schemas.openxmlformats.org/drawingml/2006/main" xmlns:r="http://schemas.openxmlformats.org/officeDocument/2006/relationships" xmlns:mc="http://schemas.openxmlformats.org/markup-compatibility/2006" xmlns:mv="urn:schemas-microsoft-com:mac:vml" xmlns:p="http://schemas.openxmlformats.org/presentationml/2006/main" xmlns:c="http://schemas.openxmlformats.org/drawingml/2006/chart" xmlns:dgm="http://schemas.openxmlformats.org/drawingml/2006/diagram" xmlns:o="urn:schemas-microsoft-com:office:office" xmlns:v="urn:schemas-microsoft-com:vml" xmlns:pvml="urn:schemas-microsoft-com:office:powerpoint" xmlns:com="http://schemas.openxmlformats.org/drawingml/2006/compatibility" xmlns:p14="http://schemas.microsoft.com/office/powerpoint/2010/main" xmlns:p15="http://schemas.microsoft.com/office/powerpoint/2012/main" xmlns:ahyp="http://schemas.microsoft.com/office/drawing/2018/hyperlinkcolor" showMasterPhAnim="0" showMasterSp="0">
+<p:notes xmlns:a="http://schemas.openxmlformats.org/drawingml/2006/main" xmlns:r="http://schemas.openxmlformats.org/officeDocument/2006/relationships" xmlns:p="http://schemas.openxmlformats.org/presentationml/2006/main" showMasterSp="0" showMasterPhAnim="0">
   <p:cSld>
     <p:spTree>
       <p:nvGrpSpPr>
-        <p:cNvPr id="146" name="Shape 146"/>
+        <p:cNvPr id="1" name="Shape 146"/>
         <p:cNvGrpSpPr/>
         <p:nvPr/>
       </p:nvGrpSpPr>
@@ -1020,20 +1057,26 @@
       <p:sp>
         <p:nvSpPr>
           <p:cNvPr id="147" name="Google Shape;147;g28a5ece5f68_0_134:notes"/>
-          <p:cNvSpPr/>
+          <p:cNvSpPr>
+            <a:spLocks noGrp="1" noRot="1" noChangeAspect="1"/>
+          </p:cNvSpPr>
           <p:nvPr>
-            <p:ph idx="2" type="sldImg"/>
+            <p:ph type="sldImg" idx="2"/>
           </p:nvPr>
         </p:nvSpPr>
         <p:spPr>
           <a:xfrm>
-            <a:off x="381300" y="685800"/>
+            <a:off x="381000" y="685800"/>
             <a:ext cx="6096000" cy="3429000"/>
           </a:xfrm>
           <a:custGeom>
-            <a:rect b="b" l="l" r="r" t="t"/>
+            <a:avLst/>
+            <a:gdLst/>
+            <a:ahLst/>
+            <a:cxnLst/>
+            <a:rect l="l" t="t" r="r" b="b"/>
             <a:pathLst>
-              <a:path extrusionOk="0" h="120000" w="120000">
+              <a:path w="120000" h="120000" extrusionOk="0">
                 <a:moveTo>
                   <a:pt x="0" y="0"/>
                 </a:moveTo>
@@ -1055,9 +1098,11 @@
       <p:sp>
         <p:nvSpPr>
           <p:cNvPr id="148" name="Google Shape;148;g28a5ece5f68_0_134:notes"/>
-          <p:cNvSpPr txBox="1"/>
+          <p:cNvSpPr txBox="1">
+            <a:spLocks noGrp="1"/>
+          </p:cNvSpPr>
           <p:nvPr>
-            <p:ph idx="1" type="body"/>
+            <p:ph type="body" idx="1"/>
           </p:nvPr>
         </p:nvSpPr>
         <p:spPr>
@@ -1070,12 +1115,12 @@
           </a:prstGeom>
         </p:spPr>
         <p:txBody>
-          <a:bodyPr anchorCtr="0" anchor="t" bIns="91425" lIns="91425" spcFirstLastPara="1" rIns="91425" wrap="square" tIns="91425">
+          <a:bodyPr spcFirstLastPara="1" wrap="square" lIns="91425" tIns="91425" rIns="91425" bIns="91425" anchor="t" anchorCtr="0">
             <a:noAutofit/>
           </a:bodyPr>
           <a:lstStyle/>
           <a:p>
-            <a:pPr indent="0" lvl="0" marL="0" rtl="0" algn="l">
+            <a:pPr marL="0" lvl="0" indent="0" algn="l" rtl="0">
               <a:spcBef>
                 <a:spcPts val="0"/>
               </a:spcBef>
@@ -1084,9 +1129,6 @@
               </a:spcAft>
               <a:buNone/>
             </a:pPr>
-            <a:r>
-              <a:t/>
-            </a:r>
             <a:endParaRPr/>
           </a:p>
         </p:txBody>
@@ -1100,11 +1142,11 @@
 </file>
 
 <file path=ppt/notesSlides/notesSlide5.xml><?xml version="1.0" encoding="utf-8"?>
-<p:notes xmlns:a="http://schemas.openxmlformats.org/drawingml/2006/main" xmlns:r="http://schemas.openxmlformats.org/officeDocument/2006/relationships" xmlns:mc="http://schemas.openxmlformats.org/markup-compatibility/2006" xmlns:mv="urn:schemas-microsoft-com:mac:vml" xmlns:p="http://schemas.openxmlformats.org/presentationml/2006/main" xmlns:c="http://schemas.openxmlformats.org/drawingml/2006/chart" xmlns:dgm="http://schemas.openxmlformats.org/drawingml/2006/diagram" xmlns:o="urn:schemas-microsoft-com:office:office" xmlns:v="urn:schemas-microsoft-com:vml" xmlns:pvml="urn:schemas-microsoft-com:office:powerpoint" xmlns:com="http://schemas.openxmlformats.org/drawingml/2006/compatibility" xmlns:p14="http://schemas.microsoft.com/office/powerpoint/2010/main" xmlns:p15="http://schemas.microsoft.com/office/powerpoint/2012/main" xmlns:ahyp="http://schemas.microsoft.com/office/drawing/2018/hyperlinkcolor" showMasterPhAnim="0" showMasterSp="0">
+<p:notes xmlns:a="http://schemas.openxmlformats.org/drawingml/2006/main" xmlns:r="http://schemas.openxmlformats.org/officeDocument/2006/relationships" xmlns:p="http://schemas.openxmlformats.org/presentationml/2006/main" showMasterSp="0" showMasterPhAnim="0">
   <p:cSld>
     <p:spTree>
       <p:nvGrpSpPr>
-        <p:cNvPr id="153" name="Shape 153"/>
+        <p:cNvPr id="1" name="Shape 153"/>
         <p:cNvGrpSpPr/>
         <p:nvPr/>
       </p:nvGrpSpPr>
@@ -1119,9 +1161,11 @@
       <p:sp>
         <p:nvSpPr>
           <p:cNvPr id="154" name="Google Shape;154;g28a5ece5f68_0_141:notes"/>
-          <p:cNvSpPr/>
+          <p:cNvSpPr>
+            <a:spLocks noGrp="1" noRot="1" noChangeAspect="1"/>
+          </p:cNvSpPr>
           <p:nvPr>
-            <p:ph idx="2" type="sldImg"/>
+            <p:ph type="sldImg" idx="2"/>
           </p:nvPr>
         </p:nvSpPr>
         <p:spPr>
@@ -1130,9 +1174,13 @@
             <a:ext cx="6096000" cy="3429000"/>
           </a:xfrm>
           <a:custGeom>
-            <a:rect b="b" l="l" r="r" t="t"/>
+            <a:avLst/>
+            <a:gdLst/>
+            <a:ahLst/>
+            <a:cxnLst/>
+            <a:rect l="l" t="t" r="r" b="b"/>
             <a:pathLst>
-              <a:path extrusionOk="0" h="120000" w="120000">
+              <a:path w="120000" h="120000" extrusionOk="0">
                 <a:moveTo>
                   <a:pt x="0" y="0"/>
                 </a:moveTo>
@@ -1154,9 +1202,11 @@
       <p:sp>
         <p:nvSpPr>
           <p:cNvPr id="155" name="Google Shape;155;g28a5ece5f68_0_141:notes"/>
-          <p:cNvSpPr txBox="1"/>
+          <p:cNvSpPr txBox="1">
+            <a:spLocks noGrp="1"/>
+          </p:cNvSpPr>
           <p:nvPr>
-            <p:ph idx="1" type="body"/>
+            <p:ph type="body" idx="1"/>
           </p:nvPr>
         </p:nvSpPr>
         <p:spPr>
@@ -1169,12 +1219,12 @@
           </a:prstGeom>
         </p:spPr>
         <p:txBody>
-          <a:bodyPr anchorCtr="0" anchor="t" bIns="91425" lIns="91425" spcFirstLastPara="1" rIns="91425" wrap="square" tIns="91425">
+          <a:bodyPr spcFirstLastPara="1" wrap="square" lIns="91425" tIns="91425" rIns="91425" bIns="91425" anchor="t" anchorCtr="0">
             <a:noAutofit/>
           </a:bodyPr>
           <a:lstStyle/>
           <a:p>
-            <a:pPr indent="0" lvl="0" marL="0" rtl="0" algn="l">
+            <a:pPr marL="0" lvl="0" indent="0" algn="l" rtl="0">
               <a:spcBef>
                 <a:spcPts val="0"/>
               </a:spcBef>
@@ -1183,9 +1233,6 @@
               </a:spcAft>
               <a:buNone/>
             </a:pPr>
-            <a:r>
-              <a:t/>
-            </a:r>
             <a:endParaRPr/>
           </a:p>
         </p:txBody>
@@ -1199,11 +1246,11 @@
 </file>
 
 <file path=ppt/notesSlides/notesSlide6.xml><?xml version="1.0" encoding="utf-8"?>
-<p:notes xmlns:a="http://schemas.openxmlformats.org/drawingml/2006/main" xmlns:r="http://schemas.openxmlformats.org/officeDocument/2006/relationships" xmlns:mc="http://schemas.openxmlformats.org/markup-compatibility/2006" xmlns:mv="urn:schemas-microsoft-com:mac:vml" xmlns:p="http://schemas.openxmlformats.org/presentationml/2006/main" xmlns:c="http://schemas.openxmlformats.org/drawingml/2006/chart" xmlns:dgm="http://schemas.openxmlformats.org/drawingml/2006/diagram" xmlns:o="urn:schemas-microsoft-com:office:office" xmlns:v="urn:schemas-microsoft-com:vml" xmlns:pvml="urn:schemas-microsoft-com:office:powerpoint" xmlns:com="http://schemas.openxmlformats.org/drawingml/2006/compatibility" xmlns:p14="http://schemas.microsoft.com/office/powerpoint/2010/main" xmlns:p15="http://schemas.microsoft.com/office/powerpoint/2012/main" xmlns:ahyp="http://schemas.microsoft.com/office/drawing/2018/hyperlinkcolor" showMasterPhAnim="0" showMasterSp="0">
+<p:notes xmlns:a="http://schemas.openxmlformats.org/drawingml/2006/main" xmlns:r="http://schemas.openxmlformats.org/officeDocument/2006/relationships" xmlns:p="http://schemas.openxmlformats.org/presentationml/2006/main" showMasterSp="0" showMasterPhAnim="0">
   <p:cSld>
     <p:spTree>
       <p:nvGrpSpPr>
-        <p:cNvPr id="160" name="Shape 160"/>
+        <p:cNvPr id="1" name="Shape 160"/>
         <p:cNvGrpSpPr/>
         <p:nvPr/>
       </p:nvGrpSpPr>
@@ -1218,9 +1265,11 @@
       <p:sp>
         <p:nvSpPr>
           <p:cNvPr id="161" name="Google Shape;161;g28a5ece5f68_0_148:notes"/>
-          <p:cNvSpPr/>
+          <p:cNvSpPr>
+            <a:spLocks noGrp="1" noRot="1" noChangeAspect="1"/>
+          </p:cNvSpPr>
           <p:nvPr>
-            <p:ph idx="2" type="sldImg"/>
+            <p:ph type="sldImg" idx="2"/>
           </p:nvPr>
         </p:nvSpPr>
         <p:spPr>
@@ -1229,9 +1278,13 @@
             <a:ext cx="6096000" cy="3429000"/>
           </a:xfrm>
           <a:custGeom>
-            <a:rect b="b" l="l" r="r" t="t"/>
+            <a:avLst/>
+            <a:gdLst/>
+            <a:ahLst/>
+            <a:cxnLst/>
+            <a:rect l="l" t="t" r="r" b="b"/>
             <a:pathLst>
-              <a:path extrusionOk="0" h="120000" w="120000">
+              <a:path w="120000" h="120000" extrusionOk="0">
                 <a:moveTo>
                   <a:pt x="0" y="0"/>
                 </a:moveTo>
@@ -1253,9 +1306,11 @@
       <p:sp>
         <p:nvSpPr>
           <p:cNvPr id="162" name="Google Shape;162;g28a5ece5f68_0_148:notes"/>
-          <p:cNvSpPr txBox="1"/>
+          <p:cNvSpPr txBox="1">
+            <a:spLocks noGrp="1"/>
+          </p:cNvSpPr>
           <p:nvPr>
-            <p:ph idx="1" type="body"/>
+            <p:ph type="body" idx="1"/>
           </p:nvPr>
         </p:nvSpPr>
         <p:spPr>
@@ -1268,12 +1323,12 @@
           </a:prstGeom>
         </p:spPr>
         <p:txBody>
-          <a:bodyPr anchorCtr="0" anchor="t" bIns="91425" lIns="91425" spcFirstLastPara="1" rIns="91425" wrap="square" tIns="91425">
+          <a:bodyPr spcFirstLastPara="1" wrap="square" lIns="91425" tIns="91425" rIns="91425" bIns="91425" anchor="t" anchorCtr="0">
             <a:noAutofit/>
           </a:bodyPr>
           <a:lstStyle/>
           <a:p>
-            <a:pPr indent="0" lvl="0" marL="0" rtl="0" algn="l">
+            <a:pPr marL="0" lvl="0" indent="0" algn="l" rtl="0">
               <a:spcBef>
                 <a:spcPts val="0"/>
               </a:spcBef>
@@ -1282,9 +1337,6 @@
               </a:spcAft>
               <a:buNone/>
             </a:pPr>
-            <a:r>
-              <a:t/>
-            </a:r>
             <a:endParaRPr/>
           </a:p>
         </p:txBody>
@@ -1298,11 +1350,11 @@
 </file>
 
 <file path=ppt/notesSlides/notesSlide7.xml><?xml version="1.0" encoding="utf-8"?>
-<p:notes xmlns:a="http://schemas.openxmlformats.org/drawingml/2006/main" xmlns:r="http://schemas.openxmlformats.org/officeDocument/2006/relationships" xmlns:mc="http://schemas.openxmlformats.org/markup-compatibility/2006" xmlns:mv="urn:schemas-microsoft-com:mac:vml" xmlns:p="http://schemas.openxmlformats.org/presentationml/2006/main" xmlns:c="http://schemas.openxmlformats.org/drawingml/2006/chart" xmlns:dgm="http://schemas.openxmlformats.org/drawingml/2006/diagram" xmlns:o="urn:schemas-microsoft-com:office:office" xmlns:v="urn:schemas-microsoft-com:vml" xmlns:pvml="urn:schemas-microsoft-com:office:powerpoint" xmlns:com="http://schemas.openxmlformats.org/drawingml/2006/compatibility" xmlns:p14="http://schemas.microsoft.com/office/powerpoint/2010/main" xmlns:p15="http://schemas.microsoft.com/office/powerpoint/2012/main" xmlns:ahyp="http://schemas.microsoft.com/office/drawing/2018/hyperlinkcolor" showMasterPhAnim="0" showMasterSp="0">
+<p:notes xmlns:a="http://schemas.openxmlformats.org/drawingml/2006/main" xmlns:r="http://schemas.openxmlformats.org/officeDocument/2006/relationships" xmlns:p="http://schemas.openxmlformats.org/presentationml/2006/main" showMasterSp="0" showMasterPhAnim="0">
   <p:cSld>
     <p:spTree>
       <p:nvGrpSpPr>
-        <p:cNvPr id="167" name="Shape 167"/>
+        <p:cNvPr id="1" name="Shape 167"/>
         <p:cNvGrpSpPr/>
         <p:nvPr/>
       </p:nvGrpSpPr>
@@ -1317,9 +1369,11 @@
       <p:sp>
         <p:nvSpPr>
           <p:cNvPr id="168" name="Google Shape;168;g28a5ece5f68_0_155:notes"/>
-          <p:cNvSpPr/>
+          <p:cNvSpPr>
+            <a:spLocks noGrp="1" noRot="1" noChangeAspect="1"/>
+          </p:cNvSpPr>
           <p:nvPr>
-            <p:ph idx="2" type="sldImg"/>
+            <p:ph type="sldImg" idx="2"/>
           </p:nvPr>
         </p:nvSpPr>
         <p:spPr>
@@ -1328,9 +1382,13 @@
             <a:ext cx="6096000" cy="3429000"/>
           </a:xfrm>
           <a:custGeom>
-            <a:rect b="b" l="l" r="r" t="t"/>
+            <a:avLst/>
+            <a:gdLst/>
+            <a:ahLst/>
+            <a:cxnLst/>
+            <a:rect l="l" t="t" r="r" b="b"/>
             <a:pathLst>
-              <a:path extrusionOk="0" h="120000" w="120000">
+              <a:path w="120000" h="120000" extrusionOk="0">
                 <a:moveTo>
                   <a:pt x="0" y="0"/>
                 </a:moveTo>
@@ -1352,9 +1410,11 @@
       <p:sp>
         <p:nvSpPr>
           <p:cNvPr id="169" name="Google Shape;169;g28a5ece5f68_0_155:notes"/>
-          <p:cNvSpPr txBox="1"/>
+          <p:cNvSpPr txBox="1">
+            <a:spLocks noGrp="1"/>
+          </p:cNvSpPr>
           <p:nvPr>
-            <p:ph idx="1" type="body"/>
+            <p:ph type="body" idx="1"/>
           </p:nvPr>
         </p:nvSpPr>
         <p:spPr>
@@ -1367,12 +1427,12 @@
           </a:prstGeom>
         </p:spPr>
         <p:txBody>
-          <a:bodyPr anchorCtr="0" anchor="t" bIns="91425" lIns="91425" spcFirstLastPara="1" rIns="91425" wrap="square" tIns="91425">
+          <a:bodyPr spcFirstLastPara="1" wrap="square" lIns="91425" tIns="91425" rIns="91425" bIns="91425" anchor="t" anchorCtr="0">
             <a:noAutofit/>
           </a:bodyPr>
           <a:lstStyle/>
           <a:p>
-            <a:pPr indent="0" lvl="0" marL="0" rtl="0" algn="l">
+            <a:pPr marL="0" lvl="0" indent="0" algn="l" rtl="0">
               <a:spcBef>
                 <a:spcPts val="0"/>
               </a:spcBef>
@@ -1381,9 +1441,6 @@
               </a:spcAft>
               <a:buNone/>
             </a:pPr>
-            <a:r>
-              <a:t/>
-            </a:r>
             <a:endParaRPr/>
           </a:p>
         </p:txBody>
@@ -1397,11 +1454,11 @@
 </file>
 
 <file path=ppt/notesSlides/notesSlide8.xml><?xml version="1.0" encoding="utf-8"?>
-<p:notes xmlns:a="http://schemas.openxmlformats.org/drawingml/2006/main" xmlns:r="http://schemas.openxmlformats.org/officeDocument/2006/relationships" xmlns:mc="http://schemas.openxmlformats.org/markup-compatibility/2006" xmlns:mv="urn:schemas-microsoft-com:mac:vml" xmlns:p="http://schemas.openxmlformats.org/presentationml/2006/main" xmlns:c="http://schemas.openxmlformats.org/drawingml/2006/chart" xmlns:dgm="http://schemas.openxmlformats.org/drawingml/2006/diagram" xmlns:o="urn:schemas-microsoft-com:office:office" xmlns:v="urn:schemas-microsoft-com:vml" xmlns:pvml="urn:schemas-microsoft-com:office:powerpoint" xmlns:com="http://schemas.openxmlformats.org/drawingml/2006/compatibility" xmlns:p14="http://schemas.microsoft.com/office/powerpoint/2010/main" xmlns:p15="http://schemas.microsoft.com/office/powerpoint/2012/main" xmlns:ahyp="http://schemas.microsoft.com/office/drawing/2018/hyperlinkcolor" showMasterPhAnim="0" showMasterSp="0">
+<p:notes xmlns:a="http://schemas.openxmlformats.org/drawingml/2006/main" xmlns:r="http://schemas.openxmlformats.org/officeDocument/2006/relationships" xmlns:p="http://schemas.openxmlformats.org/presentationml/2006/main" showMasterSp="0" showMasterPhAnim="0">
   <p:cSld>
     <p:spTree>
       <p:nvGrpSpPr>
-        <p:cNvPr id="174" name="Shape 174"/>
+        <p:cNvPr id="1" name="Shape 174"/>
         <p:cNvGrpSpPr/>
         <p:nvPr/>
       </p:nvGrpSpPr>
@@ -1416,9 +1473,11 @@
       <p:sp>
         <p:nvSpPr>
           <p:cNvPr id="175" name="Google Shape;175;g28a5ece5f68_0_162:notes"/>
-          <p:cNvSpPr/>
+          <p:cNvSpPr>
+            <a:spLocks noGrp="1" noRot="1" noChangeAspect="1"/>
+          </p:cNvSpPr>
           <p:nvPr>
-            <p:ph idx="2" type="sldImg"/>
+            <p:ph type="sldImg" idx="2"/>
           </p:nvPr>
         </p:nvSpPr>
         <p:spPr>
@@ -1427,9 +1486,13 @@
             <a:ext cx="6096000" cy="3429000"/>
           </a:xfrm>
           <a:custGeom>
-            <a:rect b="b" l="l" r="r" t="t"/>
+            <a:avLst/>
+            <a:gdLst/>
+            <a:ahLst/>
+            <a:cxnLst/>
+            <a:rect l="l" t="t" r="r" b="b"/>
             <a:pathLst>
-              <a:path extrusionOk="0" h="120000" w="120000">
+              <a:path w="120000" h="120000" extrusionOk="0">
                 <a:moveTo>
                   <a:pt x="0" y="0"/>
                 </a:moveTo>
@@ -1451,9 +1514,11 @@
       <p:sp>
         <p:nvSpPr>
           <p:cNvPr id="176" name="Google Shape;176;g28a5ece5f68_0_162:notes"/>
-          <p:cNvSpPr txBox="1"/>
+          <p:cNvSpPr txBox="1">
+            <a:spLocks noGrp="1"/>
+          </p:cNvSpPr>
           <p:nvPr>
-            <p:ph idx="1" type="body"/>
+            <p:ph type="body" idx="1"/>
           </p:nvPr>
         </p:nvSpPr>
         <p:spPr>
@@ -1466,12 +1531,12 @@
           </a:prstGeom>
         </p:spPr>
         <p:txBody>
-          <a:bodyPr anchorCtr="0" anchor="t" bIns="91425" lIns="91425" spcFirstLastPara="1" rIns="91425" wrap="square" tIns="91425">
+          <a:bodyPr spcFirstLastPara="1" wrap="square" lIns="91425" tIns="91425" rIns="91425" bIns="91425" anchor="t" anchorCtr="0">
             <a:noAutofit/>
           </a:bodyPr>
           <a:lstStyle/>
           <a:p>
-            <a:pPr indent="0" lvl="0" marL="0" rtl="0" algn="l">
+            <a:pPr marL="0" lvl="0" indent="0" algn="l" rtl="0">
               <a:spcBef>
                 <a:spcPts val="0"/>
               </a:spcBef>
@@ -1480,9 +1545,6 @@
               </a:spcAft>
               <a:buNone/>
             </a:pPr>
-            <a:r>
-              <a:t/>
-            </a:r>
             <a:endParaRPr/>
           </a:p>
         </p:txBody>
@@ -1496,11 +1558,11 @@
 </file>
 
 <file path=ppt/notesSlides/notesSlide9.xml><?xml version="1.0" encoding="utf-8"?>
-<p:notes xmlns:a="http://schemas.openxmlformats.org/drawingml/2006/main" xmlns:r="http://schemas.openxmlformats.org/officeDocument/2006/relationships" xmlns:mc="http://schemas.openxmlformats.org/markup-compatibility/2006" xmlns:mv="urn:schemas-microsoft-com:mac:vml" xmlns:p="http://schemas.openxmlformats.org/presentationml/2006/main" xmlns:c="http://schemas.openxmlformats.org/drawingml/2006/chart" xmlns:dgm="http://schemas.openxmlformats.org/drawingml/2006/diagram" xmlns:o="urn:schemas-microsoft-com:office:office" xmlns:v="urn:schemas-microsoft-com:vml" xmlns:pvml="urn:schemas-microsoft-com:office:powerpoint" xmlns:com="http://schemas.openxmlformats.org/drawingml/2006/compatibility" xmlns:p14="http://schemas.microsoft.com/office/powerpoint/2010/main" xmlns:p15="http://schemas.microsoft.com/office/powerpoint/2012/main" xmlns:ahyp="http://schemas.microsoft.com/office/drawing/2018/hyperlinkcolor" showMasterPhAnim="0" showMasterSp="0">
+<p:notes xmlns:a="http://schemas.openxmlformats.org/drawingml/2006/main" xmlns:r="http://schemas.openxmlformats.org/officeDocument/2006/relationships" xmlns:p="http://schemas.openxmlformats.org/presentationml/2006/main" showMasterSp="0" showMasterPhAnim="0">
   <p:cSld>
     <p:spTree>
       <p:nvGrpSpPr>
-        <p:cNvPr id="181" name="Shape 181"/>
+        <p:cNvPr id="1" name="Shape 181"/>
         <p:cNvGrpSpPr/>
         <p:nvPr/>
       </p:nvGrpSpPr>
@@ -1515,20 +1577,26 @@
       <p:sp>
         <p:nvSpPr>
           <p:cNvPr id="182" name="Google Shape;182;g28a5ece5f68_0_169:notes"/>
-          <p:cNvSpPr/>
+          <p:cNvSpPr>
+            <a:spLocks noGrp="1" noRot="1" noChangeAspect="1"/>
+          </p:cNvSpPr>
           <p:nvPr>
-            <p:ph idx="2" type="sldImg"/>
+            <p:ph type="sldImg" idx="2"/>
           </p:nvPr>
         </p:nvSpPr>
         <p:spPr>
           <a:xfrm>
-            <a:off x="381300" y="685800"/>
+            <a:off x="381000" y="685800"/>
             <a:ext cx="6096000" cy="3429000"/>
           </a:xfrm>
           <a:custGeom>
-            <a:rect b="b" l="l" r="r" t="t"/>
+            <a:avLst/>
+            <a:gdLst/>
+            <a:ahLst/>
+            <a:cxnLst/>
+            <a:rect l="l" t="t" r="r" b="b"/>
             <a:pathLst>
-              <a:path extrusionOk="0" h="120000" w="120000">
+              <a:path w="120000" h="120000" extrusionOk="0">
                 <a:moveTo>
                   <a:pt x="0" y="0"/>
                 </a:moveTo>
@@ -1550,9 +1618,11 @@
       <p:sp>
         <p:nvSpPr>
           <p:cNvPr id="183" name="Google Shape;183;g28a5ece5f68_0_169:notes"/>
-          <p:cNvSpPr txBox="1"/>
+          <p:cNvSpPr txBox="1">
+            <a:spLocks noGrp="1"/>
+          </p:cNvSpPr>
           <p:nvPr>
-            <p:ph idx="1" type="body"/>
+            <p:ph type="body" idx="1"/>
           </p:nvPr>
         </p:nvSpPr>
         <p:spPr>
@@ -1565,12 +1635,12 @@
           </a:prstGeom>
         </p:spPr>
         <p:txBody>
-          <a:bodyPr anchorCtr="0" anchor="t" bIns="91425" lIns="91425" spcFirstLastPara="1" rIns="91425" wrap="square" tIns="91425">
+          <a:bodyPr spcFirstLastPara="1" wrap="square" lIns="91425" tIns="91425" rIns="91425" bIns="91425" anchor="t" anchorCtr="0">
             <a:noAutofit/>
           </a:bodyPr>
           <a:lstStyle/>
           <a:p>
-            <a:pPr indent="0" lvl="0" marL="0" rtl="0" algn="l">
+            <a:pPr marL="0" lvl="0" indent="0" algn="l" rtl="0">
               <a:spcBef>
                 <a:spcPts val="0"/>
               </a:spcBef>
@@ -1579,9 +1649,6 @@
               </a:spcAft>
               <a:buNone/>
             </a:pPr>
-            <a:r>
-              <a:t/>
-            </a:r>
             <a:endParaRPr/>
           </a:p>
         </p:txBody>
@@ -1595,18 +1662,19 @@
 </file>
 
 <file path=ppt/slideLayouts/slideLayout1.xml><?xml version="1.0" encoding="utf-8"?>
-<p:sldLayout xmlns:a="http://schemas.openxmlformats.org/drawingml/2006/main" xmlns:r="http://schemas.openxmlformats.org/officeDocument/2006/relationships" xmlns:mc="http://schemas.openxmlformats.org/markup-compatibility/2006" xmlns:mv="urn:schemas-microsoft-com:mac:vml" xmlns:p="http://schemas.openxmlformats.org/presentationml/2006/main" xmlns:c="http://schemas.openxmlformats.org/drawingml/2006/chart" xmlns:dgm="http://schemas.openxmlformats.org/drawingml/2006/diagram" xmlns:o="urn:schemas-microsoft-com:office:office" xmlns:v="urn:schemas-microsoft-com:vml" xmlns:pvml="urn:schemas-microsoft-com:office:powerpoint" xmlns:com="http://schemas.openxmlformats.org/drawingml/2006/compatibility" xmlns:p14="http://schemas.microsoft.com/office/powerpoint/2010/main" xmlns:p15="http://schemas.microsoft.com/office/powerpoint/2012/main" xmlns:ahyp="http://schemas.microsoft.com/office/drawing/2018/hyperlinkcolor" matchingName="Title slide" type="title">
+<p:sldLayout xmlns:a="http://schemas.openxmlformats.org/drawingml/2006/main" xmlns:r="http://schemas.openxmlformats.org/officeDocument/2006/relationships" xmlns:p="http://schemas.openxmlformats.org/presentationml/2006/main" matchingName="Title slide" type="title">
   <p:cSld name="TITLE">
     <p:bg>
       <p:bgPr>
         <a:solidFill>
           <a:schemeClr val="accent6"/>
         </a:solidFill>
+        <a:effectLst/>
       </p:bgPr>
     </p:bg>
     <p:spTree>
       <p:nvGrpSpPr>
-        <p:cNvPr id="9" name="Shape 9"/>
+        <p:cNvPr id="1" name="Shape 9"/>
         <p:cNvGrpSpPr/>
         <p:nvPr/>
       </p:nvGrpSpPr>
@@ -1640,12 +1708,12 @@
           </a:ln>
         </p:spPr>
         <p:txBody>
-          <a:bodyPr anchorCtr="0" anchor="ctr" bIns="91425" lIns="91425" spcFirstLastPara="1" rIns="91425" wrap="square" tIns="91425">
+          <a:bodyPr spcFirstLastPara="1" wrap="square" lIns="91425" tIns="91425" rIns="91425" bIns="91425" anchor="ctr" anchorCtr="0">
             <a:noAutofit/>
           </a:bodyPr>
           <a:lstStyle/>
           <a:p>
-            <a:pPr indent="0" lvl="0" marL="0" rtl="0" algn="l">
+            <a:pPr marL="0" lvl="0" indent="0" algn="l" rtl="0">
               <a:spcBef>
                 <a:spcPts val="0"/>
               </a:spcBef>
@@ -1654,9 +1722,6 @@
               </a:spcAft>
               <a:buNone/>
             </a:pPr>
-            <a:r>
-              <a:t/>
-            </a:r>
             <a:endParaRPr/>
           </a:p>
         </p:txBody>
@@ -1683,12 +1748,12 @@
           </a:ln>
         </p:spPr>
         <p:txBody>
-          <a:bodyPr anchorCtr="0" anchor="ctr" bIns="91425" lIns="91425" spcFirstLastPara="1" rIns="91425" wrap="square" tIns="91425">
+          <a:bodyPr spcFirstLastPara="1" wrap="square" lIns="91425" tIns="91425" rIns="91425" bIns="91425" anchor="ctr" anchorCtr="0">
             <a:noAutofit/>
           </a:bodyPr>
           <a:lstStyle/>
           <a:p>
-            <a:pPr indent="0" lvl="0" marL="0" rtl="0" algn="l">
+            <a:pPr marL="0" lvl="0" indent="0" algn="l" rtl="0">
               <a:spcBef>
                 <a:spcPts val="0"/>
               </a:spcBef>
@@ -1697,9 +1762,6 @@
               </a:spcAft>
               <a:buNone/>
             </a:pPr>
-            <a:r>
-              <a:t/>
-            </a:r>
             <a:endParaRPr/>
           </a:p>
         </p:txBody>
@@ -1726,12 +1788,12 @@
           </a:ln>
         </p:spPr>
         <p:txBody>
-          <a:bodyPr anchorCtr="0" anchor="ctr" bIns="91425" lIns="91425" spcFirstLastPara="1" rIns="91425" wrap="square" tIns="91425">
+          <a:bodyPr spcFirstLastPara="1" wrap="square" lIns="91425" tIns="91425" rIns="91425" bIns="91425" anchor="ctr" anchorCtr="0">
             <a:noAutofit/>
           </a:bodyPr>
           <a:lstStyle/>
           <a:p>
-            <a:pPr indent="0" lvl="0" marL="0" rtl="0" algn="l">
+            <a:pPr marL="0" lvl="0" indent="0" algn="l" rtl="0">
               <a:spcBef>
                 <a:spcPts val="0"/>
               </a:spcBef>
@@ -1740,9 +1802,6 @@
               </a:spcAft>
               <a:buNone/>
             </a:pPr>
-            <a:r>
-              <a:t/>
-            </a:r>
             <a:endParaRPr/>
           </a:p>
         </p:txBody>
@@ -1768,7 +1827,7 @@
             <a:noFill/>
           </a:ln>
           <a:effectLst>
-            <a:outerShdw blurRad="228600" sx="101000" rotWithShape="0" algn="ctr" sy="101000">
+            <a:outerShdw blurRad="228600" sx="101000" sy="101000" algn="ctr" rotWithShape="0">
               <a:srgbClr val="000000">
                 <a:alpha val="40000"/>
               </a:srgbClr>
@@ -1776,12 +1835,12 @@
           </a:effectLst>
         </p:spPr>
         <p:txBody>
-          <a:bodyPr anchorCtr="0" anchor="ctr" bIns="91425" lIns="91425" spcFirstLastPara="1" rIns="91425" wrap="square" tIns="91425">
+          <a:bodyPr spcFirstLastPara="1" wrap="square" lIns="91425" tIns="91425" rIns="91425" bIns="91425" anchor="ctr" anchorCtr="0">
             <a:noAutofit/>
           </a:bodyPr>
           <a:lstStyle/>
           <a:p>
-            <a:pPr indent="0" lvl="0" marL="0" rtl="0" algn="l">
+            <a:pPr marL="0" lvl="0" indent="0" algn="l" rtl="0">
               <a:spcBef>
                 <a:spcPts val="0"/>
               </a:spcBef>
@@ -1790,9 +1849,6 @@
               </a:spcAft>
               <a:buNone/>
             </a:pPr>
-            <a:r>
-              <a:t/>
-            </a:r>
             <a:endParaRPr/>
           </a:p>
         </p:txBody>
@@ -1824,7 +1880,7 @@
             </a:xfrm>
             <a:prstGeom prst="parallelogram">
               <a:avLst>
-                <a:gd fmla="val 153193" name="adj"/>
+                <a:gd name="adj" fmla="val 153193"/>
               </a:avLst>
             </a:prstGeom>
             <a:solidFill>
@@ -1835,12 +1891,12 @@
             </a:ln>
           </p:spPr>
           <p:txBody>
-            <a:bodyPr anchorCtr="0" anchor="ctr" bIns="91425" lIns="91425" spcFirstLastPara="1" rIns="91425" wrap="square" tIns="91425">
+            <a:bodyPr spcFirstLastPara="1" wrap="square" lIns="91425" tIns="91425" rIns="91425" bIns="91425" anchor="ctr" anchorCtr="0">
               <a:noAutofit/>
             </a:bodyPr>
             <a:lstStyle/>
             <a:p>
-              <a:pPr indent="0" lvl="0" marL="0" rtl="0" algn="l">
+              <a:pPr marL="0" lvl="0" indent="0" algn="l" rtl="0">
                 <a:spcBef>
                   <a:spcPts val="0"/>
                 </a:spcBef>
@@ -1849,9 +1905,6 @@
                 </a:spcAft>
                 <a:buNone/>
               </a:pPr>
-              <a:r>
-                <a:t/>
-              </a:r>
               <a:endParaRPr/>
             </a:p>
           </p:txBody>
@@ -1869,7 +1922,7 @@
             </a:xfrm>
             <a:prstGeom prst="parallelogram">
               <a:avLst>
-                <a:gd fmla="val 153193" name="adj"/>
+                <a:gd name="adj" fmla="val 153193"/>
               </a:avLst>
             </a:prstGeom>
             <a:solidFill>
@@ -1880,12 +1933,12 @@
             </a:ln>
           </p:spPr>
           <p:txBody>
-            <a:bodyPr anchorCtr="0" anchor="ctr" bIns="91425" lIns="91425" spcFirstLastPara="1" rIns="91425" wrap="square" tIns="91425">
+            <a:bodyPr spcFirstLastPara="1" wrap="square" lIns="91425" tIns="91425" rIns="91425" bIns="91425" anchor="ctr" anchorCtr="0">
               <a:noAutofit/>
             </a:bodyPr>
             <a:lstStyle/>
             <a:p>
-              <a:pPr indent="0" lvl="0" marL="0" rtl="0" algn="l">
+              <a:pPr marL="0" lvl="0" indent="0" algn="l" rtl="0">
                 <a:spcBef>
                   <a:spcPts val="0"/>
                 </a:spcBef>
@@ -1894,9 +1947,6 @@
                 </a:spcAft>
                 <a:buNone/>
               </a:pPr>
-              <a:r>
-                <a:t/>
-              </a:r>
               <a:endParaRPr/>
             </a:p>
           </p:txBody>
@@ -1914,7 +1964,7 @@
             </a:xfrm>
             <a:prstGeom prst="parallelogram">
               <a:avLst>
-                <a:gd fmla="val 153193" name="adj"/>
+                <a:gd name="adj" fmla="val 153193"/>
               </a:avLst>
             </a:prstGeom>
             <a:solidFill>
@@ -1925,12 +1975,12 @@
             </a:ln>
           </p:spPr>
           <p:txBody>
-            <a:bodyPr anchorCtr="0" anchor="ctr" bIns="91425" lIns="91425" spcFirstLastPara="1" rIns="91425" wrap="square" tIns="91425">
+            <a:bodyPr spcFirstLastPara="1" wrap="square" lIns="91425" tIns="91425" rIns="91425" bIns="91425" anchor="ctr" anchorCtr="0">
               <a:noAutofit/>
             </a:bodyPr>
             <a:lstStyle/>
             <a:p>
-              <a:pPr indent="0" lvl="0" marL="0" rtl="0" algn="l">
+              <a:pPr marL="0" lvl="0" indent="0" algn="l" rtl="0">
                 <a:spcBef>
                   <a:spcPts val="0"/>
                 </a:spcBef>
@@ -1939,9 +1989,6 @@
                 </a:spcAft>
                 <a:buNone/>
               </a:pPr>
-              <a:r>
-                <a:t/>
-              </a:r>
               <a:endParaRPr/>
             </a:p>
           </p:txBody>
@@ -1974,7 +2021,7 @@
             </a:xfrm>
             <a:prstGeom prst="parallelogram">
               <a:avLst>
-                <a:gd fmla="val 153193" name="adj"/>
+                <a:gd name="adj" fmla="val 153193"/>
               </a:avLst>
             </a:prstGeom>
             <a:solidFill>
@@ -1985,12 +2032,12 @@
             </a:ln>
           </p:spPr>
           <p:txBody>
-            <a:bodyPr anchorCtr="0" anchor="ctr" bIns="91425" lIns="91425" spcFirstLastPara="1" rIns="91425" wrap="square" tIns="91425">
+            <a:bodyPr spcFirstLastPara="1" wrap="square" lIns="91425" tIns="91425" rIns="91425" bIns="91425" anchor="ctr" anchorCtr="0">
               <a:noAutofit/>
             </a:bodyPr>
             <a:lstStyle/>
             <a:p>
-              <a:pPr indent="0" lvl="0" marL="0" rtl="0" algn="l">
+              <a:pPr marL="0" lvl="0" indent="0" algn="l" rtl="0">
                 <a:spcBef>
                   <a:spcPts val="0"/>
                 </a:spcBef>
@@ -1999,9 +2046,6 @@
                 </a:spcAft>
                 <a:buNone/>
               </a:pPr>
-              <a:r>
-                <a:t/>
-              </a:r>
               <a:endParaRPr/>
             </a:p>
           </p:txBody>
@@ -2019,7 +2063,7 @@
             </a:xfrm>
             <a:prstGeom prst="parallelogram">
               <a:avLst>
-                <a:gd fmla="val 153193" name="adj"/>
+                <a:gd name="adj" fmla="val 153193"/>
               </a:avLst>
             </a:prstGeom>
             <a:solidFill>
@@ -2030,12 +2074,12 @@
             </a:ln>
           </p:spPr>
           <p:txBody>
-            <a:bodyPr anchorCtr="0" anchor="ctr" bIns="91425" lIns="91425" spcFirstLastPara="1" rIns="91425" wrap="square" tIns="91425">
+            <a:bodyPr spcFirstLastPara="1" wrap="square" lIns="91425" tIns="91425" rIns="91425" bIns="91425" anchor="ctr" anchorCtr="0">
               <a:noAutofit/>
             </a:bodyPr>
             <a:lstStyle/>
             <a:p>
-              <a:pPr indent="0" lvl="0" marL="0" rtl="0" algn="l">
+              <a:pPr marL="0" lvl="0" indent="0" algn="l" rtl="0">
                 <a:spcBef>
                   <a:spcPts val="0"/>
                 </a:spcBef>
@@ -2044,9 +2088,6 @@
                 </a:spcAft>
                 <a:buNone/>
               </a:pPr>
-              <a:r>
-                <a:t/>
-              </a:r>
               <a:endParaRPr/>
             </a:p>
           </p:txBody>
@@ -2064,7 +2105,7 @@
             </a:xfrm>
             <a:prstGeom prst="parallelogram">
               <a:avLst>
-                <a:gd fmla="val 153193" name="adj"/>
+                <a:gd name="adj" fmla="val 153193"/>
               </a:avLst>
             </a:prstGeom>
             <a:solidFill>
@@ -2075,12 +2116,12 @@
             </a:ln>
           </p:spPr>
           <p:txBody>
-            <a:bodyPr anchorCtr="0" anchor="ctr" bIns="91425" lIns="91425" spcFirstLastPara="1" rIns="91425" wrap="square" tIns="91425">
+            <a:bodyPr spcFirstLastPara="1" wrap="square" lIns="91425" tIns="91425" rIns="91425" bIns="91425" anchor="ctr" anchorCtr="0">
               <a:noAutofit/>
             </a:bodyPr>
             <a:lstStyle/>
             <a:p>
-              <a:pPr indent="0" lvl="0" marL="0" rtl="0" algn="l">
+              <a:pPr marL="0" lvl="0" indent="0" algn="l" rtl="0">
                 <a:spcBef>
                   <a:spcPts val="0"/>
                 </a:spcBef>
@@ -2089,9 +2130,6 @@
                 </a:spcAft>
                 <a:buNone/>
               </a:pPr>
-              <a:r>
-                <a:t/>
-              </a:r>
               <a:endParaRPr/>
             </a:p>
           </p:txBody>
@@ -2124,7 +2162,7 @@
             </a:xfrm>
             <a:prstGeom prst="parallelogram">
               <a:avLst>
-                <a:gd fmla="val 158024" name="adj"/>
+                <a:gd name="adj" fmla="val 158024"/>
               </a:avLst>
             </a:prstGeom>
             <a:solidFill>
@@ -2135,12 +2173,12 @@
             </a:ln>
           </p:spPr>
           <p:txBody>
-            <a:bodyPr anchorCtr="0" anchor="ctr" bIns="91425" lIns="91425" spcFirstLastPara="1" rIns="91425" wrap="square" tIns="91425">
+            <a:bodyPr spcFirstLastPara="1" wrap="square" lIns="91425" tIns="91425" rIns="91425" bIns="91425" anchor="ctr" anchorCtr="0">
               <a:noAutofit/>
             </a:bodyPr>
             <a:lstStyle/>
             <a:p>
-              <a:pPr indent="0" lvl="0" marL="0" rtl="0" algn="l">
+              <a:pPr marL="0" lvl="0" indent="0" algn="l" rtl="0">
                 <a:spcBef>
                   <a:spcPts val="0"/>
                 </a:spcBef>
@@ -2149,9 +2187,6 @@
                 </a:spcAft>
                 <a:buNone/>
               </a:pPr>
-              <a:r>
-                <a:t/>
-              </a:r>
               <a:endParaRPr/>
             </a:p>
           </p:txBody>
@@ -2169,7 +2204,7 @@
             </a:xfrm>
             <a:prstGeom prst="parallelogram">
               <a:avLst>
-                <a:gd fmla="val 158024" name="adj"/>
+                <a:gd name="adj" fmla="val 158024"/>
               </a:avLst>
             </a:prstGeom>
             <a:solidFill>
@@ -2180,12 +2215,12 @@
             </a:ln>
           </p:spPr>
           <p:txBody>
-            <a:bodyPr anchorCtr="0" anchor="ctr" bIns="91425" lIns="91425" spcFirstLastPara="1" rIns="91425" wrap="square" tIns="91425">
+            <a:bodyPr spcFirstLastPara="1" wrap="square" lIns="91425" tIns="91425" rIns="91425" bIns="91425" anchor="ctr" anchorCtr="0">
               <a:noAutofit/>
             </a:bodyPr>
             <a:lstStyle/>
             <a:p>
-              <a:pPr indent="0" lvl="0" marL="0" rtl="0" algn="l">
+              <a:pPr marL="0" lvl="0" indent="0" algn="l" rtl="0">
                 <a:spcBef>
                   <a:spcPts val="0"/>
                 </a:spcBef>
@@ -2194,9 +2229,6 @@
                 </a:spcAft>
                 <a:buNone/>
               </a:pPr>
-              <a:r>
-                <a:t/>
-              </a:r>
               <a:endParaRPr/>
             </a:p>
           </p:txBody>
@@ -2214,7 +2246,7 @@
             </a:xfrm>
             <a:prstGeom prst="parallelogram">
               <a:avLst>
-                <a:gd fmla="val 158024" name="adj"/>
+                <a:gd name="adj" fmla="val 158024"/>
               </a:avLst>
             </a:prstGeom>
             <a:solidFill>
@@ -2225,12 +2257,12 @@
             </a:ln>
           </p:spPr>
           <p:txBody>
-            <a:bodyPr anchorCtr="0" anchor="ctr" bIns="91425" lIns="91425" spcFirstLastPara="1" rIns="91425" wrap="square" tIns="91425">
+            <a:bodyPr spcFirstLastPara="1" wrap="square" lIns="91425" tIns="91425" rIns="91425" bIns="91425" anchor="ctr" anchorCtr="0">
               <a:noAutofit/>
             </a:bodyPr>
             <a:lstStyle/>
             <a:p>
-              <a:pPr indent="0" lvl="0" marL="0" rtl="0" algn="l">
+              <a:pPr marL="0" lvl="0" indent="0" algn="l" rtl="0">
                 <a:spcBef>
                   <a:spcPts val="0"/>
                 </a:spcBef>
@@ -2239,9 +2271,6 @@
                 </a:spcAft>
                 <a:buNone/>
               </a:pPr>
-              <a:r>
-                <a:t/>
-              </a:r>
               <a:endParaRPr/>
             </a:p>
           </p:txBody>
@@ -2274,7 +2303,7 @@
             </a:xfrm>
             <a:prstGeom prst="parallelogram">
               <a:avLst>
-                <a:gd fmla="val 158024" name="adj"/>
+                <a:gd name="adj" fmla="val 158024"/>
               </a:avLst>
             </a:prstGeom>
             <a:solidFill>
@@ -2285,12 +2314,12 @@
             </a:ln>
           </p:spPr>
           <p:txBody>
-            <a:bodyPr anchorCtr="0" anchor="ctr" bIns="91425" lIns="91425" spcFirstLastPara="1" rIns="91425" wrap="square" tIns="91425">
+            <a:bodyPr spcFirstLastPara="1" wrap="square" lIns="91425" tIns="91425" rIns="91425" bIns="91425" anchor="ctr" anchorCtr="0">
               <a:noAutofit/>
             </a:bodyPr>
             <a:lstStyle/>
             <a:p>
-              <a:pPr indent="0" lvl="0" marL="0" rtl="0" algn="l">
+              <a:pPr marL="0" lvl="0" indent="0" algn="l" rtl="0">
                 <a:spcBef>
                   <a:spcPts val="0"/>
                 </a:spcBef>
@@ -2299,9 +2328,6 @@
                 </a:spcAft>
                 <a:buNone/>
               </a:pPr>
-              <a:r>
-                <a:t/>
-              </a:r>
               <a:endParaRPr/>
             </a:p>
           </p:txBody>
@@ -2319,7 +2345,7 @@
             </a:xfrm>
             <a:prstGeom prst="parallelogram">
               <a:avLst>
-                <a:gd fmla="val 158024" name="adj"/>
+                <a:gd name="adj" fmla="val 158024"/>
               </a:avLst>
             </a:prstGeom>
             <a:solidFill>
@@ -2330,12 +2356,12 @@
             </a:ln>
           </p:spPr>
           <p:txBody>
-            <a:bodyPr anchorCtr="0" anchor="ctr" bIns="91425" lIns="91425" spcFirstLastPara="1" rIns="91425" wrap="square" tIns="91425">
+            <a:bodyPr spcFirstLastPara="1" wrap="square" lIns="91425" tIns="91425" rIns="91425" bIns="91425" anchor="ctr" anchorCtr="0">
               <a:noAutofit/>
             </a:bodyPr>
             <a:lstStyle/>
             <a:p>
-              <a:pPr indent="0" lvl="0" marL="0" rtl="0" algn="l">
+              <a:pPr marL="0" lvl="0" indent="0" algn="l" rtl="0">
                 <a:spcBef>
                   <a:spcPts val="0"/>
                 </a:spcBef>
@@ -2344,9 +2370,6 @@
                 </a:spcAft>
                 <a:buNone/>
               </a:pPr>
-              <a:r>
-                <a:t/>
-              </a:r>
               <a:endParaRPr/>
             </a:p>
           </p:txBody>
@@ -2364,7 +2387,7 @@
             </a:xfrm>
             <a:prstGeom prst="parallelogram">
               <a:avLst>
-                <a:gd fmla="val 158024" name="adj"/>
+                <a:gd name="adj" fmla="val 158024"/>
               </a:avLst>
             </a:prstGeom>
             <a:solidFill>
@@ -2375,12 +2398,12 @@
             </a:ln>
           </p:spPr>
           <p:txBody>
-            <a:bodyPr anchorCtr="0" anchor="ctr" bIns="91425" lIns="91425" spcFirstLastPara="1" rIns="91425" wrap="square" tIns="91425">
+            <a:bodyPr spcFirstLastPara="1" wrap="square" lIns="91425" tIns="91425" rIns="91425" bIns="91425" anchor="ctr" anchorCtr="0">
               <a:noAutofit/>
             </a:bodyPr>
             <a:lstStyle/>
             <a:p>
-              <a:pPr indent="0" lvl="0" marL="0" rtl="0" algn="l">
+              <a:pPr marL="0" lvl="0" indent="0" algn="l" rtl="0">
                 <a:spcBef>
                   <a:spcPts val="0"/>
                 </a:spcBef>
@@ -2389,9 +2412,6 @@
                 </a:spcAft>
                 <a:buNone/>
               </a:pPr>
-              <a:r>
-                <a:t/>
-              </a:r>
               <a:endParaRPr/>
             </a:p>
           </p:txBody>
@@ -2424,7 +2444,7 @@
             </a:xfrm>
             <a:prstGeom prst="parallelogram">
               <a:avLst>
-                <a:gd fmla="val 158024" name="adj"/>
+                <a:gd name="adj" fmla="val 158024"/>
               </a:avLst>
             </a:prstGeom>
             <a:solidFill>
@@ -2435,12 +2455,12 @@
             </a:ln>
           </p:spPr>
           <p:txBody>
-            <a:bodyPr anchorCtr="0" anchor="ctr" bIns="91425" lIns="91425" spcFirstLastPara="1" rIns="91425" wrap="square" tIns="91425">
+            <a:bodyPr spcFirstLastPara="1" wrap="square" lIns="91425" tIns="91425" rIns="91425" bIns="91425" anchor="ctr" anchorCtr="0">
               <a:noAutofit/>
             </a:bodyPr>
             <a:lstStyle/>
             <a:p>
-              <a:pPr indent="0" lvl="0" marL="0" rtl="0" algn="l">
+              <a:pPr marL="0" lvl="0" indent="0" algn="l" rtl="0">
                 <a:spcBef>
                   <a:spcPts val="0"/>
                 </a:spcBef>
@@ -2449,9 +2469,6 @@
                 </a:spcAft>
                 <a:buNone/>
               </a:pPr>
-              <a:r>
-                <a:t/>
-              </a:r>
               <a:endParaRPr/>
             </a:p>
           </p:txBody>
@@ -2469,7 +2486,7 @@
             </a:xfrm>
             <a:prstGeom prst="parallelogram">
               <a:avLst>
-                <a:gd fmla="val 158024" name="adj"/>
+                <a:gd name="adj" fmla="val 158024"/>
               </a:avLst>
             </a:prstGeom>
             <a:solidFill>
@@ -2480,12 +2497,12 @@
             </a:ln>
           </p:spPr>
           <p:txBody>
-            <a:bodyPr anchorCtr="0" anchor="ctr" bIns="91425" lIns="91425" spcFirstLastPara="1" rIns="91425" wrap="square" tIns="91425">
+            <a:bodyPr spcFirstLastPara="1" wrap="square" lIns="91425" tIns="91425" rIns="91425" bIns="91425" anchor="ctr" anchorCtr="0">
               <a:noAutofit/>
             </a:bodyPr>
             <a:lstStyle/>
             <a:p>
-              <a:pPr indent="0" lvl="0" marL="0" rtl="0" algn="l">
+              <a:pPr marL="0" lvl="0" indent="0" algn="l" rtl="0">
                 <a:spcBef>
                   <a:spcPts val="0"/>
                 </a:spcBef>
@@ -2494,9 +2511,6 @@
                 </a:spcAft>
                 <a:buNone/>
               </a:pPr>
-              <a:r>
-                <a:t/>
-              </a:r>
               <a:endParaRPr/>
             </a:p>
           </p:txBody>
@@ -2514,7 +2528,7 @@
             </a:xfrm>
             <a:prstGeom prst="parallelogram">
               <a:avLst>
-                <a:gd fmla="val 158024" name="adj"/>
+                <a:gd name="adj" fmla="val 158024"/>
               </a:avLst>
             </a:prstGeom>
             <a:solidFill>
@@ -2525,12 +2539,12 @@
             </a:ln>
           </p:spPr>
           <p:txBody>
-            <a:bodyPr anchorCtr="0" anchor="ctr" bIns="91425" lIns="91425" spcFirstLastPara="1" rIns="91425" wrap="square" tIns="91425">
+            <a:bodyPr spcFirstLastPara="1" wrap="square" lIns="91425" tIns="91425" rIns="91425" bIns="91425" anchor="ctr" anchorCtr="0">
               <a:noAutofit/>
             </a:bodyPr>
             <a:lstStyle/>
             <a:p>
-              <a:pPr indent="0" lvl="0" marL="0" rtl="0" algn="l">
+              <a:pPr marL="0" lvl="0" indent="0" algn="l" rtl="0">
                 <a:spcBef>
                   <a:spcPts val="0"/>
                 </a:spcBef>
@@ -2539,9 +2553,6 @@
                 </a:spcAft>
                 <a:buNone/>
               </a:pPr>
-              <a:r>
-                <a:t/>
-              </a:r>
               <a:endParaRPr/>
             </a:p>
           </p:txBody>
@@ -2550,7 +2561,9 @@
       <p:sp>
         <p:nvSpPr>
           <p:cNvPr id="34" name="Google Shape;34;p2"/>
-          <p:cNvSpPr txBox="1"/>
+          <p:cNvSpPr txBox="1">
+            <a:spLocks noGrp="1"/>
+          </p:cNvSpPr>
           <p:nvPr>
             <p:ph type="ctrTitle"/>
           </p:nvPr>
@@ -2565,7 +2578,7 @@
           </a:prstGeom>
         </p:spPr>
         <p:txBody>
-          <a:bodyPr anchorCtr="0" anchor="ctr" bIns="91425" lIns="91425" spcFirstLastPara="1" rIns="91425" wrap="square" tIns="91425">
+          <a:bodyPr spcFirstLastPara="1" wrap="square" lIns="91425" tIns="91425" rIns="91425" bIns="91425" anchor="ctr" anchorCtr="0">
             <a:normAutofit/>
           </a:bodyPr>
           <a:lstStyle>
@@ -2669,15 +2682,19 @@
               <a:defRPr sz="3800"/>
             </a:lvl9pPr>
           </a:lstStyle>
-          <a:p/>
+          <a:p>
+            <a:endParaRPr/>
+          </a:p>
         </p:txBody>
       </p:sp>
       <p:sp>
         <p:nvSpPr>
           <p:cNvPr id="35" name="Google Shape;35;p2"/>
-          <p:cNvSpPr txBox="1"/>
+          <p:cNvSpPr txBox="1">
+            <a:spLocks noGrp="1"/>
+          </p:cNvSpPr>
           <p:nvPr>
-            <p:ph idx="1" type="subTitle"/>
+            <p:ph type="subTitle" idx="1"/>
           </p:nvPr>
         </p:nvSpPr>
         <p:spPr>
@@ -2690,7 +2707,7 @@
           </a:prstGeom>
         </p:spPr>
         <p:txBody>
-          <a:bodyPr anchorCtr="0" anchor="t" bIns="91425" lIns="91425" spcFirstLastPara="1" rIns="91425" wrap="square" tIns="91425">
+          <a:bodyPr spcFirstLastPara="1" wrap="square" lIns="91425" tIns="91425" rIns="91425" bIns="91425" anchor="t" anchorCtr="0">
             <a:normAutofit/>
           </a:bodyPr>
           <a:lstStyle>
@@ -2884,15 +2901,19 @@
               </a:defRPr>
             </a:lvl9pPr>
           </a:lstStyle>
-          <a:p/>
+          <a:p>
+            <a:endParaRPr/>
+          </a:p>
         </p:txBody>
       </p:sp>
       <p:sp>
         <p:nvSpPr>
           <p:cNvPr id="36" name="Google Shape;36;p2"/>
-          <p:cNvSpPr txBox="1"/>
+          <p:cNvSpPr txBox="1">
+            <a:spLocks noGrp="1"/>
+          </p:cNvSpPr>
           <p:nvPr>
-            <p:ph idx="12" type="sldNum"/>
+            <p:ph type="sldNum" idx="12"/>
           </p:nvPr>
         </p:nvSpPr>
         <p:spPr>
@@ -2905,7 +2926,7 @@
           </a:prstGeom>
         </p:spPr>
         <p:txBody>
-          <a:bodyPr anchorCtr="0" anchor="ctr" bIns="91425" lIns="91425" spcFirstLastPara="1" rIns="91425" wrap="square" tIns="91425">
+          <a:bodyPr spcFirstLastPara="1" wrap="square" lIns="91425" tIns="91425" rIns="91425" bIns="91425" anchor="ctr" anchorCtr="0">
             <a:normAutofit/>
           </a:bodyPr>
           <a:lstStyle>
@@ -2947,7 +2968,7 @@
             </a:lvl9pPr>
           </a:lstStyle>
           <a:p>
-            <a:pPr indent="0" lvl="0" marL="0" rtl="0" algn="r">
+            <a:pPr marL="0" lvl="0" indent="0" algn="r" rtl="0">
               <a:spcBef>
                 <a:spcPts val="0"/>
               </a:spcBef>
@@ -2973,18 +2994,19 @@
 </file>
 
 <file path=ppt/slideLayouts/slideLayout10.xml><?xml version="1.0" encoding="utf-8"?>
-<p:sldLayout xmlns:a="http://schemas.openxmlformats.org/drawingml/2006/main" xmlns:r="http://schemas.openxmlformats.org/officeDocument/2006/relationships" xmlns:mc="http://schemas.openxmlformats.org/markup-compatibility/2006" xmlns:mv="urn:schemas-microsoft-com:mac:vml" xmlns:p="http://schemas.openxmlformats.org/presentationml/2006/main" xmlns:c="http://schemas.openxmlformats.org/drawingml/2006/chart" xmlns:dgm="http://schemas.openxmlformats.org/drawingml/2006/diagram" xmlns:o="urn:schemas-microsoft-com:office:office" xmlns:v="urn:schemas-microsoft-com:vml" xmlns:pvml="urn:schemas-microsoft-com:office:powerpoint" xmlns:com="http://schemas.openxmlformats.org/drawingml/2006/compatibility" xmlns:p14="http://schemas.microsoft.com/office/powerpoint/2010/main" xmlns:p15="http://schemas.microsoft.com/office/powerpoint/2012/main" xmlns:ahyp="http://schemas.microsoft.com/office/drawing/2018/hyperlinkcolor" matchingName="Big number">
+<p:sldLayout xmlns:a="http://schemas.openxmlformats.org/drawingml/2006/main" xmlns:r="http://schemas.openxmlformats.org/officeDocument/2006/relationships" xmlns:p="http://schemas.openxmlformats.org/presentationml/2006/main" matchingName="Big number">
   <p:cSld name="BIG_NUMBER">
     <p:bg>
       <p:bgPr>
         <a:solidFill>
           <a:schemeClr val="accent3"/>
         </a:solidFill>
+        <a:effectLst/>
       </p:bgPr>
     </p:bg>
     <p:spTree>
       <p:nvGrpSpPr>
-        <p:cNvPr id="109" name="Shape 109"/>
+        <p:cNvPr id="1" name="Shape 109"/>
         <p:cNvGrpSpPr/>
         <p:nvPr/>
       </p:nvGrpSpPr>
@@ -3018,12 +3040,12 @@
           </a:ln>
         </p:spPr>
         <p:txBody>
-          <a:bodyPr anchorCtr="0" anchor="ctr" bIns="91425" lIns="91425" spcFirstLastPara="1" rIns="91425" wrap="square" tIns="91425">
+          <a:bodyPr spcFirstLastPara="1" wrap="square" lIns="91425" tIns="91425" rIns="91425" bIns="91425" anchor="ctr" anchorCtr="0">
             <a:noAutofit/>
           </a:bodyPr>
           <a:lstStyle/>
           <a:p>
-            <a:pPr indent="0" lvl="0" marL="0" rtl="0" algn="l">
+            <a:pPr marL="0" lvl="0" indent="0" algn="l" rtl="0">
               <a:spcBef>
                 <a:spcPts val="0"/>
               </a:spcBef>
@@ -3032,9 +3054,6 @@
               </a:spcAft>
               <a:buNone/>
             </a:pPr>
-            <a:r>
-              <a:t/>
-            </a:r>
             <a:endParaRPr/>
           </a:p>
         </p:txBody>
@@ -3066,7 +3085,7 @@
             </a:xfrm>
             <a:prstGeom prst="parallelogram">
               <a:avLst>
-                <a:gd fmla="val 158024" name="adj"/>
+                <a:gd name="adj" fmla="val 158024"/>
               </a:avLst>
             </a:prstGeom>
             <a:solidFill>
@@ -3077,12 +3096,12 @@
             </a:ln>
           </p:spPr>
           <p:txBody>
-            <a:bodyPr anchorCtr="0" anchor="ctr" bIns="91425" lIns="91425" spcFirstLastPara="1" rIns="91425" wrap="square" tIns="91425">
+            <a:bodyPr spcFirstLastPara="1" wrap="square" lIns="91425" tIns="91425" rIns="91425" bIns="91425" anchor="ctr" anchorCtr="0">
               <a:noAutofit/>
             </a:bodyPr>
             <a:lstStyle/>
             <a:p>
-              <a:pPr indent="0" lvl="0" marL="0" rtl="0" algn="l">
+              <a:pPr marL="0" lvl="0" indent="0" algn="l" rtl="0">
                 <a:spcBef>
                   <a:spcPts val="0"/>
                 </a:spcBef>
@@ -3091,9 +3110,6 @@
                 </a:spcAft>
                 <a:buNone/>
               </a:pPr>
-              <a:r>
-                <a:t/>
-              </a:r>
               <a:endParaRPr/>
             </a:p>
           </p:txBody>
@@ -3111,7 +3127,7 @@
             </a:xfrm>
             <a:prstGeom prst="parallelogram">
               <a:avLst>
-                <a:gd fmla="val 158024" name="adj"/>
+                <a:gd name="adj" fmla="val 158024"/>
               </a:avLst>
             </a:prstGeom>
             <a:solidFill>
@@ -3122,12 +3138,12 @@
             </a:ln>
           </p:spPr>
           <p:txBody>
-            <a:bodyPr anchorCtr="0" anchor="ctr" bIns="91425" lIns="91425" spcFirstLastPara="1" rIns="91425" wrap="square" tIns="91425">
+            <a:bodyPr spcFirstLastPara="1" wrap="square" lIns="91425" tIns="91425" rIns="91425" bIns="91425" anchor="ctr" anchorCtr="0">
               <a:noAutofit/>
             </a:bodyPr>
             <a:lstStyle/>
             <a:p>
-              <a:pPr indent="0" lvl="0" marL="0" rtl="0" algn="l">
+              <a:pPr marL="0" lvl="0" indent="0" algn="l" rtl="0">
                 <a:spcBef>
                   <a:spcPts val="0"/>
                 </a:spcBef>
@@ -3136,9 +3152,6 @@
                 </a:spcAft>
                 <a:buNone/>
               </a:pPr>
-              <a:r>
-                <a:t/>
-              </a:r>
               <a:endParaRPr/>
             </a:p>
           </p:txBody>
@@ -3156,7 +3169,7 @@
             </a:xfrm>
             <a:prstGeom prst="parallelogram">
               <a:avLst>
-                <a:gd fmla="val 158024" name="adj"/>
+                <a:gd name="adj" fmla="val 158024"/>
               </a:avLst>
             </a:prstGeom>
             <a:solidFill>
@@ -3167,12 +3180,12 @@
             </a:ln>
           </p:spPr>
           <p:txBody>
-            <a:bodyPr anchorCtr="0" anchor="ctr" bIns="91425" lIns="91425" spcFirstLastPara="1" rIns="91425" wrap="square" tIns="91425">
+            <a:bodyPr spcFirstLastPara="1" wrap="square" lIns="91425" tIns="91425" rIns="91425" bIns="91425" anchor="ctr" anchorCtr="0">
               <a:noAutofit/>
             </a:bodyPr>
             <a:lstStyle/>
             <a:p>
-              <a:pPr indent="0" lvl="0" marL="0" rtl="0" algn="l">
+              <a:pPr marL="0" lvl="0" indent="0" algn="l" rtl="0">
                 <a:spcBef>
                   <a:spcPts val="0"/>
                 </a:spcBef>
@@ -3181,9 +3194,6 @@
                 </a:spcAft>
                 <a:buNone/>
               </a:pPr>
-              <a:r>
-                <a:t/>
-              </a:r>
               <a:endParaRPr/>
             </a:p>
           </p:txBody>
@@ -3216,7 +3226,7 @@
             </a:xfrm>
             <a:prstGeom prst="parallelogram">
               <a:avLst>
-                <a:gd fmla="val 158024" name="adj"/>
+                <a:gd name="adj" fmla="val 158024"/>
               </a:avLst>
             </a:prstGeom>
             <a:solidFill>
@@ -3227,12 +3237,12 @@
             </a:ln>
           </p:spPr>
           <p:txBody>
-            <a:bodyPr anchorCtr="0" anchor="ctr" bIns="91425" lIns="91425" spcFirstLastPara="1" rIns="91425" wrap="square" tIns="91425">
+            <a:bodyPr spcFirstLastPara="1" wrap="square" lIns="91425" tIns="91425" rIns="91425" bIns="91425" anchor="ctr" anchorCtr="0">
               <a:noAutofit/>
             </a:bodyPr>
             <a:lstStyle/>
             <a:p>
-              <a:pPr indent="0" lvl="0" marL="0" rtl="0" algn="l">
+              <a:pPr marL="0" lvl="0" indent="0" algn="l" rtl="0">
                 <a:spcBef>
                   <a:spcPts val="0"/>
                 </a:spcBef>
@@ -3241,9 +3251,6 @@
                 </a:spcAft>
                 <a:buNone/>
               </a:pPr>
-              <a:r>
-                <a:t/>
-              </a:r>
               <a:endParaRPr/>
             </a:p>
           </p:txBody>
@@ -3261,7 +3268,7 @@
             </a:xfrm>
             <a:prstGeom prst="parallelogram">
               <a:avLst>
-                <a:gd fmla="val 158024" name="adj"/>
+                <a:gd name="adj" fmla="val 158024"/>
               </a:avLst>
             </a:prstGeom>
             <a:solidFill>
@@ -3272,12 +3279,12 @@
             </a:ln>
           </p:spPr>
           <p:txBody>
-            <a:bodyPr anchorCtr="0" anchor="ctr" bIns="91425" lIns="91425" spcFirstLastPara="1" rIns="91425" wrap="square" tIns="91425">
+            <a:bodyPr spcFirstLastPara="1" wrap="square" lIns="91425" tIns="91425" rIns="91425" bIns="91425" anchor="ctr" anchorCtr="0">
               <a:noAutofit/>
             </a:bodyPr>
             <a:lstStyle/>
             <a:p>
-              <a:pPr indent="0" lvl="0" marL="0" rtl="0" algn="l">
+              <a:pPr marL="0" lvl="0" indent="0" algn="l" rtl="0">
                 <a:spcBef>
                   <a:spcPts val="0"/>
                 </a:spcBef>
@@ -3286,9 +3293,6 @@
                 </a:spcAft>
                 <a:buNone/>
               </a:pPr>
-              <a:r>
-                <a:t/>
-              </a:r>
               <a:endParaRPr/>
             </a:p>
           </p:txBody>
@@ -3306,7 +3310,7 @@
             </a:xfrm>
             <a:prstGeom prst="parallelogram">
               <a:avLst>
-                <a:gd fmla="val 158024" name="adj"/>
+                <a:gd name="adj" fmla="val 158024"/>
               </a:avLst>
             </a:prstGeom>
             <a:solidFill>
@@ -3317,12 +3321,12 @@
             </a:ln>
           </p:spPr>
           <p:txBody>
-            <a:bodyPr anchorCtr="0" anchor="ctr" bIns="91425" lIns="91425" spcFirstLastPara="1" rIns="91425" wrap="square" tIns="91425">
+            <a:bodyPr spcFirstLastPara="1" wrap="square" lIns="91425" tIns="91425" rIns="91425" bIns="91425" anchor="ctr" anchorCtr="0">
               <a:noAutofit/>
             </a:bodyPr>
             <a:lstStyle/>
             <a:p>
-              <a:pPr indent="0" lvl="0" marL="0" rtl="0" algn="l">
+              <a:pPr marL="0" lvl="0" indent="0" algn="l" rtl="0">
                 <a:spcBef>
                   <a:spcPts val="0"/>
                 </a:spcBef>
@@ -3331,9 +3335,6 @@
                 </a:spcAft>
                 <a:buNone/>
               </a:pPr>
-              <a:r>
-                <a:t/>
-              </a:r>
               <a:endParaRPr/>
             </a:p>
           </p:txBody>
@@ -3342,9 +3343,11 @@
       <p:sp>
         <p:nvSpPr>
           <p:cNvPr id="119" name="Google Shape;119;p11"/>
-          <p:cNvSpPr txBox="1"/>
+          <p:cNvSpPr txBox="1">
+            <a:spLocks noGrp="1"/>
+          </p:cNvSpPr>
           <p:nvPr>
-            <p:ph hasCustomPrompt="1" type="title"/>
+            <p:ph type="title" hasCustomPrompt="1"/>
           </p:nvPr>
         </p:nvSpPr>
         <p:spPr>
@@ -3357,7 +3360,7 @@
           </a:prstGeom>
         </p:spPr>
         <p:txBody>
-          <a:bodyPr anchorCtr="0" anchor="ctr" bIns="91425" lIns="91425" spcFirstLastPara="1" rIns="91425" wrap="square" tIns="91425">
+          <a:bodyPr spcFirstLastPara="1" wrap="square" lIns="91425" tIns="91425" rIns="91425" bIns="91425" anchor="ctr" anchorCtr="0">
             <a:normAutofit/>
           </a:bodyPr>
           <a:lstStyle>
@@ -3534,9 +3537,11 @@
       <p:sp>
         <p:nvSpPr>
           <p:cNvPr id="120" name="Google Shape;120;p11"/>
-          <p:cNvSpPr txBox="1"/>
+          <p:cNvSpPr txBox="1">
+            <a:spLocks noGrp="1"/>
+          </p:cNvSpPr>
           <p:nvPr>
-            <p:ph idx="1" type="body"/>
+            <p:ph type="body" idx="1"/>
           </p:nvPr>
         </p:nvSpPr>
         <p:spPr>
@@ -3549,11 +3554,11 @@
           </a:prstGeom>
         </p:spPr>
         <p:txBody>
-          <a:bodyPr anchorCtr="0" anchor="t" bIns="91425" lIns="91425" spcFirstLastPara="1" rIns="91425" wrap="square" tIns="91425">
+          <a:bodyPr spcFirstLastPara="1" wrap="square" lIns="91425" tIns="91425" rIns="91425" bIns="91425" anchor="t" anchorCtr="0">
             <a:normAutofit/>
           </a:bodyPr>
           <a:lstStyle>
-            <a:lvl1pPr indent="-311150" lvl="0" marL="457200" algn="ctr">
+            <a:lvl1pPr marL="457200" lvl="0" indent="-311150" algn="ctr">
               <a:spcBef>
                 <a:spcPts val="0"/>
               </a:spcBef>
@@ -3564,7 +3569,7 @@
               <a:buChar char="●"/>
               <a:defRPr/>
             </a:lvl1pPr>
-            <a:lvl2pPr indent="-298450" lvl="1" marL="914400" algn="ctr">
+            <a:lvl2pPr marL="914400" lvl="1" indent="-298450" algn="ctr">
               <a:spcBef>
                 <a:spcPts val="0"/>
               </a:spcBef>
@@ -3575,7 +3580,7 @@
               <a:buChar char="○"/>
               <a:defRPr/>
             </a:lvl2pPr>
-            <a:lvl3pPr indent="-298450" lvl="2" marL="1371600" algn="ctr">
+            <a:lvl3pPr marL="1371600" lvl="2" indent="-298450" algn="ctr">
               <a:spcBef>
                 <a:spcPts val="0"/>
               </a:spcBef>
@@ -3586,7 +3591,7 @@
               <a:buChar char="■"/>
               <a:defRPr/>
             </a:lvl3pPr>
-            <a:lvl4pPr indent="-298450" lvl="3" marL="1828800" algn="ctr">
+            <a:lvl4pPr marL="1828800" lvl="3" indent="-298450" algn="ctr">
               <a:spcBef>
                 <a:spcPts val="0"/>
               </a:spcBef>
@@ -3597,7 +3602,7 @@
               <a:buChar char="●"/>
               <a:defRPr/>
             </a:lvl4pPr>
-            <a:lvl5pPr indent="-298450" lvl="4" marL="2286000" algn="ctr">
+            <a:lvl5pPr marL="2286000" lvl="4" indent="-298450" algn="ctr">
               <a:spcBef>
                 <a:spcPts val="0"/>
               </a:spcBef>
@@ -3608,7 +3613,7 @@
               <a:buChar char="○"/>
               <a:defRPr/>
             </a:lvl5pPr>
-            <a:lvl6pPr indent="-298450" lvl="5" marL="2743200" algn="ctr">
+            <a:lvl6pPr marL="2743200" lvl="5" indent="-298450" algn="ctr">
               <a:spcBef>
                 <a:spcPts val="0"/>
               </a:spcBef>
@@ -3619,7 +3624,7 @@
               <a:buChar char="■"/>
               <a:defRPr/>
             </a:lvl6pPr>
-            <a:lvl7pPr indent="-298450" lvl="6" marL="3200400" algn="ctr">
+            <a:lvl7pPr marL="3200400" lvl="6" indent="-298450" algn="ctr">
               <a:spcBef>
                 <a:spcPts val="0"/>
               </a:spcBef>
@@ -3630,7 +3635,7 @@
               <a:buChar char="●"/>
               <a:defRPr/>
             </a:lvl7pPr>
-            <a:lvl8pPr indent="-298450" lvl="7" marL="3657600" algn="ctr">
+            <a:lvl8pPr marL="3657600" lvl="7" indent="-298450" algn="ctr">
               <a:spcBef>
                 <a:spcPts val="0"/>
               </a:spcBef>
@@ -3641,7 +3646,7 @@
               <a:buChar char="○"/>
               <a:defRPr/>
             </a:lvl8pPr>
-            <a:lvl9pPr indent="-298450" lvl="8" marL="4114800" algn="ctr">
+            <a:lvl9pPr marL="4114800" lvl="8" indent="-298450" algn="ctr">
               <a:spcBef>
                 <a:spcPts val="0"/>
               </a:spcBef>
@@ -3653,15 +3658,19 @@
               <a:defRPr/>
             </a:lvl9pPr>
           </a:lstStyle>
-          <a:p/>
+          <a:p>
+            <a:endParaRPr/>
+          </a:p>
         </p:txBody>
       </p:sp>
       <p:sp>
         <p:nvSpPr>
           <p:cNvPr id="121" name="Google Shape;121;p11"/>
-          <p:cNvSpPr txBox="1"/>
+          <p:cNvSpPr txBox="1">
+            <a:spLocks noGrp="1"/>
+          </p:cNvSpPr>
           <p:nvPr>
-            <p:ph idx="12" type="sldNum"/>
+            <p:ph type="sldNum" idx="12"/>
           </p:nvPr>
         </p:nvSpPr>
         <p:spPr>
@@ -3674,7 +3683,7 @@
           </a:prstGeom>
         </p:spPr>
         <p:txBody>
-          <a:bodyPr anchorCtr="0" anchor="ctr" bIns="91425" lIns="91425" spcFirstLastPara="1" rIns="91425" wrap="square" tIns="91425">
+          <a:bodyPr spcFirstLastPara="1" wrap="square" lIns="91425" tIns="91425" rIns="91425" bIns="91425" anchor="ctr" anchorCtr="0">
             <a:normAutofit/>
           </a:bodyPr>
           <a:lstStyle>
@@ -3716,7 +3725,7 @@
             </a:lvl9pPr>
           </a:lstStyle>
           <a:p>
-            <a:pPr indent="0" lvl="0" marL="0" rtl="0" algn="r">
+            <a:pPr marL="0" lvl="0" indent="0" algn="r" rtl="0">
               <a:spcBef>
                 <a:spcPts val="0"/>
               </a:spcBef>
@@ -3742,11 +3751,11 @@
 </file>
 
 <file path=ppt/slideLayouts/slideLayout11.xml><?xml version="1.0" encoding="utf-8"?>
-<p:sldLayout xmlns:a="http://schemas.openxmlformats.org/drawingml/2006/main" xmlns:r="http://schemas.openxmlformats.org/officeDocument/2006/relationships" xmlns:mc="http://schemas.openxmlformats.org/markup-compatibility/2006" xmlns:mv="urn:schemas-microsoft-com:mac:vml" xmlns:p="http://schemas.openxmlformats.org/presentationml/2006/main" xmlns:c="http://schemas.openxmlformats.org/drawingml/2006/chart" xmlns:dgm="http://schemas.openxmlformats.org/drawingml/2006/diagram" xmlns:o="urn:schemas-microsoft-com:office:office" xmlns:v="urn:schemas-microsoft-com:vml" xmlns:pvml="urn:schemas-microsoft-com:office:powerpoint" xmlns:com="http://schemas.openxmlformats.org/drawingml/2006/compatibility" xmlns:p14="http://schemas.microsoft.com/office/powerpoint/2010/main" xmlns:p15="http://schemas.microsoft.com/office/powerpoint/2012/main" xmlns:ahyp="http://schemas.microsoft.com/office/drawing/2018/hyperlinkcolor" matchingName="Blank" type="blank">
+<p:sldLayout xmlns:a="http://schemas.openxmlformats.org/drawingml/2006/main" xmlns:r="http://schemas.openxmlformats.org/officeDocument/2006/relationships" xmlns:p="http://schemas.openxmlformats.org/presentationml/2006/main" matchingName="Blank" type="blank">
   <p:cSld name="BLANK">
     <p:spTree>
       <p:nvGrpSpPr>
-        <p:cNvPr id="122" name="Shape 122"/>
+        <p:cNvPr id="1" name="Shape 122"/>
         <p:cNvGrpSpPr/>
         <p:nvPr/>
       </p:nvGrpSpPr>
@@ -3761,9 +3770,11 @@
       <p:sp>
         <p:nvSpPr>
           <p:cNvPr id="123" name="Google Shape;123;p12"/>
-          <p:cNvSpPr txBox="1"/>
+          <p:cNvSpPr txBox="1">
+            <a:spLocks noGrp="1"/>
+          </p:cNvSpPr>
           <p:nvPr>
-            <p:ph idx="12" type="sldNum"/>
+            <p:ph type="sldNum" idx="12"/>
           </p:nvPr>
         </p:nvSpPr>
         <p:spPr>
@@ -3776,7 +3787,7 @@
           </a:prstGeom>
         </p:spPr>
         <p:txBody>
-          <a:bodyPr anchorCtr="0" anchor="ctr" bIns="91425" lIns="91425" spcFirstLastPara="1" rIns="91425" wrap="square" tIns="91425">
+          <a:bodyPr spcFirstLastPara="1" wrap="square" lIns="91425" tIns="91425" rIns="91425" bIns="91425" anchor="ctr" anchorCtr="0">
             <a:normAutofit/>
           </a:bodyPr>
           <a:lstStyle>
@@ -3818,7 +3829,7 @@
             </a:lvl9pPr>
           </a:lstStyle>
           <a:p>
-            <a:pPr indent="0" lvl="0" marL="0" rtl="0" algn="r">
+            <a:pPr marL="0" lvl="0" indent="0" algn="r" rtl="0">
               <a:spcBef>
                 <a:spcPts val="0"/>
               </a:spcBef>
@@ -3844,18 +3855,19 @@
 </file>
 
 <file path=ppt/slideLayouts/slideLayout2.xml><?xml version="1.0" encoding="utf-8"?>
-<p:sldLayout xmlns:a="http://schemas.openxmlformats.org/drawingml/2006/main" xmlns:r="http://schemas.openxmlformats.org/officeDocument/2006/relationships" xmlns:mc="http://schemas.openxmlformats.org/markup-compatibility/2006" xmlns:mv="urn:schemas-microsoft-com:mac:vml" xmlns:p="http://schemas.openxmlformats.org/presentationml/2006/main" xmlns:c="http://schemas.openxmlformats.org/drawingml/2006/chart" xmlns:dgm="http://schemas.openxmlformats.org/drawingml/2006/diagram" xmlns:o="urn:schemas-microsoft-com:office:office" xmlns:v="urn:schemas-microsoft-com:vml" xmlns:pvml="urn:schemas-microsoft-com:office:powerpoint" xmlns:com="http://schemas.openxmlformats.org/drawingml/2006/compatibility" xmlns:p14="http://schemas.microsoft.com/office/powerpoint/2010/main" xmlns:p15="http://schemas.microsoft.com/office/powerpoint/2012/main" xmlns:ahyp="http://schemas.microsoft.com/office/drawing/2018/hyperlinkcolor" matchingName="Section header" type="secHead">
+<p:sldLayout xmlns:a="http://schemas.openxmlformats.org/drawingml/2006/main" xmlns:r="http://schemas.openxmlformats.org/officeDocument/2006/relationships" xmlns:p="http://schemas.openxmlformats.org/presentationml/2006/main" matchingName="Section header" type="secHead">
   <p:cSld name="SECTION_HEADER">
     <p:bg>
       <p:bgPr>
         <a:solidFill>
           <a:schemeClr val="accent3"/>
         </a:solidFill>
+        <a:effectLst/>
       </p:bgPr>
     </p:bg>
     <p:spTree>
       <p:nvGrpSpPr>
-        <p:cNvPr id="37" name="Shape 37"/>
+        <p:cNvPr id="1" name="Shape 37"/>
         <p:cNvGrpSpPr/>
         <p:nvPr/>
       </p:nvGrpSpPr>
@@ -3889,12 +3901,12 @@
           </a:ln>
         </p:spPr>
         <p:txBody>
-          <a:bodyPr anchorCtr="0" anchor="ctr" bIns="91425" lIns="91425" spcFirstLastPara="1" rIns="91425" wrap="square" tIns="91425">
+          <a:bodyPr spcFirstLastPara="1" wrap="square" lIns="91425" tIns="91425" rIns="91425" bIns="91425" anchor="ctr" anchorCtr="0">
             <a:noAutofit/>
           </a:bodyPr>
           <a:lstStyle/>
           <a:p>
-            <a:pPr indent="0" lvl="0" marL="0" rtl="0" algn="l">
+            <a:pPr marL="0" lvl="0" indent="0" algn="l" rtl="0">
               <a:spcBef>
                 <a:spcPts val="0"/>
               </a:spcBef>
@@ -3903,9 +3915,6 @@
               </a:spcAft>
               <a:buNone/>
             </a:pPr>
-            <a:r>
-              <a:t/>
-            </a:r>
             <a:endParaRPr/>
           </a:p>
         </p:txBody>
@@ -3937,7 +3946,7 @@
             </a:xfrm>
             <a:prstGeom prst="parallelogram">
               <a:avLst>
-                <a:gd fmla="val 158024" name="adj"/>
+                <a:gd name="adj" fmla="val 158024"/>
               </a:avLst>
             </a:prstGeom>
             <a:solidFill>
@@ -3948,12 +3957,12 @@
             </a:ln>
           </p:spPr>
           <p:txBody>
-            <a:bodyPr anchorCtr="0" anchor="ctr" bIns="91425" lIns="91425" spcFirstLastPara="1" rIns="91425" wrap="square" tIns="91425">
+            <a:bodyPr spcFirstLastPara="1" wrap="square" lIns="91425" tIns="91425" rIns="91425" bIns="91425" anchor="ctr" anchorCtr="0">
               <a:noAutofit/>
             </a:bodyPr>
             <a:lstStyle/>
             <a:p>
-              <a:pPr indent="0" lvl="0" marL="0" rtl="0" algn="l">
+              <a:pPr marL="0" lvl="0" indent="0" algn="l" rtl="0">
                 <a:spcBef>
                   <a:spcPts val="0"/>
                 </a:spcBef>
@@ -3962,9 +3971,6 @@
                 </a:spcAft>
                 <a:buNone/>
               </a:pPr>
-              <a:r>
-                <a:t/>
-              </a:r>
               <a:endParaRPr/>
             </a:p>
           </p:txBody>
@@ -3982,7 +3988,7 @@
             </a:xfrm>
             <a:prstGeom prst="parallelogram">
               <a:avLst>
-                <a:gd fmla="val 158024" name="adj"/>
+                <a:gd name="adj" fmla="val 158024"/>
               </a:avLst>
             </a:prstGeom>
             <a:solidFill>
@@ -3993,12 +3999,12 @@
             </a:ln>
           </p:spPr>
           <p:txBody>
-            <a:bodyPr anchorCtr="0" anchor="ctr" bIns="91425" lIns="91425" spcFirstLastPara="1" rIns="91425" wrap="square" tIns="91425">
+            <a:bodyPr spcFirstLastPara="1" wrap="square" lIns="91425" tIns="91425" rIns="91425" bIns="91425" anchor="ctr" anchorCtr="0">
               <a:noAutofit/>
             </a:bodyPr>
             <a:lstStyle/>
             <a:p>
-              <a:pPr indent="0" lvl="0" marL="0" rtl="0" algn="l">
+              <a:pPr marL="0" lvl="0" indent="0" algn="l" rtl="0">
                 <a:spcBef>
                   <a:spcPts val="0"/>
                 </a:spcBef>
@@ -4007,9 +4013,6 @@
                 </a:spcAft>
                 <a:buNone/>
               </a:pPr>
-              <a:r>
-                <a:t/>
-              </a:r>
               <a:endParaRPr/>
             </a:p>
           </p:txBody>
@@ -4027,7 +4030,7 @@
             </a:xfrm>
             <a:prstGeom prst="parallelogram">
               <a:avLst>
-                <a:gd fmla="val 158024" name="adj"/>
+                <a:gd name="adj" fmla="val 158024"/>
               </a:avLst>
             </a:prstGeom>
             <a:solidFill>
@@ -4038,12 +4041,12 @@
             </a:ln>
           </p:spPr>
           <p:txBody>
-            <a:bodyPr anchorCtr="0" anchor="ctr" bIns="91425" lIns="91425" spcFirstLastPara="1" rIns="91425" wrap="square" tIns="91425">
+            <a:bodyPr spcFirstLastPara="1" wrap="square" lIns="91425" tIns="91425" rIns="91425" bIns="91425" anchor="ctr" anchorCtr="0">
               <a:noAutofit/>
             </a:bodyPr>
             <a:lstStyle/>
             <a:p>
-              <a:pPr indent="0" lvl="0" marL="0" rtl="0" algn="l">
+              <a:pPr marL="0" lvl="0" indent="0" algn="l" rtl="0">
                 <a:spcBef>
                   <a:spcPts val="0"/>
                 </a:spcBef>
@@ -4052,9 +4055,6 @@
                 </a:spcAft>
                 <a:buNone/>
               </a:pPr>
-              <a:r>
-                <a:t/>
-              </a:r>
               <a:endParaRPr/>
             </a:p>
           </p:txBody>
@@ -4087,7 +4087,7 @@
             </a:xfrm>
             <a:prstGeom prst="parallelogram">
               <a:avLst>
-                <a:gd fmla="val 158024" name="adj"/>
+                <a:gd name="adj" fmla="val 158024"/>
               </a:avLst>
             </a:prstGeom>
             <a:solidFill>
@@ -4098,12 +4098,12 @@
             </a:ln>
           </p:spPr>
           <p:txBody>
-            <a:bodyPr anchorCtr="0" anchor="ctr" bIns="91425" lIns="91425" spcFirstLastPara="1" rIns="91425" wrap="square" tIns="91425">
+            <a:bodyPr spcFirstLastPara="1" wrap="square" lIns="91425" tIns="91425" rIns="91425" bIns="91425" anchor="ctr" anchorCtr="0">
               <a:noAutofit/>
             </a:bodyPr>
             <a:lstStyle/>
             <a:p>
-              <a:pPr indent="0" lvl="0" marL="0" rtl="0" algn="l">
+              <a:pPr marL="0" lvl="0" indent="0" algn="l" rtl="0">
                 <a:spcBef>
                   <a:spcPts val="0"/>
                 </a:spcBef>
@@ -4112,9 +4112,6 @@
                 </a:spcAft>
                 <a:buNone/>
               </a:pPr>
-              <a:r>
-                <a:t/>
-              </a:r>
               <a:endParaRPr/>
             </a:p>
           </p:txBody>
@@ -4132,7 +4129,7 @@
             </a:xfrm>
             <a:prstGeom prst="parallelogram">
               <a:avLst>
-                <a:gd fmla="val 158024" name="adj"/>
+                <a:gd name="adj" fmla="val 158024"/>
               </a:avLst>
             </a:prstGeom>
             <a:solidFill>
@@ -4143,12 +4140,12 @@
             </a:ln>
           </p:spPr>
           <p:txBody>
-            <a:bodyPr anchorCtr="0" anchor="ctr" bIns="91425" lIns="91425" spcFirstLastPara="1" rIns="91425" wrap="square" tIns="91425">
+            <a:bodyPr spcFirstLastPara="1" wrap="square" lIns="91425" tIns="91425" rIns="91425" bIns="91425" anchor="ctr" anchorCtr="0">
               <a:noAutofit/>
             </a:bodyPr>
             <a:lstStyle/>
             <a:p>
-              <a:pPr indent="0" lvl="0" marL="0" rtl="0" algn="l">
+              <a:pPr marL="0" lvl="0" indent="0" algn="l" rtl="0">
                 <a:spcBef>
                   <a:spcPts val="0"/>
                 </a:spcBef>
@@ -4157,9 +4154,6 @@
                 </a:spcAft>
                 <a:buNone/>
               </a:pPr>
-              <a:r>
-                <a:t/>
-              </a:r>
               <a:endParaRPr/>
             </a:p>
           </p:txBody>
@@ -4177,7 +4171,7 @@
             </a:xfrm>
             <a:prstGeom prst="parallelogram">
               <a:avLst>
-                <a:gd fmla="val 158024" name="adj"/>
+                <a:gd name="adj" fmla="val 158024"/>
               </a:avLst>
             </a:prstGeom>
             <a:solidFill>
@@ -4188,12 +4182,12 @@
             </a:ln>
           </p:spPr>
           <p:txBody>
-            <a:bodyPr anchorCtr="0" anchor="ctr" bIns="91425" lIns="91425" spcFirstLastPara="1" rIns="91425" wrap="square" tIns="91425">
+            <a:bodyPr spcFirstLastPara="1" wrap="square" lIns="91425" tIns="91425" rIns="91425" bIns="91425" anchor="ctr" anchorCtr="0">
               <a:noAutofit/>
             </a:bodyPr>
             <a:lstStyle/>
             <a:p>
-              <a:pPr indent="0" lvl="0" marL="0" rtl="0" algn="l">
+              <a:pPr marL="0" lvl="0" indent="0" algn="l" rtl="0">
                 <a:spcBef>
                   <a:spcPts val="0"/>
                 </a:spcBef>
@@ -4202,9 +4196,6 @@
                 </a:spcAft>
                 <a:buNone/>
               </a:pPr>
-              <a:r>
-                <a:t/>
-              </a:r>
               <a:endParaRPr/>
             </a:p>
           </p:txBody>
@@ -4213,7 +4204,9 @@
       <p:sp>
         <p:nvSpPr>
           <p:cNvPr id="47" name="Google Shape;47;p3"/>
-          <p:cNvSpPr txBox="1"/>
+          <p:cNvSpPr txBox="1">
+            <a:spLocks noGrp="1"/>
+          </p:cNvSpPr>
           <p:nvPr>
             <p:ph type="title"/>
           </p:nvPr>
@@ -4228,7 +4221,7 @@
           </a:prstGeom>
         </p:spPr>
         <p:txBody>
-          <a:bodyPr anchorCtr="0" anchor="ctr" bIns="91425" lIns="91425" spcFirstLastPara="1" rIns="91425" wrap="square" tIns="91425">
+          <a:bodyPr spcFirstLastPara="1" wrap="square" lIns="91425" tIns="91425" rIns="91425" bIns="91425" anchor="ctr" anchorCtr="0">
             <a:normAutofit/>
           </a:bodyPr>
           <a:lstStyle>
@@ -4395,15 +4388,19 @@
               </a:defRPr>
             </a:lvl9pPr>
           </a:lstStyle>
-          <a:p/>
+          <a:p>
+            <a:endParaRPr/>
+          </a:p>
         </p:txBody>
       </p:sp>
       <p:sp>
         <p:nvSpPr>
           <p:cNvPr id="48" name="Google Shape;48;p3"/>
-          <p:cNvSpPr txBox="1"/>
+          <p:cNvSpPr txBox="1">
+            <a:spLocks noGrp="1"/>
+          </p:cNvSpPr>
           <p:nvPr>
-            <p:ph idx="12" type="sldNum"/>
+            <p:ph type="sldNum" idx="12"/>
           </p:nvPr>
         </p:nvSpPr>
         <p:spPr>
@@ -4416,7 +4413,7 @@
           </a:prstGeom>
         </p:spPr>
         <p:txBody>
-          <a:bodyPr anchorCtr="0" anchor="ctr" bIns="91425" lIns="91425" spcFirstLastPara="1" rIns="91425" wrap="square" tIns="91425">
+          <a:bodyPr spcFirstLastPara="1" wrap="square" lIns="91425" tIns="91425" rIns="91425" bIns="91425" anchor="ctr" anchorCtr="0">
             <a:normAutofit/>
           </a:bodyPr>
           <a:lstStyle>
@@ -4458,7 +4455,7 @@
             </a:lvl9pPr>
           </a:lstStyle>
           <a:p>
-            <a:pPr indent="0" lvl="0" marL="0" rtl="0" algn="r">
+            <a:pPr marL="0" lvl="0" indent="0" algn="r" rtl="0">
               <a:spcBef>
                 <a:spcPts val="0"/>
               </a:spcBef>
@@ -4484,18 +4481,19 @@
 </file>
 
 <file path=ppt/slideLayouts/slideLayout3.xml><?xml version="1.0" encoding="utf-8"?>
-<p:sldLayout xmlns:a="http://schemas.openxmlformats.org/drawingml/2006/main" xmlns:r="http://schemas.openxmlformats.org/officeDocument/2006/relationships" xmlns:mc="http://schemas.openxmlformats.org/markup-compatibility/2006" xmlns:mv="urn:schemas-microsoft-com:mac:vml" xmlns:p="http://schemas.openxmlformats.org/presentationml/2006/main" xmlns:c="http://schemas.openxmlformats.org/drawingml/2006/chart" xmlns:dgm="http://schemas.openxmlformats.org/drawingml/2006/diagram" xmlns:o="urn:schemas-microsoft-com:office:office" xmlns:v="urn:schemas-microsoft-com:vml" xmlns:pvml="urn:schemas-microsoft-com:office:powerpoint" xmlns:com="http://schemas.openxmlformats.org/drawingml/2006/compatibility" xmlns:p14="http://schemas.microsoft.com/office/powerpoint/2010/main" xmlns:p15="http://schemas.microsoft.com/office/powerpoint/2012/main" xmlns:ahyp="http://schemas.microsoft.com/office/drawing/2018/hyperlinkcolor" matchingName="Title and body" type="tx">
+<p:sldLayout xmlns:a="http://schemas.openxmlformats.org/drawingml/2006/main" xmlns:r="http://schemas.openxmlformats.org/officeDocument/2006/relationships" xmlns:p="http://schemas.openxmlformats.org/presentationml/2006/main" matchingName="Title and body" type="tx">
   <p:cSld name="TITLE_AND_BODY">
     <p:bg>
       <p:bgPr>
         <a:solidFill>
           <a:schemeClr val="dk2"/>
         </a:solidFill>
+        <a:effectLst/>
       </p:bgPr>
     </p:bg>
     <p:spTree>
       <p:nvGrpSpPr>
-        <p:cNvPr id="49" name="Shape 49"/>
+        <p:cNvPr id="1" name="Shape 49"/>
         <p:cNvGrpSpPr/>
         <p:nvPr/>
       </p:nvGrpSpPr>
@@ -4529,12 +4527,12 @@
           </a:ln>
         </p:spPr>
         <p:txBody>
-          <a:bodyPr anchorCtr="0" anchor="ctr" bIns="91425" lIns="91425" spcFirstLastPara="1" rIns="91425" wrap="square" tIns="91425">
+          <a:bodyPr spcFirstLastPara="1" wrap="square" lIns="91425" tIns="91425" rIns="91425" bIns="91425" anchor="ctr" anchorCtr="0">
             <a:noAutofit/>
           </a:bodyPr>
           <a:lstStyle/>
           <a:p>
-            <a:pPr indent="0" lvl="0" marL="0" rtl="0" algn="l">
+            <a:pPr marL="0" lvl="0" indent="0" algn="l" rtl="0">
               <a:spcBef>
                 <a:spcPts val="0"/>
               </a:spcBef>
@@ -4543,9 +4541,6 @@
               </a:spcAft>
               <a:buNone/>
             </a:pPr>
-            <a:r>
-              <a:t/>
-            </a:r>
             <a:endParaRPr/>
           </a:p>
         </p:txBody>
@@ -4572,12 +4567,12 @@
           </a:ln>
         </p:spPr>
         <p:txBody>
-          <a:bodyPr anchorCtr="0" anchor="ctr" bIns="91425" lIns="91425" spcFirstLastPara="1" rIns="91425" wrap="square" tIns="91425">
+          <a:bodyPr spcFirstLastPara="1" wrap="square" lIns="91425" tIns="91425" rIns="91425" bIns="91425" anchor="ctr" anchorCtr="0">
             <a:noAutofit/>
           </a:bodyPr>
           <a:lstStyle/>
           <a:p>
-            <a:pPr indent="0" lvl="0" marL="0" rtl="0" algn="l">
+            <a:pPr marL="0" lvl="0" indent="0" algn="l" rtl="0">
               <a:spcBef>
                 <a:spcPts val="0"/>
               </a:spcBef>
@@ -4586,9 +4581,6 @@
               </a:spcAft>
               <a:buNone/>
             </a:pPr>
-            <a:r>
-              <a:t/>
-            </a:r>
             <a:endParaRPr/>
           </a:p>
         </p:txBody>
@@ -4614,7 +4606,7 @@
             <a:noFill/>
           </a:ln>
           <a:effectLst>
-            <a:outerShdw blurRad="228600" sx="101000" rotWithShape="0" algn="ctr" sy="101000">
+            <a:outerShdw blurRad="228600" sx="101000" sy="101000" algn="ctr" rotWithShape="0">
               <a:srgbClr val="000000">
                 <a:alpha val="40000"/>
               </a:srgbClr>
@@ -4622,12 +4614,12 @@
           </a:effectLst>
         </p:spPr>
         <p:txBody>
-          <a:bodyPr anchorCtr="0" anchor="ctr" bIns="91425" lIns="91425" spcFirstLastPara="1" rIns="91425" wrap="square" tIns="91425">
+          <a:bodyPr spcFirstLastPara="1" wrap="square" lIns="91425" tIns="91425" rIns="91425" bIns="91425" anchor="ctr" anchorCtr="0">
             <a:noAutofit/>
           </a:bodyPr>
           <a:lstStyle/>
           <a:p>
-            <a:pPr indent="0" lvl="0" marL="0" rtl="0" algn="l">
+            <a:pPr marL="0" lvl="0" indent="0" algn="l" rtl="0">
               <a:spcBef>
                 <a:spcPts val="0"/>
               </a:spcBef>
@@ -4636,9 +4628,6 @@
               </a:spcAft>
               <a:buNone/>
             </a:pPr>
-            <a:r>
-              <a:t/>
-            </a:r>
             <a:endParaRPr/>
           </a:p>
         </p:txBody>
@@ -4646,7 +4635,9 @@
       <p:sp>
         <p:nvSpPr>
           <p:cNvPr id="53" name="Google Shape;53;p4"/>
-          <p:cNvSpPr txBox="1"/>
+          <p:cNvSpPr txBox="1">
+            <a:spLocks noGrp="1"/>
+          </p:cNvSpPr>
           <p:nvPr>
             <p:ph type="title"/>
           </p:nvPr>
@@ -4661,7 +4652,7 @@
           </a:prstGeom>
         </p:spPr>
         <p:txBody>
-          <a:bodyPr anchorCtr="0" anchor="t" bIns="91425" lIns="91425" spcFirstLastPara="1" rIns="91425" wrap="square" tIns="91425">
+          <a:bodyPr spcFirstLastPara="1" wrap="square" lIns="91425" tIns="91425" rIns="91425" bIns="91425" anchor="t" anchorCtr="0">
             <a:normAutofit/>
           </a:bodyPr>
           <a:lstStyle>
@@ -4765,15 +4756,19 @@
               <a:defRPr sz="3000"/>
             </a:lvl9pPr>
           </a:lstStyle>
-          <a:p/>
+          <a:p>
+            <a:endParaRPr/>
+          </a:p>
         </p:txBody>
       </p:sp>
       <p:sp>
         <p:nvSpPr>
           <p:cNvPr id="54" name="Google Shape;54;p4"/>
-          <p:cNvSpPr txBox="1"/>
+          <p:cNvSpPr txBox="1">
+            <a:spLocks noGrp="1"/>
+          </p:cNvSpPr>
           <p:nvPr>
-            <p:ph idx="1" type="body"/>
+            <p:ph type="body" idx="1"/>
           </p:nvPr>
         </p:nvSpPr>
         <p:spPr>
@@ -4786,11 +4781,11 @@
           </a:prstGeom>
         </p:spPr>
         <p:txBody>
-          <a:bodyPr anchorCtr="0" anchor="t" bIns="91425" lIns="91425" spcFirstLastPara="1" rIns="91425" wrap="square" tIns="91425">
+          <a:bodyPr spcFirstLastPara="1" wrap="square" lIns="91425" tIns="91425" rIns="91425" bIns="91425" anchor="t" anchorCtr="0">
             <a:normAutofit/>
           </a:bodyPr>
           <a:lstStyle>
-            <a:lvl1pPr indent="-311150" lvl="0" marL="457200">
+            <a:lvl1pPr marL="457200" lvl="0" indent="-311150">
               <a:spcBef>
                 <a:spcPts val="0"/>
               </a:spcBef>
@@ -4801,7 +4796,7 @@
               <a:buChar char="●"/>
               <a:defRPr/>
             </a:lvl1pPr>
-            <a:lvl2pPr indent="-298450" lvl="1" marL="914400">
+            <a:lvl2pPr marL="914400" lvl="1" indent="-298450">
               <a:spcBef>
                 <a:spcPts val="0"/>
               </a:spcBef>
@@ -4812,7 +4807,7 @@
               <a:buChar char="○"/>
               <a:defRPr/>
             </a:lvl2pPr>
-            <a:lvl3pPr indent="-298450" lvl="2" marL="1371600">
+            <a:lvl3pPr marL="1371600" lvl="2" indent="-298450">
               <a:spcBef>
                 <a:spcPts val="0"/>
               </a:spcBef>
@@ -4823,7 +4818,7 @@
               <a:buChar char="■"/>
               <a:defRPr/>
             </a:lvl3pPr>
-            <a:lvl4pPr indent="-298450" lvl="3" marL="1828800">
+            <a:lvl4pPr marL="1828800" lvl="3" indent="-298450">
               <a:spcBef>
                 <a:spcPts val="0"/>
               </a:spcBef>
@@ -4834,7 +4829,7 @@
               <a:buChar char="●"/>
               <a:defRPr/>
             </a:lvl4pPr>
-            <a:lvl5pPr indent="-298450" lvl="4" marL="2286000">
+            <a:lvl5pPr marL="2286000" lvl="4" indent="-298450">
               <a:spcBef>
                 <a:spcPts val="0"/>
               </a:spcBef>
@@ -4845,7 +4840,7 @@
               <a:buChar char="○"/>
               <a:defRPr/>
             </a:lvl5pPr>
-            <a:lvl6pPr indent="-298450" lvl="5" marL="2743200">
+            <a:lvl6pPr marL="2743200" lvl="5" indent="-298450">
               <a:spcBef>
                 <a:spcPts val="0"/>
               </a:spcBef>
@@ -4856,7 +4851,7 @@
               <a:buChar char="■"/>
               <a:defRPr/>
             </a:lvl6pPr>
-            <a:lvl7pPr indent="-298450" lvl="6" marL="3200400">
+            <a:lvl7pPr marL="3200400" lvl="6" indent="-298450">
               <a:spcBef>
                 <a:spcPts val="0"/>
               </a:spcBef>
@@ -4867,7 +4862,7 @@
               <a:buChar char="●"/>
               <a:defRPr/>
             </a:lvl7pPr>
-            <a:lvl8pPr indent="-298450" lvl="7" marL="3657600">
+            <a:lvl8pPr marL="3657600" lvl="7" indent="-298450">
               <a:spcBef>
                 <a:spcPts val="0"/>
               </a:spcBef>
@@ -4878,7 +4873,7 @@
               <a:buChar char="○"/>
               <a:defRPr/>
             </a:lvl8pPr>
-            <a:lvl9pPr indent="-298450" lvl="8" marL="4114800">
+            <a:lvl9pPr marL="4114800" lvl="8" indent="-298450">
               <a:spcBef>
                 <a:spcPts val="0"/>
               </a:spcBef>
@@ -4890,15 +4885,19 @@
               <a:defRPr/>
             </a:lvl9pPr>
           </a:lstStyle>
-          <a:p/>
+          <a:p>
+            <a:endParaRPr/>
+          </a:p>
         </p:txBody>
       </p:sp>
       <p:sp>
         <p:nvSpPr>
           <p:cNvPr id="55" name="Google Shape;55;p4"/>
-          <p:cNvSpPr txBox="1"/>
+          <p:cNvSpPr txBox="1">
+            <a:spLocks noGrp="1"/>
+          </p:cNvSpPr>
           <p:nvPr>
-            <p:ph idx="12" type="sldNum"/>
+            <p:ph type="sldNum" idx="12"/>
           </p:nvPr>
         </p:nvSpPr>
         <p:spPr>
@@ -4911,7 +4910,7 @@
           </a:prstGeom>
         </p:spPr>
         <p:txBody>
-          <a:bodyPr anchorCtr="0" anchor="ctr" bIns="91425" lIns="91425" spcFirstLastPara="1" rIns="91425" wrap="square" tIns="91425">
+          <a:bodyPr spcFirstLastPara="1" wrap="square" lIns="91425" tIns="91425" rIns="91425" bIns="91425" anchor="ctr" anchorCtr="0">
             <a:normAutofit/>
           </a:bodyPr>
           <a:lstStyle>
@@ -4953,7 +4952,7 @@
             </a:lvl9pPr>
           </a:lstStyle>
           <a:p>
-            <a:pPr indent="0" lvl="0" marL="0" rtl="0" algn="r">
+            <a:pPr marL="0" lvl="0" indent="0" algn="r" rtl="0">
               <a:spcBef>
                 <a:spcPts val="0"/>
               </a:spcBef>
@@ -4979,18 +4978,19 @@
 </file>
 
 <file path=ppt/slideLayouts/slideLayout4.xml><?xml version="1.0" encoding="utf-8"?>
-<p:sldLayout xmlns:a="http://schemas.openxmlformats.org/drawingml/2006/main" xmlns:r="http://schemas.openxmlformats.org/officeDocument/2006/relationships" xmlns:mc="http://schemas.openxmlformats.org/markup-compatibility/2006" xmlns:mv="urn:schemas-microsoft-com:mac:vml" xmlns:p="http://schemas.openxmlformats.org/presentationml/2006/main" xmlns:c="http://schemas.openxmlformats.org/drawingml/2006/chart" xmlns:dgm="http://schemas.openxmlformats.org/drawingml/2006/diagram" xmlns:o="urn:schemas-microsoft-com:office:office" xmlns:v="urn:schemas-microsoft-com:vml" xmlns:pvml="urn:schemas-microsoft-com:office:powerpoint" xmlns:com="http://schemas.openxmlformats.org/drawingml/2006/compatibility" xmlns:p14="http://schemas.microsoft.com/office/powerpoint/2010/main" xmlns:p15="http://schemas.microsoft.com/office/powerpoint/2012/main" xmlns:ahyp="http://schemas.microsoft.com/office/drawing/2018/hyperlinkcolor" matchingName="Title and two columns" type="twoColTx">
+<p:sldLayout xmlns:a="http://schemas.openxmlformats.org/drawingml/2006/main" xmlns:r="http://schemas.openxmlformats.org/officeDocument/2006/relationships" xmlns:p="http://schemas.openxmlformats.org/presentationml/2006/main" matchingName="Title and two columns" type="twoColTx">
   <p:cSld name="TITLE_AND_TWO_COLUMNS">
     <p:bg>
       <p:bgPr>
         <a:solidFill>
           <a:schemeClr val="dk2"/>
         </a:solidFill>
+        <a:effectLst/>
       </p:bgPr>
     </p:bg>
     <p:spTree>
       <p:nvGrpSpPr>
-        <p:cNvPr id="56" name="Shape 56"/>
+        <p:cNvPr id="1" name="Shape 56"/>
         <p:cNvGrpSpPr/>
         <p:nvPr/>
       </p:nvGrpSpPr>
@@ -5024,12 +5024,12 @@
           </a:ln>
         </p:spPr>
         <p:txBody>
-          <a:bodyPr anchorCtr="0" anchor="ctr" bIns="91425" lIns="91425" spcFirstLastPara="1" rIns="91425" wrap="square" tIns="91425">
+          <a:bodyPr spcFirstLastPara="1" wrap="square" lIns="91425" tIns="91425" rIns="91425" bIns="91425" anchor="ctr" anchorCtr="0">
             <a:noAutofit/>
           </a:bodyPr>
           <a:lstStyle/>
           <a:p>
-            <a:pPr indent="0" lvl="0" marL="0" rtl="0" algn="l">
+            <a:pPr marL="0" lvl="0" indent="0" algn="l" rtl="0">
               <a:spcBef>
                 <a:spcPts val="0"/>
               </a:spcBef>
@@ -5038,9 +5038,6 @@
               </a:spcAft>
               <a:buNone/>
             </a:pPr>
-            <a:r>
-              <a:t/>
-            </a:r>
             <a:endParaRPr/>
           </a:p>
         </p:txBody>
@@ -5067,12 +5064,12 @@
           </a:ln>
         </p:spPr>
         <p:txBody>
-          <a:bodyPr anchorCtr="0" anchor="ctr" bIns="91425" lIns="91425" spcFirstLastPara="1" rIns="91425" wrap="square" tIns="91425">
+          <a:bodyPr spcFirstLastPara="1" wrap="square" lIns="91425" tIns="91425" rIns="91425" bIns="91425" anchor="ctr" anchorCtr="0">
             <a:noAutofit/>
           </a:bodyPr>
           <a:lstStyle/>
           <a:p>
-            <a:pPr indent="0" lvl="0" marL="0" rtl="0" algn="l">
+            <a:pPr marL="0" lvl="0" indent="0" algn="l" rtl="0">
               <a:spcBef>
                 <a:spcPts val="0"/>
               </a:spcBef>
@@ -5081,9 +5078,6 @@
               </a:spcAft>
               <a:buNone/>
             </a:pPr>
-            <a:r>
-              <a:t/>
-            </a:r>
             <a:endParaRPr/>
           </a:p>
         </p:txBody>
@@ -5109,7 +5103,7 @@
             <a:noFill/>
           </a:ln>
           <a:effectLst>
-            <a:outerShdw blurRad="228600" sx="101000" rotWithShape="0" algn="ctr" sy="101000">
+            <a:outerShdw blurRad="228600" sx="101000" sy="101000" algn="ctr" rotWithShape="0">
               <a:srgbClr val="000000">
                 <a:alpha val="40000"/>
               </a:srgbClr>
@@ -5117,12 +5111,12 @@
           </a:effectLst>
         </p:spPr>
         <p:txBody>
-          <a:bodyPr anchorCtr="0" anchor="ctr" bIns="91425" lIns="91425" spcFirstLastPara="1" rIns="91425" wrap="square" tIns="91425">
+          <a:bodyPr spcFirstLastPara="1" wrap="square" lIns="91425" tIns="91425" rIns="91425" bIns="91425" anchor="ctr" anchorCtr="0">
             <a:noAutofit/>
           </a:bodyPr>
           <a:lstStyle/>
           <a:p>
-            <a:pPr indent="0" lvl="0" marL="0" rtl="0" algn="l">
+            <a:pPr marL="0" lvl="0" indent="0" algn="l" rtl="0">
               <a:spcBef>
                 <a:spcPts val="0"/>
               </a:spcBef>
@@ -5131,9 +5125,6 @@
               </a:spcAft>
               <a:buNone/>
             </a:pPr>
-            <a:r>
-              <a:t/>
-            </a:r>
             <a:endParaRPr/>
           </a:p>
         </p:txBody>
@@ -5141,7 +5132,9 @@
       <p:sp>
         <p:nvSpPr>
           <p:cNvPr id="60" name="Google Shape;60;p5"/>
-          <p:cNvSpPr txBox="1"/>
+          <p:cNvSpPr txBox="1">
+            <a:spLocks noGrp="1"/>
+          </p:cNvSpPr>
           <p:nvPr>
             <p:ph type="title"/>
           </p:nvPr>
@@ -5156,7 +5149,7 @@
           </a:prstGeom>
         </p:spPr>
         <p:txBody>
-          <a:bodyPr anchorCtr="0" anchor="t" bIns="91425" lIns="91425" spcFirstLastPara="1" rIns="91425" wrap="square" tIns="91425">
+          <a:bodyPr spcFirstLastPara="1" wrap="square" lIns="91425" tIns="91425" rIns="91425" bIns="91425" anchor="t" anchorCtr="0">
             <a:normAutofit/>
           </a:bodyPr>
           <a:lstStyle>
@@ -5260,15 +5253,19 @@
               <a:defRPr sz="3000"/>
             </a:lvl9pPr>
           </a:lstStyle>
-          <a:p/>
+          <a:p>
+            <a:endParaRPr/>
+          </a:p>
         </p:txBody>
       </p:sp>
       <p:sp>
         <p:nvSpPr>
           <p:cNvPr id="61" name="Google Shape;61;p5"/>
-          <p:cNvSpPr txBox="1"/>
+          <p:cNvSpPr txBox="1">
+            <a:spLocks noGrp="1"/>
+          </p:cNvSpPr>
           <p:nvPr>
-            <p:ph idx="1" type="body"/>
+            <p:ph type="body" idx="1"/>
           </p:nvPr>
         </p:nvSpPr>
         <p:spPr>
@@ -5281,11 +5278,11 @@
           </a:prstGeom>
         </p:spPr>
         <p:txBody>
-          <a:bodyPr anchorCtr="0" anchor="t" bIns="91425" lIns="91425" spcFirstLastPara="1" rIns="91425" wrap="square" tIns="91425">
+          <a:bodyPr spcFirstLastPara="1" wrap="square" lIns="91425" tIns="91425" rIns="91425" bIns="91425" anchor="t" anchorCtr="0">
             <a:normAutofit/>
           </a:bodyPr>
           <a:lstStyle>
-            <a:lvl1pPr indent="-311150" lvl="0" marL="457200">
+            <a:lvl1pPr marL="457200" lvl="0" indent="-311150">
               <a:spcBef>
                 <a:spcPts val="0"/>
               </a:spcBef>
@@ -5296,7 +5293,7 @@
               <a:buChar char="●"/>
               <a:defRPr/>
             </a:lvl1pPr>
-            <a:lvl2pPr indent="-298450" lvl="1" marL="914400">
+            <a:lvl2pPr marL="914400" lvl="1" indent="-298450">
               <a:spcBef>
                 <a:spcPts val="0"/>
               </a:spcBef>
@@ -5307,7 +5304,7 @@
               <a:buChar char="○"/>
               <a:defRPr/>
             </a:lvl2pPr>
-            <a:lvl3pPr indent="-298450" lvl="2" marL="1371600">
+            <a:lvl3pPr marL="1371600" lvl="2" indent="-298450">
               <a:spcBef>
                 <a:spcPts val="0"/>
               </a:spcBef>
@@ -5318,7 +5315,7 @@
               <a:buChar char="■"/>
               <a:defRPr/>
             </a:lvl3pPr>
-            <a:lvl4pPr indent="-298450" lvl="3" marL="1828800">
+            <a:lvl4pPr marL="1828800" lvl="3" indent="-298450">
               <a:spcBef>
                 <a:spcPts val="0"/>
               </a:spcBef>
@@ -5329,7 +5326,7 @@
               <a:buChar char="●"/>
               <a:defRPr/>
             </a:lvl4pPr>
-            <a:lvl5pPr indent="-298450" lvl="4" marL="2286000">
+            <a:lvl5pPr marL="2286000" lvl="4" indent="-298450">
               <a:spcBef>
                 <a:spcPts val="0"/>
               </a:spcBef>
@@ -5340,7 +5337,7 @@
               <a:buChar char="○"/>
               <a:defRPr/>
             </a:lvl5pPr>
-            <a:lvl6pPr indent="-298450" lvl="5" marL="2743200">
+            <a:lvl6pPr marL="2743200" lvl="5" indent="-298450">
               <a:spcBef>
                 <a:spcPts val="0"/>
               </a:spcBef>
@@ -5351,7 +5348,7 @@
               <a:buChar char="■"/>
               <a:defRPr/>
             </a:lvl6pPr>
-            <a:lvl7pPr indent="-298450" lvl="6" marL="3200400">
+            <a:lvl7pPr marL="3200400" lvl="6" indent="-298450">
               <a:spcBef>
                 <a:spcPts val="0"/>
               </a:spcBef>
@@ -5362,7 +5359,7 @@
               <a:buChar char="●"/>
               <a:defRPr/>
             </a:lvl7pPr>
-            <a:lvl8pPr indent="-298450" lvl="7" marL="3657600">
+            <a:lvl8pPr marL="3657600" lvl="7" indent="-298450">
               <a:spcBef>
                 <a:spcPts val="0"/>
               </a:spcBef>
@@ -5373,7 +5370,7 @@
               <a:buChar char="○"/>
               <a:defRPr/>
             </a:lvl8pPr>
-            <a:lvl9pPr indent="-298450" lvl="8" marL="4114800">
+            <a:lvl9pPr marL="4114800" lvl="8" indent="-298450">
               <a:spcBef>
                 <a:spcPts val="0"/>
               </a:spcBef>
@@ -5385,15 +5382,19 @@
               <a:defRPr/>
             </a:lvl9pPr>
           </a:lstStyle>
-          <a:p/>
+          <a:p>
+            <a:endParaRPr/>
+          </a:p>
         </p:txBody>
       </p:sp>
       <p:sp>
         <p:nvSpPr>
           <p:cNvPr id="62" name="Google Shape;62;p5"/>
-          <p:cNvSpPr txBox="1"/>
+          <p:cNvSpPr txBox="1">
+            <a:spLocks noGrp="1"/>
+          </p:cNvSpPr>
           <p:nvPr>
-            <p:ph idx="2" type="body"/>
+            <p:ph type="body" idx="2"/>
           </p:nvPr>
         </p:nvSpPr>
         <p:spPr>
@@ -5406,11 +5407,11 @@
           </a:prstGeom>
         </p:spPr>
         <p:txBody>
-          <a:bodyPr anchorCtr="0" anchor="t" bIns="91425" lIns="91425" spcFirstLastPara="1" rIns="91425" wrap="square" tIns="91425">
+          <a:bodyPr spcFirstLastPara="1" wrap="square" lIns="91425" tIns="91425" rIns="91425" bIns="91425" anchor="t" anchorCtr="0">
             <a:normAutofit/>
           </a:bodyPr>
           <a:lstStyle>
-            <a:lvl1pPr indent="-311150" lvl="0" marL="457200">
+            <a:lvl1pPr marL="457200" lvl="0" indent="-311150">
               <a:spcBef>
                 <a:spcPts val="0"/>
               </a:spcBef>
@@ -5421,7 +5422,7 @@
               <a:buChar char="●"/>
               <a:defRPr/>
             </a:lvl1pPr>
-            <a:lvl2pPr indent="-298450" lvl="1" marL="914400">
+            <a:lvl2pPr marL="914400" lvl="1" indent="-298450">
               <a:spcBef>
                 <a:spcPts val="0"/>
               </a:spcBef>
@@ -5432,7 +5433,7 @@
               <a:buChar char="○"/>
               <a:defRPr/>
             </a:lvl2pPr>
-            <a:lvl3pPr indent="-298450" lvl="2" marL="1371600">
+            <a:lvl3pPr marL="1371600" lvl="2" indent="-298450">
               <a:spcBef>
                 <a:spcPts val="0"/>
               </a:spcBef>
@@ -5443,7 +5444,7 @@
               <a:buChar char="■"/>
               <a:defRPr/>
             </a:lvl3pPr>
-            <a:lvl4pPr indent="-298450" lvl="3" marL="1828800">
+            <a:lvl4pPr marL="1828800" lvl="3" indent="-298450">
               <a:spcBef>
                 <a:spcPts val="0"/>
               </a:spcBef>
@@ -5454,7 +5455,7 @@
               <a:buChar char="●"/>
               <a:defRPr/>
             </a:lvl4pPr>
-            <a:lvl5pPr indent="-298450" lvl="4" marL="2286000">
+            <a:lvl5pPr marL="2286000" lvl="4" indent="-298450">
               <a:spcBef>
                 <a:spcPts val="0"/>
               </a:spcBef>
@@ -5465,7 +5466,7 @@
               <a:buChar char="○"/>
               <a:defRPr/>
             </a:lvl5pPr>
-            <a:lvl6pPr indent="-298450" lvl="5" marL="2743200">
+            <a:lvl6pPr marL="2743200" lvl="5" indent="-298450">
               <a:spcBef>
                 <a:spcPts val="0"/>
               </a:spcBef>
@@ -5476,7 +5477,7 @@
               <a:buChar char="■"/>
               <a:defRPr/>
             </a:lvl6pPr>
-            <a:lvl7pPr indent="-298450" lvl="6" marL="3200400">
+            <a:lvl7pPr marL="3200400" lvl="6" indent="-298450">
               <a:spcBef>
                 <a:spcPts val="0"/>
               </a:spcBef>
@@ -5487,7 +5488,7 @@
               <a:buChar char="●"/>
               <a:defRPr/>
             </a:lvl7pPr>
-            <a:lvl8pPr indent="-298450" lvl="7" marL="3657600">
+            <a:lvl8pPr marL="3657600" lvl="7" indent="-298450">
               <a:spcBef>
                 <a:spcPts val="0"/>
               </a:spcBef>
@@ -5498,7 +5499,7 @@
               <a:buChar char="○"/>
               <a:defRPr/>
             </a:lvl8pPr>
-            <a:lvl9pPr indent="-298450" lvl="8" marL="4114800">
+            <a:lvl9pPr marL="4114800" lvl="8" indent="-298450">
               <a:spcBef>
                 <a:spcPts val="0"/>
               </a:spcBef>
@@ -5510,15 +5511,19 @@
               <a:defRPr/>
             </a:lvl9pPr>
           </a:lstStyle>
-          <a:p/>
+          <a:p>
+            <a:endParaRPr/>
+          </a:p>
         </p:txBody>
       </p:sp>
       <p:sp>
         <p:nvSpPr>
           <p:cNvPr id="63" name="Google Shape;63;p5"/>
-          <p:cNvSpPr txBox="1"/>
+          <p:cNvSpPr txBox="1">
+            <a:spLocks noGrp="1"/>
+          </p:cNvSpPr>
           <p:nvPr>
-            <p:ph idx="12" type="sldNum"/>
+            <p:ph type="sldNum" idx="12"/>
           </p:nvPr>
         </p:nvSpPr>
         <p:spPr>
@@ -5531,7 +5536,7 @@
           </a:prstGeom>
         </p:spPr>
         <p:txBody>
-          <a:bodyPr anchorCtr="0" anchor="ctr" bIns="91425" lIns="91425" spcFirstLastPara="1" rIns="91425" wrap="square" tIns="91425">
+          <a:bodyPr spcFirstLastPara="1" wrap="square" lIns="91425" tIns="91425" rIns="91425" bIns="91425" anchor="ctr" anchorCtr="0">
             <a:normAutofit/>
           </a:bodyPr>
           <a:lstStyle>
@@ -5573,7 +5578,7 @@
             </a:lvl9pPr>
           </a:lstStyle>
           <a:p>
-            <a:pPr indent="0" lvl="0" marL="0" rtl="0" algn="r">
+            <a:pPr marL="0" lvl="0" indent="0" algn="r" rtl="0">
               <a:spcBef>
                 <a:spcPts val="0"/>
               </a:spcBef>
@@ -5599,18 +5604,19 @@
 </file>
 
 <file path=ppt/slideLayouts/slideLayout5.xml><?xml version="1.0" encoding="utf-8"?>
-<p:sldLayout xmlns:a="http://schemas.openxmlformats.org/drawingml/2006/main" xmlns:r="http://schemas.openxmlformats.org/officeDocument/2006/relationships" xmlns:mc="http://schemas.openxmlformats.org/markup-compatibility/2006" xmlns:mv="urn:schemas-microsoft-com:mac:vml" xmlns:p="http://schemas.openxmlformats.org/presentationml/2006/main" xmlns:c="http://schemas.openxmlformats.org/drawingml/2006/chart" xmlns:dgm="http://schemas.openxmlformats.org/drawingml/2006/diagram" xmlns:o="urn:schemas-microsoft-com:office:office" xmlns:v="urn:schemas-microsoft-com:vml" xmlns:pvml="urn:schemas-microsoft-com:office:powerpoint" xmlns:com="http://schemas.openxmlformats.org/drawingml/2006/compatibility" xmlns:p14="http://schemas.microsoft.com/office/powerpoint/2010/main" xmlns:p15="http://schemas.microsoft.com/office/powerpoint/2012/main" xmlns:ahyp="http://schemas.microsoft.com/office/drawing/2018/hyperlinkcolor" matchingName="Title only" type="titleOnly">
+<p:sldLayout xmlns:a="http://schemas.openxmlformats.org/drawingml/2006/main" xmlns:r="http://schemas.openxmlformats.org/officeDocument/2006/relationships" xmlns:p="http://schemas.openxmlformats.org/presentationml/2006/main" matchingName="Title only" type="titleOnly">
   <p:cSld name="TITLE_ONLY">
     <p:bg>
       <p:bgPr>
         <a:solidFill>
           <a:schemeClr val="dk2"/>
         </a:solidFill>
+        <a:effectLst/>
       </p:bgPr>
     </p:bg>
     <p:spTree>
       <p:nvGrpSpPr>
-        <p:cNvPr id="64" name="Shape 64"/>
+        <p:cNvPr id="1" name="Shape 64"/>
         <p:cNvGrpSpPr/>
         <p:nvPr/>
       </p:nvGrpSpPr>
@@ -5644,12 +5650,12 @@
           </a:ln>
         </p:spPr>
         <p:txBody>
-          <a:bodyPr anchorCtr="0" anchor="ctr" bIns="91425" lIns="91425" spcFirstLastPara="1" rIns="91425" wrap="square" tIns="91425">
+          <a:bodyPr spcFirstLastPara="1" wrap="square" lIns="91425" tIns="91425" rIns="91425" bIns="91425" anchor="ctr" anchorCtr="0">
             <a:noAutofit/>
           </a:bodyPr>
           <a:lstStyle/>
           <a:p>
-            <a:pPr indent="0" lvl="0" marL="0" rtl="0" algn="l">
+            <a:pPr marL="0" lvl="0" indent="0" algn="l" rtl="0">
               <a:spcBef>
                 <a:spcPts val="0"/>
               </a:spcBef>
@@ -5658,9 +5664,6 @@
               </a:spcAft>
               <a:buNone/>
             </a:pPr>
-            <a:r>
-              <a:t/>
-            </a:r>
             <a:endParaRPr/>
           </a:p>
         </p:txBody>
@@ -5687,12 +5690,12 @@
           </a:ln>
         </p:spPr>
         <p:txBody>
-          <a:bodyPr anchorCtr="0" anchor="ctr" bIns="91425" lIns="91425" spcFirstLastPara="1" rIns="91425" wrap="square" tIns="91425">
+          <a:bodyPr spcFirstLastPara="1" wrap="square" lIns="91425" tIns="91425" rIns="91425" bIns="91425" anchor="ctr" anchorCtr="0">
             <a:noAutofit/>
           </a:bodyPr>
           <a:lstStyle/>
           <a:p>
-            <a:pPr indent="0" lvl="0" marL="0" rtl="0" algn="l">
+            <a:pPr marL="0" lvl="0" indent="0" algn="l" rtl="0">
               <a:spcBef>
                 <a:spcPts val="0"/>
               </a:spcBef>
@@ -5701,9 +5704,6 @@
               </a:spcAft>
               <a:buNone/>
             </a:pPr>
-            <a:r>
-              <a:t/>
-            </a:r>
             <a:endParaRPr/>
           </a:p>
         </p:txBody>
@@ -5729,7 +5729,7 @@
             <a:noFill/>
           </a:ln>
           <a:effectLst>
-            <a:outerShdw blurRad="228600" sx="101000" rotWithShape="0" algn="ctr" sy="101000">
+            <a:outerShdw blurRad="228600" sx="101000" sy="101000" algn="ctr" rotWithShape="0">
               <a:srgbClr val="000000">
                 <a:alpha val="40000"/>
               </a:srgbClr>
@@ -5737,12 +5737,12 @@
           </a:effectLst>
         </p:spPr>
         <p:txBody>
-          <a:bodyPr anchorCtr="0" anchor="ctr" bIns="91425" lIns="91425" spcFirstLastPara="1" rIns="91425" wrap="square" tIns="91425">
+          <a:bodyPr spcFirstLastPara="1" wrap="square" lIns="91425" tIns="91425" rIns="91425" bIns="91425" anchor="ctr" anchorCtr="0">
             <a:noAutofit/>
           </a:bodyPr>
           <a:lstStyle/>
           <a:p>
-            <a:pPr indent="0" lvl="0" marL="0" rtl="0" algn="l">
+            <a:pPr marL="0" lvl="0" indent="0" algn="l" rtl="0">
               <a:spcBef>
                 <a:spcPts val="0"/>
               </a:spcBef>
@@ -5751,9 +5751,6 @@
               </a:spcAft>
               <a:buNone/>
             </a:pPr>
-            <a:r>
-              <a:t/>
-            </a:r>
             <a:endParaRPr/>
           </a:p>
         </p:txBody>
@@ -5761,7 +5758,9 @@
       <p:sp>
         <p:nvSpPr>
           <p:cNvPr id="68" name="Google Shape;68;p6"/>
-          <p:cNvSpPr txBox="1"/>
+          <p:cNvSpPr txBox="1">
+            <a:spLocks noGrp="1"/>
+          </p:cNvSpPr>
           <p:nvPr>
             <p:ph type="title"/>
           </p:nvPr>
@@ -5776,7 +5775,7 @@
           </a:prstGeom>
         </p:spPr>
         <p:txBody>
-          <a:bodyPr anchorCtr="0" anchor="t" bIns="91425" lIns="91425" spcFirstLastPara="1" rIns="91425" wrap="square" tIns="91425">
+          <a:bodyPr spcFirstLastPara="1" wrap="square" lIns="91425" tIns="91425" rIns="91425" bIns="91425" anchor="t" anchorCtr="0">
             <a:normAutofit/>
           </a:bodyPr>
           <a:lstStyle>
@@ -5880,15 +5879,19 @@
               <a:defRPr sz="3000"/>
             </a:lvl9pPr>
           </a:lstStyle>
-          <a:p/>
+          <a:p>
+            <a:endParaRPr/>
+          </a:p>
         </p:txBody>
       </p:sp>
       <p:sp>
         <p:nvSpPr>
           <p:cNvPr id="69" name="Google Shape;69;p6"/>
-          <p:cNvSpPr txBox="1"/>
+          <p:cNvSpPr txBox="1">
+            <a:spLocks noGrp="1"/>
+          </p:cNvSpPr>
           <p:nvPr>
-            <p:ph idx="12" type="sldNum"/>
+            <p:ph type="sldNum" idx="12"/>
           </p:nvPr>
         </p:nvSpPr>
         <p:spPr>
@@ -5901,7 +5904,7 @@
           </a:prstGeom>
         </p:spPr>
         <p:txBody>
-          <a:bodyPr anchorCtr="0" anchor="ctr" bIns="91425" lIns="91425" spcFirstLastPara="1" rIns="91425" wrap="square" tIns="91425">
+          <a:bodyPr spcFirstLastPara="1" wrap="square" lIns="91425" tIns="91425" rIns="91425" bIns="91425" anchor="ctr" anchorCtr="0">
             <a:normAutofit/>
           </a:bodyPr>
           <a:lstStyle>
@@ -5943,7 +5946,7 @@
             </a:lvl9pPr>
           </a:lstStyle>
           <a:p>
-            <a:pPr indent="0" lvl="0" marL="0" rtl="0" algn="r">
+            <a:pPr marL="0" lvl="0" indent="0" algn="r" rtl="0">
               <a:spcBef>
                 <a:spcPts val="0"/>
               </a:spcBef>
@@ -5969,18 +5972,19 @@
 </file>
 
 <file path=ppt/slideLayouts/slideLayout6.xml><?xml version="1.0" encoding="utf-8"?>
-<p:sldLayout xmlns:a="http://schemas.openxmlformats.org/drawingml/2006/main" xmlns:r="http://schemas.openxmlformats.org/officeDocument/2006/relationships" xmlns:mc="http://schemas.openxmlformats.org/markup-compatibility/2006" xmlns:mv="urn:schemas-microsoft-com:mac:vml" xmlns:p="http://schemas.openxmlformats.org/presentationml/2006/main" xmlns:c="http://schemas.openxmlformats.org/drawingml/2006/chart" xmlns:dgm="http://schemas.openxmlformats.org/drawingml/2006/diagram" xmlns:o="urn:schemas-microsoft-com:office:office" xmlns:v="urn:schemas-microsoft-com:vml" xmlns:pvml="urn:schemas-microsoft-com:office:powerpoint" xmlns:com="http://schemas.openxmlformats.org/drawingml/2006/compatibility" xmlns:p14="http://schemas.microsoft.com/office/powerpoint/2010/main" xmlns:p15="http://schemas.microsoft.com/office/powerpoint/2012/main" xmlns:ahyp="http://schemas.microsoft.com/office/drawing/2018/hyperlinkcolor" matchingName="One column text">
+<p:sldLayout xmlns:a="http://schemas.openxmlformats.org/drawingml/2006/main" xmlns:r="http://schemas.openxmlformats.org/officeDocument/2006/relationships" xmlns:p="http://schemas.openxmlformats.org/presentationml/2006/main" matchingName="One column text">
   <p:cSld name="ONE_COLUMN_TEXT">
     <p:bg>
       <p:bgPr>
         <a:solidFill>
           <a:schemeClr val="accent3"/>
         </a:solidFill>
+        <a:effectLst/>
       </p:bgPr>
     </p:bg>
     <p:spTree>
       <p:nvGrpSpPr>
-        <p:cNvPr id="70" name="Shape 70"/>
+        <p:cNvPr id="1" name="Shape 70"/>
         <p:cNvGrpSpPr/>
         <p:nvPr/>
       </p:nvGrpSpPr>
@@ -6014,12 +6018,12 @@
           </a:ln>
         </p:spPr>
         <p:txBody>
-          <a:bodyPr anchorCtr="0" anchor="ctr" bIns="91425" lIns="91425" spcFirstLastPara="1" rIns="91425" wrap="square" tIns="91425">
+          <a:bodyPr spcFirstLastPara="1" wrap="square" lIns="91425" tIns="91425" rIns="91425" bIns="91425" anchor="ctr" anchorCtr="0">
             <a:noAutofit/>
           </a:bodyPr>
           <a:lstStyle/>
           <a:p>
-            <a:pPr indent="0" lvl="0" marL="0" rtl="0" algn="l">
+            <a:pPr marL="0" lvl="0" indent="0" algn="l" rtl="0">
               <a:spcBef>
                 <a:spcPts val="0"/>
               </a:spcBef>
@@ -6028,9 +6032,6 @@
               </a:spcAft>
               <a:buNone/>
             </a:pPr>
-            <a:r>
-              <a:t/>
-            </a:r>
             <a:endParaRPr/>
           </a:p>
         </p:txBody>
@@ -6057,12 +6058,12 @@
           </a:ln>
         </p:spPr>
         <p:txBody>
-          <a:bodyPr anchorCtr="0" anchor="ctr" bIns="91425" lIns="91425" spcFirstLastPara="1" rIns="91425" wrap="square" tIns="91425">
+          <a:bodyPr spcFirstLastPara="1" wrap="square" lIns="91425" tIns="91425" rIns="91425" bIns="91425" anchor="ctr" anchorCtr="0">
             <a:noAutofit/>
           </a:bodyPr>
           <a:lstStyle/>
           <a:p>
-            <a:pPr indent="0" lvl="0" marL="0" rtl="0" algn="l">
+            <a:pPr marL="0" lvl="0" indent="0" algn="l" rtl="0">
               <a:spcBef>
                 <a:spcPts val="0"/>
               </a:spcBef>
@@ -6071,9 +6072,6 @@
               </a:spcAft>
               <a:buNone/>
             </a:pPr>
-            <a:r>
-              <a:t/>
-            </a:r>
             <a:endParaRPr/>
           </a:p>
         </p:txBody>
@@ -6099,7 +6097,7 @@
             <a:noFill/>
           </a:ln>
           <a:effectLst>
-            <a:outerShdw blurRad="228600" sx="101000" rotWithShape="0" algn="ctr" sy="101000">
+            <a:outerShdw blurRad="228600" sx="101000" sy="101000" algn="ctr" rotWithShape="0">
               <a:srgbClr val="000000">
                 <a:alpha val="40000"/>
               </a:srgbClr>
@@ -6107,12 +6105,12 @@
           </a:effectLst>
         </p:spPr>
         <p:txBody>
-          <a:bodyPr anchorCtr="0" anchor="ctr" bIns="91425" lIns="91425" spcFirstLastPara="1" rIns="91425" wrap="square" tIns="91425">
+          <a:bodyPr spcFirstLastPara="1" wrap="square" lIns="91425" tIns="91425" rIns="91425" bIns="91425" anchor="ctr" anchorCtr="0">
             <a:noAutofit/>
           </a:bodyPr>
           <a:lstStyle/>
           <a:p>
-            <a:pPr indent="0" lvl="0" marL="0" rtl="0" algn="l">
+            <a:pPr marL="0" lvl="0" indent="0" algn="l" rtl="0">
               <a:spcBef>
                 <a:spcPts val="0"/>
               </a:spcBef>
@@ -6121,9 +6119,6 @@
               </a:spcAft>
               <a:buNone/>
             </a:pPr>
-            <a:r>
-              <a:t/>
-            </a:r>
             <a:endParaRPr/>
           </a:p>
         </p:txBody>
@@ -6131,7 +6126,9 @@
       <p:sp>
         <p:nvSpPr>
           <p:cNvPr id="74" name="Google Shape;74;p7"/>
-          <p:cNvSpPr txBox="1"/>
+          <p:cNvSpPr txBox="1">
+            <a:spLocks noGrp="1"/>
+          </p:cNvSpPr>
           <p:nvPr>
             <p:ph type="title"/>
           </p:nvPr>
@@ -6146,7 +6143,7 @@
           </a:prstGeom>
         </p:spPr>
         <p:txBody>
-          <a:bodyPr anchorCtr="0" anchor="t" bIns="91425" lIns="91425" spcFirstLastPara="1" rIns="91425" wrap="square" tIns="91425">
+          <a:bodyPr spcFirstLastPara="1" wrap="square" lIns="91425" tIns="91425" rIns="91425" bIns="91425" anchor="t" anchorCtr="0">
             <a:normAutofit/>
           </a:bodyPr>
           <a:lstStyle>
@@ -6250,15 +6247,19 @@
               <a:defRPr sz="3000"/>
             </a:lvl9pPr>
           </a:lstStyle>
-          <a:p/>
+          <a:p>
+            <a:endParaRPr/>
+          </a:p>
         </p:txBody>
       </p:sp>
       <p:sp>
         <p:nvSpPr>
           <p:cNvPr id="75" name="Google Shape;75;p7"/>
-          <p:cNvSpPr txBox="1"/>
+          <p:cNvSpPr txBox="1">
+            <a:spLocks noGrp="1"/>
+          </p:cNvSpPr>
           <p:nvPr>
-            <p:ph idx="1" type="body"/>
+            <p:ph type="body" idx="1"/>
           </p:nvPr>
         </p:nvSpPr>
         <p:spPr>
@@ -6271,11 +6272,11 @@
           </a:prstGeom>
         </p:spPr>
         <p:txBody>
-          <a:bodyPr anchorCtr="0" anchor="t" bIns="91425" lIns="91425" spcFirstLastPara="1" rIns="91425" wrap="square" tIns="91425">
+          <a:bodyPr spcFirstLastPara="1" wrap="square" lIns="91425" tIns="91425" rIns="91425" bIns="91425" anchor="t" anchorCtr="0">
             <a:normAutofit/>
           </a:bodyPr>
           <a:lstStyle>
-            <a:lvl1pPr indent="-311150" lvl="0" marL="457200">
+            <a:lvl1pPr marL="457200" lvl="0" indent="-311150">
               <a:spcBef>
                 <a:spcPts val="0"/>
               </a:spcBef>
@@ -6286,7 +6287,7 @@
               <a:buChar char="●"/>
               <a:defRPr/>
             </a:lvl1pPr>
-            <a:lvl2pPr indent="-298450" lvl="1" marL="914400">
+            <a:lvl2pPr marL="914400" lvl="1" indent="-298450">
               <a:spcBef>
                 <a:spcPts val="0"/>
               </a:spcBef>
@@ -6297,7 +6298,7 @@
               <a:buChar char="○"/>
               <a:defRPr/>
             </a:lvl2pPr>
-            <a:lvl3pPr indent="-298450" lvl="2" marL="1371600">
+            <a:lvl3pPr marL="1371600" lvl="2" indent="-298450">
               <a:spcBef>
                 <a:spcPts val="0"/>
               </a:spcBef>
@@ -6308,7 +6309,7 @@
               <a:buChar char="■"/>
               <a:defRPr/>
             </a:lvl3pPr>
-            <a:lvl4pPr indent="-298450" lvl="3" marL="1828800">
+            <a:lvl4pPr marL="1828800" lvl="3" indent="-298450">
               <a:spcBef>
                 <a:spcPts val="0"/>
               </a:spcBef>
@@ -6319,7 +6320,7 @@
               <a:buChar char="●"/>
               <a:defRPr/>
             </a:lvl4pPr>
-            <a:lvl5pPr indent="-298450" lvl="4" marL="2286000">
+            <a:lvl5pPr marL="2286000" lvl="4" indent="-298450">
               <a:spcBef>
                 <a:spcPts val="0"/>
               </a:spcBef>
@@ -6330,7 +6331,7 @@
               <a:buChar char="○"/>
               <a:defRPr/>
             </a:lvl5pPr>
-            <a:lvl6pPr indent="-298450" lvl="5" marL="2743200">
+            <a:lvl6pPr marL="2743200" lvl="5" indent="-298450">
               <a:spcBef>
                 <a:spcPts val="0"/>
               </a:spcBef>
@@ -6341,7 +6342,7 @@
               <a:buChar char="■"/>
               <a:defRPr/>
             </a:lvl6pPr>
-            <a:lvl7pPr indent="-298450" lvl="6" marL="3200400">
+            <a:lvl7pPr marL="3200400" lvl="6" indent="-298450">
               <a:spcBef>
                 <a:spcPts val="0"/>
               </a:spcBef>
@@ -6352,7 +6353,7 @@
               <a:buChar char="●"/>
               <a:defRPr/>
             </a:lvl7pPr>
-            <a:lvl8pPr indent="-298450" lvl="7" marL="3657600">
+            <a:lvl8pPr marL="3657600" lvl="7" indent="-298450">
               <a:spcBef>
                 <a:spcPts val="0"/>
               </a:spcBef>
@@ -6363,7 +6364,7 @@
               <a:buChar char="○"/>
               <a:defRPr/>
             </a:lvl8pPr>
-            <a:lvl9pPr indent="-298450" lvl="8" marL="4114800">
+            <a:lvl9pPr marL="4114800" lvl="8" indent="-298450">
               <a:spcBef>
                 <a:spcPts val="0"/>
               </a:spcBef>
@@ -6375,15 +6376,19 @@
               <a:defRPr/>
             </a:lvl9pPr>
           </a:lstStyle>
-          <a:p/>
+          <a:p>
+            <a:endParaRPr/>
+          </a:p>
         </p:txBody>
       </p:sp>
       <p:sp>
         <p:nvSpPr>
           <p:cNvPr id="76" name="Google Shape;76;p7"/>
-          <p:cNvSpPr txBox="1"/>
+          <p:cNvSpPr txBox="1">
+            <a:spLocks noGrp="1"/>
+          </p:cNvSpPr>
           <p:nvPr>
-            <p:ph idx="12" type="sldNum"/>
+            <p:ph type="sldNum" idx="12"/>
           </p:nvPr>
         </p:nvSpPr>
         <p:spPr>
@@ -6396,7 +6401,7 @@
           </a:prstGeom>
         </p:spPr>
         <p:txBody>
-          <a:bodyPr anchorCtr="0" anchor="ctr" bIns="91425" lIns="91425" spcFirstLastPara="1" rIns="91425" wrap="square" tIns="91425">
+          <a:bodyPr spcFirstLastPara="1" wrap="square" lIns="91425" tIns="91425" rIns="91425" bIns="91425" anchor="ctr" anchorCtr="0">
             <a:normAutofit/>
           </a:bodyPr>
           <a:lstStyle>
@@ -6438,7 +6443,7 @@
             </a:lvl9pPr>
           </a:lstStyle>
           <a:p>
-            <a:pPr indent="0" lvl="0" marL="0" rtl="0" algn="r">
+            <a:pPr marL="0" lvl="0" indent="0" algn="r" rtl="0">
               <a:spcBef>
                 <a:spcPts val="0"/>
               </a:spcBef>
@@ -6464,18 +6469,19 @@
 </file>
 
 <file path=ppt/slideLayouts/slideLayout7.xml><?xml version="1.0" encoding="utf-8"?>
-<p:sldLayout xmlns:a="http://schemas.openxmlformats.org/drawingml/2006/main" xmlns:r="http://schemas.openxmlformats.org/officeDocument/2006/relationships" xmlns:mc="http://schemas.openxmlformats.org/markup-compatibility/2006" xmlns:mv="urn:schemas-microsoft-com:mac:vml" xmlns:p="http://schemas.openxmlformats.org/presentationml/2006/main" xmlns:c="http://schemas.openxmlformats.org/drawingml/2006/chart" xmlns:dgm="http://schemas.openxmlformats.org/drawingml/2006/diagram" xmlns:o="urn:schemas-microsoft-com:office:office" xmlns:v="urn:schemas-microsoft-com:vml" xmlns:pvml="urn:schemas-microsoft-com:office:powerpoint" xmlns:com="http://schemas.openxmlformats.org/drawingml/2006/compatibility" xmlns:p14="http://schemas.microsoft.com/office/powerpoint/2010/main" xmlns:p15="http://schemas.microsoft.com/office/powerpoint/2012/main" xmlns:ahyp="http://schemas.microsoft.com/office/drawing/2018/hyperlinkcolor" matchingName="Main point">
+<p:sldLayout xmlns:a="http://schemas.openxmlformats.org/drawingml/2006/main" xmlns:r="http://schemas.openxmlformats.org/officeDocument/2006/relationships" xmlns:p="http://schemas.openxmlformats.org/presentationml/2006/main" matchingName="Main point">
   <p:cSld name="MAIN_POINT">
     <p:bg>
       <p:bgPr>
         <a:solidFill>
           <a:schemeClr val="accent1"/>
         </a:solidFill>
+        <a:effectLst/>
       </p:bgPr>
     </p:bg>
     <p:spTree>
       <p:nvGrpSpPr>
-        <p:cNvPr id="77" name="Shape 77"/>
+        <p:cNvPr id="1" name="Shape 77"/>
         <p:cNvGrpSpPr/>
         <p:nvPr/>
       </p:nvGrpSpPr>
@@ -6509,12 +6515,12 @@
           </a:ln>
         </p:spPr>
         <p:txBody>
-          <a:bodyPr anchorCtr="0" anchor="ctr" bIns="91425" lIns="91425" spcFirstLastPara="1" rIns="91425" wrap="square" tIns="91425">
+          <a:bodyPr spcFirstLastPara="1" wrap="square" lIns="91425" tIns="91425" rIns="91425" bIns="91425" anchor="ctr" anchorCtr="0">
             <a:noAutofit/>
           </a:bodyPr>
           <a:lstStyle/>
           <a:p>
-            <a:pPr indent="0" lvl="0" marL="0" rtl="0" algn="l">
+            <a:pPr marL="0" lvl="0" indent="0" algn="l" rtl="0">
               <a:spcBef>
                 <a:spcPts val="0"/>
               </a:spcBef>
@@ -6523,9 +6529,6 @@
               </a:spcAft>
               <a:buNone/>
             </a:pPr>
-            <a:r>
-              <a:t/>
-            </a:r>
             <a:endParaRPr/>
           </a:p>
         </p:txBody>
@@ -6552,12 +6555,12 @@
           </a:ln>
         </p:spPr>
         <p:txBody>
-          <a:bodyPr anchorCtr="0" anchor="ctr" bIns="91425" lIns="91425" spcFirstLastPara="1" rIns="91425" wrap="square" tIns="91425">
+          <a:bodyPr spcFirstLastPara="1" wrap="square" lIns="91425" tIns="91425" rIns="91425" bIns="91425" anchor="ctr" anchorCtr="0">
             <a:noAutofit/>
           </a:bodyPr>
           <a:lstStyle/>
           <a:p>
-            <a:pPr indent="0" lvl="0" marL="0" rtl="0" algn="l">
+            <a:pPr marL="0" lvl="0" indent="0" algn="l" rtl="0">
               <a:spcBef>
                 <a:spcPts val="0"/>
               </a:spcBef>
@@ -6566,9 +6569,6 @@
               </a:spcAft>
               <a:buNone/>
             </a:pPr>
-            <a:r>
-              <a:t/>
-            </a:r>
             <a:endParaRPr/>
           </a:p>
         </p:txBody>
@@ -6600,7 +6600,7 @@
             </a:xfrm>
             <a:prstGeom prst="parallelogram">
               <a:avLst>
-                <a:gd fmla="val 153193" name="adj"/>
+                <a:gd name="adj" fmla="val 153193"/>
               </a:avLst>
             </a:prstGeom>
             <a:solidFill>
@@ -6611,12 +6611,12 @@
             </a:ln>
           </p:spPr>
           <p:txBody>
-            <a:bodyPr anchorCtr="0" anchor="ctr" bIns="91425" lIns="91425" spcFirstLastPara="1" rIns="91425" wrap="square" tIns="91425">
+            <a:bodyPr spcFirstLastPara="1" wrap="square" lIns="91425" tIns="91425" rIns="91425" bIns="91425" anchor="ctr" anchorCtr="0">
               <a:noAutofit/>
             </a:bodyPr>
             <a:lstStyle/>
             <a:p>
-              <a:pPr indent="0" lvl="0" marL="0" rtl="0" algn="l">
+              <a:pPr marL="0" lvl="0" indent="0" algn="l" rtl="0">
                 <a:spcBef>
                   <a:spcPts val="0"/>
                 </a:spcBef>
@@ -6625,9 +6625,6 @@
                 </a:spcAft>
                 <a:buNone/>
               </a:pPr>
-              <a:r>
-                <a:t/>
-              </a:r>
               <a:endParaRPr/>
             </a:p>
           </p:txBody>
@@ -6645,7 +6642,7 @@
             </a:xfrm>
             <a:prstGeom prst="parallelogram">
               <a:avLst>
-                <a:gd fmla="val 153193" name="adj"/>
+                <a:gd name="adj" fmla="val 153193"/>
               </a:avLst>
             </a:prstGeom>
             <a:solidFill>
@@ -6656,12 +6653,12 @@
             </a:ln>
           </p:spPr>
           <p:txBody>
-            <a:bodyPr anchorCtr="0" anchor="ctr" bIns="91425" lIns="91425" spcFirstLastPara="1" rIns="91425" wrap="square" tIns="91425">
+            <a:bodyPr spcFirstLastPara="1" wrap="square" lIns="91425" tIns="91425" rIns="91425" bIns="91425" anchor="ctr" anchorCtr="0">
               <a:noAutofit/>
             </a:bodyPr>
             <a:lstStyle/>
             <a:p>
-              <a:pPr indent="0" lvl="0" marL="0" rtl="0" algn="l">
+              <a:pPr marL="0" lvl="0" indent="0" algn="l" rtl="0">
                 <a:spcBef>
                   <a:spcPts val="0"/>
                 </a:spcBef>
@@ -6670,9 +6667,6 @@
                 </a:spcAft>
                 <a:buNone/>
               </a:pPr>
-              <a:r>
-                <a:t/>
-              </a:r>
               <a:endParaRPr/>
             </a:p>
           </p:txBody>
@@ -6690,7 +6684,7 @@
             </a:xfrm>
             <a:prstGeom prst="parallelogram">
               <a:avLst>
-                <a:gd fmla="val 153193" name="adj"/>
+                <a:gd name="adj" fmla="val 153193"/>
               </a:avLst>
             </a:prstGeom>
             <a:solidFill>
@@ -6701,12 +6695,12 @@
             </a:ln>
           </p:spPr>
           <p:txBody>
-            <a:bodyPr anchorCtr="0" anchor="ctr" bIns="91425" lIns="91425" spcFirstLastPara="1" rIns="91425" wrap="square" tIns="91425">
+            <a:bodyPr spcFirstLastPara="1" wrap="square" lIns="91425" tIns="91425" rIns="91425" bIns="91425" anchor="ctr" anchorCtr="0">
               <a:noAutofit/>
             </a:bodyPr>
             <a:lstStyle/>
             <a:p>
-              <a:pPr indent="0" lvl="0" marL="0" rtl="0" algn="l">
+              <a:pPr marL="0" lvl="0" indent="0" algn="l" rtl="0">
                 <a:spcBef>
                   <a:spcPts val="0"/>
                 </a:spcBef>
@@ -6715,9 +6709,6 @@
                 </a:spcAft>
                 <a:buNone/>
               </a:pPr>
-              <a:r>
-                <a:t/>
-              </a:r>
               <a:endParaRPr/>
             </a:p>
           </p:txBody>
@@ -6744,7 +6735,7 @@
             <a:noFill/>
           </a:ln>
           <a:effectLst>
-            <a:outerShdw blurRad="228600" sx="101000" rotWithShape="0" algn="ctr" sy="101000">
+            <a:outerShdw blurRad="228600" sx="101000" sy="101000" algn="ctr" rotWithShape="0">
               <a:srgbClr val="000000">
                 <a:alpha val="40000"/>
               </a:srgbClr>
@@ -6752,12 +6743,12 @@
           </a:effectLst>
         </p:spPr>
         <p:txBody>
-          <a:bodyPr anchorCtr="0" anchor="ctr" bIns="91425" lIns="91425" spcFirstLastPara="1" rIns="91425" wrap="square" tIns="91425">
+          <a:bodyPr spcFirstLastPara="1" wrap="square" lIns="91425" tIns="91425" rIns="91425" bIns="91425" anchor="ctr" anchorCtr="0">
             <a:noAutofit/>
           </a:bodyPr>
           <a:lstStyle/>
           <a:p>
-            <a:pPr indent="0" lvl="0" marL="0" rtl="0" algn="l">
+            <a:pPr marL="0" lvl="0" indent="0" algn="l" rtl="0">
               <a:spcBef>
                 <a:spcPts val="0"/>
               </a:spcBef>
@@ -6766,9 +6757,6 @@
               </a:spcAft>
               <a:buNone/>
             </a:pPr>
-            <a:r>
-              <a:t/>
-            </a:r>
             <a:endParaRPr/>
           </a:p>
         </p:txBody>
@@ -6800,7 +6788,7 @@
             </a:xfrm>
             <a:prstGeom prst="parallelogram">
               <a:avLst>
-                <a:gd fmla="val 158024" name="adj"/>
+                <a:gd name="adj" fmla="val 158024"/>
               </a:avLst>
             </a:prstGeom>
             <a:solidFill>
@@ -6811,12 +6799,12 @@
             </a:ln>
           </p:spPr>
           <p:txBody>
-            <a:bodyPr anchorCtr="0" anchor="ctr" bIns="91425" lIns="91425" spcFirstLastPara="1" rIns="91425" wrap="square" tIns="91425">
+            <a:bodyPr spcFirstLastPara="1" wrap="square" lIns="91425" tIns="91425" rIns="91425" bIns="91425" anchor="ctr" anchorCtr="0">
               <a:noAutofit/>
             </a:bodyPr>
             <a:lstStyle/>
             <a:p>
-              <a:pPr indent="0" lvl="0" marL="0" rtl="0" algn="l">
+              <a:pPr marL="0" lvl="0" indent="0" algn="l" rtl="0">
                 <a:spcBef>
                   <a:spcPts val="0"/>
                 </a:spcBef>
@@ -6825,9 +6813,6 @@
                 </a:spcAft>
                 <a:buNone/>
               </a:pPr>
-              <a:r>
-                <a:t/>
-              </a:r>
               <a:endParaRPr/>
             </a:p>
           </p:txBody>
@@ -6845,7 +6830,7 @@
             </a:xfrm>
             <a:prstGeom prst="parallelogram">
               <a:avLst>
-                <a:gd fmla="val 158024" name="adj"/>
+                <a:gd name="adj" fmla="val 158024"/>
               </a:avLst>
             </a:prstGeom>
             <a:solidFill>
@@ -6856,12 +6841,12 @@
             </a:ln>
           </p:spPr>
           <p:txBody>
-            <a:bodyPr anchorCtr="0" anchor="ctr" bIns="91425" lIns="91425" spcFirstLastPara="1" rIns="91425" wrap="square" tIns="91425">
+            <a:bodyPr spcFirstLastPara="1" wrap="square" lIns="91425" tIns="91425" rIns="91425" bIns="91425" anchor="ctr" anchorCtr="0">
               <a:noAutofit/>
             </a:bodyPr>
             <a:lstStyle/>
             <a:p>
-              <a:pPr indent="0" lvl="0" marL="0" rtl="0" algn="l">
+              <a:pPr marL="0" lvl="0" indent="0" algn="l" rtl="0">
                 <a:spcBef>
                   <a:spcPts val="0"/>
                 </a:spcBef>
@@ -6870,9 +6855,6 @@
                 </a:spcAft>
                 <a:buNone/>
               </a:pPr>
-              <a:r>
-                <a:t/>
-              </a:r>
               <a:endParaRPr/>
             </a:p>
           </p:txBody>
@@ -6890,7 +6872,7 @@
             </a:xfrm>
             <a:prstGeom prst="parallelogram">
               <a:avLst>
-                <a:gd fmla="val 158024" name="adj"/>
+                <a:gd name="adj" fmla="val 158024"/>
               </a:avLst>
             </a:prstGeom>
             <a:solidFill>
@@ -6901,12 +6883,12 @@
             </a:ln>
           </p:spPr>
           <p:txBody>
-            <a:bodyPr anchorCtr="0" anchor="ctr" bIns="91425" lIns="91425" spcFirstLastPara="1" rIns="91425" wrap="square" tIns="91425">
+            <a:bodyPr spcFirstLastPara="1" wrap="square" lIns="91425" tIns="91425" rIns="91425" bIns="91425" anchor="ctr" anchorCtr="0">
               <a:noAutofit/>
             </a:bodyPr>
             <a:lstStyle/>
             <a:p>
-              <a:pPr indent="0" lvl="0" marL="0" rtl="0" algn="l">
+              <a:pPr marL="0" lvl="0" indent="0" algn="l" rtl="0">
                 <a:spcBef>
                   <a:spcPts val="0"/>
                 </a:spcBef>
@@ -6915,9 +6897,6 @@
                 </a:spcAft>
                 <a:buNone/>
               </a:pPr>
-              <a:r>
-                <a:t/>
-              </a:r>
               <a:endParaRPr/>
             </a:p>
           </p:txBody>
@@ -6950,7 +6929,7 @@
             </a:xfrm>
             <a:prstGeom prst="parallelogram">
               <a:avLst>
-                <a:gd fmla="val 158024" name="adj"/>
+                <a:gd name="adj" fmla="val 158024"/>
               </a:avLst>
             </a:prstGeom>
             <a:solidFill>
@@ -6961,12 +6940,12 @@
             </a:ln>
           </p:spPr>
           <p:txBody>
-            <a:bodyPr anchorCtr="0" anchor="ctr" bIns="91425" lIns="91425" spcFirstLastPara="1" rIns="91425" wrap="square" tIns="91425">
+            <a:bodyPr spcFirstLastPara="1" wrap="square" lIns="91425" tIns="91425" rIns="91425" bIns="91425" anchor="ctr" anchorCtr="0">
               <a:noAutofit/>
             </a:bodyPr>
             <a:lstStyle/>
             <a:p>
-              <a:pPr indent="0" lvl="0" marL="0" rtl="0" algn="l">
+              <a:pPr marL="0" lvl="0" indent="0" algn="l" rtl="0">
                 <a:spcBef>
                   <a:spcPts val="0"/>
                 </a:spcBef>
@@ -6975,9 +6954,6 @@
                 </a:spcAft>
                 <a:buNone/>
               </a:pPr>
-              <a:r>
-                <a:t/>
-              </a:r>
               <a:endParaRPr/>
             </a:p>
           </p:txBody>
@@ -6995,7 +6971,7 @@
             </a:xfrm>
             <a:prstGeom prst="parallelogram">
               <a:avLst>
-                <a:gd fmla="val 158024" name="adj"/>
+                <a:gd name="adj" fmla="val 158024"/>
               </a:avLst>
             </a:prstGeom>
             <a:solidFill>
@@ -7006,12 +6982,12 @@
             </a:ln>
           </p:spPr>
           <p:txBody>
-            <a:bodyPr anchorCtr="0" anchor="ctr" bIns="91425" lIns="91425" spcFirstLastPara="1" rIns="91425" wrap="square" tIns="91425">
+            <a:bodyPr spcFirstLastPara="1" wrap="square" lIns="91425" tIns="91425" rIns="91425" bIns="91425" anchor="ctr" anchorCtr="0">
               <a:noAutofit/>
             </a:bodyPr>
             <a:lstStyle/>
             <a:p>
-              <a:pPr indent="0" lvl="0" marL="0" rtl="0" algn="l">
+              <a:pPr marL="0" lvl="0" indent="0" algn="l" rtl="0">
                 <a:spcBef>
                   <a:spcPts val="0"/>
                 </a:spcBef>
@@ -7020,9 +6996,6 @@
                 </a:spcAft>
                 <a:buNone/>
               </a:pPr>
-              <a:r>
-                <a:t/>
-              </a:r>
               <a:endParaRPr/>
             </a:p>
           </p:txBody>
@@ -7040,7 +7013,7 @@
             </a:xfrm>
             <a:prstGeom prst="parallelogram">
               <a:avLst>
-                <a:gd fmla="val 158024" name="adj"/>
+                <a:gd name="adj" fmla="val 158024"/>
               </a:avLst>
             </a:prstGeom>
             <a:solidFill>
@@ -7051,12 +7024,12 @@
             </a:ln>
           </p:spPr>
           <p:txBody>
-            <a:bodyPr anchorCtr="0" anchor="ctr" bIns="91425" lIns="91425" spcFirstLastPara="1" rIns="91425" wrap="square" tIns="91425">
+            <a:bodyPr spcFirstLastPara="1" wrap="square" lIns="91425" tIns="91425" rIns="91425" bIns="91425" anchor="ctr" anchorCtr="0">
               <a:noAutofit/>
             </a:bodyPr>
             <a:lstStyle/>
             <a:p>
-              <a:pPr indent="0" lvl="0" marL="0" rtl="0" algn="l">
+              <a:pPr marL="0" lvl="0" indent="0" algn="l" rtl="0">
                 <a:spcBef>
                   <a:spcPts val="0"/>
                 </a:spcBef>
@@ -7065,9 +7038,6 @@
                 </a:spcAft>
                 <a:buNone/>
               </a:pPr>
-              <a:r>
-                <a:t/>
-              </a:r>
               <a:endParaRPr/>
             </a:p>
           </p:txBody>
@@ -7076,7 +7046,9 @@
       <p:sp>
         <p:nvSpPr>
           <p:cNvPr id="93" name="Google Shape;93;p8"/>
-          <p:cNvSpPr txBox="1"/>
+          <p:cNvSpPr txBox="1">
+            <a:spLocks noGrp="1"/>
+          </p:cNvSpPr>
           <p:nvPr>
             <p:ph type="title"/>
           </p:nvPr>
@@ -7091,7 +7063,7 @@
           </a:prstGeom>
         </p:spPr>
         <p:txBody>
-          <a:bodyPr anchorCtr="0" anchor="ctr" bIns="91425" lIns="91425" spcFirstLastPara="1" rIns="91425" wrap="square" tIns="91425">
+          <a:bodyPr spcFirstLastPara="1" wrap="square" lIns="91425" tIns="91425" rIns="91425" bIns="91425" anchor="ctr" anchorCtr="0">
             <a:normAutofit/>
           </a:bodyPr>
           <a:lstStyle>
@@ -7195,15 +7167,19 @@
               <a:defRPr sz="3200"/>
             </a:lvl9pPr>
           </a:lstStyle>
-          <a:p/>
+          <a:p>
+            <a:endParaRPr/>
+          </a:p>
         </p:txBody>
       </p:sp>
       <p:sp>
         <p:nvSpPr>
           <p:cNvPr id="94" name="Google Shape;94;p8"/>
-          <p:cNvSpPr txBox="1"/>
+          <p:cNvSpPr txBox="1">
+            <a:spLocks noGrp="1"/>
+          </p:cNvSpPr>
           <p:nvPr>
-            <p:ph idx="12" type="sldNum"/>
+            <p:ph type="sldNum" idx="12"/>
           </p:nvPr>
         </p:nvSpPr>
         <p:spPr>
@@ -7216,7 +7192,7 @@
           </a:prstGeom>
         </p:spPr>
         <p:txBody>
-          <a:bodyPr anchorCtr="0" anchor="ctr" bIns="91425" lIns="91425" spcFirstLastPara="1" rIns="91425" wrap="square" tIns="91425">
+          <a:bodyPr spcFirstLastPara="1" wrap="square" lIns="91425" tIns="91425" rIns="91425" bIns="91425" anchor="ctr" anchorCtr="0">
             <a:normAutofit/>
           </a:bodyPr>
           <a:lstStyle>
@@ -7258,7 +7234,7 @@
             </a:lvl9pPr>
           </a:lstStyle>
           <a:p>
-            <a:pPr indent="0" lvl="0" marL="0" rtl="0" algn="r">
+            <a:pPr marL="0" lvl="0" indent="0" algn="r" rtl="0">
               <a:spcBef>
                 <a:spcPts val="0"/>
               </a:spcBef>
@@ -7284,18 +7260,19 @@
 </file>
 
 <file path=ppt/slideLayouts/slideLayout8.xml><?xml version="1.0" encoding="utf-8"?>
-<p:sldLayout xmlns:a="http://schemas.openxmlformats.org/drawingml/2006/main" xmlns:r="http://schemas.openxmlformats.org/officeDocument/2006/relationships" xmlns:mc="http://schemas.openxmlformats.org/markup-compatibility/2006" xmlns:mv="urn:schemas-microsoft-com:mac:vml" xmlns:p="http://schemas.openxmlformats.org/presentationml/2006/main" xmlns:c="http://schemas.openxmlformats.org/drawingml/2006/chart" xmlns:dgm="http://schemas.openxmlformats.org/drawingml/2006/diagram" xmlns:o="urn:schemas-microsoft-com:office:office" xmlns:v="urn:schemas-microsoft-com:vml" xmlns:pvml="urn:schemas-microsoft-com:office:powerpoint" xmlns:com="http://schemas.openxmlformats.org/drawingml/2006/compatibility" xmlns:p14="http://schemas.microsoft.com/office/powerpoint/2010/main" xmlns:p15="http://schemas.microsoft.com/office/powerpoint/2012/main" xmlns:ahyp="http://schemas.microsoft.com/office/drawing/2018/hyperlinkcolor" matchingName="Section title and description">
+<p:sldLayout xmlns:a="http://schemas.openxmlformats.org/drawingml/2006/main" xmlns:r="http://schemas.openxmlformats.org/officeDocument/2006/relationships" xmlns:p="http://schemas.openxmlformats.org/presentationml/2006/main" matchingName="Section title and description">
   <p:cSld name="SECTION_TITLE_AND_DESCRIPTION">
     <p:bg>
       <p:bgPr>
         <a:solidFill>
           <a:schemeClr val="dk2"/>
         </a:solidFill>
+        <a:effectLst/>
       </p:bgPr>
     </p:bg>
     <p:spTree>
       <p:nvGrpSpPr>
-        <p:cNvPr id="95" name="Shape 95"/>
+        <p:cNvPr id="1" name="Shape 95"/>
         <p:cNvGrpSpPr/>
         <p:nvPr/>
       </p:nvGrpSpPr>
@@ -7329,12 +7306,12 @@
           </a:ln>
         </p:spPr>
         <p:txBody>
-          <a:bodyPr anchorCtr="0" anchor="ctr" bIns="91425" lIns="91425" spcFirstLastPara="1" rIns="91425" wrap="square" tIns="91425">
+          <a:bodyPr spcFirstLastPara="1" wrap="square" lIns="91425" tIns="91425" rIns="91425" bIns="91425" anchor="ctr" anchorCtr="0">
             <a:noAutofit/>
           </a:bodyPr>
           <a:lstStyle/>
           <a:p>
-            <a:pPr indent="0" lvl="0" marL="0" rtl="0" algn="l">
+            <a:pPr marL="0" lvl="0" indent="0" algn="l" rtl="0">
               <a:spcBef>
                 <a:spcPts val="0"/>
               </a:spcBef>
@@ -7343,9 +7320,6 @@
               </a:spcAft>
               <a:buNone/>
             </a:pPr>
-            <a:r>
-              <a:t/>
-            </a:r>
             <a:endParaRPr/>
           </a:p>
         </p:txBody>
@@ -7372,12 +7346,12 @@
           </a:ln>
         </p:spPr>
         <p:txBody>
-          <a:bodyPr anchorCtr="0" anchor="ctr" bIns="91425" lIns="91425" spcFirstLastPara="1" rIns="91425" wrap="square" tIns="91425">
+          <a:bodyPr spcFirstLastPara="1" wrap="square" lIns="91425" tIns="91425" rIns="91425" bIns="91425" anchor="ctr" anchorCtr="0">
             <a:noAutofit/>
           </a:bodyPr>
           <a:lstStyle/>
           <a:p>
-            <a:pPr indent="0" lvl="0" marL="0" rtl="0" algn="l">
+            <a:pPr marL="0" lvl="0" indent="0" algn="l" rtl="0">
               <a:spcBef>
                 <a:spcPts val="0"/>
               </a:spcBef>
@@ -7386,9 +7360,6 @@
               </a:spcAft>
               <a:buNone/>
             </a:pPr>
-            <a:r>
-              <a:t/>
-            </a:r>
             <a:endParaRPr/>
           </a:p>
         </p:txBody>
@@ -7414,7 +7385,7 @@
             <a:noFill/>
           </a:ln>
           <a:effectLst>
-            <a:outerShdw blurRad="228600" sx="101000" rotWithShape="0" algn="ctr" sy="101000">
+            <a:outerShdw blurRad="228600" sx="101000" sy="101000" algn="ctr" rotWithShape="0">
               <a:srgbClr val="000000">
                 <a:alpha val="40000"/>
               </a:srgbClr>
@@ -7422,12 +7393,12 @@
           </a:effectLst>
         </p:spPr>
         <p:txBody>
-          <a:bodyPr anchorCtr="0" anchor="ctr" bIns="91425" lIns="91425" spcFirstLastPara="1" rIns="91425" wrap="square" tIns="91425">
+          <a:bodyPr spcFirstLastPara="1" wrap="square" lIns="91425" tIns="91425" rIns="91425" bIns="91425" anchor="ctr" anchorCtr="0">
             <a:noAutofit/>
           </a:bodyPr>
           <a:lstStyle/>
           <a:p>
-            <a:pPr indent="0" lvl="0" marL="0" rtl="0" algn="l">
+            <a:pPr marL="0" lvl="0" indent="0" algn="l" rtl="0">
               <a:spcBef>
                 <a:spcPts val="0"/>
               </a:spcBef>
@@ -7436,9 +7407,6 @@
               </a:spcAft>
               <a:buNone/>
             </a:pPr>
-            <a:r>
-              <a:t/>
-            </a:r>
             <a:endParaRPr/>
           </a:p>
         </p:txBody>
@@ -7446,7 +7414,9 @@
       <p:sp>
         <p:nvSpPr>
           <p:cNvPr id="99" name="Google Shape;99;p9"/>
-          <p:cNvSpPr txBox="1"/>
+          <p:cNvSpPr txBox="1">
+            <a:spLocks noGrp="1"/>
+          </p:cNvSpPr>
           <p:nvPr>
             <p:ph type="title"/>
           </p:nvPr>
@@ -7461,7 +7431,7 @@
           </a:prstGeom>
         </p:spPr>
         <p:txBody>
-          <a:bodyPr anchorCtr="0" anchor="t" bIns="91425" lIns="91425" spcFirstLastPara="1" rIns="91425" wrap="square" tIns="91425">
+          <a:bodyPr spcFirstLastPara="1" wrap="square" lIns="91425" tIns="91425" rIns="91425" bIns="91425" anchor="t" anchorCtr="0">
             <a:normAutofit/>
           </a:bodyPr>
           <a:lstStyle>
@@ -7565,15 +7535,19 @@
               <a:defRPr sz="3000"/>
             </a:lvl9pPr>
           </a:lstStyle>
-          <a:p/>
+          <a:p>
+            <a:endParaRPr/>
+          </a:p>
         </p:txBody>
       </p:sp>
       <p:sp>
         <p:nvSpPr>
           <p:cNvPr id="100" name="Google Shape;100;p9"/>
-          <p:cNvSpPr txBox="1"/>
+          <p:cNvSpPr txBox="1">
+            <a:spLocks noGrp="1"/>
+          </p:cNvSpPr>
           <p:nvPr>
-            <p:ph idx="1" type="subTitle"/>
+            <p:ph type="subTitle" idx="1"/>
           </p:nvPr>
         </p:nvSpPr>
         <p:spPr>
@@ -7586,7 +7560,7 @@
           </a:prstGeom>
         </p:spPr>
         <p:txBody>
-          <a:bodyPr anchorCtr="0" anchor="t" bIns="91425" lIns="91425" spcFirstLastPara="1" rIns="91425" wrap="square" tIns="91425">
+          <a:bodyPr spcFirstLastPara="1" wrap="square" lIns="91425" tIns="91425" rIns="91425" bIns="91425" anchor="t" anchorCtr="0">
             <a:normAutofit/>
           </a:bodyPr>
           <a:lstStyle>
@@ -7780,15 +7754,19 @@
               </a:defRPr>
             </a:lvl9pPr>
           </a:lstStyle>
-          <a:p/>
+          <a:p>
+            <a:endParaRPr/>
+          </a:p>
         </p:txBody>
       </p:sp>
       <p:sp>
         <p:nvSpPr>
           <p:cNvPr id="101" name="Google Shape;101;p9"/>
-          <p:cNvSpPr txBox="1"/>
+          <p:cNvSpPr txBox="1">
+            <a:spLocks noGrp="1"/>
+          </p:cNvSpPr>
           <p:nvPr>
-            <p:ph idx="2" type="body"/>
+            <p:ph type="body" idx="2"/>
           </p:nvPr>
         </p:nvSpPr>
         <p:spPr>
@@ -7801,11 +7779,11 @@
           </a:prstGeom>
         </p:spPr>
         <p:txBody>
-          <a:bodyPr anchorCtr="0" anchor="t" bIns="91425" lIns="91425" spcFirstLastPara="1" rIns="91425" wrap="square" tIns="91425">
+          <a:bodyPr spcFirstLastPara="1" wrap="square" lIns="91425" tIns="91425" rIns="91425" bIns="91425" anchor="t" anchorCtr="0">
             <a:normAutofit/>
           </a:bodyPr>
           <a:lstStyle>
-            <a:lvl1pPr indent="-311150" lvl="0" marL="457200">
+            <a:lvl1pPr marL="457200" lvl="0" indent="-311150">
               <a:spcBef>
                 <a:spcPts val="0"/>
               </a:spcBef>
@@ -7816,7 +7794,7 @@
               <a:buChar char="●"/>
               <a:defRPr/>
             </a:lvl1pPr>
-            <a:lvl2pPr indent="-298450" lvl="1" marL="914400">
+            <a:lvl2pPr marL="914400" lvl="1" indent="-298450">
               <a:spcBef>
                 <a:spcPts val="0"/>
               </a:spcBef>
@@ -7827,7 +7805,7 @@
               <a:buChar char="○"/>
               <a:defRPr/>
             </a:lvl2pPr>
-            <a:lvl3pPr indent="-298450" lvl="2" marL="1371600">
+            <a:lvl3pPr marL="1371600" lvl="2" indent="-298450">
               <a:spcBef>
                 <a:spcPts val="0"/>
               </a:spcBef>
@@ -7838,7 +7816,7 @@
               <a:buChar char="■"/>
               <a:defRPr/>
             </a:lvl3pPr>
-            <a:lvl4pPr indent="-298450" lvl="3" marL="1828800">
+            <a:lvl4pPr marL="1828800" lvl="3" indent="-298450">
               <a:spcBef>
                 <a:spcPts val="0"/>
               </a:spcBef>
@@ -7849,7 +7827,7 @@
               <a:buChar char="●"/>
               <a:defRPr/>
             </a:lvl4pPr>
-            <a:lvl5pPr indent="-298450" lvl="4" marL="2286000">
+            <a:lvl5pPr marL="2286000" lvl="4" indent="-298450">
               <a:spcBef>
                 <a:spcPts val="0"/>
               </a:spcBef>
@@ -7860,7 +7838,7 @@
               <a:buChar char="○"/>
               <a:defRPr/>
             </a:lvl5pPr>
-            <a:lvl6pPr indent="-298450" lvl="5" marL="2743200">
+            <a:lvl6pPr marL="2743200" lvl="5" indent="-298450">
               <a:spcBef>
                 <a:spcPts val="0"/>
               </a:spcBef>
@@ -7871,7 +7849,7 @@
               <a:buChar char="■"/>
               <a:defRPr/>
             </a:lvl6pPr>
-            <a:lvl7pPr indent="-298450" lvl="6" marL="3200400">
+            <a:lvl7pPr marL="3200400" lvl="6" indent="-298450">
               <a:spcBef>
                 <a:spcPts val="0"/>
               </a:spcBef>
@@ -7882,7 +7860,7 @@
               <a:buChar char="●"/>
               <a:defRPr/>
             </a:lvl7pPr>
-            <a:lvl8pPr indent="-298450" lvl="7" marL="3657600">
+            <a:lvl8pPr marL="3657600" lvl="7" indent="-298450">
               <a:spcBef>
                 <a:spcPts val="0"/>
               </a:spcBef>
@@ -7893,7 +7871,7 @@
               <a:buChar char="○"/>
               <a:defRPr/>
             </a:lvl8pPr>
-            <a:lvl9pPr indent="-298450" lvl="8" marL="4114800">
+            <a:lvl9pPr marL="4114800" lvl="8" indent="-298450">
               <a:spcBef>
                 <a:spcPts val="0"/>
               </a:spcBef>
@@ -7905,15 +7883,19 @@
               <a:defRPr/>
             </a:lvl9pPr>
           </a:lstStyle>
-          <a:p/>
+          <a:p>
+            <a:endParaRPr/>
+          </a:p>
         </p:txBody>
       </p:sp>
       <p:sp>
         <p:nvSpPr>
           <p:cNvPr id="102" name="Google Shape;102;p9"/>
-          <p:cNvSpPr txBox="1"/>
+          <p:cNvSpPr txBox="1">
+            <a:spLocks noGrp="1"/>
+          </p:cNvSpPr>
           <p:nvPr>
-            <p:ph idx="12" type="sldNum"/>
+            <p:ph type="sldNum" idx="12"/>
           </p:nvPr>
         </p:nvSpPr>
         <p:spPr>
@@ -7926,7 +7908,7 @@
           </a:prstGeom>
         </p:spPr>
         <p:txBody>
-          <a:bodyPr anchorCtr="0" anchor="ctr" bIns="91425" lIns="91425" spcFirstLastPara="1" rIns="91425" wrap="square" tIns="91425">
+          <a:bodyPr spcFirstLastPara="1" wrap="square" lIns="91425" tIns="91425" rIns="91425" bIns="91425" anchor="ctr" anchorCtr="0">
             <a:normAutofit/>
           </a:bodyPr>
           <a:lstStyle>
@@ -7968,7 +7950,7 @@
             </a:lvl9pPr>
           </a:lstStyle>
           <a:p>
-            <a:pPr indent="0" lvl="0" marL="0" rtl="0" algn="r">
+            <a:pPr marL="0" lvl="0" indent="0" algn="r" rtl="0">
               <a:spcBef>
                 <a:spcPts val="0"/>
               </a:spcBef>
@@ -7994,18 +7976,19 @@
 </file>
 
 <file path=ppt/slideLayouts/slideLayout9.xml><?xml version="1.0" encoding="utf-8"?>
-<p:sldLayout xmlns:a="http://schemas.openxmlformats.org/drawingml/2006/main" xmlns:r="http://schemas.openxmlformats.org/officeDocument/2006/relationships" xmlns:mc="http://schemas.openxmlformats.org/markup-compatibility/2006" xmlns:mv="urn:schemas-microsoft-com:mac:vml" xmlns:p="http://schemas.openxmlformats.org/presentationml/2006/main" xmlns:c="http://schemas.openxmlformats.org/drawingml/2006/chart" xmlns:dgm="http://schemas.openxmlformats.org/drawingml/2006/diagram" xmlns:o="urn:schemas-microsoft-com:office:office" xmlns:v="urn:schemas-microsoft-com:vml" xmlns:pvml="urn:schemas-microsoft-com:office:powerpoint" xmlns:com="http://schemas.openxmlformats.org/drawingml/2006/compatibility" xmlns:p14="http://schemas.microsoft.com/office/powerpoint/2010/main" xmlns:p15="http://schemas.microsoft.com/office/powerpoint/2012/main" xmlns:ahyp="http://schemas.microsoft.com/office/drawing/2018/hyperlinkcolor" matchingName="Caption">
+<p:sldLayout xmlns:a="http://schemas.openxmlformats.org/drawingml/2006/main" xmlns:r="http://schemas.openxmlformats.org/officeDocument/2006/relationships" xmlns:p="http://schemas.openxmlformats.org/presentationml/2006/main" matchingName="Caption">
   <p:cSld name="CAPTION_ONLY">
     <p:bg>
       <p:bgPr>
         <a:solidFill>
           <a:schemeClr val="accent1"/>
         </a:solidFill>
+        <a:effectLst/>
       </p:bgPr>
     </p:bg>
     <p:spTree>
       <p:nvGrpSpPr>
-        <p:cNvPr id="103" name="Shape 103"/>
+        <p:cNvPr id="1" name="Shape 103"/>
         <p:cNvGrpSpPr/>
         <p:nvPr/>
       </p:nvGrpSpPr>
@@ -8039,12 +8022,12 @@
           </a:ln>
         </p:spPr>
         <p:txBody>
-          <a:bodyPr anchorCtr="0" anchor="ctr" bIns="91425" lIns="91425" spcFirstLastPara="1" rIns="91425" wrap="square" tIns="91425">
+          <a:bodyPr spcFirstLastPara="1" wrap="square" lIns="91425" tIns="91425" rIns="91425" bIns="91425" anchor="ctr" anchorCtr="0">
             <a:noAutofit/>
           </a:bodyPr>
           <a:lstStyle/>
           <a:p>
-            <a:pPr indent="0" lvl="0" marL="0" rtl="0" algn="l">
+            <a:pPr marL="0" lvl="0" indent="0" algn="l" rtl="0">
               <a:spcBef>
                 <a:spcPts val="0"/>
               </a:spcBef>
@@ -8053,9 +8036,6 @@
               </a:spcAft>
               <a:buNone/>
             </a:pPr>
-            <a:r>
-              <a:t/>
-            </a:r>
             <a:endParaRPr/>
           </a:p>
         </p:txBody>
@@ -8082,12 +8062,12 @@
           </a:ln>
         </p:spPr>
         <p:txBody>
-          <a:bodyPr anchorCtr="0" anchor="ctr" bIns="91425" lIns="91425" spcFirstLastPara="1" rIns="91425" wrap="square" tIns="91425">
+          <a:bodyPr spcFirstLastPara="1" wrap="square" lIns="91425" tIns="91425" rIns="91425" bIns="91425" anchor="ctr" anchorCtr="0">
             <a:noAutofit/>
           </a:bodyPr>
           <a:lstStyle/>
           <a:p>
-            <a:pPr indent="0" lvl="0" marL="0" rtl="0" algn="l">
+            <a:pPr marL="0" lvl="0" indent="0" algn="l" rtl="0">
               <a:spcBef>
                 <a:spcPts val="0"/>
               </a:spcBef>
@@ -8096,9 +8076,6 @@
               </a:spcAft>
               <a:buNone/>
             </a:pPr>
-            <a:r>
-              <a:t/>
-            </a:r>
             <a:endParaRPr/>
           </a:p>
         </p:txBody>
@@ -8124,7 +8101,7 @@
             <a:noFill/>
           </a:ln>
           <a:effectLst>
-            <a:outerShdw blurRad="228600" sx="101000" rotWithShape="0" algn="ctr" sy="101000">
+            <a:outerShdw blurRad="228600" sx="101000" sy="101000" algn="ctr" rotWithShape="0">
               <a:srgbClr val="000000">
                 <a:alpha val="40000"/>
               </a:srgbClr>
@@ -8132,12 +8109,12 @@
           </a:effectLst>
         </p:spPr>
         <p:txBody>
-          <a:bodyPr anchorCtr="0" anchor="ctr" bIns="91425" lIns="91425" spcFirstLastPara="1" rIns="91425" wrap="square" tIns="91425">
+          <a:bodyPr spcFirstLastPara="1" wrap="square" lIns="91425" tIns="91425" rIns="91425" bIns="91425" anchor="ctr" anchorCtr="0">
             <a:noAutofit/>
           </a:bodyPr>
           <a:lstStyle/>
           <a:p>
-            <a:pPr indent="0" lvl="0" marL="0" rtl="0" algn="l">
+            <a:pPr marL="0" lvl="0" indent="0" algn="l" rtl="0">
               <a:spcBef>
                 <a:spcPts val="0"/>
               </a:spcBef>
@@ -8146,9 +8123,6 @@
               </a:spcAft>
               <a:buNone/>
             </a:pPr>
-            <a:r>
-              <a:t/>
-            </a:r>
             <a:endParaRPr/>
           </a:p>
         </p:txBody>
@@ -8156,9 +8130,11 @@
       <p:sp>
         <p:nvSpPr>
           <p:cNvPr id="107" name="Google Shape;107;p10"/>
-          <p:cNvSpPr txBox="1"/>
+          <p:cNvSpPr txBox="1">
+            <a:spLocks noGrp="1"/>
+          </p:cNvSpPr>
           <p:nvPr>
-            <p:ph idx="1" type="body"/>
+            <p:ph type="body" idx="1"/>
           </p:nvPr>
         </p:nvSpPr>
         <p:spPr>
@@ -8171,11 +8147,11 @@
           </a:prstGeom>
         </p:spPr>
         <p:txBody>
-          <a:bodyPr anchorCtr="0" anchor="b" bIns="91425" lIns="91425" spcFirstLastPara="1" rIns="91425" wrap="square" tIns="91425">
+          <a:bodyPr spcFirstLastPara="1" wrap="square" lIns="91425" tIns="91425" rIns="91425" bIns="91425" anchor="b" anchorCtr="0">
             <a:normAutofit/>
           </a:bodyPr>
           <a:lstStyle>
-            <a:lvl1pPr indent="-228600" lvl="0" marL="457200">
+            <a:lvl1pPr marL="457200" lvl="0" indent="-228600">
               <a:lnSpc>
                 <a:spcPct val="100000"/>
               </a:lnSpc>
@@ -8190,15 +8166,19 @@
               <a:defRPr/>
             </a:lvl1pPr>
           </a:lstStyle>
-          <a:p/>
+          <a:p>
+            <a:endParaRPr/>
+          </a:p>
         </p:txBody>
       </p:sp>
       <p:sp>
         <p:nvSpPr>
           <p:cNvPr id="108" name="Google Shape;108;p10"/>
-          <p:cNvSpPr txBox="1"/>
+          <p:cNvSpPr txBox="1">
+            <a:spLocks noGrp="1"/>
+          </p:cNvSpPr>
           <p:nvPr>
-            <p:ph idx="12" type="sldNum"/>
+            <p:ph type="sldNum" idx="12"/>
           </p:nvPr>
         </p:nvSpPr>
         <p:spPr>
@@ -8211,7 +8191,7 @@
           </a:prstGeom>
         </p:spPr>
         <p:txBody>
-          <a:bodyPr anchorCtr="0" anchor="ctr" bIns="91425" lIns="91425" spcFirstLastPara="1" rIns="91425" wrap="square" tIns="91425">
+          <a:bodyPr spcFirstLastPara="1" wrap="square" lIns="91425" tIns="91425" rIns="91425" bIns="91425" anchor="ctr" anchorCtr="0">
             <a:normAutofit/>
           </a:bodyPr>
           <a:lstStyle>
@@ -8253,7 +8233,7 @@
             </a:lvl9pPr>
           </a:lstStyle>
           <a:p>
-            <a:pPr indent="0" lvl="0" marL="0" rtl="0" algn="r">
+            <a:pPr marL="0" lvl="0" indent="0" algn="r" rtl="0">
               <a:spcBef>
                 <a:spcPts val="0"/>
               </a:spcBef>
@@ -8279,18 +8259,19 @@
 </file>
 
 <file path=ppt/slideMasters/slideMaster1.xml><?xml version="1.0" encoding="utf-8"?>
-<p:sldMaster xmlns:a="http://schemas.openxmlformats.org/drawingml/2006/main" xmlns:r="http://schemas.openxmlformats.org/officeDocument/2006/relationships" xmlns:mc="http://schemas.openxmlformats.org/markup-compatibility/2006" xmlns:mv="urn:schemas-microsoft-com:mac:vml" xmlns:p="http://schemas.openxmlformats.org/presentationml/2006/main" xmlns:c="http://schemas.openxmlformats.org/drawingml/2006/chart" xmlns:dgm="http://schemas.openxmlformats.org/drawingml/2006/diagram" xmlns:o="urn:schemas-microsoft-com:office:office" xmlns:v="urn:schemas-microsoft-com:vml" xmlns:pvml="urn:schemas-microsoft-com:office:powerpoint" xmlns:com="http://schemas.openxmlformats.org/drawingml/2006/compatibility" xmlns:p14="http://schemas.microsoft.com/office/powerpoint/2010/main" xmlns:p15="http://schemas.microsoft.com/office/powerpoint/2012/main" xmlns:ahyp="http://schemas.microsoft.com/office/drawing/2018/hyperlinkcolor">
+<p:sldMaster xmlns:a="http://schemas.openxmlformats.org/drawingml/2006/main" xmlns:r="http://schemas.openxmlformats.org/officeDocument/2006/relationships" xmlns:p="http://schemas.openxmlformats.org/presentationml/2006/main">
   <p:cSld name="shift">
     <p:bg>
       <p:bgPr>
         <a:solidFill>
           <a:schemeClr val="dk1"/>
         </a:solidFill>
+        <a:effectLst/>
       </p:bgPr>
     </p:bg>
     <p:spTree>
       <p:nvGrpSpPr>
-        <p:cNvPr id="5" name="Shape 5"/>
+        <p:cNvPr id="1" name="Shape 5"/>
         <p:cNvGrpSpPr/>
         <p:nvPr/>
       </p:nvGrpSpPr>
@@ -8305,7 +8286,9 @@
       <p:sp>
         <p:nvSpPr>
           <p:cNvPr id="6" name="Google Shape;6;p1"/>
-          <p:cNvSpPr txBox="1"/>
+          <p:cNvSpPr txBox="1">
+            <a:spLocks noGrp="1"/>
+          </p:cNvSpPr>
           <p:nvPr>
             <p:ph type="title"/>
           </p:nvPr>
@@ -8324,7 +8307,7 @@
           </a:ln>
         </p:spPr>
         <p:txBody>
-          <a:bodyPr anchorCtr="0" anchor="t" bIns="91425" lIns="91425" spcFirstLastPara="1" rIns="91425" wrap="square" tIns="91425">
+          <a:bodyPr spcFirstLastPara="1" wrap="square" lIns="91425" tIns="91425" rIns="91425" bIns="91425" anchor="t" anchorCtr="0">
             <a:normAutofit/>
           </a:bodyPr>
           <a:lstStyle>
@@ -8536,15 +8519,19 @@
               </a:defRPr>
             </a:lvl9pPr>
           </a:lstStyle>
-          <a:p/>
+          <a:p>
+            <a:endParaRPr/>
+          </a:p>
         </p:txBody>
       </p:sp>
       <p:sp>
         <p:nvSpPr>
           <p:cNvPr id="7" name="Google Shape;7;p1"/>
-          <p:cNvSpPr txBox="1"/>
+          <p:cNvSpPr txBox="1">
+            <a:spLocks noGrp="1"/>
+          </p:cNvSpPr>
           <p:nvPr>
-            <p:ph idx="1" type="body"/>
+            <p:ph type="body" idx="1"/>
           </p:nvPr>
         </p:nvSpPr>
         <p:spPr>
@@ -8561,11 +8548,11 @@
           </a:ln>
         </p:spPr>
         <p:txBody>
-          <a:bodyPr anchorCtr="0" anchor="t" bIns="91425" lIns="91425" spcFirstLastPara="1" rIns="91425" wrap="square" tIns="91425">
+          <a:bodyPr spcFirstLastPara="1" wrap="square" lIns="91425" tIns="91425" rIns="91425" bIns="91425" anchor="t" anchorCtr="0">
             <a:normAutofit/>
           </a:bodyPr>
           <a:lstStyle>
-            <a:lvl1pPr indent="-311150" lvl="0" marL="457200">
+            <a:lvl1pPr marL="457200" lvl="0" indent="-311150">
               <a:lnSpc>
                 <a:spcPct val="115000"/>
               </a:lnSpc>
@@ -8591,7 +8578,7 @@
                 <a:sym typeface="Calibri"/>
               </a:defRPr>
             </a:lvl1pPr>
-            <a:lvl2pPr indent="-298450" lvl="1" marL="914400">
+            <a:lvl2pPr marL="914400" lvl="1" indent="-298450">
               <a:lnSpc>
                 <a:spcPct val="115000"/>
               </a:lnSpc>
@@ -8617,7 +8604,7 @@
                 <a:sym typeface="Calibri"/>
               </a:defRPr>
             </a:lvl2pPr>
-            <a:lvl3pPr indent="-298450" lvl="2" marL="1371600">
+            <a:lvl3pPr marL="1371600" lvl="2" indent="-298450">
               <a:lnSpc>
                 <a:spcPct val="115000"/>
               </a:lnSpc>
@@ -8643,7 +8630,7 @@
                 <a:sym typeface="Calibri"/>
               </a:defRPr>
             </a:lvl3pPr>
-            <a:lvl4pPr indent="-298450" lvl="3" marL="1828800">
+            <a:lvl4pPr marL="1828800" lvl="3" indent="-298450">
               <a:lnSpc>
                 <a:spcPct val="115000"/>
               </a:lnSpc>
@@ -8669,7 +8656,7 @@
                 <a:sym typeface="Calibri"/>
               </a:defRPr>
             </a:lvl4pPr>
-            <a:lvl5pPr indent="-298450" lvl="4" marL="2286000">
+            <a:lvl5pPr marL="2286000" lvl="4" indent="-298450">
               <a:lnSpc>
                 <a:spcPct val="115000"/>
               </a:lnSpc>
@@ -8695,7 +8682,7 @@
                 <a:sym typeface="Calibri"/>
               </a:defRPr>
             </a:lvl5pPr>
-            <a:lvl6pPr indent="-298450" lvl="5" marL="2743200">
+            <a:lvl6pPr marL="2743200" lvl="5" indent="-298450">
               <a:lnSpc>
                 <a:spcPct val="115000"/>
               </a:lnSpc>
@@ -8721,7 +8708,7 @@
                 <a:sym typeface="Calibri"/>
               </a:defRPr>
             </a:lvl6pPr>
-            <a:lvl7pPr indent="-298450" lvl="6" marL="3200400">
+            <a:lvl7pPr marL="3200400" lvl="6" indent="-298450">
               <a:lnSpc>
                 <a:spcPct val="115000"/>
               </a:lnSpc>
@@ -8747,7 +8734,7 @@
                 <a:sym typeface="Calibri"/>
               </a:defRPr>
             </a:lvl7pPr>
-            <a:lvl8pPr indent="-298450" lvl="7" marL="3657600">
+            <a:lvl8pPr marL="3657600" lvl="7" indent="-298450">
               <a:lnSpc>
                 <a:spcPct val="115000"/>
               </a:lnSpc>
@@ -8773,7 +8760,7 @@
                 <a:sym typeface="Calibri"/>
               </a:defRPr>
             </a:lvl8pPr>
-            <a:lvl9pPr indent="-298450" lvl="8" marL="4114800">
+            <a:lvl9pPr marL="4114800" lvl="8" indent="-298450">
               <a:lnSpc>
                 <a:spcPct val="115000"/>
               </a:lnSpc>
@@ -8800,15 +8787,19 @@
               </a:defRPr>
             </a:lvl9pPr>
           </a:lstStyle>
-          <a:p/>
+          <a:p>
+            <a:endParaRPr/>
+          </a:p>
         </p:txBody>
       </p:sp>
       <p:sp>
         <p:nvSpPr>
           <p:cNvPr id="8" name="Google Shape;8;p1"/>
-          <p:cNvSpPr txBox="1"/>
+          <p:cNvSpPr txBox="1">
+            <a:spLocks noGrp="1"/>
+          </p:cNvSpPr>
           <p:nvPr>
-            <p:ph idx="12" type="sldNum"/>
+            <p:ph type="sldNum" idx="12"/>
           </p:nvPr>
         </p:nvSpPr>
         <p:spPr>
@@ -8825,7 +8816,7 @@
           </a:ln>
         </p:spPr>
         <p:txBody>
-          <a:bodyPr anchorCtr="0" anchor="ctr" bIns="91425" lIns="91425" spcFirstLastPara="1" rIns="91425" wrap="square" tIns="91425">
+          <a:bodyPr spcFirstLastPara="1" wrap="square" lIns="91425" tIns="91425" rIns="91425" bIns="91425" anchor="ctr" anchorCtr="0">
             <a:normAutofit/>
           </a:bodyPr>
           <a:lstStyle>
@@ -8939,7 +8930,7 @@
             </a:lvl9pPr>
           </a:lstStyle>
           <a:p>
-            <a:pPr indent="0" lvl="0" marL="0" rtl="0" algn="r">
+            <a:pPr marL="0" lvl="0" indent="0" algn="r" rtl="0">
               <a:spcBef>
                 <a:spcPts val="0"/>
               </a:spcBef>
@@ -8958,7 +8949,7 @@
       </p:sp>
     </p:spTree>
   </p:cSld>
-  <p:clrMap accent1="accent1" accent2="accent2" accent3="accent3" accent4="accent4" accent5="accent5" accent6="accent6" bg1="lt1" bg2="dk2" tx1="dk1" tx2="lt2" folHlink="folHlink" hlink="hlink"/>
+  <p:clrMap bg1="lt1" tx1="dk1" bg2="dk2" tx2="lt2" accent1="accent1" accent2="accent2" accent3="accent3" accent4="accent4" accent5="accent5" accent6="accent6" hlink="hlink" folHlink="folHlink"/>
   <p:sldLayoutIdLst>
     <p:sldLayoutId id="2147483648" r:id="rId1"/>
     <p:sldLayoutId id="2147483649" r:id="rId2"/>
@@ -8972,10 +8963,10 @@
     <p:sldLayoutId id="2147483657" r:id="rId10"/>
     <p:sldLayoutId id="2147483658" r:id="rId11"/>
   </p:sldLayoutIdLst>
-  <p:hf dt="0" ftr="0" hdr="0" sldNum="0"/>
+  <p:hf sldNum="0" hdr="0" ftr="0" dt="0"/>
   <p:txStyles>
     <p:titleStyle>
-      <a:defPPr lvl="0" marR="0" rtl="0" algn="l">
+      <a:defPPr marR="0" lvl="0" algn="l" rtl="0">
         <a:lnSpc>
           <a:spcPct val="100000"/>
         </a:lnSpc>
@@ -8986,7 +8977,7 @@
           <a:spcPts val="0"/>
         </a:spcAft>
       </a:defPPr>
-      <a:lvl1pPr lvl="0" marR="0" rtl="0" algn="l">
+      <a:lvl1pPr marR="0" lvl="0" algn="l" rtl="0">
         <a:lnSpc>
           <a:spcPct val="100000"/>
         </a:lnSpc>
@@ -9000,7 +8991,7 @@
           <a:srgbClr val="000000"/>
         </a:buClr>
         <a:buFont typeface="Arial"/>
-        <a:defRPr b="0" i="0" sz="1400" u="none" cap="none" strike="noStrike">
+        <a:defRPr sz="1400" b="0" i="0" u="none" strike="noStrike" cap="none">
           <a:solidFill>
             <a:srgbClr val="000000"/>
           </a:solidFill>
@@ -9010,7 +9001,7 @@
           <a:sym typeface="Arial"/>
         </a:defRPr>
       </a:lvl1pPr>
-      <a:lvl2pPr lvl="1" marR="0" rtl="0" algn="l">
+      <a:lvl2pPr marR="0" lvl="1" algn="l" rtl="0">
         <a:lnSpc>
           <a:spcPct val="100000"/>
         </a:lnSpc>
@@ -9024,7 +9015,7 @@
           <a:srgbClr val="000000"/>
         </a:buClr>
         <a:buFont typeface="Arial"/>
-        <a:defRPr b="0" i="0" sz="1400" u="none" cap="none" strike="noStrike">
+        <a:defRPr sz="1400" b="0" i="0" u="none" strike="noStrike" cap="none">
           <a:solidFill>
             <a:srgbClr val="000000"/>
           </a:solidFill>
@@ -9034,7 +9025,7 @@
           <a:sym typeface="Arial"/>
         </a:defRPr>
       </a:lvl2pPr>
-      <a:lvl3pPr lvl="2" marR="0" rtl="0" algn="l">
+      <a:lvl3pPr marR="0" lvl="2" algn="l" rtl="0">
         <a:lnSpc>
           <a:spcPct val="100000"/>
         </a:lnSpc>
@@ -9048,7 +9039,7 @@
           <a:srgbClr val="000000"/>
         </a:buClr>
         <a:buFont typeface="Arial"/>
-        <a:defRPr b="0" i="0" sz="1400" u="none" cap="none" strike="noStrike">
+        <a:defRPr sz="1400" b="0" i="0" u="none" strike="noStrike" cap="none">
           <a:solidFill>
             <a:srgbClr val="000000"/>
           </a:solidFill>
@@ -9058,7 +9049,7 @@
           <a:sym typeface="Arial"/>
         </a:defRPr>
       </a:lvl3pPr>
-      <a:lvl4pPr lvl="3" marR="0" rtl="0" algn="l">
+      <a:lvl4pPr marR="0" lvl="3" algn="l" rtl="0">
         <a:lnSpc>
           <a:spcPct val="100000"/>
         </a:lnSpc>
@@ -9072,7 +9063,7 @@
           <a:srgbClr val="000000"/>
         </a:buClr>
         <a:buFont typeface="Arial"/>
-        <a:defRPr b="0" i="0" sz="1400" u="none" cap="none" strike="noStrike">
+        <a:defRPr sz="1400" b="0" i="0" u="none" strike="noStrike" cap="none">
           <a:solidFill>
             <a:srgbClr val="000000"/>
           </a:solidFill>
@@ -9082,7 +9073,7 @@
           <a:sym typeface="Arial"/>
         </a:defRPr>
       </a:lvl4pPr>
-      <a:lvl5pPr lvl="4" marR="0" rtl="0" algn="l">
+      <a:lvl5pPr marR="0" lvl="4" algn="l" rtl="0">
         <a:lnSpc>
           <a:spcPct val="100000"/>
         </a:lnSpc>
@@ -9096,7 +9087,7 @@
           <a:srgbClr val="000000"/>
         </a:buClr>
         <a:buFont typeface="Arial"/>
-        <a:defRPr b="0" i="0" sz="1400" u="none" cap="none" strike="noStrike">
+        <a:defRPr sz="1400" b="0" i="0" u="none" strike="noStrike" cap="none">
           <a:solidFill>
             <a:srgbClr val="000000"/>
           </a:solidFill>
@@ -9106,7 +9097,7 @@
           <a:sym typeface="Arial"/>
         </a:defRPr>
       </a:lvl5pPr>
-      <a:lvl6pPr lvl="5" marR="0" rtl="0" algn="l">
+      <a:lvl6pPr marR="0" lvl="5" algn="l" rtl="0">
         <a:lnSpc>
           <a:spcPct val="100000"/>
         </a:lnSpc>
@@ -9120,7 +9111,7 @@
           <a:srgbClr val="000000"/>
         </a:buClr>
         <a:buFont typeface="Arial"/>
-        <a:defRPr b="0" i="0" sz="1400" u="none" cap="none" strike="noStrike">
+        <a:defRPr sz="1400" b="0" i="0" u="none" strike="noStrike" cap="none">
           <a:solidFill>
             <a:srgbClr val="000000"/>
           </a:solidFill>
@@ -9130,7 +9121,7 @@
           <a:sym typeface="Arial"/>
         </a:defRPr>
       </a:lvl6pPr>
-      <a:lvl7pPr lvl="6" marR="0" rtl="0" algn="l">
+      <a:lvl7pPr marR="0" lvl="6" algn="l" rtl="0">
         <a:lnSpc>
           <a:spcPct val="100000"/>
         </a:lnSpc>
@@ -9144,7 +9135,7 @@
           <a:srgbClr val="000000"/>
         </a:buClr>
         <a:buFont typeface="Arial"/>
-        <a:defRPr b="0" i="0" sz="1400" u="none" cap="none" strike="noStrike">
+        <a:defRPr sz="1400" b="0" i="0" u="none" strike="noStrike" cap="none">
           <a:solidFill>
             <a:srgbClr val="000000"/>
           </a:solidFill>
@@ -9154,7 +9145,7 @@
           <a:sym typeface="Arial"/>
         </a:defRPr>
       </a:lvl7pPr>
-      <a:lvl8pPr lvl="7" marR="0" rtl="0" algn="l">
+      <a:lvl8pPr marR="0" lvl="7" algn="l" rtl="0">
         <a:lnSpc>
           <a:spcPct val="100000"/>
         </a:lnSpc>
@@ -9168,7 +9159,7 @@
           <a:srgbClr val="000000"/>
         </a:buClr>
         <a:buFont typeface="Arial"/>
-        <a:defRPr b="0" i="0" sz="1400" u="none" cap="none" strike="noStrike">
+        <a:defRPr sz="1400" b="0" i="0" u="none" strike="noStrike" cap="none">
           <a:solidFill>
             <a:srgbClr val="000000"/>
           </a:solidFill>
@@ -9178,7 +9169,7 @@
           <a:sym typeface="Arial"/>
         </a:defRPr>
       </a:lvl8pPr>
-      <a:lvl9pPr lvl="8" marR="0" rtl="0" algn="l">
+      <a:lvl9pPr marR="0" lvl="8" algn="l" rtl="0">
         <a:lnSpc>
           <a:spcPct val="100000"/>
         </a:lnSpc>
@@ -9192,7 +9183,7 @@
           <a:srgbClr val="000000"/>
         </a:buClr>
         <a:buFont typeface="Arial"/>
-        <a:defRPr b="0" i="0" sz="1400" u="none" cap="none" strike="noStrike">
+        <a:defRPr sz="1400" b="0" i="0" u="none" strike="noStrike" cap="none">
           <a:solidFill>
             <a:srgbClr val="000000"/>
           </a:solidFill>
@@ -9204,7 +9195,7 @@
       </a:lvl9pPr>
     </p:titleStyle>
     <p:bodyStyle>
-      <a:defPPr lvl="0" marR="0" rtl="0" algn="l">
+      <a:defPPr marR="0" lvl="0" algn="l" rtl="0">
         <a:lnSpc>
           <a:spcPct val="100000"/>
         </a:lnSpc>
@@ -9215,7 +9206,7 @@
           <a:spcPts val="0"/>
         </a:spcAft>
       </a:defPPr>
-      <a:lvl1pPr lvl="0" marR="0" rtl="0" algn="l">
+      <a:lvl1pPr marR="0" lvl="0" algn="l" rtl="0">
         <a:lnSpc>
           <a:spcPct val="100000"/>
         </a:lnSpc>
@@ -9229,7 +9220,7 @@
           <a:srgbClr val="000000"/>
         </a:buClr>
         <a:buFont typeface="Arial"/>
-        <a:defRPr b="0" i="0" sz="1400" u="none" cap="none" strike="noStrike">
+        <a:defRPr sz="1400" b="0" i="0" u="none" strike="noStrike" cap="none">
           <a:solidFill>
             <a:srgbClr val="000000"/>
           </a:solidFill>
@@ -9239,7 +9230,7 @@
           <a:sym typeface="Arial"/>
         </a:defRPr>
       </a:lvl1pPr>
-      <a:lvl2pPr lvl="1" marR="0" rtl="0" algn="l">
+      <a:lvl2pPr marR="0" lvl="1" algn="l" rtl="0">
         <a:lnSpc>
           <a:spcPct val="100000"/>
         </a:lnSpc>
@@ -9253,7 +9244,7 @@
           <a:srgbClr val="000000"/>
         </a:buClr>
         <a:buFont typeface="Arial"/>
-        <a:defRPr b="0" i="0" sz="1400" u="none" cap="none" strike="noStrike">
+        <a:defRPr sz="1400" b="0" i="0" u="none" strike="noStrike" cap="none">
           <a:solidFill>
             <a:srgbClr val="000000"/>
           </a:solidFill>
@@ -9263,7 +9254,7 @@
           <a:sym typeface="Arial"/>
         </a:defRPr>
       </a:lvl2pPr>
-      <a:lvl3pPr lvl="2" marR="0" rtl="0" algn="l">
+      <a:lvl3pPr marR="0" lvl="2" algn="l" rtl="0">
         <a:lnSpc>
           <a:spcPct val="100000"/>
         </a:lnSpc>
@@ -9277,7 +9268,7 @@
           <a:srgbClr val="000000"/>
         </a:buClr>
         <a:buFont typeface="Arial"/>
-        <a:defRPr b="0" i="0" sz="1400" u="none" cap="none" strike="noStrike">
+        <a:defRPr sz="1400" b="0" i="0" u="none" strike="noStrike" cap="none">
           <a:solidFill>
             <a:srgbClr val="000000"/>
           </a:solidFill>
@@ -9287,7 +9278,7 @@
           <a:sym typeface="Arial"/>
         </a:defRPr>
       </a:lvl3pPr>
-      <a:lvl4pPr lvl="3" marR="0" rtl="0" algn="l">
+      <a:lvl4pPr marR="0" lvl="3" algn="l" rtl="0">
         <a:lnSpc>
           <a:spcPct val="100000"/>
         </a:lnSpc>
@@ -9301,7 +9292,7 @@
           <a:srgbClr val="000000"/>
         </a:buClr>
         <a:buFont typeface="Arial"/>
-        <a:defRPr b="0" i="0" sz="1400" u="none" cap="none" strike="noStrike">
+        <a:defRPr sz="1400" b="0" i="0" u="none" strike="noStrike" cap="none">
           <a:solidFill>
             <a:srgbClr val="000000"/>
           </a:solidFill>
@@ -9311,7 +9302,7 @@
           <a:sym typeface="Arial"/>
         </a:defRPr>
       </a:lvl4pPr>
-      <a:lvl5pPr lvl="4" marR="0" rtl="0" algn="l">
+      <a:lvl5pPr marR="0" lvl="4" algn="l" rtl="0">
         <a:lnSpc>
           <a:spcPct val="100000"/>
         </a:lnSpc>
@@ -9325,7 +9316,7 @@
           <a:srgbClr val="000000"/>
         </a:buClr>
         <a:buFont typeface="Arial"/>
-        <a:defRPr b="0" i="0" sz="1400" u="none" cap="none" strike="noStrike">
+        <a:defRPr sz="1400" b="0" i="0" u="none" strike="noStrike" cap="none">
           <a:solidFill>
             <a:srgbClr val="000000"/>
           </a:solidFill>
@@ -9335,7 +9326,7 @@
           <a:sym typeface="Arial"/>
         </a:defRPr>
       </a:lvl5pPr>
-      <a:lvl6pPr lvl="5" marR="0" rtl="0" algn="l">
+      <a:lvl6pPr marR="0" lvl="5" algn="l" rtl="0">
         <a:lnSpc>
           <a:spcPct val="100000"/>
         </a:lnSpc>
@@ -9349,7 +9340,7 @@
           <a:srgbClr val="000000"/>
         </a:buClr>
         <a:buFont typeface="Arial"/>
-        <a:defRPr b="0" i="0" sz="1400" u="none" cap="none" strike="noStrike">
+        <a:defRPr sz="1400" b="0" i="0" u="none" strike="noStrike" cap="none">
           <a:solidFill>
             <a:srgbClr val="000000"/>
           </a:solidFill>
@@ -9359,7 +9350,7 @@
           <a:sym typeface="Arial"/>
         </a:defRPr>
       </a:lvl6pPr>
-      <a:lvl7pPr lvl="6" marR="0" rtl="0" algn="l">
+      <a:lvl7pPr marR="0" lvl="6" algn="l" rtl="0">
         <a:lnSpc>
           <a:spcPct val="100000"/>
         </a:lnSpc>
@@ -9373,7 +9364,7 @@
           <a:srgbClr val="000000"/>
         </a:buClr>
         <a:buFont typeface="Arial"/>
-        <a:defRPr b="0" i="0" sz="1400" u="none" cap="none" strike="noStrike">
+        <a:defRPr sz="1400" b="0" i="0" u="none" strike="noStrike" cap="none">
           <a:solidFill>
             <a:srgbClr val="000000"/>
           </a:solidFill>
@@ -9383,7 +9374,7 @@
           <a:sym typeface="Arial"/>
         </a:defRPr>
       </a:lvl7pPr>
-      <a:lvl8pPr lvl="7" marR="0" rtl="0" algn="l">
+      <a:lvl8pPr marR="0" lvl="7" algn="l" rtl="0">
         <a:lnSpc>
           <a:spcPct val="100000"/>
         </a:lnSpc>
@@ -9397,7 +9388,7 @@
           <a:srgbClr val="000000"/>
         </a:buClr>
         <a:buFont typeface="Arial"/>
-        <a:defRPr b="0" i="0" sz="1400" u="none" cap="none" strike="noStrike">
+        <a:defRPr sz="1400" b="0" i="0" u="none" strike="noStrike" cap="none">
           <a:solidFill>
             <a:srgbClr val="000000"/>
           </a:solidFill>
@@ -9407,7 +9398,7 @@
           <a:sym typeface="Arial"/>
         </a:defRPr>
       </a:lvl8pPr>
-      <a:lvl9pPr lvl="8" marR="0" rtl="0" algn="l">
+      <a:lvl9pPr marR="0" lvl="8" algn="l" rtl="0">
         <a:lnSpc>
           <a:spcPct val="100000"/>
         </a:lnSpc>
@@ -9421,7 +9412,7 @@
           <a:srgbClr val="000000"/>
         </a:buClr>
         <a:buFont typeface="Arial"/>
-        <a:defRPr b="0" i="0" sz="1400" u="none" cap="none" strike="noStrike">
+        <a:defRPr sz="1400" b="0" i="0" u="none" strike="noStrike" cap="none">
           <a:solidFill>
             <a:srgbClr val="000000"/>
           </a:solidFill>
@@ -9433,7 +9424,7 @@
       </a:lvl9pPr>
     </p:bodyStyle>
     <p:otherStyle>
-      <a:defPPr lvl="0" marR="0" rtl="0" algn="l">
+      <a:defPPr marR="0" lvl="0" algn="l" rtl="0">
         <a:lnSpc>
           <a:spcPct val="100000"/>
         </a:lnSpc>
@@ -9444,7 +9435,7 @@
           <a:spcPts val="0"/>
         </a:spcAft>
       </a:defPPr>
-      <a:lvl1pPr lvl="0" marR="0" rtl="0" algn="l">
+      <a:lvl1pPr marR="0" lvl="0" algn="l" rtl="0">
         <a:lnSpc>
           <a:spcPct val="100000"/>
         </a:lnSpc>
@@ -9458,7 +9449,7 @@
           <a:srgbClr val="000000"/>
         </a:buClr>
         <a:buFont typeface="Arial"/>
-        <a:defRPr b="0" i="0" sz="1400" u="none" cap="none" strike="noStrike">
+        <a:defRPr sz="1400" b="0" i="0" u="none" strike="noStrike" cap="none">
           <a:solidFill>
             <a:srgbClr val="000000"/>
           </a:solidFill>
@@ -9468,7 +9459,7 @@
           <a:sym typeface="Arial"/>
         </a:defRPr>
       </a:lvl1pPr>
-      <a:lvl2pPr lvl="1" marR="0" rtl="0" algn="l">
+      <a:lvl2pPr marR="0" lvl="1" algn="l" rtl="0">
         <a:lnSpc>
           <a:spcPct val="100000"/>
         </a:lnSpc>
@@ -9482,7 +9473,7 @@
           <a:srgbClr val="000000"/>
         </a:buClr>
         <a:buFont typeface="Arial"/>
-        <a:defRPr b="0" i="0" sz="1400" u="none" cap="none" strike="noStrike">
+        <a:defRPr sz="1400" b="0" i="0" u="none" strike="noStrike" cap="none">
           <a:solidFill>
             <a:srgbClr val="000000"/>
           </a:solidFill>
@@ -9492,7 +9483,7 @@
           <a:sym typeface="Arial"/>
         </a:defRPr>
       </a:lvl2pPr>
-      <a:lvl3pPr lvl="2" marR="0" rtl="0" algn="l">
+      <a:lvl3pPr marR="0" lvl="2" algn="l" rtl="0">
         <a:lnSpc>
           <a:spcPct val="100000"/>
         </a:lnSpc>
@@ -9506,7 +9497,7 @@
           <a:srgbClr val="000000"/>
         </a:buClr>
         <a:buFont typeface="Arial"/>
-        <a:defRPr b="0" i="0" sz="1400" u="none" cap="none" strike="noStrike">
+        <a:defRPr sz="1400" b="0" i="0" u="none" strike="noStrike" cap="none">
           <a:solidFill>
             <a:srgbClr val="000000"/>
           </a:solidFill>
@@ -9516,7 +9507,7 @@
           <a:sym typeface="Arial"/>
         </a:defRPr>
       </a:lvl3pPr>
-      <a:lvl4pPr lvl="3" marR="0" rtl="0" algn="l">
+      <a:lvl4pPr marR="0" lvl="3" algn="l" rtl="0">
         <a:lnSpc>
           <a:spcPct val="100000"/>
         </a:lnSpc>
@@ -9530,7 +9521,7 @@
           <a:srgbClr val="000000"/>
         </a:buClr>
         <a:buFont typeface="Arial"/>
-        <a:defRPr b="0" i="0" sz="1400" u="none" cap="none" strike="noStrike">
+        <a:defRPr sz="1400" b="0" i="0" u="none" strike="noStrike" cap="none">
           <a:solidFill>
             <a:srgbClr val="000000"/>
           </a:solidFill>
@@ -9540,7 +9531,7 @@
           <a:sym typeface="Arial"/>
         </a:defRPr>
       </a:lvl4pPr>
-      <a:lvl5pPr lvl="4" marR="0" rtl="0" algn="l">
+      <a:lvl5pPr marR="0" lvl="4" algn="l" rtl="0">
         <a:lnSpc>
           <a:spcPct val="100000"/>
         </a:lnSpc>
@@ -9554,7 +9545,7 @@
           <a:srgbClr val="000000"/>
         </a:buClr>
         <a:buFont typeface="Arial"/>
-        <a:defRPr b="0" i="0" sz="1400" u="none" cap="none" strike="noStrike">
+        <a:defRPr sz="1400" b="0" i="0" u="none" strike="noStrike" cap="none">
           <a:solidFill>
             <a:srgbClr val="000000"/>
           </a:solidFill>
@@ -9564,7 +9555,7 @@
           <a:sym typeface="Arial"/>
         </a:defRPr>
       </a:lvl5pPr>
-      <a:lvl6pPr lvl="5" marR="0" rtl="0" algn="l">
+      <a:lvl6pPr marR="0" lvl="5" algn="l" rtl="0">
         <a:lnSpc>
           <a:spcPct val="100000"/>
         </a:lnSpc>
@@ -9578,7 +9569,7 @@
           <a:srgbClr val="000000"/>
         </a:buClr>
         <a:buFont typeface="Arial"/>
-        <a:defRPr b="0" i="0" sz="1400" u="none" cap="none" strike="noStrike">
+        <a:defRPr sz="1400" b="0" i="0" u="none" strike="noStrike" cap="none">
           <a:solidFill>
             <a:srgbClr val="000000"/>
           </a:solidFill>
@@ -9588,7 +9579,7 @@
           <a:sym typeface="Arial"/>
         </a:defRPr>
       </a:lvl6pPr>
-      <a:lvl7pPr lvl="6" marR="0" rtl="0" algn="l">
+      <a:lvl7pPr marR="0" lvl="6" algn="l" rtl="0">
         <a:lnSpc>
           <a:spcPct val="100000"/>
         </a:lnSpc>
@@ -9602,7 +9593,7 @@
           <a:srgbClr val="000000"/>
         </a:buClr>
         <a:buFont typeface="Arial"/>
-        <a:defRPr b="0" i="0" sz="1400" u="none" cap="none" strike="noStrike">
+        <a:defRPr sz="1400" b="0" i="0" u="none" strike="noStrike" cap="none">
           <a:solidFill>
             <a:srgbClr val="000000"/>
           </a:solidFill>
@@ -9612,7 +9603,7 @@
           <a:sym typeface="Arial"/>
         </a:defRPr>
       </a:lvl7pPr>
-      <a:lvl8pPr lvl="7" marR="0" rtl="0" algn="l">
+      <a:lvl8pPr marR="0" lvl="7" algn="l" rtl="0">
         <a:lnSpc>
           <a:spcPct val="100000"/>
         </a:lnSpc>
@@ -9626,7 +9617,7 @@
           <a:srgbClr val="000000"/>
         </a:buClr>
         <a:buFont typeface="Arial"/>
-        <a:defRPr b="0" i="0" sz="1400" u="none" cap="none" strike="noStrike">
+        <a:defRPr sz="1400" b="0" i="0" u="none" strike="noStrike" cap="none">
           <a:solidFill>
             <a:srgbClr val="000000"/>
           </a:solidFill>
@@ -9636,7 +9627,7 @@
           <a:sym typeface="Arial"/>
         </a:defRPr>
       </a:lvl8pPr>
-      <a:lvl9pPr lvl="8" marR="0" rtl="0" algn="l">
+      <a:lvl9pPr marR="0" lvl="8" algn="l" rtl="0">
         <a:lnSpc>
           <a:spcPct val="100000"/>
         </a:lnSpc>
@@ -9650,7 +9641,7 @@
           <a:srgbClr val="000000"/>
         </a:buClr>
         <a:buFont typeface="Arial"/>
-        <a:defRPr b="0" i="0" sz="1400" u="none" cap="none" strike="noStrike">
+        <a:defRPr sz="1400" b="0" i="0" u="none" strike="noStrike" cap="none">
           <a:solidFill>
             <a:srgbClr val="000000"/>
           </a:solidFill>
@@ -9666,11 +9657,11 @@
 </file>
 
 <file path=ppt/slides/slide1.xml><?xml version="1.0" encoding="utf-8"?>
-<p:sld xmlns:a="http://schemas.openxmlformats.org/drawingml/2006/main" xmlns:r="http://schemas.openxmlformats.org/officeDocument/2006/relationships" xmlns:mc="http://schemas.openxmlformats.org/markup-compatibility/2006" xmlns:mv="urn:schemas-microsoft-com:mac:vml" xmlns:p="http://schemas.openxmlformats.org/presentationml/2006/main" xmlns:c="http://schemas.openxmlformats.org/drawingml/2006/chart" xmlns:dgm="http://schemas.openxmlformats.org/drawingml/2006/diagram" xmlns:o="urn:schemas-microsoft-com:office:office" xmlns:v="urn:schemas-microsoft-com:vml" xmlns:pvml="urn:schemas-microsoft-com:office:powerpoint" xmlns:com="http://schemas.openxmlformats.org/drawingml/2006/compatibility" xmlns:p14="http://schemas.microsoft.com/office/powerpoint/2010/main" xmlns:p15="http://schemas.microsoft.com/office/powerpoint/2012/main" xmlns:ahyp="http://schemas.microsoft.com/office/drawing/2018/hyperlinkcolor">
+<p:sld xmlns:a="http://schemas.openxmlformats.org/drawingml/2006/main" xmlns:r="http://schemas.openxmlformats.org/officeDocument/2006/relationships" xmlns:p="http://schemas.openxmlformats.org/presentationml/2006/main">
   <p:cSld>
     <p:spTree>
       <p:nvGrpSpPr>
-        <p:cNvPr id="127" name="Shape 127"/>
+        <p:cNvPr id="1" name="Shape 127"/>
         <p:cNvGrpSpPr/>
         <p:nvPr/>
       </p:nvGrpSpPr>
@@ -9685,7 +9676,9 @@
       <p:sp>
         <p:nvSpPr>
           <p:cNvPr id="128" name="Google Shape;128;p13"/>
-          <p:cNvSpPr txBox="1"/>
+          <p:cNvSpPr txBox="1">
+            <a:spLocks noGrp="1"/>
+          </p:cNvSpPr>
           <p:nvPr>
             <p:ph type="ctrTitle"/>
           </p:nvPr>
@@ -9700,12 +9693,12 @@
           </a:prstGeom>
         </p:spPr>
         <p:txBody>
-          <a:bodyPr anchorCtr="0" anchor="ctr" bIns="91425" lIns="91425" spcFirstLastPara="1" rIns="91425" wrap="square" tIns="91425">
+          <a:bodyPr spcFirstLastPara="1" wrap="square" lIns="91425" tIns="91425" rIns="91425" bIns="91425" anchor="ctr" anchorCtr="0">
             <a:normAutofit/>
           </a:bodyPr>
           <a:lstStyle/>
           <a:p>
-            <a:pPr indent="0" lvl="0" marL="0" rtl="0" algn="ctr">
+            <a:pPr marL="0" lvl="0" indent="0" algn="ctr" rtl="0">
               <a:spcBef>
                 <a:spcPts val="0"/>
               </a:spcBef>
@@ -9715,7 +9708,7 @@
               <a:buNone/>
             </a:pPr>
             <a:r>
-              <a:rPr b="1" lang="ru">
+              <a:rPr lang="ru" b="1">
                 <a:solidFill>
                   <a:srgbClr val="BF9000"/>
                 </a:solidFill>
@@ -9733,9 +9726,11 @@
       <p:sp>
         <p:nvSpPr>
           <p:cNvPr id="129" name="Google Shape;129;p13"/>
-          <p:cNvSpPr txBox="1"/>
+          <p:cNvSpPr txBox="1">
+            <a:spLocks noGrp="1"/>
+          </p:cNvSpPr>
           <p:nvPr>
-            <p:ph idx="1" type="subTitle"/>
+            <p:ph type="subTitle" idx="1"/>
           </p:nvPr>
         </p:nvSpPr>
         <p:spPr>
@@ -9748,12 +9743,12 @@
           </a:prstGeom>
         </p:spPr>
         <p:txBody>
-          <a:bodyPr anchorCtr="0" anchor="t" bIns="91425" lIns="91425" spcFirstLastPara="1" rIns="91425" wrap="square" tIns="91425">
+          <a:bodyPr spcFirstLastPara="1" wrap="square" lIns="91425" tIns="91425" rIns="91425" bIns="91425" anchor="t" anchorCtr="0">
             <a:normAutofit/>
           </a:bodyPr>
           <a:lstStyle/>
           <a:p>
-            <a:pPr indent="0" lvl="0" marL="0" rtl="0" algn="ctr">
+            <a:pPr marL="0" lvl="0" indent="0" algn="ctr" rtl="0">
               <a:spcBef>
                 <a:spcPts val="0"/>
               </a:spcBef>
@@ -9762,9 +9757,6 @@
               </a:spcAft>
               <a:buNone/>
             </a:pPr>
-            <a:r>
-              <a:t/>
-            </a:r>
             <a:endParaRPr/>
           </a:p>
         </p:txBody>
@@ -9806,11 +9798,11 @@
 </file>
 
 <file path=ppt/slides/slide2.xml><?xml version="1.0" encoding="utf-8"?>
-<p:sld xmlns:a="http://schemas.openxmlformats.org/drawingml/2006/main" xmlns:r="http://schemas.openxmlformats.org/officeDocument/2006/relationships" xmlns:mc="http://schemas.openxmlformats.org/markup-compatibility/2006" xmlns:mv="urn:schemas-microsoft-com:mac:vml" xmlns:p="http://schemas.openxmlformats.org/presentationml/2006/main" xmlns:c="http://schemas.openxmlformats.org/drawingml/2006/chart" xmlns:dgm="http://schemas.openxmlformats.org/drawingml/2006/diagram" xmlns:o="urn:schemas-microsoft-com:office:office" xmlns:v="urn:schemas-microsoft-com:vml" xmlns:pvml="urn:schemas-microsoft-com:office:powerpoint" xmlns:com="http://schemas.openxmlformats.org/drawingml/2006/compatibility" xmlns:p14="http://schemas.microsoft.com/office/powerpoint/2010/main" xmlns:p15="http://schemas.microsoft.com/office/powerpoint/2012/main" xmlns:ahyp="http://schemas.microsoft.com/office/drawing/2018/hyperlinkcolor">
+<p:sld xmlns:a="http://schemas.openxmlformats.org/drawingml/2006/main" xmlns:r="http://schemas.openxmlformats.org/officeDocument/2006/relationships" xmlns:p="http://schemas.openxmlformats.org/presentationml/2006/main">
   <p:cSld>
     <p:spTree>
       <p:nvGrpSpPr>
-        <p:cNvPr id="134" name="Shape 134"/>
+        <p:cNvPr id="1" name="Shape 134"/>
         <p:cNvGrpSpPr/>
         <p:nvPr/>
       </p:nvGrpSpPr>
@@ -9825,7 +9817,9 @@
       <p:sp>
         <p:nvSpPr>
           <p:cNvPr id="135" name="Google Shape;135;p14"/>
-          <p:cNvSpPr txBox="1"/>
+          <p:cNvSpPr txBox="1">
+            <a:spLocks noGrp="1"/>
+          </p:cNvSpPr>
           <p:nvPr>
             <p:ph type="title"/>
           </p:nvPr>
@@ -9840,12 +9834,12 @@
           </a:prstGeom>
         </p:spPr>
         <p:txBody>
-          <a:bodyPr anchorCtr="0" anchor="t" bIns="91425" lIns="91425" spcFirstLastPara="1" rIns="91425" wrap="square" tIns="91425">
+          <a:bodyPr spcFirstLastPara="1" wrap="square" lIns="91425" tIns="91425" rIns="91425" bIns="91425" anchor="t" anchorCtr="0">
             <a:normAutofit/>
           </a:bodyPr>
           <a:lstStyle/>
           <a:p>
-            <a:pPr indent="0" lvl="0" marL="0" rtl="0" algn="l">
+            <a:pPr marL="0" lvl="0" indent="0" algn="l" rtl="0">
               <a:spcBef>
                 <a:spcPts val="0"/>
               </a:spcBef>
@@ -9873,9 +9867,11 @@
       <p:sp>
         <p:nvSpPr>
           <p:cNvPr id="136" name="Google Shape;136;p14"/>
-          <p:cNvSpPr txBox="1"/>
+          <p:cNvSpPr txBox="1">
+            <a:spLocks noGrp="1"/>
+          </p:cNvSpPr>
           <p:nvPr>
-            <p:ph idx="1" type="body"/>
+            <p:ph type="body" idx="1"/>
           </p:nvPr>
         </p:nvSpPr>
         <p:spPr>
@@ -9888,12 +9884,12 @@
           </a:prstGeom>
         </p:spPr>
         <p:txBody>
-          <a:bodyPr anchorCtr="0" anchor="t" bIns="91425" lIns="91425" spcFirstLastPara="1" rIns="91425" wrap="square" tIns="91425">
+          <a:bodyPr spcFirstLastPara="1" wrap="square" lIns="91425" tIns="91425" rIns="91425" bIns="91425" anchor="t" anchorCtr="0">
             <a:normAutofit/>
           </a:bodyPr>
           <a:lstStyle/>
           <a:p>
-            <a:pPr indent="0" lvl="0" marL="0" rtl="0" algn="l">
+            <a:pPr marL="0" lvl="0" indent="0" algn="l" rtl="0">
               <a:spcBef>
                 <a:spcPts val="0"/>
               </a:spcBef>
@@ -9955,11 +9951,11 @@
 </file>
 
 <file path=ppt/slides/slide3.xml><?xml version="1.0" encoding="utf-8"?>
-<p:sld xmlns:a="http://schemas.openxmlformats.org/drawingml/2006/main" xmlns:r="http://schemas.openxmlformats.org/officeDocument/2006/relationships" xmlns:mc="http://schemas.openxmlformats.org/markup-compatibility/2006" xmlns:mv="urn:schemas-microsoft-com:mac:vml" xmlns:p="http://schemas.openxmlformats.org/presentationml/2006/main" xmlns:c="http://schemas.openxmlformats.org/drawingml/2006/chart" xmlns:dgm="http://schemas.openxmlformats.org/drawingml/2006/diagram" xmlns:o="urn:schemas-microsoft-com:office:office" xmlns:v="urn:schemas-microsoft-com:vml" xmlns:pvml="urn:schemas-microsoft-com:office:powerpoint" xmlns:com="http://schemas.openxmlformats.org/drawingml/2006/compatibility" xmlns:p14="http://schemas.microsoft.com/office/powerpoint/2010/main" xmlns:p15="http://schemas.microsoft.com/office/powerpoint/2012/main" xmlns:ahyp="http://schemas.microsoft.com/office/drawing/2018/hyperlinkcolor">
+<p:sld xmlns:a="http://schemas.openxmlformats.org/drawingml/2006/main" xmlns:r="http://schemas.openxmlformats.org/officeDocument/2006/relationships" xmlns:p="http://schemas.openxmlformats.org/presentationml/2006/main">
   <p:cSld>
     <p:spTree>
       <p:nvGrpSpPr>
-        <p:cNvPr id="141" name="Shape 141"/>
+        <p:cNvPr id="1" name="Shape 141"/>
         <p:cNvGrpSpPr/>
         <p:nvPr/>
       </p:nvGrpSpPr>
@@ -9974,7 +9970,9 @@
       <p:sp>
         <p:nvSpPr>
           <p:cNvPr id="142" name="Google Shape;142;p15"/>
-          <p:cNvSpPr txBox="1"/>
+          <p:cNvSpPr txBox="1">
+            <a:spLocks noGrp="1"/>
+          </p:cNvSpPr>
           <p:nvPr>
             <p:ph type="title"/>
           </p:nvPr>
@@ -9989,12 +9987,12 @@
           </a:prstGeom>
         </p:spPr>
         <p:txBody>
-          <a:bodyPr anchorCtr="0" anchor="t" bIns="91425" lIns="91425" spcFirstLastPara="1" rIns="91425" wrap="square" tIns="91425">
+          <a:bodyPr spcFirstLastPara="1" wrap="square" lIns="91425" tIns="91425" rIns="91425" bIns="91425" anchor="t" anchorCtr="0">
             <a:normAutofit/>
           </a:bodyPr>
           <a:lstStyle/>
           <a:p>
-            <a:pPr indent="0" lvl="0" marL="0" rtl="0" algn="l">
+            <a:pPr marL="0" lvl="0" indent="0" algn="l" rtl="0">
               <a:spcBef>
                 <a:spcPts val="0"/>
               </a:spcBef>
@@ -10022,9 +10020,11 @@
       <p:sp>
         <p:nvSpPr>
           <p:cNvPr id="143" name="Google Shape;143;p15"/>
-          <p:cNvSpPr txBox="1"/>
+          <p:cNvSpPr txBox="1">
+            <a:spLocks noGrp="1"/>
+          </p:cNvSpPr>
           <p:nvPr>
-            <p:ph idx="1" type="body"/>
+            <p:ph type="body" idx="1"/>
           </p:nvPr>
         </p:nvSpPr>
         <p:spPr>
@@ -10037,12 +10037,12 @@
           </a:prstGeom>
         </p:spPr>
         <p:txBody>
-          <a:bodyPr anchorCtr="0" anchor="t" bIns="91425" lIns="91425" spcFirstLastPara="1" rIns="91425" wrap="square" tIns="91425">
+          <a:bodyPr spcFirstLastPara="1" wrap="square" lIns="91425" tIns="91425" rIns="91425" bIns="91425" anchor="t" anchorCtr="0">
             <a:normAutofit/>
           </a:bodyPr>
           <a:lstStyle/>
           <a:p>
-            <a:pPr indent="0" lvl="0" marL="0" rtl="0" algn="l">
+            <a:pPr marL="0" lvl="0" indent="0" algn="l" rtl="0">
               <a:spcBef>
                 <a:spcPts val="0"/>
               </a:spcBef>
@@ -10148,11 +10148,11 @@
 </file>
 
 <file path=ppt/slides/slide4.xml><?xml version="1.0" encoding="utf-8"?>
-<p:sld xmlns:a="http://schemas.openxmlformats.org/drawingml/2006/main" xmlns:r="http://schemas.openxmlformats.org/officeDocument/2006/relationships" xmlns:mc="http://schemas.openxmlformats.org/markup-compatibility/2006" xmlns:mv="urn:schemas-microsoft-com:mac:vml" xmlns:p="http://schemas.openxmlformats.org/presentationml/2006/main" xmlns:c="http://schemas.openxmlformats.org/drawingml/2006/chart" xmlns:dgm="http://schemas.openxmlformats.org/drawingml/2006/diagram" xmlns:o="urn:schemas-microsoft-com:office:office" xmlns:v="urn:schemas-microsoft-com:vml" xmlns:pvml="urn:schemas-microsoft-com:office:powerpoint" xmlns:com="http://schemas.openxmlformats.org/drawingml/2006/compatibility" xmlns:p14="http://schemas.microsoft.com/office/powerpoint/2010/main" xmlns:p15="http://schemas.microsoft.com/office/powerpoint/2012/main" xmlns:ahyp="http://schemas.microsoft.com/office/drawing/2018/hyperlinkcolor">
+<p:sld xmlns:a="http://schemas.openxmlformats.org/drawingml/2006/main" xmlns:r="http://schemas.openxmlformats.org/officeDocument/2006/relationships" xmlns:p="http://schemas.openxmlformats.org/presentationml/2006/main">
   <p:cSld>
     <p:spTree>
       <p:nvGrpSpPr>
-        <p:cNvPr id="149" name="Shape 149"/>
+        <p:cNvPr id="1" name="Shape 149"/>
         <p:cNvGrpSpPr/>
         <p:nvPr/>
       </p:nvGrpSpPr>
@@ -10167,7 +10167,9 @@
       <p:sp>
         <p:nvSpPr>
           <p:cNvPr id="150" name="Google Shape;150;p16"/>
-          <p:cNvSpPr txBox="1"/>
+          <p:cNvSpPr txBox="1">
+            <a:spLocks noGrp="1"/>
+          </p:cNvSpPr>
           <p:nvPr>
             <p:ph type="title"/>
           </p:nvPr>
@@ -10182,12 +10184,12 @@
           </a:prstGeom>
         </p:spPr>
         <p:txBody>
-          <a:bodyPr anchorCtr="0" anchor="t" bIns="91425" lIns="91425" spcFirstLastPara="1" rIns="91425" wrap="square" tIns="91425">
+          <a:bodyPr spcFirstLastPara="1" wrap="square" lIns="91425" tIns="91425" rIns="91425" bIns="91425" anchor="t" anchorCtr="0">
             <a:normAutofit/>
           </a:bodyPr>
           <a:lstStyle/>
           <a:p>
-            <a:pPr indent="0" lvl="0" marL="0" rtl="0" algn="l">
+            <a:pPr marL="0" lvl="0" indent="0" algn="l" rtl="0">
               <a:spcBef>
                 <a:spcPts val="0"/>
               </a:spcBef>
@@ -10215,9 +10217,11 @@
       <p:sp>
         <p:nvSpPr>
           <p:cNvPr id="151" name="Google Shape;151;p16"/>
-          <p:cNvSpPr txBox="1"/>
+          <p:cNvSpPr txBox="1">
+            <a:spLocks noGrp="1"/>
+          </p:cNvSpPr>
           <p:nvPr>
-            <p:ph idx="1" type="body"/>
+            <p:ph type="body" idx="1"/>
           </p:nvPr>
         </p:nvSpPr>
         <p:spPr>
@@ -10230,12 +10234,12 @@
           </a:prstGeom>
         </p:spPr>
         <p:txBody>
-          <a:bodyPr anchorCtr="0" anchor="t" bIns="91425" lIns="91425" spcFirstLastPara="1" rIns="91425" wrap="square" tIns="91425">
-            <a:normAutofit lnSpcReduction="10000"/>
+          <a:bodyPr spcFirstLastPara="1" wrap="square" lIns="91425" tIns="91425" rIns="91425" bIns="91425" anchor="t" anchorCtr="0">
+            <a:normAutofit/>
           </a:bodyPr>
           <a:lstStyle/>
           <a:p>
-            <a:pPr indent="-406400" lvl="0" marL="457200" rtl="0" algn="l">
+            <a:pPr marL="457200" lvl="0" indent="-406400" algn="l" rtl="0">
               <a:spcBef>
                 <a:spcPts val="0"/>
               </a:spcBef>
@@ -10246,11 +10250,11 @@
               <a:buAutoNum type="arabicPeriod"/>
             </a:pPr>
             <a:r>
-              <a:rPr lang="ru" sz="2800"/>
+              <a:rPr lang="ru" sz="2800" dirty="0"/>
               <a:t>В нашем проекте разработан </a:t>
             </a:r>
             <a:r>
-              <a:rPr lang="ru" sz="2800">
+              <a:rPr lang="ru" sz="2800" dirty="0">
                 <a:solidFill>
                   <a:srgbClr val="BF9000"/>
                 </a:solidFill>
@@ -10258,22 +10262,18 @@
               <a:t>модуль авторизации</a:t>
             </a:r>
             <a:r>
-              <a:rPr lang="ru" sz="2800"/>
+              <a:rPr lang="ru" sz="2800" dirty="0"/>
               <a:t> с </a:t>
             </a:r>
             <a:r>
-              <a:rPr lang="ru" sz="2800">
+              <a:rPr lang="ru" sz="2800" dirty="0">
                 <a:solidFill>
                   <a:srgbClr val="BF9000"/>
                 </a:solidFill>
               </a:rPr>
-              <a:t>jwt-токеном</a:t>
+              <a:t>jwt-токеном.</a:t>
             </a:r>
-            <a:r>
-              <a:rPr lang="ru" sz="2800"/>
-              <a:t>, для того чтобы идентифицировать пользователя и ограничить права.</a:t>
-            </a:r>
-            <a:endParaRPr sz="2800"/>
+            <a:endParaRPr sz="2800" dirty="0"/>
           </a:p>
         </p:txBody>
       </p:sp>
@@ -10314,11 +10314,11 @@
 </file>
 
 <file path=ppt/slides/slide5.xml><?xml version="1.0" encoding="utf-8"?>
-<p:sld xmlns:a="http://schemas.openxmlformats.org/drawingml/2006/main" xmlns:r="http://schemas.openxmlformats.org/officeDocument/2006/relationships" xmlns:mc="http://schemas.openxmlformats.org/markup-compatibility/2006" xmlns:mv="urn:schemas-microsoft-com:mac:vml" xmlns:p="http://schemas.openxmlformats.org/presentationml/2006/main" xmlns:c="http://schemas.openxmlformats.org/drawingml/2006/chart" xmlns:dgm="http://schemas.openxmlformats.org/drawingml/2006/diagram" xmlns:o="urn:schemas-microsoft-com:office:office" xmlns:v="urn:schemas-microsoft-com:vml" xmlns:pvml="urn:schemas-microsoft-com:office:powerpoint" xmlns:com="http://schemas.openxmlformats.org/drawingml/2006/compatibility" xmlns:p14="http://schemas.microsoft.com/office/powerpoint/2010/main" xmlns:p15="http://schemas.microsoft.com/office/powerpoint/2012/main" xmlns:ahyp="http://schemas.microsoft.com/office/drawing/2018/hyperlinkcolor">
+<p:sld xmlns:a="http://schemas.openxmlformats.org/drawingml/2006/main" xmlns:r="http://schemas.openxmlformats.org/officeDocument/2006/relationships" xmlns:p="http://schemas.openxmlformats.org/presentationml/2006/main">
   <p:cSld>
     <p:spTree>
       <p:nvGrpSpPr>
-        <p:cNvPr id="156" name="Shape 156"/>
+        <p:cNvPr id="1" name="Shape 156"/>
         <p:cNvGrpSpPr/>
         <p:nvPr/>
       </p:nvGrpSpPr>
@@ -10333,7 +10333,9 @@
       <p:sp>
         <p:nvSpPr>
           <p:cNvPr id="157" name="Google Shape;157;p17"/>
-          <p:cNvSpPr txBox="1"/>
+          <p:cNvSpPr txBox="1">
+            <a:spLocks noGrp="1"/>
+          </p:cNvSpPr>
           <p:nvPr>
             <p:ph type="title"/>
           </p:nvPr>
@@ -10348,12 +10350,12 @@
           </a:prstGeom>
         </p:spPr>
         <p:txBody>
-          <a:bodyPr anchorCtr="0" anchor="t" bIns="91425" lIns="91425" spcFirstLastPara="1" rIns="91425" wrap="square" tIns="91425">
+          <a:bodyPr spcFirstLastPara="1" wrap="square" lIns="91425" tIns="91425" rIns="91425" bIns="91425" anchor="t" anchorCtr="0">
             <a:normAutofit/>
           </a:bodyPr>
           <a:lstStyle/>
           <a:p>
-            <a:pPr indent="0" lvl="0" marL="0" rtl="0" algn="l">
+            <a:pPr marL="0" lvl="0" indent="0" algn="l" rtl="0">
               <a:spcBef>
                 <a:spcPts val="0"/>
               </a:spcBef>
@@ -10381,9 +10383,11 @@
       <p:sp>
         <p:nvSpPr>
           <p:cNvPr id="158" name="Google Shape;158;p17"/>
-          <p:cNvSpPr txBox="1"/>
+          <p:cNvSpPr txBox="1">
+            <a:spLocks noGrp="1"/>
+          </p:cNvSpPr>
           <p:nvPr>
-            <p:ph idx="1" type="body"/>
+            <p:ph type="body" idx="1"/>
           </p:nvPr>
         </p:nvSpPr>
         <p:spPr>
@@ -10396,12 +10400,12 @@
           </a:prstGeom>
         </p:spPr>
         <p:txBody>
-          <a:bodyPr anchorCtr="0" anchor="t" bIns="91425" lIns="91425" spcFirstLastPara="1" rIns="91425" wrap="square" tIns="91425">
+          <a:bodyPr spcFirstLastPara="1" wrap="square" lIns="91425" tIns="91425" rIns="91425" bIns="91425" anchor="t" anchorCtr="0">
             <a:normAutofit/>
           </a:bodyPr>
           <a:lstStyle/>
           <a:p>
-            <a:pPr indent="0" lvl="0" marL="0" rtl="0" algn="l">
+            <a:pPr marL="0" lvl="0" indent="0" algn="l" rtl="0">
               <a:spcBef>
                 <a:spcPts val="0"/>
               </a:spcBef>
@@ -10467,11 +10471,11 @@
 </file>
 
 <file path=ppt/slides/slide6.xml><?xml version="1.0" encoding="utf-8"?>
-<p:sld xmlns:a="http://schemas.openxmlformats.org/drawingml/2006/main" xmlns:r="http://schemas.openxmlformats.org/officeDocument/2006/relationships" xmlns:mc="http://schemas.openxmlformats.org/markup-compatibility/2006" xmlns:mv="urn:schemas-microsoft-com:mac:vml" xmlns:p="http://schemas.openxmlformats.org/presentationml/2006/main" xmlns:c="http://schemas.openxmlformats.org/drawingml/2006/chart" xmlns:dgm="http://schemas.openxmlformats.org/drawingml/2006/diagram" xmlns:o="urn:schemas-microsoft-com:office:office" xmlns:v="urn:schemas-microsoft-com:vml" xmlns:pvml="urn:schemas-microsoft-com:office:powerpoint" xmlns:com="http://schemas.openxmlformats.org/drawingml/2006/compatibility" xmlns:p14="http://schemas.microsoft.com/office/powerpoint/2010/main" xmlns:p15="http://schemas.microsoft.com/office/powerpoint/2012/main" xmlns:ahyp="http://schemas.microsoft.com/office/drawing/2018/hyperlinkcolor">
+<p:sld xmlns:a="http://schemas.openxmlformats.org/drawingml/2006/main" xmlns:r="http://schemas.openxmlformats.org/officeDocument/2006/relationships" xmlns:p="http://schemas.openxmlformats.org/presentationml/2006/main">
   <p:cSld>
     <p:spTree>
       <p:nvGrpSpPr>
-        <p:cNvPr id="163" name="Shape 163"/>
+        <p:cNvPr id="1" name="Shape 163"/>
         <p:cNvGrpSpPr/>
         <p:nvPr/>
       </p:nvGrpSpPr>
@@ -10486,7 +10490,9 @@
       <p:sp>
         <p:nvSpPr>
           <p:cNvPr id="164" name="Google Shape;164;p18"/>
-          <p:cNvSpPr txBox="1"/>
+          <p:cNvSpPr txBox="1">
+            <a:spLocks noGrp="1"/>
+          </p:cNvSpPr>
           <p:nvPr>
             <p:ph type="title"/>
           </p:nvPr>
@@ -10501,12 +10507,12 @@
           </a:prstGeom>
         </p:spPr>
         <p:txBody>
-          <a:bodyPr anchorCtr="0" anchor="t" bIns="91425" lIns="91425" spcFirstLastPara="1" rIns="91425" wrap="square" tIns="91425">
+          <a:bodyPr spcFirstLastPara="1" wrap="square" lIns="91425" tIns="91425" rIns="91425" bIns="91425" anchor="t" anchorCtr="0">
             <a:normAutofit/>
           </a:bodyPr>
           <a:lstStyle/>
           <a:p>
-            <a:pPr indent="0" lvl="0" marL="0" rtl="0" algn="l">
+            <a:pPr marL="0" lvl="0" indent="0" algn="l" rtl="0">
               <a:spcBef>
                 <a:spcPts val="0"/>
               </a:spcBef>
@@ -10534,9 +10540,11 @@
       <p:sp>
         <p:nvSpPr>
           <p:cNvPr id="165" name="Google Shape;165;p18"/>
-          <p:cNvSpPr txBox="1"/>
+          <p:cNvSpPr txBox="1">
+            <a:spLocks noGrp="1"/>
+          </p:cNvSpPr>
           <p:nvPr>
-            <p:ph idx="1" type="body"/>
+            <p:ph type="body" idx="1"/>
           </p:nvPr>
         </p:nvSpPr>
         <p:spPr>
@@ -10549,12 +10557,12 @@
           </a:prstGeom>
         </p:spPr>
         <p:txBody>
-          <a:bodyPr anchorCtr="0" anchor="t" bIns="91425" lIns="91425" spcFirstLastPara="1" rIns="91425" wrap="square" tIns="91425">
+          <a:bodyPr spcFirstLastPara="1" wrap="square" lIns="91425" tIns="91425" rIns="91425" bIns="91425" anchor="t" anchorCtr="0">
             <a:normAutofit/>
           </a:bodyPr>
           <a:lstStyle/>
           <a:p>
-            <a:pPr indent="0" lvl="0" marL="0" rtl="0" algn="l">
+            <a:pPr marL="0" lvl="0" indent="0" algn="l" rtl="0">
               <a:spcBef>
                 <a:spcPts val="0"/>
               </a:spcBef>
@@ -10620,11 +10628,11 @@
 </file>
 
 <file path=ppt/slides/slide7.xml><?xml version="1.0" encoding="utf-8"?>
-<p:sld xmlns:a="http://schemas.openxmlformats.org/drawingml/2006/main" xmlns:r="http://schemas.openxmlformats.org/officeDocument/2006/relationships" xmlns:mc="http://schemas.openxmlformats.org/markup-compatibility/2006" xmlns:mv="urn:schemas-microsoft-com:mac:vml" xmlns:p="http://schemas.openxmlformats.org/presentationml/2006/main" xmlns:c="http://schemas.openxmlformats.org/drawingml/2006/chart" xmlns:dgm="http://schemas.openxmlformats.org/drawingml/2006/diagram" xmlns:o="urn:schemas-microsoft-com:office:office" xmlns:v="urn:schemas-microsoft-com:vml" xmlns:pvml="urn:schemas-microsoft-com:office:powerpoint" xmlns:com="http://schemas.openxmlformats.org/drawingml/2006/compatibility" xmlns:p14="http://schemas.microsoft.com/office/powerpoint/2010/main" xmlns:p15="http://schemas.microsoft.com/office/powerpoint/2012/main" xmlns:ahyp="http://schemas.microsoft.com/office/drawing/2018/hyperlinkcolor">
+<p:sld xmlns:a="http://schemas.openxmlformats.org/drawingml/2006/main" xmlns:r="http://schemas.openxmlformats.org/officeDocument/2006/relationships" xmlns:p="http://schemas.openxmlformats.org/presentationml/2006/main">
   <p:cSld>
     <p:spTree>
       <p:nvGrpSpPr>
-        <p:cNvPr id="170" name="Shape 170"/>
+        <p:cNvPr id="1" name="Shape 170"/>
         <p:cNvGrpSpPr/>
         <p:nvPr/>
       </p:nvGrpSpPr>
@@ -10639,7 +10647,9 @@
       <p:sp>
         <p:nvSpPr>
           <p:cNvPr id="171" name="Google Shape;171;p19"/>
-          <p:cNvSpPr txBox="1"/>
+          <p:cNvSpPr txBox="1">
+            <a:spLocks noGrp="1"/>
+          </p:cNvSpPr>
           <p:nvPr>
             <p:ph type="title"/>
           </p:nvPr>
@@ -10654,12 +10664,12 @@
           </a:prstGeom>
         </p:spPr>
         <p:txBody>
-          <a:bodyPr anchorCtr="0" anchor="t" bIns="91425" lIns="91425" spcFirstLastPara="1" rIns="91425" wrap="square" tIns="91425">
+          <a:bodyPr spcFirstLastPara="1" wrap="square" lIns="91425" tIns="91425" rIns="91425" bIns="91425" anchor="t" anchorCtr="0">
             <a:normAutofit/>
           </a:bodyPr>
           <a:lstStyle/>
           <a:p>
-            <a:pPr indent="0" lvl="0" marL="0" rtl="0" algn="l">
+            <a:pPr marL="0" lvl="0" indent="0" algn="l" rtl="0">
               <a:spcBef>
                 <a:spcPts val="0"/>
               </a:spcBef>
@@ -10687,9 +10697,11 @@
       <p:sp>
         <p:nvSpPr>
           <p:cNvPr id="172" name="Google Shape;172;p19"/>
-          <p:cNvSpPr txBox="1"/>
+          <p:cNvSpPr txBox="1">
+            <a:spLocks noGrp="1"/>
+          </p:cNvSpPr>
           <p:nvPr>
-            <p:ph idx="1" type="body"/>
+            <p:ph type="body" idx="1"/>
           </p:nvPr>
         </p:nvSpPr>
         <p:spPr>
@@ -10702,12 +10714,12 @@
           </a:prstGeom>
         </p:spPr>
         <p:txBody>
-          <a:bodyPr anchorCtr="0" anchor="t" bIns="91425" lIns="91425" spcFirstLastPara="1" rIns="91425" wrap="square" tIns="91425">
+          <a:bodyPr spcFirstLastPara="1" wrap="square" lIns="91425" tIns="91425" rIns="91425" bIns="91425" anchor="t" anchorCtr="0">
             <a:normAutofit/>
           </a:bodyPr>
           <a:lstStyle/>
           <a:p>
-            <a:pPr indent="0" lvl="0" marL="0" rtl="0" algn="l">
+            <a:pPr marL="0" lvl="0" indent="0" algn="l" rtl="0">
               <a:spcBef>
                 <a:spcPts val="0"/>
               </a:spcBef>
@@ -10773,11 +10785,11 @@
 </file>
 
 <file path=ppt/slides/slide8.xml><?xml version="1.0" encoding="utf-8"?>
-<p:sld xmlns:a="http://schemas.openxmlformats.org/drawingml/2006/main" xmlns:r="http://schemas.openxmlformats.org/officeDocument/2006/relationships" xmlns:mc="http://schemas.openxmlformats.org/markup-compatibility/2006" xmlns:mv="urn:schemas-microsoft-com:mac:vml" xmlns:p="http://schemas.openxmlformats.org/presentationml/2006/main" xmlns:c="http://schemas.openxmlformats.org/drawingml/2006/chart" xmlns:dgm="http://schemas.openxmlformats.org/drawingml/2006/diagram" xmlns:o="urn:schemas-microsoft-com:office:office" xmlns:v="urn:schemas-microsoft-com:vml" xmlns:pvml="urn:schemas-microsoft-com:office:powerpoint" xmlns:com="http://schemas.openxmlformats.org/drawingml/2006/compatibility" xmlns:p14="http://schemas.microsoft.com/office/powerpoint/2010/main" xmlns:p15="http://schemas.microsoft.com/office/powerpoint/2012/main" xmlns:ahyp="http://schemas.microsoft.com/office/drawing/2018/hyperlinkcolor">
+<p:sld xmlns:a="http://schemas.openxmlformats.org/drawingml/2006/main" xmlns:r="http://schemas.openxmlformats.org/officeDocument/2006/relationships" xmlns:p="http://schemas.openxmlformats.org/presentationml/2006/main">
   <p:cSld>
     <p:spTree>
       <p:nvGrpSpPr>
-        <p:cNvPr id="177" name="Shape 177"/>
+        <p:cNvPr id="1" name="Shape 177"/>
         <p:cNvGrpSpPr/>
         <p:nvPr/>
       </p:nvGrpSpPr>
@@ -10792,7 +10804,9 @@
       <p:sp>
         <p:nvSpPr>
           <p:cNvPr id="178" name="Google Shape;178;p20"/>
-          <p:cNvSpPr txBox="1"/>
+          <p:cNvSpPr txBox="1">
+            <a:spLocks noGrp="1"/>
+          </p:cNvSpPr>
           <p:nvPr>
             <p:ph type="title"/>
           </p:nvPr>
@@ -10807,12 +10821,12 @@
           </a:prstGeom>
         </p:spPr>
         <p:txBody>
-          <a:bodyPr anchorCtr="0" anchor="t" bIns="91425" lIns="91425" spcFirstLastPara="1" rIns="91425" wrap="square" tIns="91425">
+          <a:bodyPr spcFirstLastPara="1" wrap="square" lIns="91425" tIns="91425" rIns="91425" bIns="91425" anchor="t" anchorCtr="0">
             <a:normAutofit/>
           </a:bodyPr>
           <a:lstStyle/>
           <a:p>
-            <a:pPr indent="0" lvl="0" marL="0" rtl="0" algn="l">
+            <a:pPr marL="0" lvl="0" indent="0" algn="l" rtl="0">
               <a:spcBef>
                 <a:spcPts val="0"/>
               </a:spcBef>
@@ -10840,9 +10854,11 @@
       <p:sp>
         <p:nvSpPr>
           <p:cNvPr id="179" name="Google Shape;179;p20"/>
-          <p:cNvSpPr txBox="1"/>
+          <p:cNvSpPr txBox="1">
+            <a:spLocks noGrp="1"/>
+          </p:cNvSpPr>
           <p:nvPr>
-            <p:ph idx="1" type="body"/>
+            <p:ph type="body" idx="1"/>
           </p:nvPr>
         </p:nvSpPr>
         <p:spPr>
@@ -10855,12 +10871,12 @@
           </a:prstGeom>
         </p:spPr>
         <p:txBody>
-          <a:bodyPr anchorCtr="0" anchor="t" bIns="91425" lIns="91425" spcFirstLastPara="1" rIns="91425" wrap="square" tIns="91425">
+          <a:bodyPr spcFirstLastPara="1" wrap="square" lIns="91425" tIns="91425" rIns="91425" bIns="91425" anchor="t" anchorCtr="0">
             <a:normAutofit/>
           </a:bodyPr>
           <a:lstStyle/>
           <a:p>
-            <a:pPr indent="0" lvl="0" marL="0" rtl="0" algn="l">
+            <a:pPr marL="0" lvl="0" indent="0" algn="l" rtl="0">
               <a:spcBef>
                 <a:spcPts val="0"/>
               </a:spcBef>
@@ -10938,11 +10954,11 @@
 </file>
 
 <file path=ppt/slides/slide9.xml><?xml version="1.0" encoding="utf-8"?>
-<p:sld xmlns:a="http://schemas.openxmlformats.org/drawingml/2006/main" xmlns:r="http://schemas.openxmlformats.org/officeDocument/2006/relationships" xmlns:mc="http://schemas.openxmlformats.org/markup-compatibility/2006" xmlns:mv="urn:schemas-microsoft-com:mac:vml" xmlns:p="http://schemas.openxmlformats.org/presentationml/2006/main" xmlns:c="http://schemas.openxmlformats.org/drawingml/2006/chart" xmlns:dgm="http://schemas.openxmlformats.org/drawingml/2006/diagram" xmlns:o="urn:schemas-microsoft-com:office:office" xmlns:v="urn:schemas-microsoft-com:vml" xmlns:pvml="urn:schemas-microsoft-com:office:powerpoint" xmlns:com="http://schemas.openxmlformats.org/drawingml/2006/compatibility" xmlns:p14="http://schemas.microsoft.com/office/powerpoint/2010/main" xmlns:p15="http://schemas.microsoft.com/office/powerpoint/2012/main" xmlns:ahyp="http://schemas.microsoft.com/office/drawing/2018/hyperlinkcolor">
+<p:sld xmlns:a="http://schemas.openxmlformats.org/drawingml/2006/main" xmlns:r="http://schemas.openxmlformats.org/officeDocument/2006/relationships" xmlns:p="http://schemas.openxmlformats.org/presentationml/2006/main">
   <p:cSld>
     <p:spTree>
       <p:nvGrpSpPr>
-        <p:cNvPr id="184" name="Shape 184"/>
+        <p:cNvPr id="1" name="Shape 184"/>
         <p:cNvGrpSpPr/>
         <p:nvPr/>
       </p:nvGrpSpPr>
@@ -10957,7 +10973,9 @@
       <p:sp>
         <p:nvSpPr>
           <p:cNvPr id="185" name="Google Shape;185;p21"/>
-          <p:cNvSpPr txBox="1"/>
+          <p:cNvSpPr txBox="1">
+            <a:spLocks noGrp="1"/>
+          </p:cNvSpPr>
           <p:nvPr>
             <p:ph type="title"/>
           </p:nvPr>
@@ -10972,12 +10990,12 @@
           </a:prstGeom>
         </p:spPr>
         <p:txBody>
-          <a:bodyPr anchorCtr="0" anchor="t" bIns="91425" lIns="91425" spcFirstLastPara="1" rIns="91425" wrap="square" tIns="91425">
+          <a:bodyPr spcFirstLastPara="1" wrap="square" lIns="91425" tIns="91425" rIns="91425" bIns="91425" anchor="t" anchorCtr="0">
             <a:normAutofit/>
           </a:bodyPr>
           <a:lstStyle/>
           <a:p>
-            <a:pPr indent="0" lvl="0" marL="0" rtl="0" algn="l">
+            <a:pPr marL="0" lvl="0" indent="0" algn="l" rtl="0">
               <a:spcBef>
                 <a:spcPts val="0"/>
               </a:spcBef>
@@ -11005,9 +11023,11 @@
       <p:sp>
         <p:nvSpPr>
           <p:cNvPr id="186" name="Google Shape;186;p21"/>
-          <p:cNvSpPr txBox="1"/>
+          <p:cNvSpPr txBox="1">
+            <a:spLocks noGrp="1"/>
+          </p:cNvSpPr>
           <p:nvPr>
-            <p:ph idx="1" type="body"/>
+            <p:ph type="body" idx="1"/>
           </p:nvPr>
         </p:nvSpPr>
         <p:spPr>
@@ -11020,12 +11040,23 @@
           </a:prstGeom>
         </p:spPr>
         <p:txBody>
-          <a:bodyPr anchorCtr="0" anchor="t" bIns="91425" lIns="91425" spcFirstLastPara="1" rIns="91425" wrap="square" tIns="91425">
+          <a:bodyPr spcFirstLastPara="1" wrap="square" lIns="91425" tIns="91425" rIns="91425" bIns="91425" anchor="t" anchorCtr="0">
             <a:normAutofit fontScale="92500"/>
           </a:bodyPr>
           <a:lstStyle/>
           <a:p>
-            <a:pPr indent="-363696" lvl="0" marL="457200" rtl="0" algn="l">
+            <a:pPr indent="-363696">
+              <a:buSzPct val="100000"/>
+              <a:buFont typeface="Calibri"/>
+              <a:buAutoNum type="arabicPeriod"/>
+            </a:pPr>
+            <a:r>
+              <a:rPr lang="ru-RU" sz="2300" dirty="0"/>
+              <a:t>Создать конструктор расположения столов.</a:t>
+            </a:r>
+          </a:p>
+          <a:p>
+            <a:pPr marL="457200" lvl="0" indent="-363696" algn="l" rtl="0">
               <a:spcBef>
                 <a:spcPts val="0"/>
               </a:spcBef>
@@ -11036,13 +11067,13 @@
               <a:buAutoNum type="arabicPeriod"/>
             </a:pPr>
             <a:r>
-              <a:rPr lang="ru" sz="2300"/>
-              <a:t>Улучшить безопасность приложения</a:t>
+              <a:rPr lang="ru" sz="2300" dirty="0"/>
+              <a:t>Сделать более удобный интерфейс</a:t>
             </a:r>
-            <a:endParaRPr sz="2300"/>
+            <a:endParaRPr sz="2300" dirty="0"/>
           </a:p>
           <a:p>
-            <a:pPr indent="-363696" lvl="0" marL="457200" rtl="0" algn="l">
+            <a:pPr marL="457200" lvl="0" indent="-363696" algn="l" rtl="0">
               <a:spcBef>
                 <a:spcPts val="0"/>
               </a:spcBef>
@@ -11053,13 +11084,12 @@
               <a:buAutoNum type="arabicPeriod"/>
             </a:pPr>
             <a:r>
-              <a:rPr lang="ru" sz="2300"/>
-              <a:t>Сделать более удобный интерфейс</a:t>
+              <a:rPr lang="ru" sz="2300" dirty="0"/>
+              <a:t>Улучшить безопасность.</a:t>
             </a:r>
-            <a:endParaRPr sz="2300"/>
           </a:p>
           <a:p>
-            <a:pPr indent="-363696" lvl="0" marL="457200" rtl="0" algn="l">
+            <a:pPr marL="457200" lvl="0" indent="-363696" algn="l" rtl="0">
               <a:spcBef>
                 <a:spcPts val="0"/>
               </a:spcBef>
@@ -11070,13 +11100,13 @@
               <a:buAutoNum type="arabicPeriod"/>
             </a:pPr>
             <a:r>
-              <a:rPr lang="ru" sz="2300"/>
-              <a:t>Создать систему бронирования столиков</a:t>
+              <a:rPr lang="ru" sz="2300" dirty="0"/>
+              <a:t>Сделать больше функций для администратора</a:t>
             </a:r>
-            <a:endParaRPr sz="2300"/>
+            <a:endParaRPr sz="2300" dirty="0"/>
           </a:p>
           <a:p>
-            <a:pPr indent="-363696" lvl="0" marL="457200" rtl="0" algn="l">
+            <a:pPr marL="457200" lvl="0" indent="-363696" algn="l" rtl="0">
               <a:spcBef>
                 <a:spcPts val="0"/>
               </a:spcBef>
@@ -11087,27 +11117,10 @@
               <a:buAutoNum type="arabicPeriod"/>
             </a:pPr>
             <a:r>
-              <a:rPr lang="ru" sz="2300"/>
-              <a:t>Сделать больше функций для администратора</a:t>
-            </a:r>
-            <a:endParaRPr sz="2300"/>
-          </a:p>
-          <a:p>
-            <a:pPr indent="-363696" lvl="0" marL="457200" rtl="0" algn="l">
-              <a:spcBef>
-                <a:spcPts val="0"/>
-              </a:spcBef>
-              <a:spcAft>
-                <a:spcPts val="0"/>
-              </a:spcAft>
-              <a:buSzPct val="100000"/>
-              <a:buAutoNum type="arabicPeriod"/>
-            </a:pPr>
-            <a:r>
-              <a:rPr lang="ru" sz="2300"/>
+              <a:rPr lang="ru" sz="2300" dirty="0"/>
               <a:t>Спроектировать систему акций и привилегий</a:t>
             </a:r>
-            <a:endParaRPr sz="2300"/>
+            <a:endParaRPr sz="2300" dirty="0"/>
           </a:p>
         </p:txBody>
       </p:sp>
@@ -11148,7 +11161,7 @@
 </file>
 
 <file path=ppt/theme/theme1.xml><?xml version="1.0" encoding="utf-8"?>
-<a:theme xmlns:a="http://schemas.openxmlformats.org/drawingml/2006/main" xmlns:r="http://schemas.openxmlformats.org/officeDocument/2006/relationships" name="Shift">
+<a:theme xmlns:a="http://schemas.openxmlformats.org/drawingml/2006/main" name="Shift">
   <a:themeElements>
     <a:clrScheme name="Shift">
       <a:dk1>
@@ -11423,11 +11436,13 @@
       </a:bgFillStyleLst>
     </a:fmtScheme>
   </a:themeElements>
+  <a:objectDefaults/>
+  <a:extraClrSchemeLst/>
 </a:theme>
 </file>
 
 <file path=ppt/theme/theme2.xml><?xml version="1.0" encoding="utf-8"?>
-<a:theme xmlns:a="http://schemas.openxmlformats.org/drawingml/2006/main" xmlns:r="http://schemas.openxmlformats.org/officeDocument/2006/relationships">
+<a:theme xmlns:a="http://schemas.openxmlformats.org/drawingml/2006/main">
   <a:themeElements>
     <a:clrScheme name="Default">
       <a:dk1>
@@ -11702,5 +11717,7 @@
       </a:bgFillStyleLst>
     </a:fmtScheme>
   </a:themeElements>
+  <a:objectDefaults/>
+  <a:extraClrSchemeLst/>
 </a:theme>
 </file>
--- a/Presentation.pptx
+++ b/Presentation.pptx
@@ -1,43 +1,38 @@
 
 <file path=ppt/presentation.xml><?xml version="1.0" encoding="utf-8"?>
-<p:presentation xmlns:a="http://schemas.openxmlformats.org/drawingml/2006/main" xmlns:r="http://schemas.openxmlformats.org/officeDocument/2006/relationships" xmlns:p="http://schemas.openxmlformats.org/presentationml/2006/main" strictFirstAndLastChars="0" embedTrueTypeFonts="1" saveSubsetFonts="1" autoCompressPictures="0">
+<p:presentation xmlns:a="http://schemas.openxmlformats.org/drawingml/2006/main" xmlns:r="http://schemas.openxmlformats.org/officeDocument/2006/relationships" xmlns:mc="http://schemas.openxmlformats.org/markup-compatibility/2006" xmlns:mv="urn:schemas-microsoft-com:mac:vml" xmlns:p="http://schemas.openxmlformats.org/presentationml/2006/main" xmlns:c="http://schemas.openxmlformats.org/drawingml/2006/chart" xmlns:dgm="http://schemas.openxmlformats.org/drawingml/2006/diagram" xmlns:o="urn:schemas-microsoft-com:office:office" xmlns:v="urn:schemas-microsoft-com:vml" xmlns:pvml="urn:schemas-microsoft-com:office:powerpoint" xmlns:com="http://schemas.openxmlformats.org/drawingml/2006/compatibility" xmlns:p14="http://schemas.microsoft.com/office/powerpoint/2010/main" xmlns:p15="http://schemas.microsoft.com/office/powerpoint/2012/main" xmlns:ahyp="http://schemas.microsoft.com/office/drawing/2018/hyperlinkcolor" autoCompressPictures="0" embedTrueTypeFonts="1" strictFirstAndLastChars="0" saveSubsetFonts="1">
   <p:sldMasterIdLst>
-    <p:sldMasterId id="2147483659" r:id="rId1"/>
+    <p:sldMasterId id="2147483659" r:id="rId4"/>
   </p:sldMasterIdLst>
   <p:notesMasterIdLst>
-    <p:notesMasterId r:id="rId11"/>
+    <p:notesMasterId r:id="rId5"/>
   </p:notesMasterIdLst>
   <p:sldIdLst>
-    <p:sldId id="256" r:id="rId2"/>
-    <p:sldId id="257" r:id="rId3"/>
-    <p:sldId id="258" r:id="rId4"/>
-    <p:sldId id="259" r:id="rId5"/>
-    <p:sldId id="260" r:id="rId6"/>
-    <p:sldId id="261" r:id="rId7"/>
-    <p:sldId id="262" r:id="rId8"/>
-    <p:sldId id="263" r:id="rId9"/>
-    <p:sldId id="264" r:id="rId10"/>
+    <p:sldId id="256" r:id="rId6"/>
+    <p:sldId id="257" r:id="rId7"/>
+    <p:sldId id="258" r:id="rId8"/>
+    <p:sldId id="259" r:id="rId9"/>
+    <p:sldId id="260" r:id="rId10"/>
+    <p:sldId id="261" r:id="rId11"/>
+    <p:sldId id="262" r:id="rId12"/>
+    <p:sldId id="263" r:id="rId13"/>
+    <p:sldId id="264" r:id="rId14"/>
+    <p:sldId id="265" r:id="rId15"/>
+    <p:sldId id="266" r:id="rId16"/>
   </p:sldIdLst>
-  <p:sldSz cx="9144000" cy="5143500" type="screen16x9"/>
+  <p:sldSz cy="5143500" cx="9144000"/>
   <p:notesSz cx="6858000" cy="9144000"/>
   <p:embeddedFontLst>
     <p:embeddedFont>
-      <p:font typeface="Calibri" panose="020F0502020204030204" pitchFamily="34" charset="0"/>
-      <p:regular r:id="rId12"/>
-      <p:bold r:id="rId13"/>
-      <p:italic r:id="rId14"/>
-      <p:boldItalic r:id="rId15"/>
-    </p:embeddedFont>
-    <p:embeddedFont>
-      <p:font typeface="Nunito" pitchFamily="2" charset="-52"/>
-      <p:regular r:id="rId16"/>
-      <p:bold r:id="rId17"/>
-      <p:italic r:id="rId18"/>
-      <p:boldItalic r:id="rId19"/>
+      <p:font typeface="Nunito"/>
+      <p:regular r:id="rId17"/>
+      <p:bold r:id="rId18"/>
+      <p:italic r:id="rId19"/>
+      <p:boldItalic r:id="rId20"/>
     </p:embeddedFont>
   </p:embeddedFontLst>
   <p:defaultTextStyle>
-    <a:defPPr marR="0" lvl="0" algn="l" rtl="0">
+    <a:defPPr lvl="0" marR="0" rtl="0" algn="l">
       <a:lnSpc>
         <a:spcPct val="100000"/>
       </a:lnSpc>
@@ -48,7 +43,7 @@
         <a:spcPts val="0"/>
       </a:spcAft>
     </a:defPPr>
-    <a:lvl1pPr marR="0" lvl="0" algn="l" rtl="0">
+    <a:lvl1pPr lvl="0" marR="0" rtl="0" algn="l">
       <a:lnSpc>
         <a:spcPct val="100000"/>
       </a:lnSpc>
@@ -62,7 +57,7 @@
         <a:srgbClr val="000000"/>
       </a:buClr>
       <a:buFont typeface="Arial"/>
-      <a:defRPr sz="1400" b="0" i="0" u="none" strike="noStrike" cap="none">
+      <a:defRPr b="0" i="0" sz="1400" u="none" cap="none" strike="noStrike">
         <a:solidFill>
           <a:srgbClr val="000000"/>
         </a:solidFill>
@@ -72,7 +67,7 @@
         <a:sym typeface="Arial"/>
       </a:defRPr>
     </a:lvl1pPr>
-    <a:lvl2pPr marR="0" lvl="1" algn="l" rtl="0">
+    <a:lvl2pPr lvl="1" marR="0" rtl="0" algn="l">
       <a:lnSpc>
         <a:spcPct val="100000"/>
       </a:lnSpc>
@@ -86,7 +81,7 @@
         <a:srgbClr val="000000"/>
       </a:buClr>
       <a:buFont typeface="Arial"/>
-      <a:defRPr sz="1400" b="0" i="0" u="none" strike="noStrike" cap="none">
+      <a:defRPr b="0" i="0" sz="1400" u="none" cap="none" strike="noStrike">
         <a:solidFill>
           <a:srgbClr val="000000"/>
         </a:solidFill>
@@ -96,7 +91,7 @@
         <a:sym typeface="Arial"/>
       </a:defRPr>
     </a:lvl2pPr>
-    <a:lvl3pPr marR="0" lvl="2" algn="l" rtl="0">
+    <a:lvl3pPr lvl="2" marR="0" rtl="0" algn="l">
       <a:lnSpc>
         <a:spcPct val="100000"/>
       </a:lnSpc>
@@ -110,7 +105,7 @@
         <a:srgbClr val="000000"/>
       </a:buClr>
       <a:buFont typeface="Arial"/>
-      <a:defRPr sz="1400" b="0" i="0" u="none" strike="noStrike" cap="none">
+      <a:defRPr b="0" i="0" sz="1400" u="none" cap="none" strike="noStrike">
         <a:solidFill>
           <a:srgbClr val="000000"/>
         </a:solidFill>
@@ -120,7 +115,7 @@
         <a:sym typeface="Arial"/>
       </a:defRPr>
     </a:lvl3pPr>
-    <a:lvl4pPr marR="0" lvl="3" algn="l" rtl="0">
+    <a:lvl4pPr lvl="3" marR="0" rtl="0" algn="l">
       <a:lnSpc>
         <a:spcPct val="100000"/>
       </a:lnSpc>
@@ -134,7 +129,7 @@
         <a:srgbClr val="000000"/>
       </a:buClr>
       <a:buFont typeface="Arial"/>
-      <a:defRPr sz="1400" b="0" i="0" u="none" strike="noStrike" cap="none">
+      <a:defRPr b="0" i="0" sz="1400" u="none" cap="none" strike="noStrike">
         <a:solidFill>
           <a:srgbClr val="000000"/>
         </a:solidFill>
@@ -144,7 +139,7 @@
         <a:sym typeface="Arial"/>
       </a:defRPr>
     </a:lvl4pPr>
-    <a:lvl5pPr marR="0" lvl="4" algn="l" rtl="0">
+    <a:lvl5pPr lvl="4" marR="0" rtl="0" algn="l">
       <a:lnSpc>
         <a:spcPct val="100000"/>
       </a:lnSpc>
@@ -158,7 +153,7 @@
         <a:srgbClr val="000000"/>
       </a:buClr>
       <a:buFont typeface="Arial"/>
-      <a:defRPr sz="1400" b="0" i="0" u="none" strike="noStrike" cap="none">
+      <a:defRPr b="0" i="0" sz="1400" u="none" cap="none" strike="noStrike">
         <a:solidFill>
           <a:srgbClr val="000000"/>
         </a:solidFill>
@@ -168,7 +163,7 @@
         <a:sym typeface="Arial"/>
       </a:defRPr>
     </a:lvl5pPr>
-    <a:lvl6pPr marR="0" lvl="5" algn="l" rtl="0">
+    <a:lvl6pPr lvl="5" marR="0" rtl="0" algn="l">
       <a:lnSpc>
         <a:spcPct val="100000"/>
       </a:lnSpc>
@@ -182,7 +177,7 @@
         <a:srgbClr val="000000"/>
       </a:buClr>
       <a:buFont typeface="Arial"/>
-      <a:defRPr sz="1400" b="0" i="0" u="none" strike="noStrike" cap="none">
+      <a:defRPr b="0" i="0" sz="1400" u="none" cap="none" strike="noStrike">
         <a:solidFill>
           <a:srgbClr val="000000"/>
         </a:solidFill>
@@ -192,7 +187,7 @@
         <a:sym typeface="Arial"/>
       </a:defRPr>
     </a:lvl6pPr>
-    <a:lvl7pPr marR="0" lvl="6" algn="l" rtl="0">
+    <a:lvl7pPr lvl="6" marR="0" rtl="0" algn="l">
       <a:lnSpc>
         <a:spcPct val="100000"/>
       </a:lnSpc>
@@ -206,7 +201,7 @@
         <a:srgbClr val="000000"/>
       </a:buClr>
       <a:buFont typeface="Arial"/>
-      <a:defRPr sz="1400" b="0" i="0" u="none" strike="noStrike" cap="none">
+      <a:defRPr b="0" i="0" sz="1400" u="none" cap="none" strike="noStrike">
         <a:solidFill>
           <a:srgbClr val="000000"/>
         </a:solidFill>
@@ -216,7 +211,7 @@
         <a:sym typeface="Arial"/>
       </a:defRPr>
     </a:lvl7pPr>
-    <a:lvl8pPr marR="0" lvl="7" algn="l" rtl="0">
+    <a:lvl8pPr lvl="7" marR="0" rtl="0" algn="l">
       <a:lnSpc>
         <a:spcPct val="100000"/>
       </a:lnSpc>
@@ -230,7 +225,7 @@
         <a:srgbClr val="000000"/>
       </a:buClr>
       <a:buFont typeface="Arial"/>
-      <a:defRPr sz="1400" b="0" i="0" u="none" strike="noStrike" cap="none">
+      <a:defRPr b="0" i="0" sz="1400" u="none" cap="none" strike="noStrike">
         <a:solidFill>
           <a:srgbClr val="000000"/>
         </a:solidFill>
@@ -240,7 +235,7 @@
         <a:sym typeface="Arial"/>
       </a:defRPr>
     </a:lvl8pPr>
-    <a:lvl9pPr marR="0" lvl="8" algn="l" rtl="0">
+    <a:lvl9pPr lvl="8" marR="0" rtl="0" algn="l">
       <a:lnSpc>
         <a:spcPct val="100000"/>
       </a:lnSpc>
@@ -254,7 +249,7 @@
         <a:srgbClr val="000000"/>
       </a:buClr>
       <a:buFont typeface="Arial"/>
-      <a:defRPr sz="1400" b="0" i="0" u="none" strike="noStrike" cap="none">
+      <a:defRPr b="0" i="0" sz="1400" u="none" cap="none" strike="noStrike">
         <a:solidFill>
           <a:srgbClr val="000000"/>
         </a:solidFill>
@@ -267,7 +262,7 @@
   </p:defaultTextStyle>
   <p:extLst>
     <p:ext uri="{EFAFB233-063F-42B5-8137-9DF3F51BA10A}">
-      <p15:sldGuideLst xmlns:p15="http://schemas.microsoft.com/office/powerpoint/2012/main">
+      <p15:sldGuideLst>
         <p15:guide id="1" orient="horz" pos="1620">
           <p15:clr>
             <a:srgbClr val="747775"/>
@@ -285,16 +280,11 @@
 </file>
 
 <file path=ppt/notesMasters/notesMaster1.xml><?xml version="1.0" encoding="utf-8"?>
-<p:notesMaster xmlns:a="http://schemas.openxmlformats.org/drawingml/2006/main" xmlns:r="http://schemas.openxmlformats.org/officeDocument/2006/relationships" xmlns:p="http://schemas.openxmlformats.org/presentationml/2006/main">
+<p:notesMaster xmlns:a="http://schemas.openxmlformats.org/drawingml/2006/main" xmlns:r="http://schemas.openxmlformats.org/officeDocument/2006/relationships" xmlns:mc="http://schemas.openxmlformats.org/markup-compatibility/2006" xmlns:mv="urn:schemas-microsoft-com:mac:vml" xmlns:p="http://schemas.openxmlformats.org/presentationml/2006/main" xmlns:c="http://schemas.openxmlformats.org/drawingml/2006/chart" xmlns:dgm="http://schemas.openxmlformats.org/drawingml/2006/diagram" xmlns:o="urn:schemas-microsoft-com:office:office" xmlns:v="urn:schemas-microsoft-com:vml" xmlns:pvml="urn:schemas-microsoft-com:office:powerpoint" xmlns:com="http://schemas.openxmlformats.org/drawingml/2006/compatibility" xmlns:p14="http://schemas.microsoft.com/office/powerpoint/2010/main" xmlns:p15="http://schemas.microsoft.com/office/powerpoint/2012/main" xmlns:ahyp="http://schemas.microsoft.com/office/drawing/2018/hyperlinkcolor">
   <p:cSld>
-    <p:bg>
-      <p:bgRef idx="1001">
-        <a:schemeClr val="bg1"/>
-      </p:bgRef>
-    </p:bg>
     <p:spTree>
       <p:nvGrpSpPr>
-        <p:cNvPr id="1" name="Shape 2"/>
+        <p:cNvPr id="2" name="Shape 2"/>
         <p:cNvGrpSpPr/>
         <p:nvPr/>
       </p:nvGrpSpPr>
@@ -309,11 +299,9 @@
       <p:sp>
         <p:nvSpPr>
           <p:cNvPr id="3" name="Google Shape;3;n"/>
-          <p:cNvSpPr>
-            <a:spLocks noGrp="1" noRot="1" noChangeAspect="1"/>
-          </p:cNvSpPr>
+          <p:cNvSpPr/>
           <p:nvPr>
-            <p:ph type="sldImg" idx="2"/>
+            <p:ph idx="2" type="sldImg"/>
           </p:nvPr>
         </p:nvSpPr>
         <p:spPr>
@@ -322,13 +310,9 @@
             <a:ext cx="6096075" cy="3429000"/>
           </a:xfrm>
           <a:custGeom>
-            <a:avLst/>
-            <a:gdLst/>
-            <a:ahLst/>
-            <a:cxnLst/>
-            <a:rect l="l" t="t" r="r" b="b"/>
+            <a:rect b="b" l="l" r="r" t="t"/>
             <a:pathLst>
-              <a:path w="120000" h="120000" extrusionOk="0">
+              <a:path extrusionOk="0" h="120000" w="120000">
                 <a:moveTo>
                   <a:pt x="0" y="0"/>
                 </a:moveTo>
@@ -346,25 +330,23 @@
             </a:pathLst>
           </a:custGeom>
           <a:noFill/>
-          <a:ln w="9525" cap="flat" cmpd="sng">
+          <a:ln cap="flat" cmpd="sng" w="9525">
             <a:solidFill>
               <a:srgbClr val="000000"/>
             </a:solidFill>
             <a:prstDash val="solid"/>
             <a:round/>
-            <a:headEnd type="none" w="sm" len="sm"/>
-            <a:tailEnd type="none" w="sm" len="sm"/>
+            <a:headEnd len="sm" w="sm" type="none"/>
+            <a:tailEnd len="sm" w="sm" type="none"/>
           </a:ln>
         </p:spPr>
       </p:sp>
       <p:sp>
         <p:nvSpPr>
           <p:cNvPr id="4" name="Google Shape;4;n"/>
-          <p:cNvSpPr txBox="1">
-            <a:spLocks noGrp="1"/>
-          </p:cNvSpPr>
+          <p:cNvSpPr txBox="1"/>
           <p:nvPr>
-            <p:ph type="body" idx="1"/>
+            <p:ph idx="1" type="body"/>
           </p:nvPr>
         </p:nvSpPr>
         <p:spPr>
@@ -381,11 +363,11 @@
           </a:ln>
         </p:spPr>
         <p:txBody>
-          <a:bodyPr spcFirstLastPara="1" wrap="square" lIns="91425" tIns="91425" rIns="91425" bIns="91425" anchor="t" anchorCtr="0">
+          <a:bodyPr anchorCtr="0" anchor="t" bIns="91425" lIns="91425" spcFirstLastPara="1" rIns="91425" wrap="square" tIns="91425">
             <a:noAutofit/>
           </a:bodyPr>
           <a:lstStyle>
-            <a:lvl1pPr marL="457200" lvl="0" indent="-298450">
+            <a:lvl1pPr indent="-298450" lvl="0" marL="457200">
               <a:spcBef>
                 <a:spcPts val="0"/>
               </a:spcBef>
@@ -396,7 +378,7 @@
               <a:buChar char="●"/>
               <a:defRPr sz="1100"/>
             </a:lvl1pPr>
-            <a:lvl2pPr marL="914400" lvl="1" indent="-298450">
+            <a:lvl2pPr indent="-298450" lvl="1" marL="914400">
               <a:spcBef>
                 <a:spcPts val="0"/>
               </a:spcBef>
@@ -407,7 +389,7 @@
               <a:buChar char="○"/>
               <a:defRPr sz="1100"/>
             </a:lvl2pPr>
-            <a:lvl3pPr marL="1371600" lvl="2" indent="-298450">
+            <a:lvl3pPr indent="-298450" lvl="2" marL="1371600">
               <a:spcBef>
                 <a:spcPts val="0"/>
               </a:spcBef>
@@ -418,7 +400,7 @@
               <a:buChar char="■"/>
               <a:defRPr sz="1100"/>
             </a:lvl3pPr>
-            <a:lvl4pPr marL="1828800" lvl="3" indent="-298450">
+            <a:lvl4pPr indent="-298450" lvl="3" marL="1828800">
               <a:spcBef>
                 <a:spcPts val="0"/>
               </a:spcBef>
@@ -429,7 +411,7 @@
               <a:buChar char="●"/>
               <a:defRPr sz="1100"/>
             </a:lvl4pPr>
-            <a:lvl5pPr marL="2286000" lvl="4" indent="-298450">
+            <a:lvl5pPr indent="-298450" lvl="4" marL="2286000">
               <a:spcBef>
                 <a:spcPts val="0"/>
               </a:spcBef>
@@ -440,7 +422,7 @@
               <a:buChar char="○"/>
               <a:defRPr sz="1100"/>
             </a:lvl5pPr>
-            <a:lvl6pPr marL="2743200" lvl="5" indent="-298450">
+            <a:lvl6pPr indent="-298450" lvl="5" marL="2743200">
               <a:spcBef>
                 <a:spcPts val="0"/>
               </a:spcBef>
@@ -451,7 +433,7 @@
               <a:buChar char="■"/>
               <a:defRPr sz="1100"/>
             </a:lvl6pPr>
-            <a:lvl7pPr marL="3200400" lvl="6" indent="-298450">
+            <a:lvl7pPr indent="-298450" lvl="6" marL="3200400">
               <a:spcBef>
                 <a:spcPts val="0"/>
               </a:spcBef>
@@ -462,7 +444,7 @@
               <a:buChar char="●"/>
               <a:defRPr sz="1100"/>
             </a:lvl7pPr>
-            <a:lvl8pPr marL="3657600" lvl="7" indent="-298450">
+            <a:lvl8pPr indent="-298450" lvl="7" marL="3657600">
               <a:spcBef>
                 <a:spcPts val="0"/>
               </a:spcBef>
@@ -473,7 +455,7 @@
               <a:buChar char="○"/>
               <a:defRPr sz="1100"/>
             </a:lvl8pPr>
-            <a:lvl9pPr marL="4114800" lvl="8" indent="-298450">
+            <a:lvl9pPr indent="-298450" lvl="8" marL="4114800">
               <a:spcBef>
                 <a:spcPts val="0"/>
               </a:spcBef>
@@ -485,16 +467,14 @@
               <a:defRPr sz="1100"/>
             </a:lvl9pPr>
           </a:lstStyle>
-          <a:p>
-            <a:endParaRPr/>
-          </a:p>
+          <a:p/>
         </p:txBody>
       </p:sp>
     </p:spTree>
   </p:cSld>
-  <p:clrMap bg1="lt1" tx1="dk1" bg2="dk2" tx2="lt2" accent1="accent1" accent2="accent2" accent3="accent3" accent4="accent4" accent5="accent5" accent6="accent6" hlink="hlink" folHlink="folHlink"/>
+  <p:clrMap accent1="accent1" accent2="accent2" accent3="accent3" accent4="accent4" accent5="accent5" accent6="accent6" bg1="lt1" bg2="dk2" tx1="dk1" tx2="lt2" folHlink="folHlink" hlink="hlink"/>
   <p:notesStyle>
-    <a:defPPr marR="0" lvl="0" algn="l" rtl="0">
+    <a:defPPr lvl="0" marR="0" rtl="0" algn="l">
       <a:lnSpc>
         <a:spcPct val="100000"/>
       </a:lnSpc>
@@ -505,7 +485,7 @@
         <a:spcPts val="0"/>
       </a:spcAft>
     </a:defPPr>
-    <a:lvl1pPr marR="0" lvl="0" algn="l" rtl="0">
+    <a:lvl1pPr lvl="0" marR="0" rtl="0" algn="l">
       <a:lnSpc>
         <a:spcPct val="100000"/>
       </a:lnSpc>
@@ -519,7 +499,7 @@
         <a:srgbClr val="000000"/>
       </a:buClr>
       <a:buFont typeface="Arial"/>
-      <a:defRPr sz="1400" b="0" i="0" u="none" strike="noStrike" cap="none">
+      <a:defRPr b="0" i="0" sz="1400" u="none" cap="none" strike="noStrike">
         <a:solidFill>
           <a:srgbClr val="000000"/>
         </a:solidFill>
@@ -529,7 +509,7 @@
         <a:sym typeface="Arial"/>
       </a:defRPr>
     </a:lvl1pPr>
-    <a:lvl2pPr marR="0" lvl="1" algn="l" rtl="0">
+    <a:lvl2pPr lvl="1" marR="0" rtl="0" algn="l">
       <a:lnSpc>
         <a:spcPct val="100000"/>
       </a:lnSpc>
@@ -543,7 +523,7 @@
         <a:srgbClr val="000000"/>
       </a:buClr>
       <a:buFont typeface="Arial"/>
-      <a:defRPr sz="1400" b="0" i="0" u="none" strike="noStrike" cap="none">
+      <a:defRPr b="0" i="0" sz="1400" u="none" cap="none" strike="noStrike">
         <a:solidFill>
           <a:srgbClr val="000000"/>
         </a:solidFill>
@@ -553,7 +533,7 @@
         <a:sym typeface="Arial"/>
       </a:defRPr>
     </a:lvl2pPr>
-    <a:lvl3pPr marR="0" lvl="2" algn="l" rtl="0">
+    <a:lvl3pPr lvl="2" marR="0" rtl="0" algn="l">
       <a:lnSpc>
         <a:spcPct val="100000"/>
       </a:lnSpc>
@@ -567,7 +547,7 @@
         <a:srgbClr val="000000"/>
       </a:buClr>
       <a:buFont typeface="Arial"/>
-      <a:defRPr sz="1400" b="0" i="0" u="none" strike="noStrike" cap="none">
+      <a:defRPr b="0" i="0" sz="1400" u="none" cap="none" strike="noStrike">
         <a:solidFill>
           <a:srgbClr val="000000"/>
         </a:solidFill>
@@ -577,7 +557,7 @@
         <a:sym typeface="Arial"/>
       </a:defRPr>
     </a:lvl3pPr>
-    <a:lvl4pPr marR="0" lvl="3" algn="l" rtl="0">
+    <a:lvl4pPr lvl="3" marR="0" rtl="0" algn="l">
       <a:lnSpc>
         <a:spcPct val="100000"/>
       </a:lnSpc>
@@ -591,7 +571,7 @@
         <a:srgbClr val="000000"/>
       </a:buClr>
       <a:buFont typeface="Arial"/>
-      <a:defRPr sz="1400" b="0" i="0" u="none" strike="noStrike" cap="none">
+      <a:defRPr b="0" i="0" sz="1400" u="none" cap="none" strike="noStrike">
         <a:solidFill>
           <a:srgbClr val="000000"/>
         </a:solidFill>
@@ -601,7 +581,7 @@
         <a:sym typeface="Arial"/>
       </a:defRPr>
     </a:lvl4pPr>
-    <a:lvl5pPr marR="0" lvl="4" algn="l" rtl="0">
+    <a:lvl5pPr lvl="4" marR="0" rtl="0" algn="l">
       <a:lnSpc>
         <a:spcPct val="100000"/>
       </a:lnSpc>
@@ -615,7 +595,7 @@
         <a:srgbClr val="000000"/>
       </a:buClr>
       <a:buFont typeface="Arial"/>
-      <a:defRPr sz="1400" b="0" i="0" u="none" strike="noStrike" cap="none">
+      <a:defRPr b="0" i="0" sz="1400" u="none" cap="none" strike="noStrike">
         <a:solidFill>
           <a:srgbClr val="000000"/>
         </a:solidFill>
@@ -625,7 +605,7 @@
         <a:sym typeface="Arial"/>
       </a:defRPr>
     </a:lvl5pPr>
-    <a:lvl6pPr marR="0" lvl="5" algn="l" rtl="0">
+    <a:lvl6pPr lvl="5" marR="0" rtl="0" algn="l">
       <a:lnSpc>
         <a:spcPct val="100000"/>
       </a:lnSpc>
@@ -639,7 +619,7 @@
         <a:srgbClr val="000000"/>
       </a:buClr>
       <a:buFont typeface="Arial"/>
-      <a:defRPr sz="1400" b="0" i="0" u="none" strike="noStrike" cap="none">
+      <a:defRPr b="0" i="0" sz="1400" u="none" cap="none" strike="noStrike">
         <a:solidFill>
           <a:srgbClr val="000000"/>
         </a:solidFill>
@@ -649,7 +629,7 @@
         <a:sym typeface="Arial"/>
       </a:defRPr>
     </a:lvl6pPr>
-    <a:lvl7pPr marR="0" lvl="6" algn="l" rtl="0">
+    <a:lvl7pPr lvl="6" marR="0" rtl="0" algn="l">
       <a:lnSpc>
         <a:spcPct val="100000"/>
       </a:lnSpc>
@@ -663,7 +643,7 @@
         <a:srgbClr val="000000"/>
       </a:buClr>
       <a:buFont typeface="Arial"/>
-      <a:defRPr sz="1400" b="0" i="0" u="none" strike="noStrike" cap="none">
+      <a:defRPr b="0" i="0" sz="1400" u="none" cap="none" strike="noStrike">
         <a:solidFill>
           <a:srgbClr val="000000"/>
         </a:solidFill>
@@ -673,7 +653,7 @@
         <a:sym typeface="Arial"/>
       </a:defRPr>
     </a:lvl7pPr>
-    <a:lvl8pPr marR="0" lvl="7" algn="l" rtl="0">
+    <a:lvl8pPr lvl="7" marR="0" rtl="0" algn="l">
       <a:lnSpc>
         <a:spcPct val="100000"/>
       </a:lnSpc>
@@ -687,7 +667,7 @@
         <a:srgbClr val="000000"/>
       </a:buClr>
       <a:buFont typeface="Arial"/>
-      <a:defRPr sz="1400" b="0" i="0" u="none" strike="noStrike" cap="none">
+      <a:defRPr b="0" i="0" sz="1400" u="none" cap="none" strike="noStrike">
         <a:solidFill>
           <a:srgbClr val="000000"/>
         </a:solidFill>
@@ -697,7 +677,7 @@
         <a:sym typeface="Arial"/>
       </a:defRPr>
     </a:lvl8pPr>
-    <a:lvl9pPr marR="0" lvl="8" algn="l" rtl="0">
+    <a:lvl9pPr lvl="8" marR="0" rtl="0" algn="l">
       <a:lnSpc>
         <a:spcPct val="100000"/>
       </a:lnSpc>
@@ -711,7 +691,7 @@
         <a:srgbClr val="000000"/>
       </a:buClr>
       <a:buFont typeface="Arial"/>
-      <a:defRPr sz="1400" b="0" i="0" u="none" strike="noStrike" cap="none">
+      <a:defRPr b="0" i="0" sz="1400" u="none" cap="none" strike="noStrike">
         <a:solidFill>
           <a:srgbClr val="000000"/>
         </a:solidFill>
@@ -726,11 +706,11 @@
 </file>
 
 <file path=ppt/notesSlides/notesSlide1.xml><?xml version="1.0" encoding="utf-8"?>
-<p:notes xmlns:a="http://schemas.openxmlformats.org/drawingml/2006/main" xmlns:r="http://schemas.openxmlformats.org/officeDocument/2006/relationships" xmlns:p="http://schemas.openxmlformats.org/presentationml/2006/main" showMasterSp="0" showMasterPhAnim="0">
+<p:notes xmlns:a="http://schemas.openxmlformats.org/drawingml/2006/main" xmlns:r="http://schemas.openxmlformats.org/officeDocument/2006/relationships" xmlns:mc="http://schemas.openxmlformats.org/markup-compatibility/2006" xmlns:mv="urn:schemas-microsoft-com:mac:vml" xmlns:p="http://schemas.openxmlformats.org/presentationml/2006/main" xmlns:c="http://schemas.openxmlformats.org/drawingml/2006/chart" xmlns:dgm="http://schemas.openxmlformats.org/drawingml/2006/diagram" xmlns:o="urn:schemas-microsoft-com:office:office" xmlns:v="urn:schemas-microsoft-com:vml" xmlns:pvml="urn:schemas-microsoft-com:office:powerpoint" xmlns:com="http://schemas.openxmlformats.org/drawingml/2006/compatibility" xmlns:p14="http://schemas.microsoft.com/office/powerpoint/2010/main" xmlns:p15="http://schemas.microsoft.com/office/powerpoint/2012/main" xmlns:ahyp="http://schemas.microsoft.com/office/drawing/2018/hyperlinkcolor" showMasterPhAnim="0" showMasterSp="0">
   <p:cSld>
     <p:spTree>
       <p:nvGrpSpPr>
-        <p:cNvPr id="1" name="Shape 124"/>
+        <p:cNvPr id="124" name="Shape 124"/>
         <p:cNvGrpSpPr/>
         <p:nvPr/>
       </p:nvGrpSpPr>
@@ -745,11 +725,9 @@
       <p:sp>
         <p:nvSpPr>
           <p:cNvPr id="125" name="Google Shape;125;p:notes"/>
-          <p:cNvSpPr>
-            <a:spLocks noGrp="1" noRot="1" noChangeAspect="1"/>
-          </p:cNvSpPr>
+          <p:cNvSpPr/>
           <p:nvPr>
-            <p:ph type="sldImg" idx="2"/>
+            <p:ph idx="2" type="sldImg"/>
           </p:nvPr>
         </p:nvSpPr>
         <p:spPr>
@@ -758,13 +736,9 @@
             <a:ext cx="6096075" cy="3429000"/>
           </a:xfrm>
           <a:custGeom>
-            <a:avLst/>
-            <a:gdLst/>
-            <a:ahLst/>
-            <a:cxnLst/>
-            <a:rect l="l" t="t" r="r" b="b"/>
+            <a:rect b="b" l="l" r="r" t="t"/>
             <a:pathLst>
-              <a:path w="120000" h="120000" extrusionOk="0">
+              <a:path extrusionOk="0" h="120000" w="120000">
                 <a:moveTo>
                   <a:pt x="0" y="0"/>
                 </a:moveTo>
@@ -786,11 +760,9 @@
       <p:sp>
         <p:nvSpPr>
           <p:cNvPr id="126" name="Google Shape;126;p:notes"/>
-          <p:cNvSpPr txBox="1">
-            <a:spLocks noGrp="1"/>
-          </p:cNvSpPr>
+          <p:cNvSpPr txBox="1"/>
           <p:nvPr>
-            <p:ph type="body" idx="1"/>
+            <p:ph idx="1" type="body"/>
           </p:nvPr>
         </p:nvSpPr>
         <p:spPr>
@@ -803,12 +775,12 @@
           </a:prstGeom>
         </p:spPr>
         <p:txBody>
-          <a:bodyPr spcFirstLastPara="1" wrap="square" lIns="91425" tIns="91425" rIns="91425" bIns="91425" anchor="t" anchorCtr="0">
+          <a:bodyPr anchorCtr="0" anchor="t" bIns="91425" lIns="91425" spcFirstLastPara="1" rIns="91425" wrap="square" tIns="91425">
             <a:noAutofit/>
           </a:bodyPr>
           <a:lstStyle/>
           <a:p>
-            <a:pPr marL="0" lvl="0" indent="0" algn="l" rtl="0">
+            <a:pPr indent="0" lvl="0" marL="0" rtl="0" algn="l">
               <a:spcBef>
                 <a:spcPts val="0"/>
               </a:spcBef>
@@ -817,6 +789,207 @@
               </a:spcAft>
               <a:buNone/>
             </a:pPr>
+            <a:r>
+              <a:t/>
+            </a:r>
+            <a:endParaRPr/>
+          </a:p>
+        </p:txBody>
+      </p:sp>
+    </p:spTree>
+  </p:cSld>
+  <p:clrMapOvr>
+    <a:masterClrMapping/>
+  </p:clrMapOvr>
+</p:notes>
+</file>
+
+<file path=ppt/notesSlides/notesSlide10.xml><?xml version="1.0" encoding="utf-8"?>
+<p:notes xmlns:a="http://schemas.openxmlformats.org/drawingml/2006/main" xmlns:r="http://schemas.openxmlformats.org/officeDocument/2006/relationships" xmlns:mc="http://schemas.openxmlformats.org/markup-compatibility/2006" xmlns:mv="urn:schemas-microsoft-com:mac:vml" xmlns:p="http://schemas.openxmlformats.org/presentationml/2006/main" xmlns:c="http://schemas.openxmlformats.org/drawingml/2006/chart" xmlns:dgm="http://schemas.openxmlformats.org/drawingml/2006/diagram" xmlns:o="urn:schemas-microsoft-com:office:office" xmlns:v="urn:schemas-microsoft-com:vml" xmlns:pvml="urn:schemas-microsoft-com:office:powerpoint" xmlns:com="http://schemas.openxmlformats.org/drawingml/2006/compatibility" xmlns:p14="http://schemas.microsoft.com/office/powerpoint/2010/main" xmlns:p15="http://schemas.microsoft.com/office/powerpoint/2012/main" xmlns:ahyp="http://schemas.microsoft.com/office/drawing/2018/hyperlinkcolor" showMasterPhAnim="0" showMasterSp="0">
+  <p:cSld>
+    <p:spTree>
+      <p:nvGrpSpPr>
+        <p:cNvPr id="188" name="Shape 188"/>
+        <p:cNvGrpSpPr/>
+        <p:nvPr/>
+      </p:nvGrpSpPr>
+      <p:grpSpPr>
+        <a:xfrm>
+          <a:off x="0" y="0"/>
+          <a:ext cx="0" cy="0"/>
+          <a:chOff x="0" y="0"/>
+          <a:chExt cx="0" cy="0"/>
+        </a:xfrm>
+      </p:grpSpPr>
+      <p:sp>
+        <p:nvSpPr>
+          <p:cNvPr id="189" name="Google Shape;189;g28a5ece5f68_0_181:notes"/>
+          <p:cNvSpPr/>
+          <p:nvPr>
+            <p:ph idx="2" type="sldImg"/>
+          </p:nvPr>
+        </p:nvSpPr>
+        <p:spPr>
+          <a:xfrm>
+            <a:off x="381300" y="685800"/>
+            <a:ext cx="6096000" cy="3429000"/>
+          </a:xfrm>
+          <a:custGeom>
+            <a:rect b="b" l="l" r="r" t="t"/>
+            <a:pathLst>
+              <a:path extrusionOk="0" h="120000" w="120000">
+                <a:moveTo>
+                  <a:pt x="0" y="0"/>
+                </a:moveTo>
+                <a:lnTo>
+                  <a:pt x="120000" y="0"/>
+                </a:lnTo>
+                <a:lnTo>
+                  <a:pt x="120000" y="120000"/>
+                </a:lnTo>
+                <a:lnTo>
+                  <a:pt x="0" y="120000"/>
+                </a:lnTo>
+                <a:close/>
+              </a:path>
+            </a:pathLst>
+          </a:custGeom>
+        </p:spPr>
+      </p:sp>
+      <p:sp>
+        <p:nvSpPr>
+          <p:cNvPr id="190" name="Google Shape;190;g28a5ece5f68_0_181:notes"/>
+          <p:cNvSpPr txBox="1"/>
+          <p:nvPr>
+            <p:ph idx="1" type="body"/>
+          </p:nvPr>
+        </p:nvSpPr>
+        <p:spPr>
+          <a:xfrm>
+            <a:off x="685800" y="4343400"/>
+            <a:ext cx="5486400" cy="4114800"/>
+          </a:xfrm>
+          <a:prstGeom prst="rect">
+            <a:avLst/>
+          </a:prstGeom>
+        </p:spPr>
+        <p:txBody>
+          <a:bodyPr anchorCtr="0" anchor="t" bIns="91425" lIns="91425" spcFirstLastPara="1" rIns="91425" wrap="square" tIns="91425">
+            <a:noAutofit/>
+          </a:bodyPr>
+          <a:lstStyle/>
+          <a:p>
+            <a:pPr indent="0" lvl="0" marL="0" rtl="0" algn="l">
+              <a:spcBef>
+                <a:spcPts val="0"/>
+              </a:spcBef>
+              <a:spcAft>
+                <a:spcPts val="0"/>
+              </a:spcAft>
+              <a:buNone/>
+            </a:pPr>
+            <a:r>
+              <a:t/>
+            </a:r>
+            <a:endParaRPr/>
+          </a:p>
+        </p:txBody>
+      </p:sp>
+    </p:spTree>
+  </p:cSld>
+  <p:clrMapOvr>
+    <a:masterClrMapping/>
+  </p:clrMapOvr>
+</p:notes>
+</file>
+
+<file path=ppt/notesSlides/notesSlide11.xml><?xml version="1.0" encoding="utf-8"?>
+<p:notes xmlns:a="http://schemas.openxmlformats.org/drawingml/2006/main" xmlns:r="http://schemas.openxmlformats.org/officeDocument/2006/relationships" xmlns:mc="http://schemas.openxmlformats.org/markup-compatibility/2006" xmlns:mv="urn:schemas-microsoft-com:mac:vml" xmlns:p="http://schemas.openxmlformats.org/presentationml/2006/main" xmlns:c="http://schemas.openxmlformats.org/drawingml/2006/chart" xmlns:dgm="http://schemas.openxmlformats.org/drawingml/2006/diagram" xmlns:o="urn:schemas-microsoft-com:office:office" xmlns:v="urn:schemas-microsoft-com:vml" xmlns:pvml="urn:schemas-microsoft-com:office:powerpoint" xmlns:com="http://schemas.openxmlformats.org/drawingml/2006/compatibility" xmlns:p14="http://schemas.microsoft.com/office/powerpoint/2010/main" xmlns:p15="http://schemas.microsoft.com/office/powerpoint/2012/main" xmlns:ahyp="http://schemas.microsoft.com/office/drawing/2018/hyperlinkcolor" showMasterPhAnim="0" showMasterSp="0">
+  <p:cSld>
+    <p:spTree>
+      <p:nvGrpSpPr>
+        <p:cNvPr id="195" name="Shape 195"/>
+        <p:cNvGrpSpPr/>
+        <p:nvPr/>
+      </p:nvGrpSpPr>
+      <p:grpSpPr>
+        <a:xfrm>
+          <a:off x="0" y="0"/>
+          <a:ext cx="0" cy="0"/>
+          <a:chOff x="0" y="0"/>
+          <a:chExt cx="0" cy="0"/>
+        </a:xfrm>
+      </p:grpSpPr>
+      <p:sp>
+        <p:nvSpPr>
+          <p:cNvPr id="196" name="Google Shape;196;g28a5ece5f68_0_169:notes"/>
+          <p:cNvSpPr/>
+          <p:nvPr>
+            <p:ph idx="2" type="sldImg"/>
+          </p:nvPr>
+        </p:nvSpPr>
+        <p:spPr>
+          <a:xfrm>
+            <a:off x="381300" y="685800"/>
+            <a:ext cx="6096000" cy="3429000"/>
+          </a:xfrm>
+          <a:custGeom>
+            <a:rect b="b" l="l" r="r" t="t"/>
+            <a:pathLst>
+              <a:path extrusionOk="0" h="120000" w="120000">
+                <a:moveTo>
+                  <a:pt x="0" y="0"/>
+                </a:moveTo>
+                <a:lnTo>
+                  <a:pt x="120000" y="0"/>
+                </a:lnTo>
+                <a:lnTo>
+                  <a:pt x="120000" y="120000"/>
+                </a:lnTo>
+                <a:lnTo>
+                  <a:pt x="0" y="120000"/>
+                </a:lnTo>
+                <a:close/>
+              </a:path>
+            </a:pathLst>
+          </a:custGeom>
+        </p:spPr>
+      </p:sp>
+      <p:sp>
+        <p:nvSpPr>
+          <p:cNvPr id="197" name="Google Shape;197;g28a5ece5f68_0_169:notes"/>
+          <p:cNvSpPr txBox="1"/>
+          <p:nvPr>
+            <p:ph idx="1" type="body"/>
+          </p:nvPr>
+        </p:nvSpPr>
+        <p:spPr>
+          <a:xfrm>
+            <a:off x="685800" y="4343400"/>
+            <a:ext cx="5486400" cy="4114800"/>
+          </a:xfrm>
+          <a:prstGeom prst="rect">
+            <a:avLst/>
+          </a:prstGeom>
+        </p:spPr>
+        <p:txBody>
+          <a:bodyPr anchorCtr="0" anchor="t" bIns="91425" lIns="91425" spcFirstLastPara="1" rIns="91425" wrap="square" tIns="91425">
+            <a:noAutofit/>
+          </a:bodyPr>
+          <a:lstStyle/>
+          <a:p>
+            <a:pPr indent="0" lvl="0" marL="0" rtl="0" algn="l">
+              <a:spcBef>
+                <a:spcPts val="0"/>
+              </a:spcBef>
+              <a:spcAft>
+                <a:spcPts val="0"/>
+              </a:spcAft>
+              <a:buNone/>
+            </a:pPr>
+            <a:r>
+              <a:t/>
+            </a:r>
             <a:endParaRPr/>
           </a:p>
         </p:txBody>
@@ -830,11 +1003,11 @@
 </file>
 
 <file path=ppt/notesSlides/notesSlide2.xml><?xml version="1.0" encoding="utf-8"?>
-<p:notes xmlns:a="http://schemas.openxmlformats.org/drawingml/2006/main" xmlns:r="http://schemas.openxmlformats.org/officeDocument/2006/relationships" xmlns:p="http://schemas.openxmlformats.org/presentationml/2006/main" showMasterSp="0" showMasterPhAnim="0">
+<p:notes xmlns:a="http://schemas.openxmlformats.org/drawingml/2006/main" xmlns:r="http://schemas.openxmlformats.org/officeDocument/2006/relationships" xmlns:mc="http://schemas.openxmlformats.org/markup-compatibility/2006" xmlns:mv="urn:schemas-microsoft-com:mac:vml" xmlns:p="http://schemas.openxmlformats.org/presentationml/2006/main" xmlns:c="http://schemas.openxmlformats.org/drawingml/2006/chart" xmlns:dgm="http://schemas.openxmlformats.org/drawingml/2006/diagram" xmlns:o="urn:schemas-microsoft-com:office:office" xmlns:v="urn:schemas-microsoft-com:vml" xmlns:pvml="urn:schemas-microsoft-com:office:powerpoint" xmlns:com="http://schemas.openxmlformats.org/drawingml/2006/compatibility" xmlns:p14="http://schemas.microsoft.com/office/powerpoint/2010/main" xmlns:p15="http://schemas.microsoft.com/office/powerpoint/2012/main" xmlns:ahyp="http://schemas.microsoft.com/office/drawing/2018/hyperlinkcolor" showMasterPhAnim="0" showMasterSp="0">
   <p:cSld>
     <p:spTree>
       <p:nvGrpSpPr>
-        <p:cNvPr id="1" name="Shape 131"/>
+        <p:cNvPr id="131" name="Shape 131"/>
         <p:cNvGrpSpPr/>
         <p:nvPr/>
       </p:nvGrpSpPr>
@@ -849,11 +1022,9 @@
       <p:sp>
         <p:nvSpPr>
           <p:cNvPr id="132" name="Google Shape;132;g28a5ece5f68_0_120:notes"/>
-          <p:cNvSpPr>
-            <a:spLocks noGrp="1" noRot="1" noChangeAspect="1"/>
-          </p:cNvSpPr>
+          <p:cNvSpPr/>
           <p:nvPr>
-            <p:ph type="sldImg" idx="2"/>
+            <p:ph idx="2" type="sldImg"/>
           </p:nvPr>
         </p:nvSpPr>
         <p:spPr>
@@ -862,13 +1033,9 @@
             <a:ext cx="6096000" cy="3429000"/>
           </a:xfrm>
           <a:custGeom>
-            <a:avLst/>
-            <a:gdLst/>
-            <a:ahLst/>
-            <a:cxnLst/>
-            <a:rect l="l" t="t" r="r" b="b"/>
+            <a:rect b="b" l="l" r="r" t="t"/>
             <a:pathLst>
-              <a:path w="120000" h="120000" extrusionOk="0">
+              <a:path extrusionOk="0" h="120000" w="120000">
                 <a:moveTo>
                   <a:pt x="0" y="0"/>
                 </a:moveTo>
@@ -890,11 +1057,9 @@
       <p:sp>
         <p:nvSpPr>
           <p:cNvPr id="133" name="Google Shape;133;g28a5ece5f68_0_120:notes"/>
-          <p:cNvSpPr txBox="1">
-            <a:spLocks noGrp="1"/>
-          </p:cNvSpPr>
+          <p:cNvSpPr txBox="1"/>
           <p:nvPr>
-            <p:ph type="body" idx="1"/>
+            <p:ph idx="1" type="body"/>
           </p:nvPr>
         </p:nvSpPr>
         <p:spPr>
@@ -907,12 +1072,12 @@
           </a:prstGeom>
         </p:spPr>
         <p:txBody>
-          <a:bodyPr spcFirstLastPara="1" wrap="square" lIns="91425" tIns="91425" rIns="91425" bIns="91425" anchor="t" anchorCtr="0">
+          <a:bodyPr anchorCtr="0" anchor="t" bIns="91425" lIns="91425" spcFirstLastPara="1" rIns="91425" wrap="square" tIns="91425">
             <a:noAutofit/>
           </a:bodyPr>
           <a:lstStyle/>
           <a:p>
-            <a:pPr marL="0" lvl="0" indent="0" algn="l" rtl="0">
+            <a:pPr indent="0" lvl="0" marL="0" rtl="0" algn="l">
               <a:spcBef>
                 <a:spcPts val="0"/>
               </a:spcBef>
@@ -921,6 +1086,9 @@
               </a:spcAft>
               <a:buNone/>
             </a:pPr>
+            <a:r>
+              <a:t/>
+            </a:r>
             <a:endParaRPr/>
           </a:p>
         </p:txBody>
@@ -934,11 +1102,11 @@
 </file>
 
 <file path=ppt/notesSlides/notesSlide3.xml><?xml version="1.0" encoding="utf-8"?>
-<p:notes xmlns:a="http://schemas.openxmlformats.org/drawingml/2006/main" xmlns:r="http://schemas.openxmlformats.org/officeDocument/2006/relationships" xmlns:p="http://schemas.openxmlformats.org/presentationml/2006/main" showMasterSp="0" showMasterPhAnim="0">
+<p:notes xmlns:a="http://schemas.openxmlformats.org/drawingml/2006/main" xmlns:r="http://schemas.openxmlformats.org/officeDocument/2006/relationships" xmlns:mc="http://schemas.openxmlformats.org/markup-compatibility/2006" xmlns:mv="urn:schemas-microsoft-com:mac:vml" xmlns:p="http://schemas.openxmlformats.org/presentationml/2006/main" xmlns:c="http://schemas.openxmlformats.org/drawingml/2006/chart" xmlns:dgm="http://schemas.openxmlformats.org/drawingml/2006/diagram" xmlns:o="urn:schemas-microsoft-com:office:office" xmlns:v="urn:schemas-microsoft-com:vml" xmlns:pvml="urn:schemas-microsoft-com:office:powerpoint" xmlns:com="http://schemas.openxmlformats.org/drawingml/2006/compatibility" xmlns:p14="http://schemas.microsoft.com/office/powerpoint/2010/main" xmlns:p15="http://schemas.microsoft.com/office/powerpoint/2012/main" xmlns:ahyp="http://schemas.microsoft.com/office/drawing/2018/hyperlinkcolor" showMasterPhAnim="0" showMasterSp="0">
   <p:cSld>
     <p:spTree>
       <p:nvGrpSpPr>
-        <p:cNvPr id="1" name="Shape 138"/>
+        <p:cNvPr id="138" name="Shape 138"/>
         <p:cNvGrpSpPr/>
         <p:nvPr/>
       </p:nvGrpSpPr>
@@ -953,11 +1121,9 @@
       <p:sp>
         <p:nvSpPr>
           <p:cNvPr id="139" name="Google Shape;139;g28a5ece5f68_0_127:notes"/>
-          <p:cNvSpPr>
-            <a:spLocks noGrp="1" noRot="1" noChangeAspect="1"/>
-          </p:cNvSpPr>
+          <p:cNvSpPr/>
           <p:nvPr>
-            <p:ph type="sldImg" idx="2"/>
+            <p:ph idx="2" type="sldImg"/>
           </p:nvPr>
         </p:nvSpPr>
         <p:spPr>
@@ -966,13 +1132,9 @@
             <a:ext cx="6096000" cy="3429000"/>
           </a:xfrm>
           <a:custGeom>
-            <a:avLst/>
-            <a:gdLst/>
-            <a:ahLst/>
-            <a:cxnLst/>
-            <a:rect l="l" t="t" r="r" b="b"/>
+            <a:rect b="b" l="l" r="r" t="t"/>
             <a:pathLst>
-              <a:path w="120000" h="120000" extrusionOk="0">
+              <a:path extrusionOk="0" h="120000" w="120000">
                 <a:moveTo>
                   <a:pt x="0" y="0"/>
                 </a:moveTo>
@@ -994,11 +1156,9 @@
       <p:sp>
         <p:nvSpPr>
           <p:cNvPr id="140" name="Google Shape;140;g28a5ece5f68_0_127:notes"/>
-          <p:cNvSpPr txBox="1">
-            <a:spLocks noGrp="1"/>
-          </p:cNvSpPr>
+          <p:cNvSpPr txBox="1"/>
           <p:nvPr>
-            <p:ph type="body" idx="1"/>
+            <p:ph idx="1" type="body"/>
           </p:nvPr>
         </p:nvSpPr>
         <p:spPr>
@@ -1011,12 +1171,12 @@
           </a:prstGeom>
         </p:spPr>
         <p:txBody>
-          <a:bodyPr spcFirstLastPara="1" wrap="square" lIns="91425" tIns="91425" rIns="91425" bIns="91425" anchor="t" anchorCtr="0">
+          <a:bodyPr anchorCtr="0" anchor="t" bIns="91425" lIns="91425" spcFirstLastPara="1" rIns="91425" wrap="square" tIns="91425">
             <a:noAutofit/>
           </a:bodyPr>
           <a:lstStyle/>
           <a:p>
-            <a:pPr marL="0" lvl="0" indent="0" algn="l" rtl="0">
+            <a:pPr indent="0" lvl="0" marL="0" rtl="0" algn="l">
               <a:spcBef>
                 <a:spcPts val="0"/>
               </a:spcBef>
@@ -1025,6 +1185,9 @@
               </a:spcAft>
               <a:buNone/>
             </a:pPr>
+            <a:r>
+              <a:t/>
+            </a:r>
             <a:endParaRPr/>
           </a:p>
         </p:txBody>
@@ -1038,11 +1201,11 @@
 </file>
 
 <file path=ppt/notesSlides/notesSlide4.xml><?xml version="1.0" encoding="utf-8"?>
-<p:notes xmlns:a="http://schemas.openxmlformats.org/drawingml/2006/main" xmlns:r="http://schemas.openxmlformats.org/officeDocument/2006/relationships" xmlns:p="http://schemas.openxmlformats.org/presentationml/2006/main" showMasterSp="0" showMasterPhAnim="0">
+<p:notes xmlns:a="http://schemas.openxmlformats.org/drawingml/2006/main" xmlns:r="http://schemas.openxmlformats.org/officeDocument/2006/relationships" xmlns:mc="http://schemas.openxmlformats.org/markup-compatibility/2006" xmlns:mv="urn:schemas-microsoft-com:mac:vml" xmlns:p="http://schemas.openxmlformats.org/presentationml/2006/main" xmlns:c="http://schemas.openxmlformats.org/drawingml/2006/chart" xmlns:dgm="http://schemas.openxmlformats.org/drawingml/2006/diagram" xmlns:o="urn:schemas-microsoft-com:office:office" xmlns:v="urn:schemas-microsoft-com:vml" xmlns:pvml="urn:schemas-microsoft-com:office:powerpoint" xmlns:com="http://schemas.openxmlformats.org/drawingml/2006/compatibility" xmlns:p14="http://schemas.microsoft.com/office/powerpoint/2010/main" xmlns:p15="http://schemas.microsoft.com/office/powerpoint/2012/main" xmlns:ahyp="http://schemas.microsoft.com/office/drawing/2018/hyperlinkcolor" showMasterPhAnim="0" showMasterSp="0">
   <p:cSld>
     <p:spTree>
       <p:nvGrpSpPr>
-        <p:cNvPr id="1" name="Shape 146"/>
+        <p:cNvPr id="146" name="Shape 146"/>
         <p:cNvGrpSpPr/>
         <p:nvPr/>
       </p:nvGrpSpPr>
@@ -1057,26 +1220,20 @@
       <p:sp>
         <p:nvSpPr>
           <p:cNvPr id="147" name="Google Shape;147;g28a5ece5f68_0_134:notes"/>
-          <p:cNvSpPr>
-            <a:spLocks noGrp="1" noRot="1" noChangeAspect="1"/>
-          </p:cNvSpPr>
+          <p:cNvSpPr/>
           <p:nvPr>
-            <p:ph type="sldImg" idx="2"/>
+            <p:ph idx="2" type="sldImg"/>
           </p:nvPr>
         </p:nvSpPr>
         <p:spPr>
           <a:xfrm>
-            <a:off x="381000" y="685800"/>
+            <a:off x="381300" y="685800"/>
             <a:ext cx="6096000" cy="3429000"/>
           </a:xfrm>
           <a:custGeom>
-            <a:avLst/>
-            <a:gdLst/>
-            <a:ahLst/>
-            <a:cxnLst/>
-            <a:rect l="l" t="t" r="r" b="b"/>
+            <a:rect b="b" l="l" r="r" t="t"/>
             <a:pathLst>
-              <a:path w="120000" h="120000" extrusionOk="0">
+              <a:path extrusionOk="0" h="120000" w="120000">
                 <a:moveTo>
                   <a:pt x="0" y="0"/>
                 </a:moveTo>
@@ -1098,11 +1255,9 @@
       <p:sp>
         <p:nvSpPr>
           <p:cNvPr id="148" name="Google Shape;148;g28a5ece5f68_0_134:notes"/>
-          <p:cNvSpPr txBox="1">
-            <a:spLocks noGrp="1"/>
-          </p:cNvSpPr>
+          <p:cNvSpPr txBox="1"/>
           <p:nvPr>
-            <p:ph type="body" idx="1"/>
+            <p:ph idx="1" type="body"/>
           </p:nvPr>
         </p:nvSpPr>
         <p:spPr>
@@ -1115,12 +1270,12 @@
           </a:prstGeom>
         </p:spPr>
         <p:txBody>
-          <a:bodyPr spcFirstLastPara="1" wrap="square" lIns="91425" tIns="91425" rIns="91425" bIns="91425" anchor="t" anchorCtr="0">
+          <a:bodyPr anchorCtr="0" anchor="t" bIns="91425" lIns="91425" spcFirstLastPara="1" rIns="91425" wrap="square" tIns="91425">
             <a:noAutofit/>
           </a:bodyPr>
           <a:lstStyle/>
           <a:p>
-            <a:pPr marL="0" lvl="0" indent="0" algn="l" rtl="0">
+            <a:pPr indent="0" lvl="0" marL="0" rtl="0" algn="l">
               <a:spcBef>
                 <a:spcPts val="0"/>
               </a:spcBef>
@@ -1129,6 +1284,9 @@
               </a:spcAft>
               <a:buNone/>
             </a:pPr>
+            <a:r>
+              <a:t/>
+            </a:r>
             <a:endParaRPr/>
           </a:p>
         </p:txBody>
@@ -1142,11 +1300,11 @@
 </file>
 
 <file path=ppt/notesSlides/notesSlide5.xml><?xml version="1.0" encoding="utf-8"?>
-<p:notes xmlns:a="http://schemas.openxmlformats.org/drawingml/2006/main" xmlns:r="http://schemas.openxmlformats.org/officeDocument/2006/relationships" xmlns:p="http://schemas.openxmlformats.org/presentationml/2006/main" showMasterSp="0" showMasterPhAnim="0">
+<p:notes xmlns:a="http://schemas.openxmlformats.org/drawingml/2006/main" xmlns:r="http://schemas.openxmlformats.org/officeDocument/2006/relationships" xmlns:mc="http://schemas.openxmlformats.org/markup-compatibility/2006" xmlns:mv="urn:schemas-microsoft-com:mac:vml" xmlns:p="http://schemas.openxmlformats.org/presentationml/2006/main" xmlns:c="http://schemas.openxmlformats.org/drawingml/2006/chart" xmlns:dgm="http://schemas.openxmlformats.org/drawingml/2006/diagram" xmlns:o="urn:schemas-microsoft-com:office:office" xmlns:v="urn:schemas-microsoft-com:vml" xmlns:pvml="urn:schemas-microsoft-com:office:powerpoint" xmlns:com="http://schemas.openxmlformats.org/drawingml/2006/compatibility" xmlns:p14="http://schemas.microsoft.com/office/powerpoint/2010/main" xmlns:p15="http://schemas.microsoft.com/office/powerpoint/2012/main" xmlns:ahyp="http://schemas.microsoft.com/office/drawing/2018/hyperlinkcolor" showMasterPhAnim="0" showMasterSp="0">
   <p:cSld>
     <p:spTree>
       <p:nvGrpSpPr>
-        <p:cNvPr id="1" name="Shape 153"/>
+        <p:cNvPr id="153" name="Shape 153"/>
         <p:cNvGrpSpPr/>
         <p:nvPr/>
       </p:nvGrpSpPr>
@@ -1161,11 +1319,9 @@
       <p:sp>
         <p:nvSpPr>
           <p:cNvPr id="154" name="Google Shape;154;g28a5ece5f68_0_141:notes"/>
-          <p:cNvSpPr>
-            <a:spLocks noGrp="1" noRot="1" noChangeAspect="1"/>
-          </p:cNvSpPr>
+          <p:cNvSpPr/>
           <p:nvPr>
-            <p:ph type="sldImg" idx="2"/>
+            <p:ph idx="2" type="sldImg"/>
           </p:nvPr>
         </p:nvSpPr>
         <p:spPr>
@@ -1174,13 +1330,9 @@
             <a:ext cx="6096000" cy="3429000"/>
           </a:xfrm>
           <a:custGeom>
-            <a:avLst/>
-            <a:gdLst/>
-            <a:ahLst/>
-            <a:cxnLst/>
-            <a:rect l="l" t="t" r="r" b="b"/>
+            <a:rect b="b" l="l" r="r" t="t"/>
             <a:pathLst>
-              <a:path w="120000" h="120000" extrusionOk="0">
+              <a:path extrusionOk="0" h="120000" w="120000">
                 <a:moveTo>
                   <a:pt x="0" y="0"/>
                 </a:moveTo>
@@ -1202,11 +1354,9 @@
       <p:sp>
         <p:nvSpPr>
           <p:cNvPr id="155" name="Google Shape;155;g28a5ece5f68_0_141:notes"/>
-          <p:cNvSpPr txBox="1">
-            <a:spLocks noGrp="1"/>
-          </p:cNvSpPr>
+          <p:cNvSpPr txBox="1"/>
           <p:nvPr>
-            <p:ph type="body" idx="1"/>
+            <p:ph idx="1" type="body"/>
           </p:nvPr>
         </p:nvSpPr>
         <p:spPr>
@@ -1219,12 +1369,12 @@
           </a:prstGeom>
         </p:spPr>
         <p:txBody>
-          <a:bodyPr spcFirstLastPara="1" wrap="square" lIns="91425" tIns="91425" rIns="91425" bIns="91425" anchor="t" anchorCtr="0">
+          <a:bodyPr anchorCtr="0" anchor="t" bIns="91425" lIns="91425" spcFirstLastPara="1" rIns="91425" wrap="square" tIns="91425">
             <a:noAutofit/>
           </a:bodyPr>
           <a:lstStyle/>
           <a:p>
-            <a:pPr marL="0" lvl="0" indent="0" algn="l" rtl="0">
+            <a:pPr indent="0" lvl="0" marL="0" rtl="0" algn="l">
               <a:spcBef>
                 <a:spcPts val="0"/>
               </a:spcBef>
@@ -1233,6 +1383,9 @@
               </a:spcAft>
               <a:buNone/>
             </a:pPr>
+            <a:r>
+              <a:t/>
+            </a:r>
             <a:endParaRPr/>
           </a:p>
         </p:txBody>
@@ -1246,11 +1399,11 @@
 </file>
 
 <file path=ppt/notesSlides/notesSlide6.xml><?xml version="1.0" encoding="utf-8"?>
-<p:notes xmlns:a="http://schemas.openxmlformats.org/drawingml/2006/main" xmlns:r="http://schemas.openxmlformats.org/officeDocument/2006/relationships" xmlns:p="http://schemas.openxmlformats.org/presentationml/2006/main" showMasterSp="0" showMasterPhAnim="0">
+<p:notes xmlns:a="http://schemas.openxmlformats.org/drawingml/2006/main" xmlns:r="http://schemas.openxmlformats.org/officeDocument/2006/relationships" xmlns:mc="http://schemas.openxmlformats.org/markup-compatibility/2006" xmlns:mv="urn:schemas-microsoft-com:mac:vml" xmlns:p="http://schemas.openxmlformats.org/presentationml/2006/main" xmlns:c="http://schemas.openxmlformats.org/drawingml/2006/chart" xmlns:dgm="http://schemas.openxmlformats.org/drawingml/2006/diagram" xmlns:o="urn:schemas-microsoft-com:office:office" xmlns:v="urn:schemas-microsoft-com:vml" xmlns:pvml="urn:schemas-microsoft-com:office:powerpoint" xmlns:com="http://schemas.openxmlformats.org/drawingml/2006/compatibility" xmlns:p14="http://schemas.microsoft.com/office/powerpoint/2010/main" xmlns:p15="http://schemas.microsoft.com/office/powerpoint/2012/main" xmlns:ahyp="http://schemas.microsoft.com/office/drawing/2018/hyperlinkcolor" showMasterPhAnim="0" showMasterSp="0">
   <p:cSld>
     <p:spTree>
       <p:nvGrpSpPr>
-        <p:cNvPr id="1" name="Shape 160"/>
+        <p:cNvPr id="160" name="Shape 160"/>
         <p:cNvGrpSpPr/>
         <p:nvPr/>
       </p:nvGrpSpPr>
@@ -1265,11 +1418,9 @@
       <p:sp>
         <p:nvSpPr>
           <p:cNvPr id="161" name="Google Shape;161;g28a5ece5f68_0_148:notes"/>
-          <p:cNvSpPr>
-            <a:spLocks noGrp="1" noRot="1" noChangeAspect="1"/>
-          </p:cNvSpPr>
+          <p:cNvSpPr/>
           <p:nvPr>
-            <p:ph type="sldImg" idx="2"/>
+            <p:ph idx="2" type="sldImg"/>
           </p:nvPr>
         </p:nvSpPr>
         <p:spPr>
@@ -1278,13 +1429,9 @@
             <a:ext cx="6096000" cy="3429000"/>
           </a:xfrm>
           <a:custGeom>
-            <a:avLst/>
-            <a:gdLst/>
-            <a:ahLst/>
-            <a:cxnLst/>
-            <a:rect l="l" t="t" r="r" b="b"/>
+            <a:rect b="b" l="l" r="r" t="t"/>
             <a:pathLst>
-              <a:path w="120000" h="120000" extrusionOk="0">
+              <a:path extrusionOk="0" h="120000" w="120000">
                 <a:moveTo>
                   <a:pt x="0" y="0"/>
                 </a:moveTo>
@@ -1306,11 +1453,9 @@
       <p:sp>
         <p:nvSpPr>
           <p:cNvPr id="162" name="Google Shape;162;g28a5ece5f68_0_148:notes"/>
-          <p:cNvSpPr txBox="1">
-            <a:spLocks noGrp="1"/>
-          </p:cNvSpPr>
+          <p:cNvSpPr txBox="1"/>
           <p:nvPr>
-            <p:ph type="body" idx="1"/>
+            <p:ph idx="1" type="body"/>
           </p:nvPr>
         </p:nvSpPr>
         <p:spPr>
@@ -1323,12 +1468,12 @@
           </a:prstGeom>
         </p:spPr>
         <p:txBody>
-          <a:bodyPr spcFirstLastPara="1" wrap="square" lIns="91425" tIns="91425" rIns="91425" bIns="91425" anchor="t" anchorCtr="0">
+          <a:bodyPr anchorCtr="0" anchor="t" bIns="91425" lIns="91425" spcFirstLastPara="1" rIns="91425" wrap="square" tIns="91425">
             <a:noAutofit/>
           </a:bodyPr>
           <a:lstStyle/>
           <a:p>
-            <a:pPr marL="0" lvl="0" indent="0" algn="l" rtl="0">
+            <a:pPr indent="0" lvl="0" marL="0" rtl="0" algn="l">
               <a:spcBef>
                 <a:spcPts val="0"/>
               </a:spcBef>
@@ -1337,6 +1482,9 @@
               </a:spcAft>
               <a:buNone/>
             </a:pPr>
+            <a:r>
+              <a:t/>
+            </a:r>
             <a:endParaRPr/>
           </a:p>
         </p:txBody>
@@ -1350,11 +1498,11 @@
 </file>
 
 <file path=ppt/notesSlides/notesSlide7.xml><?xml version="1.0" encoding="utf-8"?>
-<p:notes xmlns:a="http://schemas.openxmlformats.org/drawingml/2006/main" xmlns:r="http://schemas.openxmlformats.org/officeDocument/2006/relationships" xmlns:p="http://schemas.openxmlformats.org/presentationml/2006/main" showMasterSp="0" showMasterPhAnim="0">
+<p:notes xmlns:a="http://schemas.openxmlformats.org/drawingml/2006/main" xmlns:r="http://schemas.openxmlformats.org/officeDocument/2006/relationships" xmlns:mc="http://schemas.openxmlformats.org/markup-compatibility/2006" xmlns:mv="urn:schemas-microsoft-com:mac:vml" xmlns:p="http://schemas.openxmlformats.org/presentationml/2006/main" xmlns:c="http://schemas.openxmlformats.org/drawingml/2006/chart" xmlns:dgm="http://schemas.openxmlformats.org/drawingml/2006/diagram" xmlns:o="urn:schemas-microsoft-com:office:office" xmlns:v="urn:schemas-microsoft-com:vml" xmlns:pvml="urn:schemas-microsoft-com:office:powerpoint" xmlns:com="http://schemas.openxmlformats.org/drawingml/2006/compatibility" xmlns:p14="http://schemas.microsoft.com/office/powerpoint/2010/main" xmlns:p15="http://schemas.microsoft.com/office/powerpoint/2012/main" xmlns:ahyp="http://schemas.microsoft.com/office/drawing/2018/hyperlinkcolor" showMasterPhAnim="0" showMasterSp="0">
   <p:cSld>
     <p:spTree>
       <p:nvGrpSpPr>
-        <p:cNvPr id="1" name="Shape 167"/>
+        <p:cNvPr id="167" name="Shape 167"/>
         <p:cNvGrpSpPr/>
         <p:nvPr/>
       </p:nvGrpSpPr>
@@ -1369,11 +1517,9 @@
       <p:sp>
         <p:nvSpPr>
           <p:cNvPr id="168" name="Google Shape;168;g28a5ece5f68_0_155:notes"/>
-          <p:cNvSpPr>
-            <a:spLocks noGrp="1" noRot="1" noChangeAspect="1"/>
-          </p:cNvSpPr>
+          <p:cNvSpPr/>
           <p:nvPr>
-            <p:ph type="sldImg" idx="2"/>
+            <p:ph idx="2" type="sldImg"/>
           </p:nvPr>
         </p:nvSpPr>
         <p:spPr>
@@ -1382,13 +1528,9 @@
             <a:ext cx="6096000" cy="3429000"/>
           </a:xfrm>
           <a:custGeom>
-            <a:avLst/>
-            <a:gdLst/>
-            <a:ahLst/>
-            <a:cxnLst/>
-            <a:rect l="l" t="t" r="r" b="b"/>
+            <a:rect b="b" l="l" r="r" t="t"/>
             <a:pathLst>
-              <a:path w="120000" h="120000" extrusionOk="0">
+              <a:path extrusionOk="0" h="120000" w="120000">
                 <a:moveTo>
                   <a:pt x="0" y="0"/>
                 </a:moveTo>
@@ -1410,11 +1552,9 @@
       <p:sp>
         <p:nvSpPr>
           <p:cNvPr id="169" name="Google Shape;169;g28a5ece5f68_0_155:notes"/>
-          <p:cNvSpPr txBox="1">
-            <a:spLocks noGrp="1"/>
-          </p:cNvSpPr>
+          <p:cNvSpPr txBox="1"/>
           <p:nvPr>
-            <p:ph type="body" idx="1"/>
+            <p:ph idx="1" type="body"/>
           </p:nvPr>
         </p:nvSpPr>
         <p:spPr>
@@ -1427,12 +1567,12 @@
           </a:prstGeom>
         </p:spPr>
         <p:txBody>
-          <a:bodyPr spcFirstLastPara="1" wrap="square" lIns="91425" tIns="91425" rIns="91425" bIns="91425" anchor="t" anchorCtr="0">
+          <a:bodyPr anchorCtr="0" anchor="t" bIns="91425" lIns="91425" spcFirstLastPara="1" rIns="91425" wrap="square" tIns="91425">
             <a:noAutofit/>
           </a:bodyPr>
           <a:lstStyle/>
           <a:p>
-            <a:pPr marL="0" lvl="0" indent="0" algn="l" rtl="0">
+            <a:pPr indent="0" lvl="0" marL="0" rtl="0" algn="l">
               <a:spcBef>
                 <a:spcPts val="0"/>
               </a:spcBef>
@@ -1441,6 +1581,9 @@
               </a:spcAft>
               <a:buNone/>
             </a:pPr>
+            <a:r>
+              <a:t/>
+            </a:r>
             <a:endParaRPr/>
           </a:p>
         </p:txBody>
@@ -1454,11 +1597,11 @@
 </file>
 
 <file path=ppt/notesSlides/notesSlide8.xml><?xml version="1.0" encoding="utf-8"?>
-<p:notes xmlns:a="http://schemas.openxmlformats.org/drawingml/2006/main" xmlns:r="http://schemas.openxmlformats.org/officeDocument/2006/relationships" xmlns:p="http://schemas.openxmlformats.org/presentationml/2006/main" showMasterSp="0" showMasterPhAnim="0">
+<p:notes xmlns:a="http://schemas.openxmlformats.org/drawingml/2006/main" xmlns:r="http://schemas.openxmlformats.org/officeDocument/2006/relationships" xmlns:mc="http://schemas.openxmlformats.org/markup-compatibility/2006" xmlns:mv="urn:schemas-microsoft-com:mac:vml" xmlns:p="http://schemas.openxmlformats.org/presentationml/2006/main" xmlns:c="http://schemas.openxmlformats.org/drawingml/2006/chart" xmlns:dgm="http://schemas.openxmlformats.org/drawingml/2006/diagram" xmlns:o="urn:schemas-microsoft-com:office:office" xmlns:v="urn:schemas-microsoft-com:vml" xmlns:pvml="urn:schemas-microsoft-com:office:powerpoint" xmlns:com="http://schemas.openxmlformats.org/drawingml/2006/compatibility" xmlns:p14="http://schemas.microsoft.com/office/powerpoint/2010/main" xmlns:p15="http://schemas.microsoft.com/office/powerpoint/2012/main" xmlns:ahyp="http://schemas.microsoft.com/office/drawing/2018/hyperlinkcolor" showMasterPhAnim="0" showMasterSp="0">
   <p:cSld>
     <p:spTree>
       <p:nvGrpSpPr>
-        <p:cNvPr id="1" name="Shape 174"/>
+        <p:cNvPr id="174" name="Shape 174"/>
         <p:cNvGrpSpPr/>
         <p:nvPr/>
       </p:nvGrpSpPr>
@@ -1473,11 +1616,9 @@
       <p:sp>
         <p:nvSpPr>
           <p:cNvPr id="175" name="Google Shape;175;g28a5ece5f68_0_162:notes"/>
-          <p:cNvSpPr>
-            <a:spLocks noGrp="1" noRot="1" noChangeAspect="1"/>
-          </p:cNvSpPr>
+          <p:cNvSpPr/>
           <p:nvPr>
-            <p:ph type="sldImg" idx="2"/>
+            <p:ph idx="2" type="sldImg"/>
           </p:nvPr>
         </p:nvSpPr>
         <p:spPr>
@@ -1486,13 +1627,9 @@
             <a:ext cx="6096000" cy="3429000"/>
           </a:xfrm>
           <a:custGeom>
-            <a:avLst/>
-            <a:gdLst/>
-            <a:ahLst/>
-            <a:cxnLst/>
-            <a:rect l="l" t="t" r="r" b="b"/>
+            <a:rect b="b" l="l" r="r" t="t"/>
             <a:pathLst>
-              <a:path w="120000" h="120000" extrusionOk="0">
+              <a:path extrusionOk="0" h="120000" w="120000">
                 <a:moveTo>
                   <a:pt x="0" y="0"/>
                 </a:moveTo>
@@ -1514,11 +1651,9 @@
       <p:sp>
         <p:nvSpPr>
           <p:cNvPr id="176" name="Google Shape;176;g28a5ece5f68_0_162:notes"/>
-          <p:cNvSpPr txBox="1">
-            <a:spLocks noGrp="1"/>
-          </p:cNvSpPr>
+          <p:cNvSpPr txBox="1"/>
           <p:nvPr>
-            <p:ph type="body" idx="1"/>
+            <p:ph idx="1" type="body"/>
           </p:nvPr>
         </p:nvSpPr>
         <p:spPr>
@@ -1531,12 +1666,12 @@
           </a:prstGeom>
         </p:spPr>
         <p:txBody>
-          <a:bodyPr spcFirstLastPara="1" wrap="square" lIns="91425" tIns="91425" rIns="91425" bIns="91425" anchor="t" anchorCtr="0">
+          <a:bodyPr anchorCtr="0" anchor="t" bIns="91425" lIns="91425" spcFirstLastPara="1" rIns="91425" wrap="square" tIns="91425">
             <a:noAutofit/>
           </a:bodyPr>
           <a:lstStyle/>
           <a:p>
-            <a:pPr marL="0" lvl="0" indent="0" algn="l" rtl="0">
+            <a:pPr indent="0" lvl="0" marL="0" rtl="0" algn="l">
               <a:spcBef>
                 <a:spcPts val="0"/>
               </a:spcBef>
@@ -1545,6 +1680,9 @@
               </a:spcAft>
               <a:buNone/>
             </a:pPr>
+            <a:r>
+              <a:t/>
+            </a:r>
             <a:endParaRPr/>
           </a:p>
         </p:txBody>
@@ -1558,11 +1696,11 @@
 </file>
 
 <file path=ppt/notesSlides/notesSlide9.xml><?xml version="1.0" encoding="utf-8"?>
-<p:notes xmlns:a="http://schemas.openxmlformats.org/drawingml/2006/main" xmlns:r="http://schemas.openxmlformats.org/officeDocument/2006/relationships" xmlns:p="http://schemas.openxmlformats.org/presentationml/2006/main" showMasterSp="0" showMasterPhAnim="0">
+<p:notes xmlns:a="http://schemas.openxmlformats.org/drawingml/2006/main" xmlns:r="http://schemas.openxmlformats.org/officeDocument/2006/relationships" xmlns:mc="http://schemas.openxmlformats.org/markup-compatibility/2006" xmlns:mv="urn:schemas-microsoft-com:mac:vml" xmlns:p="http://schemas.openxmlformats.org/presentationml/2006/main" xmlns:c="http://schemas.openxmlformats.org/drawingml/2006/chart" xmlns:dgm="http://schemas.openxmlformats.org/drawingml/2006/diagram" xmlns:o="urn:schemas-microsoft-com:office:office" xmlns:v="urn:schemas-microsoft-com:vml" xmlns:pvml="urn:schemas-microsoft-com:office:powerpoint" xmlns:com="http://schemas.openxmlformats.org/drawingml/2006/compatibility" xmlns:p14="http://schemas.microsoft.com/office/powerpoint/2010/main" xmlns:p15="http://schemas.microsoft.com/office/powerpoint/2012/main" xmlns:ahyp="http://schemas.microsoft.com/office/drawing/2018/hyperlinkcolor" showMasterPhAnim="0" showMasterSp="0">
   <p:cSld>
     <p:spTree>
       <p:nvGrpSpPr>
-        <p:cNvPr id="1" name="Shape 181"/>
+        <p:cNvPr id="181" name="Shape 181"/>
         <p:cNvGrpSpPr/>
         <p:nvPr/>
       </p:nvGrpSpPr>
@@ -1576,27 +1714,21 @@
       </p:grpSpPr>
       <p:sp>
         <p:nvSpPr>
-          <p:cNvPr id="182" name="Google Shape;182;g28a5ece5f68_0_169:notes"/>
-          <p:cNvSpPr>
-            <a:spLocks noGrp="1" noRot="1" noChangeAspect="1"/>
-          </p:cNvSpPr>
+          <p:cNvPr id="182" name="Google Shape;182;g28a5ece5f68_0_175:notes"/>
+          <p:cNvSpPr/>
           <p:nvPr>
-            <p:ph type="sldImg" idx="2"/>
+            <p:ph idx="2" type="sldImg"/>
           </p:nvPr>
         </p:nvSpPr>
         <p:spPr>
           <a:xfrm>
-            <a:off x="381000" y="685800"/>
+            <a:off x="381300" y="685800"/>
             <a:ext cx="6096000" cy="3429000"/>
           </a:xfrm>
           <a:custGeom>
-            <a:avLst/>
-            <a:gdLst/>
-            <a:ahLst/>
-            <a:cxnLst/>
-            <a:rect l="l" t="t" r="r" b="b"/>
+            <a:rect b="b" l="l" r="r" t="t"/>
             <a:pathLst>
-              <a:path w="120000" h="120000" extrusionOk="0">
+              <a:path extrusionOk="0" h="120000" w="120000">
                 <a:moveTo>
                   <a:pt x="0" y="0"/>
                 </a:moveTo>
@@ -1617,12 +1749,10 @@
       </p:sp>
       <p:sp>
         <p:nvSpPr>
-          <p:cNvPr id="183" name="Google Shape;183;g28a5ece5f68_0_169:notes"/>
-          <p:cNvSpPr txBox="1">
-            <a:spLocks noGrp="1"/>
-          </p:cNvSpPr>
+          <p:cNvPr id="183" name="Google Shape;183;g28a5ece5f68_0_175:notes"/>
+          <p:cNvSpPr txBox="1"/>
           <p:nvPr>
-            <p:ph type="body" idx="1"/>
+            <p:ph idx="1" type="body"/>
           </p:nvPr>
         </p:nvSpPr>
         <p:spPr>
@@ -1635,12 +1765,12 @@
           </a:prstGeom>
         </p:spPr>
         <p:txBody>
-          <a:bodyPr spcFirstLastPara="1" wrap="square" lIns="91425" tIns="91425" rIns="91425" bIns="91425" anchor="t" anchorCtr="0">
+          <a:bodyPr anchorCtr="0" anchor="t" bIns="91425" lIns="91425" spcFirstLastPara="1" rIns="91425" wrap="square" tIns="91425">
             <a:noAutofit/>
           </a:bodyPr>
           <a:lstStyle/>
           <a:p>
-            <a:pPr marL="0" lvl="0" indent="0" algn="l" rtl="0">
+            <a:pPr indent="0" lvl="0" marL="0" rtl="0" algn="l">
               <a:spcBef>
                 <a:spcPts val="0"/>
               </a:spcBef>
@@ -1649,6 +1779,9 @@
               </a:spcAft>
               <a:buNone/>
             </a:pPr>
+            <a:r>
+              <a:t/>
+            </a:r>
             <a:endParaRPr/>
           </a:p>
         </p:txBody>
@@ -1662,19 +1795,18 @@
 </file>
 
 <file path=ppt/slideLayouts/slideLayout1.xml><?xml version="1.0" encoding="utf-8"?>
-<p:sldLayout xmlns:a="http://schemas.openxmlformats.org/drawingml/2006/main" xmlns:r="http://schemas.openxmlformats.org/officeDocument/2006/relationships" xmlns:p="http://schemas.openxmlformats.org/presentationml/2006/main" matchingName="Title slide" type="title">
+<p:sldLayout xmlns:a="http://schemas.openxmlformats.org/drawingml/2006/main" xmlns:r="http://schemas.openxmlformats.org/officeDocument/2006/relationships" xmlns:mc="http://schemas.openxmlformats.org/markup-compatibility/2006" xmlns:mv="urn:schemas-microsoft-com:mac:vml" xmlns:p="http://schemas.openxmlformats.org/presentationml/2006/main" xmlns:c="http://schemas.openxmlformats.org/drawingml/2006/chart" xmlns:dgm="http://schemas.openxmlformats.org/drawingml/2006/diagram" xmlns:o="urn:schemas-microsoft-com:office:office" xmlns:v="urn:schemas-microsoft-com:vml" xmlns:pvml="urn:schemas-microsoft-com:office:powerpoint" xmlns:com="http://schemas.openxmlformats.org/drawingml/2006/compatibility" xmlns:p14="http://schemas.microsoft.com/office/powerpoint/2010/main" xmlns:p15="http://schemas.microsoft.com/office/powerpoint/2012/main" xmlns:ahyp="http://schemas.microsoft.com/office/drawing/2018/hyperlinkcolor" matchingName="Title slide" type="title">
   <p:cSld name="TITLE">
     <p:bg>
       <p:bgPr>
         <a:solidFill>
           <a:schemeClr val="accent6"/>
         </a:solidFill>
-        <a:effectLst/>
       </p:bgPr>
     </p:bg>
     <p:spTree>
       <p:nvGrpSpPr>
-        <p:cNvPr id="1" name="Shape 9"/>
+        <p:cNvPr id="9" name="Shape 9"/>
         <p:cNvGrpSpPr/>
         <p:nvPr/>
       </p:nvGrpSpPr>
@@ -1708,12 +1840,12 @@
           </a:ln>
         </p:spPr>
         <p:txBody>
-          <a:bodyPr spcFirstLastPara="1" wrap="square" lIns="91425" tIns="91425" rIns="91425" bIns="91425" anchor="ctr" anchorCtr="0">
+          <a:bodyPr anchorCtr="0" anchor="ctr" bIns="91425" lIns="91425" spcFirstLastPara="1" rIns="91425" wrap="square" tIns="91425">
             <a:noAutofit/>
           </a:bodyPr>
           <a:lstStyle/>
           <a:p>
-            <a:pPr marL="0" lvl="0" indent="0" algn="l" rtl="0">
+            <a:pPr indent="0" lvl="0" marL="0" rtl="0" algn="l">
               <a:spcBef>
                 <a:spcPts val="0"/>
               </a:spcBef>
@@ -1722,6 +1854,9 @@
               </a:spcAft>
               <a:buNone/>
             </a:pPr>
+            <a:r>
+              <a:t/>
+            </a:r>
             <a:endParaRPr/>
           </a:p>
         </p:txBody>
@@ -1748,12 +1883,12 @@
           </a:ln>
         </p:spPr>
         <p:txBody>
-          <a:bodyPr spcFirstLastPara="1" wrap="square" lIns="91425" tIns="91425" rIns="91425" bIns="91425" anchor="ctr" anchorCtr="0">
+          <a:bodyPr anchorCtr="0" anchor="ctr" bIns="91425" lIns="91425" spcFirstLastPara="1" rIns="91425" wrap="square" tIns="91425">
             <a:noAutofit/>
           </a:bodyPr>
           <a:lstStyle/>
           <a:p>
-            <a:pPr marL="0" lvl="0" indent="0" algn="l" rtl="0">
+            <a:pPr indent="0" lvl="0" marL="0" rtl="0" algn="l">
               <a:spcBef>
                 <a:spcPts val="0"/>
               </a:spcBef>
@@ -1762,6 +1897,9 @@
               </a:spcAft>
               <a:buNone/>
             </a:pPr>
+            <a:r>
+              <a:t/>
+            </a:r>
             <a:endParaRPr/>
           </a:p>
         </p:txBody>
@@ -1788,12 +1926,12 @@
           </a:ln>
         </p:spPr>
         <p:txBody>
-          <a:bodyPr spcFirstLastPara="1" wrap="square" lIns="91425" tIns="91425" rIns="91425" bIns="91425" anchor="ctr" anchorCtr="0">
+          <a:bodyPr anchorCtr="0" anchor="ctr" bIns="91425" lIns="91425" spcFirstLastPara="1" rIns="91425" wrap="square" tIns="91425">
             <a:noAutofit/>
           </a:bodyPr>
           <a:lstStyle/>
           <a:p>
-            <a:pPr marL="0" lvl="0" indent="0" algn="l" rtl="0">
+            <a:pPr indent="0" lvl="0" marL="0" rtl="0" algn="l">
               <a:spcBef>
                 <a:spcPts val="0"/>
               </a:spcBef>
@@ -1802,6 +1940,9 @@
               </a:spcAft>
               <a:buNone/>
             </a:pPr>
+            <a:r>
+              <a:t/>
+            </a:r>
             <a:endParaRPr/>
           </a:p>
         </p:txBody>
@@ -1827,7 +1968,7 @@
             <a:noFill/>
           </a:ln>
           <a:effectLst>
-            <a:outerShdw blurRad="228600" sx="101000" sy="101000" algn="ctr" rotWithShape="0">
+            <a:outerShdw blurRad="228600" sx="101000" rotWithShape="0" algn="ctr" sy="101000">
               <a:srgbClr val="000000">
                 <a:alpha val="40000"/>
               </a:srgbClr>
@@ -1835,12 +1976,12 @@
           </a:effectLst>
         </p:spPr>
         <p:txBody>
-          <a:bodyPr spcFirstLastPara="1" wrap="square" lIns="91425" tIns="91425" rIns="91425" bIns="91425" anchor="ctr" anchorCtr="0">
+          <a:bodyPr anchorCtr="0" anchor="ctr" bIns="91425" lIns="91425" spcFirstLastPara="1" rIns="91425" wrap="square" tIns="91425">
             <a:noAutofit/>
           </a:bodyPr>
           <a:lstStyle/>
           <a:p>
-            <a:pPr marL="0" lvl="0" indent="0" algn="l" rtl="0">
+            <a:pPr indent="0" lvl="0" marL="0" rtl="0" algn="l">
               <a:spcBef>
                 <a:spcPts val="0"/>
               </a:spcBef>
@@ -1849,6 +1990,9 @@
               </a:spcAft>
               <a:buNone/>
             </a:pPr>
+            <a:r>
+              <a:t/>
+            </a:r>
             <a:endParaRPr/>
           </a:p>
         </p:txBody>
@@ -1880,7 +2024,7 @@
             </a:xfrm>
             <a:prstGeom prst="parallelogram">
               <a:avLst>
-                <a:gd name="adj" fmla="val 153193"/>
+                <a:gd fmla="val 153193" name="adj"/>
               </a:avLst>
             </a:prstGeom>
             <a:solidFill>
@@ -1891,12 +2035,12 @@
             </a:ln>
           </p:spPr>
           <p:txBody>
-            <a:bodyPr spcFirstLastPara="1" wrap="square" lIns="91425" tIns="91425" rIns="91425" bIns="91425" anchor="ctr" anchorCtr="0">
+            <a:bodyPr anchorCtr="0" anchor="ctr" bIns="91425" lIns="91425" spcFirstLastPara="1" rIns="91425" wrap="square" tIns="91425">
               <a:noAutofit/>
             </a:bodyPr>
             <a:lstStyle/>
             <a:p>
-              <a:pPr marL="0" lvl="0" indent="0" algn="l" rtl="0">
+              <a:pPr indent="0" lvl="0" marL="0" rtl="0" algn="l">
                 <a:spcBef>
                   <a:spcPts val="0"/>
                 </a:spcBef>
@@ -1905,6 +2049,9 @@
                 </a:spcAft>
                 <a:buNone/>
               </a:pPr>
+              <a:r>
+                <a:t/>
+              </a:r>
               <a:endParaRPr/>
             </a:p>
           </p:txBody>
@@ -1922,7 +2069,7 @@
             </a:xfrm>
             <a:prstGeom prst="parallelogram">
               <a:avLst>
-                <a:gd name="adj" fmla="val 153193"/>
+                <a:gd fmla="val 153193" name="adj"/>
               </a:avLst>
             </a:prstGeom>
             <a:solidFill>
@@ -1933,12 +2080,12 @@
             </a:ln>
           </p:spPr>
           <p:txBody>
-            <a:bodyPr spcFirstLastPara="1" wrap="square" lIns="91425" tIns="91425" rIns="91425" bIns="91425" anchor="ctr" anchorCtr="0">
+            <a:bodyPr anchorCtr="0" anchor="ctr" bIns="91425" lIns="91425" spcFirstLastPara="1" rIns="91425" wrap="square" tIns="91425">
               <a:noAutofit/>
             </a:bodyPr>
             <a:lstStyle/>
             <a:p>
-              <a:pPr marL="0" lvl="0" indent="0" algn="l" rtl="0">
+              <a:pPr indent="0" lvl="0" marL="0" rtl="0" algn="l">
                 <a:spcBef>
                   <a:spcPts val="0"/>
                 </a:spcBef>
@@ -1947,6 +2094,9 @@
                 </a:spcAft>
                 <a:buNone/>
               </a:pPr>
+              <a:r>
+                <a:t/>
+              </a:r>
               <a:endParaRPr/>
             </a:p>
           </p:txBody>
@@ -1964,7 +2114,7 @@
             </a:xfrm>
             <a:prstGeom prst="parallelogram">
               <a:avLst>
-                <a:gd name="adj" fmla="val 153193"/>
+                <a:gd fmla="val 153193" name="adj"/>
               </a:avLst>
             </a:prstGeom>
             <a:solidFill>
@@ -1975,12 +2125,12 @@
             </a:ln>
           </p:spPr>
           <p:txBody>
-            <a:bodyPr spcFirstLastPara="1" wrap="square" lIns="91425" tIns="91425" rIns="91425" bIns="91425" anchor="ctr" anchorCtr="0">
+            <a:bodyPr anchorCtr="0" anchor="ctr" bIns="91425" lIns="91425" spcFirstLastPara="1" rIns="91425" wrap="square" tIns="91425">
               <a:noAutofit/>
             </a:bodyPr>
             <a:lstStyle/>
             <a:p>
-              <a:pPr marL="0" lvl="0" indent="0" algn="l" rtl="0">
+              <a:pPr indent="0" lvl="0" marL="0" rtl="0" algn="l">
                 <a:spcBef>
                   <a:spcPts val="0"/>
                 </a:spcBef>
@@ -1989,6 +2139,9 @@
                 </a:spcAft>
                 <a:buNone/>
               </a:pPr>
+              <a:r>
+                <a:t/>
+              </a:r>
               <a:endParaRPr/>
             </a:p>
           </p:txBody>
@@ -2021,7 +2174,7 @@
             </a:xfrm>
             <a:prstGeom prst="parallelogram">
               <a:avLst>
-                <a:gd name="adj" fmla="val 153193"/>
+                <a:gd fmla="val 153193" name="adj"/>
               </a:avLst>
             </a:prstGeom>
             <a:solidFill>
@@ -2032,12 +2185,12 @@
             </a:ln>
           </p:spPr>
           <p:txBody>
-            <a:bodyPr spcFirstLastPara="1" wrap="square" lIns="91425" tIns="91425" rIns="91425" bIns="91425" anchor="ctr" anchorCtr="0">
+            <a:bodyPr anchorCtr="0" anchor="ctr" bIns="91425" lIns="91425" spcFirstLastPara="1" rIns="91425" wrap="square" tIns="91425">
               <a:noAutofit/>
             </a:bodyPr>
             <a:lstStyle/>
             <a:p>
-              <a:pPr marL="0" lvl="0" indent="0" algn="l" rtl="0">
+              <a:pPr indent="0" lvl="0" marL="0" rtl="0" algn="l">
                 <a:spcBef>
                   <a:spcPts val="0"/>
                 </a:spcBef>
@@ -2046,6 +2199,9 @@
                 </a:spcAft>
                 <a:buNone/>
               </a:pPr>
+              <a:r>
+                <a:t/>
+              </a:r>
               <a:endParaRPr/>
             </a:p>
           </p:txBody>
@@ -2063,7 +2219,7 @@
             </a:xfrm>
             <a:prstGeom prst="parallelogram">
               <a:avLst>
-                <a:gd name="adj" fmla="val 153193"/>
+                <a:gd fmla="val 153193" name="adj"/>
               </a:avLst>
             </a:prstGeom>
             <a:solidFill>
@@ -2074,12 +2230,12 @@
             </a:ln>
           </p:spPr>
           <p:txBody>
-            <a:bodyPr spcFirstLastPara="1" wrap="square" lIns="91425" tIns="91425" rIns="91425" bIns="91425" anchor="ctr" anchorCtr="0">
+            <a:bodyPr anchorCtr="0" anchor="ctr" bIns="91425" lIns="91425" spcFirstLastPara="1" rIns="91425" wrap="square" tIns="91425">
               <a:noAutofit/>
             </a:bodyPr>
             <a:lstStyle/>
             <a:p>
-              <a:pPr marL="0" lvl="0" indent="0" algn="l" rtl="0">
+              <a:pPr indent="0" lvl="0" marL="0" rtl="0" algn="l">
                 <a:spcBef>
                   <a:spcPts val="0"/>
                 </a:spcBef>
@@ -2088,6 +2244,9 @@
                 </a:spcAft>
                 <a:buNone/>
               </a:pPr>
+              <a:r>
+                <a:t/>
+              </a:r>
               <a:endParaRPr/>
             </a:p>
           </p:txBody>
@@ -2105,7 +2264,7 @@
             </a:xfrm>
             <a:prstGeom prst="parallelogram">
               <a:avLst>
-                <a:gd name="adj" fmla="val 153193"/>
+                <a:gd fmla="val 153193" name="adj"/>
               </a:avLst>
             </a:prstGeom>
             <a:solidFill>
@@ -2116,12 +2275,12 @@
             </a:ln>
           </p:spPr>
           <p:txBody>
-            <a:bodyPr spcFirstLastPara="1" wrap="square" lIns="91425" tIns="91425" rIns="91425" bIns="91425" anchor="ctr" anchorCtr="0">
+            <a:bodyPr anchorCtr="0" anchor="ctr" bIns="91425" lIns="91425" spcFirstLastPara="1" rIns="91425" wrap="square" tIns="91425">
               <a:noAutofit/>
             </a:bodyPr>
             <a:lstStyle/>
             <a:p>
-              <a:pPr marL="0" lvl="0" indent="0" algn="l" rtl="0">
+              <a:pPr indent="0" lvl="0" marL="0" rtl="0" algn="l">
                 <a:spcBef>
                   <a:spcPts val="0"/>
                 </a:spcBef>
@@ -2130,6 +2289,9 @@
                 </a:spcAft>
                 <a:buNone/>
               </a:pPr>
+              <a:r>
+                <a:t/>
+              </a:r>
               <a:endParaRPr/>
             </a:p>
           </p:txBody>
@@ -2162,7 +2324,7 @@
             </a:xfrm>
             <a:prstGeom prst="parallelogram">
               <a:avLst>
-                <a:gd name="adj" fmla="val 158024"/>
+                <a:gd fmla="val 158024" name="adj"/>
               </a:avLst>
             </a:prstGeom>
             <a:solidFill>
@@ -2173,12 +2335,12 @@
             </a:ln>
           </p:spPr>
           <p:txBody>
-            <a:bodyPr spcFirstLastPara="1" wrap="square" lIns="91425" tIns="91425" rIns="91425" bIns="91425" anchor="ctr" anchorCtr="0">
+            <a:bodyPr anchorCtr="0" anchor="ctr" bIns="91425" lIns="91425" spcFirstLastPara="1" rIns="91425" wrap="square" tIns="91425">
               <a:noAutofit/>
             </a:bodyPr>
             <a:lstStyle/>
             <a:p>
-              <a:pPr marL="0" lvl="0" indent="0" algn="l" rtl="0">
+              <a:pPr indent="0" lvl="0" marL="0" rtl="0" algn="l">
                 <a:spcBef>
                   <a:spcPts val="0"/>
                 </a:spcBef>
@@ -2187,6 +2349,9 @@
                 </a:spcAft>
                 <a:buNone/>
               </a:pPr>
+              <a:r>
+                <a:t/>
+              </a:r>
               <a:endParaRPr/>
             </a:p>
           </p:txBody>
@@ -2204,7 +2369,7 @@
             </a:xfrm>
             <a:prstGeom prst="parallelogram">
               <a:avLst>
-                <a:gd name="adj" fmla="val 158024"/>
+                <a:gd fmla="val 158024" name="adj"/>
               </a:avLst>
             </a:prstGeom>
             <a:solidFill>
@@ -2215,12 +2380,12 @@
             </a:ln>
           </p:spPr>
           <p:txBody>
-            <a:bodyPr spcFirstLastPara="1" wrap="square" lIns="91425" tIns="91425" rIns="91425" bIns="91425" anchor="ctr" anchorCtr="0">
+            <a:bodyPr anchorCtr="0" anchor="ctr" bIns="91425" lIns="91425" spcFirstLastPara="1" rIns="91425" wrap="square" tIns="91425">
               <a:noAutofit/>
             </a:bodyPr>
             <a:lstStyle/>
             <a:p>
-              <a:pPr marL="0" lvl="0" indent="0" algn="l" rtl="0">
+              <a:pPr indent="0" lvl="0" marL="0" rtl="0" algn="l">
                 <a:spcBef>
                   <a:spcPts val="0"/>
                 </a:spcBef>
@@ -2229,6 +2394,9 @@
                 </a:spcAft>
                 <a:buNone/>
               </a:pPr>
+              <a:r>
+                <a:t/>
+              </a:r>
               <a:endParaRPr/>
             </a:p>
           </p:txBody>
@@ -2246,7 +2414,7 @@
             </a:xfrm>
             <a:prstGeom prst="parallelogram">
               <a:avLst>
-                <a:gd name="adj" fmla="val 158024"/>
+                <a:gd fmla="val 158024" name="adj"/>
               </a:avLst>
             </a:prstGeom>
             <a:solidFill>
@@ -2257,12 +2425,12 @@
             </a:ln>
           </p:spPr>
           <p:txBody>
-            <a:bodyPr spcFirstLastPara="1" wrap="square" lIns="91425" tIns="91425" rIns="91425" bIns="91425" anchor="ctr" anchorCtr="0">
+            <a:bodyPr anchorCtr="0" anchor="ctr" bIns="91425" lIns="91425" spcFirstLastPara="1" rIns="91425" wrap="square" tIns="91425">
               <a:noAutofit/>
             </a:bodyPr>
             <a:lstStyle/>
             <a:p>
-              <a:pPr marL="0" lvl="0" indent="0" algn="l" rtl="0">
+              <a:pPr indent="0" lvl="0" marL="0" rtl="0" algn="l">
                 <a:spcBef>
                   <a:spcPts val="0"/>
                 </a:spcBef>
@@ -2271,6 +2439,9 @@
                 </a:spcAft>
                 <a:buNone/>
               </a:pPr>
+              <a:r>
+                <a:t/>
+              </a:r>
               <a:endParaRPr/>
             </a:p>
           </p:txBody>
@@ -2303,7 +2474,7 @@
             </a:xfrm>
             <a:prstGeom prst="parallelogram">
               <a:avLst>
-                <a:gd name="adj" fmla="val 158024"/>
+                <a:gd fmla="val 158024" name="adj"/>
               </a:avLst>
             </a:prstGeom>
             <a:solidFill>
@@ -2314,12 +2485,12 @@
             </a:ln>
           </p:spPr>
           <p:txBody>
-            <a:bodyPr spcFirstLastPara="1" wrap="square" lIns="91425" tIns="91425" rIns="91425" bIns="91425" anchor="ctr" anchorCtr="0">
+            <a:bodyPr anchorCtr="0" anchor="ctr" bIns="91425" lIns="91425" spcFirstLastPara="1" rIns="91425" wrap="square" tIns="91425">
               <a:noAutofit/>
             </a:bodyPr>
             <a:lstStyle/>
             <a:p>
-              <a:pPr marL="0" lvl="0" indent="0" algn="l" rtl="0">
+              <a:pPr indent="0" lvl="0" marL="0" rtl="0" algn="l">
                 <a:spcBef>
                   <a:spcPts val="0"/>
                 </a:spcBef>
@@ -2328,6 +2499,9 @@
                 </a:spcAft>
                 <a:buNone/>
               </a:pPr>
+              <a:r>
+                <a:t/>
+              </a:r>
               <a:endParaRPr/>
             </a:p>
           </p:txBody>
@@ -2345,7 +2519,7 @@
             </a:xfrm>
             <a:prstGeom prst="parallelogram">
               <a:avLst>
-                <a:gd name="adj" fmla="val 158024"/>
+                <a:gd fmla="val 158024" name="adj"/>
               </a:avLst>
             </a:prstGeom>
             <a:solidFill>
@@ -2356,12 +2530,12 @@
             </a:ln>
           </p:spPr>
           <p:txBody>
-            <a:bodyPr spcFirstLastPara="1" wrap="square" lIns="91425" tIns="91425" rIns="91425" bIns="91425" anchor="ctr" anchorCtr="0">
+            <a:bodyPr anchorCtr="0" anchor="ctr" bIns="91425" lIns="91425" spcFirstLastPara="1" rIns="91425" wrap="square" tIns="91425">
               <a:noAutofit/>
             </a:bodyPr>
             <a:lstStyle/>
             <a:p>
-              <a:pPr marL="0" lvl="0" indent="0" algn="l" rtl="0">
+              <a:pPr indent="0" lvl="0" marL="0" rtl="0" algn="l">
                 <a:spcBef>
                   <a:spcPts val="0"/>
                 </a:spcBef>
@@ -2370,6 +2544,9 @@
                 </a:spcAft>
                 <a:buNone/>
               </a:pPr>
+              <a:r>
+                <a:t/>
+              </a:r>
               <a:endParaRPr/>
             </a:p>
           </p:txBody>
@@ -2387,7 +2564,7 @@
             </a:xfrm>
             <a:prstGeom prst="parallelogram">
               <a:avLst>
-                <a:gd name="adj" fmla="val 158024"/>
+                <a:gd fmla="val 158024" name="adj"/>
               </a:avLst>
             </a:prstGeom>
             <a:solidFill>
@@ -2398,12 +2575,12 @@
             </a:ln>
           </p:spPr>
           <p:txBody>
-            <a:bodyPr spcFirstLastPara="1" wrap="square" lIns="91425" tIns="91425" rIns="91425" bIns="91425" anchor="ctr" anchorCtr="0">
+            <a:bodyPr anchorCtr="0" anchor="ctr" bIns="91425" lIns="91425" spcFirstLastPara="1" rIns="91425" wrap="square" tIns="91425">
               <a:noAutofit/>
             </a:bodyPr>
             <a:lstStyle/>
             <a:p>
-              <a:pPr marL="0" lvl="0" indent="0" algn="l" rtl="0">
+              <a:pPr indent="0" lvl="0" marL="0" rtl="0" algn="l">
                 <a:spcBef>
                   <a:spcPts val="0"/>
                 </a:spcBef>
@@ -2412,6 +2589,9 @@
                 </a:spcAft>
                 <a:buNone/>
               </a:pPr>
+              <a:r>
+                <a:t/>
+              </a:r>
               <a:endParaRPr/>
             </a:p>
           </p:txBody>
@@ -2444,7 +2624,7 @@
             </a:xfrm>
             <a:prstGeom prst="parallelogram">
               <a:avLst>
-                <a:gd name="adj" fmla="val 158024"/>
+                <a:gd fmla="val 158024" name="adj"/>
               </a:avLst>
             </a:prstGeom>
             <a:solidFill>
@@ -2455,12 +2635,12 @@
             </a:ln>
           </p:spPr>
           <p:txBody>
-            <a:bodyPr spcFirstLastPara="1" wrap="square" lIns="91425" tIns="91425" rIns="91425" bIns="91425" anchor="ctr" anchorCtr="0">
+            <a:bodyPr anchorCtr="0" anchor="ctr" bIns="91425" lIns="91425" spcFirstLastPara="1" rIns="91425" wrap="square" tIns="91425">
               <a:noAutofit/>
             </a:bodyPr>
             <a:lstStyle/>
             <a:p>
-              <a:pPr marL="0" lvl="0" indent="0" algn="l" rtl="0">
+              <a:pPr indent="0" lvl="0" marL="0" rtl="0" algn="l">
                 <a:spcBef>
                   <a:spcPts val="0"/>
                 </a:spcBef>
@@ -2469,6 +2649,9 @@
                 </a:spcAft>
                 <a:buNone/>
               </a:pPr>
+              <a:r>
+                <a:t/>
+              </a:r>
               <a:endParaRPr/>
             </a:p>
           </p:txBody>
@@ -2486,7 +2669,7 @@
             </a:xfrm>
             <a:prstGeom prst="parallelogram">
               <a:avLst>
-                <a:gd name="adj" fmla="val 158024"/>
+                <a:gd fmla="val 158024" name="adj"/>
               </a:avLst>
             </a:prstGeom>
             <a:solidFill>
@@ -2497,12 +2680,12 @@
             </a:ln>
           </p:spPr>
           <p:txBody>
-            <a:bodyPr spcFirstLastPara="1" wrap="square" lIns="91425" tIns="91425" rIns="91425" bIns="91425" anchor="ctr" anchorCtr="0">
+            <a:bodyPr anchorCtr="0" anchor="ctr" bIns="91425" lIns="91425" spcFirstLastPara="1" rIns="91425" wrap="square" tIns="91425">
               <a:noAutofit/>
             </a:bodyPr>
             <a:lstStyle/>
             <a:p>
-              <a:pPr marL="0" lvl="0" indent="0" algn="l" rtl="0">
+              <a:pPr indent="0" lvl="0" marL="0" rtl="0" algn="l">
                 <a:spcBef>
                   <a:spcPts val="0"/>
                 </a:spcBef>
@@ -2511,6 +2694,9 @@
                 </a:spcAft>
                 <a:buNone/>
               </a:pPr>
+              <a:r>
+                <a:t/>
+              </a:r>
               <a:endParaRPr/>
             </a:p>
           </p:txBody>
@@ -2528,7 +2714,7 @@
             </a:xfrm>
             <a:prstGeom prst="parallelogram">
               <a:avLst>
-                <a:gd name="adj" fmla="val 158024"/>
+                <a:gd fmla="val 158024" name="adj"/>
               </a:avLst>
             </a:prstGeom>
             <a:solidFill>
@@ -2539,12 +2725,12 @@
             </a:ln>
           </p:spPr>
           <p:txBody>
-            <a:bodyPr spcFirstLastPara="1" wrap="square" lIns="91425" tIns="91425" rIns="91425" bIns="91425" anchor="ctr" anchorCtr="0">
+            <a:bodyPr anchorCtr="0" anchor="ctr" bIns="91425" lIns="91425" spcFirstLastPara="1" rIns="91425" wrap="square" tIns="91425">
               <a:noAutofit/>
             </a:bodyPr>
             <a:lstStyle/>
             <a:p>
-              <a:pPr marL="0" lvl="0" indent="0" algn="l" rtl="0">
+              <a:pPr indent="0" lvl="0" marL="0" rtl="0" algn="l">
                 <a:spcBef>
                   <a:spcPts val="0"/>
                 </a:spcBef>
@@ -2553,6 +2739,9 @@
                 </a:spcAft>
                 <a:buNone/>
               </a:pPr>
+              <a:r>
+                <a:t/>
+              </a:r>
               <a:endParaRPr/>
             </a:p>
           </p:txBody>
@@ -2561,9 +2750,7 @@
       <p:sp>
         <p:nvSpPr>
           <p:cNvPr id="34" name="Google Shape;34;p2"/>
-          <p:cNvSpPr txBox="1">
-            <a:spLocks noGrp="1"/>
-          </p:cNvSpPr>
+          <p:cNvSpPr txBox="1"/>
           <p:nvPr>
             <p:ph type="ctrTitle"/>
           </p:nvPr>
@@ -2578,7 +2765,7 @@
           </a:prstGeom>
         </p:spPr>
         <p:txBody>
-          <a:bodyPr spcFirstLastPara="1" wrap="square" lIns="91425" tIns="91425" rIns="91425" bIns="91425" anchor="ctr" anchorCtr="0">
+          <a:bodyPr anchorCtr="0" anchor="ctr" bIns="91425" lIns="91425" spcFirstLastPara="1" rIns="91425" wrap="square" tIns="91425">
             <a:normAutofit/>
           </a:bodyPr>
           <a:lstStyle>
@@ -2682,19 +2869,15 @@
               <a:defRPr sz="3800"/>
             </a:lvl9pPr>
           </a:lstStyle>
-          <a:p>
-            <a:endParaRPr/>
-          </a:p>
+          <a:p/>
         </p:txBody>
       </p:sp>
       <p:sp>
         <p:nvSpPr>
           <p:cNvPr id="35" name="Google Shape;35;p2"/>
-          <p:cNvSpPr txBox="1">
-            <a:spLocks noGrp="1"/>
-          </p:cNvSpPr>
+          <p:cNvSpPr txBox="1"/>
           <p:nvPr>
-            <p:ph type="subTitle" idx="1"/>
+            <p:ph idx="1" type="subTitle"/>
           </p:nvPr>
         </p:nvSpPr>
         <p:spPr>
@@ -2707,7 +2890,7 @@
           </a:prstGeom>
         </p:spPr>
         <p:txBody>
-          <a:bodyPr spcFirstLastPara="1" wrap="square" lIns="91425" tIns="91425" rIns="91425" bIns="91425" anchor="t" anchorCtr="0">
+          <a:bodyPr anchorCtr="0" anchor="t" bIns="91425" lIns="91425" spcFirstLastPara="1" rIns="91425" wrap="square" tIns="91425">
             <a:normAutofit/>
           </a:bodyPr>
           <a:lstStyle>
@@ -2901,19 +3084,15 @@
               </a:defRPr>
             </a:lvl9pPr>
           </a:lstStyle>
-          <a:p>
-            <a:endParaRPr/>
-          </a:p>
+          <a:p/>
         </p:txBody>
       </p:sp>
       <p:sp>
         <p:nvSpPr>
           <p:cNvPr id="36" name="Google Shape;36;p2"/>
-          <p:cNvSpPr txBox="1">
-            <a:spLocks noGrp="1"/>
-          </p:cNvSpPr>
+          <p:cNvSpPr txBox="1"/>
           <p:nvPr>
-            <p:ph type="sldNum" idx="12"/>
+            <p:ph idx="12" type="sldNum"/>
           </p:nvPr>
         </p:nvSpPr>
         <p:spPr>
@@ -2926,7 +3105,7 @@
           </a:prstGeom>
         </p:spPr>
         <p:txBody>
-          <a:bodyPr spcFirstLastPara="1" wrap="square" lIns="91425" tIns="91425" rIns="91425" bIns="91425" anchor="ctr" anchorCtr="0">
+          <a:bodyPr anchorCtr="0" anchor="ctr" bIns="91425" lIns="91425" spcFirstLastPara="1" rIns="91425" wrap="square" tIns="91425">
             <a:normAutofit/>
           </a:bodyPr>
           <a:lstStyle>
@@ -2968,7 +3147,7 @@
             </a:lvl9pPr>
           </a:lstStyle>
           <a:p>
-            <a:pPr marL="0" lvl="0" indent="0" algn="r" rtl="0">
+            <a:pPr indent="0" lvl="0" marL="0" rtl="0" algn="r">
               <a:spcBef>
                 <a:spcPts val="0"/>
               </a:spcBef>
@@ -2994,19 +3173,18 @@
 </file>
 
 <file path=ppt/slideLayouts/slideLayout10.xml><?xml version="1.0" encoding="utf-8"?>
-<p:sldLayout xmlns:a="http://schemas.openxmlformats.org/drawingml/2006/main" xmlns:r="http://schemas.openxmlformats.org/officeDocument/2006/relationships" xmlns:p="http://schemas.openxmlformats.org/presentationml/2006/main" matchingName="Big number">
+<p:sldLayout xmlns:a="http://schemas.openxmlformats.org/drawingml/2006/main" xmlns:r="http://schemas.openxmlformats.org/officeDocument/2006/relationships" xmlns:mc="http://schemas.openxmlformats.org/markup-compatibility/2006" xmlns:mv="urn:schemas-microsoft-com:mac:vml" xmlns:p="http://schemas.openxmlformats.org/presentationml/2006/main" xmlns:c="http://schemas.openxmlformats.org/drawingml/2006/chart" xmlns:dgm="http://schemas.openxmlformats.org/drawingml/2006/diagram" xmlns:o="urn:schemas-microsoft-com:office:office" xmlns:v="urn:schemas-microsoft-com:vml" xmlns:pvml="urn:schemas-microsoft-com:office:powerpoint" xmlns:com="http://schemas.openxmlformats.org/drawingml/2006/compatibility" xmlns:p14="http://schemas.microsoft.com/office/powerpoint/2010/main" xmlns:p15="http://schemas.microsoft.com/office/powerpoint/2012/main" xmlns:ahyp="http://schemas.microsoft.com/office/drawing/2018/hyperlinkcolor" matchingName="Big number">
   <p:cSld name="BIG_NUMBER">
     <p:bg>
       <p:bgPr>
         <a:solidFill>
           <a:schemeClr val="accent3"/>
         </a:solidFill>
-        <a:effectLst/>
       </p:bgPr>
     </p:bg>
     <p:spTree>
       <p:nvGrpSpPr>
-        <p:cNvPr id="1" name="Shape 109"/>
+        <p:cNvPr id="109" name="Shape 109"/>
         <p:cNvGrpSpPr/>
         <p:nvPr/>
       </p:nvGrpSpPr>
@@ -3040,12 +3218,12 @@
           </a:ln>
         </p:spPr>
         <p:txBody>
-          <a:bodyPr spcFirstLastPara="1" wrap="square" lIns="91425" tIns="91425" rIns="91425" bIns="91425" anchor="ctr" anchorCtr="0">
+          <a:bodyPr anchorCtr="0" anchor="ctr" bIns="91425" lIns="91425" spcFirstLastPara="1" rIns="91425" wrap="square" tIns="91425">
             <a:noAutofit/>
           </a:bodyPr>
           <a:lstStyle/>
           <a:p>
-            <a:pPr marL="0" lvl="0" indent="0" algn="l" rtl="0">
+            <a:pPr indent="0" lvl="0" marL="0" rtl="0" algn="l">
               <a:spcBef>
                 <a:spcPts val="0"/>
               </a:spcBef>
@@ -3054,6 +3232,9 @@
               </a:spcAft>
               <a:buNone/>
             </a:pPr>
+            <a:r>
+              <a:t/>
+            </a:r>
             <a:endParaRPr/>
           </a:p>
         </p:txBody>
@@ -3085,7 +3266,7 @@
             </a:xfrm>
             <a:prstGeom prst="parallelogram">
               <a:avLst>
-                <a:gd name="adj" fmla="val 158024"/>
+                <a:gd fmla="val 158024" name="adj"/>
               </a:avLst>
             </a:prstGeom>
             <a:solidFill>
@@ -3096,12 +3277,12 @@
             </a:ln>
           </p:spPr>
           <p:txBody>
-            <a:bodyPr spcFirstLastPara="1" wrap="square" lIns="91425" tIns="91425" rIns="91425" bIns="91425" anchor="ctr" anchorCtr="0">
+            <a:bodyPr anchorCtr="0" anchor="ctr" bIns="91425" lIns="91425" spcFirstLastPara="1" rIns="91425" wrap="square" tIns="91425">
               <a:noAutofit/>
             </a:bodyPr>
             <a:lstStyle/>
             <a:p>
-              <a:pPr marL="0" lvl="0" indent="0" algn="l" rtl="0">
+              <a:pPr indent="0" lvl="0" marL="0" rtl="0" algn="l">
                 <a:spcBef>
                   <a:spcPts val="0"/>
                 </a:spcBef>
@@ -3110,6 +3291,9 @@
                 </a:spcAft>
                 <a:buNone/>
               </a:pPr>
+              <a:r>
+                <a:t/>
+              </a:r>
               <a:endParaRPr/>
             </a:p>
           </p:txBody>
@@ -3127,7 +3311,7 @@
             </a:xfrm>
             <a:prstGeom prst="parallelogram">
               <a:avLst>
-                <a:gd name="adj" fmla="val 158024"/>
+                <a:gd fmla="val 158024" name="adj"/>
               </a:avLst>
             </a:prstGeom>
             <a:solidFill>
@@ -3138,12 +3322,12 @@
             </a:ln>
           </p:spPr>
           <p:txBody>
-            <a:bodyPr spcFirstLastPara="1" wrap="square" lIns="91425" tIns="91425" rIns="91425" bIns="91425" anchor="ctr" anchorCtr="0">
+            <a:bodyPr anchorCtr="0" anchor="ctr" bIns="91425" lIns="91425" spcFirstLastPara="1" rIns="91425" wrap="square" tIns="91425">
               <a:noAutofit/>
             </a:bodyPr>
             <a:lstStyle/>
             <a:p>
-              <a:pPr marL="0" lvl="0" indent="0" algn="l" rtl="0">
+              <a:pPr indent="0" lvl="0" marL="0" rtl="0" algn="l">
                 <a:spcBef>
                   <a:spcPts val="0"/>
                 </a:spcBef>
@@ -3152,6 +3336,9 @@
                 </a:spcAft>
                 <a:buNone/>
               </a:pPr>
+              <a:r>
+                <a:t/>
+              </a:r>
               <a:endParaRPr/>
             </a:p>
           </p:txBody>
@@ -3169,7 +3356,7 @@
             </a:xfrm>
             <a:prstGeom prst="parallelogram">
               <a:avLst>
-                <a:gd name="adj" fmla="val 158024"/>
+                <a:gd fmla="val 158024" name="adj"/>
               </a:avLst>
             </a:prstGeom>
             <a:solidFill>
@@ -3180,12 +3367,12 @@
             </a:ln>
           </p:spPr>
           <p:txBody>
-            <a:bodyPr spcFirstLastPara="1" wrap="square" lIns="91425" tIns="91425" rIns="91425" bIns="91425" anchor="ctr" anchorCtr="0">
+            <a:bodyPr anchorCtr="0" anchor="ctr" bIns="91425" lIns="91425" spcFirstLastPara="1" rIns="91425" wrap="square" tIns="91425">
               <a:noAutofit/>
             </a:bodyPr>
             <a:lstStyle/>
             <a:p>
-              <a:pPr marL="0" lvl="0" indent="0" algn="l" rtl="0">
+              <a:pPr indent="0" lvl="0" marL="0" rtl="0" algn="l">
                 <a:spcBef>
                   <a:spcPts val="0"/>
                 </a:spcBef>
@@ -3194,6 +3381,9 @@
                 </a:spcAft>
                 <a:buNone/>
               </a:pPr>
+              <a:r>
+                <a:t/>
+              </a:r>
               <a:endParaRPr/>
             </a:p>
           </p:txBody>
@@ -3226,7 +3416,7 @@
             </a:xfrm>
             <a:prstGeom prst="parallelogram">
               <a:avLst>
-                <a:gd name="adj" fmla="val 158024"/>
+                <a:gd fmla="val 158024" name="adj"/>
               </a:avLst>
             </a:prstGeom>
             <a:solidFill>
@@ -3237,12 +3427,12 @@
             </a:ln>
           </p:spPr>
           <p:txBody>
-            <a:bodyPr spcFirstLastPara="1" wrap="square" lIns="91425" tIns="91425" rIns="91425" bIns="91425" anchor="ctr" anchorCtr="0">
+            <a:bodyPr anchorCtr="0" anchor="ctr" bIns="91425" lIns="91425" spcFirstLastPara="1" rIns="91425" wrap="square" tIns="91425">
               <a:noAutofit/>
             </a:bodyPr>
             <a:lstStyle/>
             <a:p>
-              <a:pPr marL="0" lvl="0" indent="0" algn="l" rtl="0">
+              <a:pPr indent="0" lvl="0" marL="0" rtl="0" algn="l">
                 <a:spcBef>
                   <a:spcPts val="0"/>
                 </a:spcBef>
@@ -3251,6 +3441,9 @@
                 </a:spcAft>
                 <a:buNone/>
               </a:pPr>
+              <a:r>
+                <a:t/>
+              </a:r>
               <a:endParaRPr/>
             </a:p>
           </p:txBody>
@@ -3268,7 +3461,7 @@
             </a:xfrm>
             <a:prstGeom prst="parallelogram">
               <a:avLst>
-                <a:gd name="adj" fmla="val 158024"/>
+                <a:gd fmla="val 158024" name="adj"/>
               </a:avLst>
             </a:prstGeom>
             <a:solidFill>
@@ -3279,12 +3472,12 @@
             </a:ln>
           </p:spPr>
           <p:txBody>
-            <a:bodyPr spcFirstLastPara="1" wrap="square" lIns="91425" tIns="91425" rIns="91425" bIns="91425" anchor="ctr" anchorCtr="0">
+            <a:bodyPr anchorCtr="0" anchor="ctr" bIns="91425" lIns="91425" spcFirstLastPara="1" rIns="91425" wrap="square" tIns="91425">
               <a:noAutofit/>
             </a:bodyPr>
             <a:lstStyle/>
             <a:p>
-              <a:pPr marL="0" lvl="0" indent="0" algn="l" rtl="0">
+              <a:pPr indent="0" lvl="0" marL="0" rtl="0" algn="l">
                 <a:spcBef>
                   <a:spcPts val="0"/>
                 </a:spcBef>
@@ -3293,6 +3486,9 @@
                 </a:spcAft>
                 <a:buNone/>
               </a:pPr>
+              <a:r>
+                <a:t/>
+              </a:r>
               <a:endParaRPr/>
             </a:p>
           </p:txBody>
@@ -3310,7 +3506,7 @@
             </a:xfrm>
             <a:prstGeom prst="parallelogram">
               <a:avLst>
-                <a:gd name="adj" fmla="val 158024"/>
+                <a:gd fmla="val 158024" name="adj"/>
               </a:avLst>
             </a:prstGeom>
             <a:solidFill>
@@ -3321,12 +3517,12 @@
             </a:ln>
           </p:spPr>
           <p:txBody>
-            <a:bodyPr spcFirstLastPara="1" wrap="square" lIns="91425" tIns="91425" rIns="91425" bIns="91425" anchor="ctr" anchorCtr="0">
+            <a:bodyPr anchorCtr="0" anchor="ctr" bIns="91425" lIns="91425" spcFirstLastPara="1" rIns="91425" wrap="square" tIns="91425">
               <a:noAutofit/>
             </a:bodyPr>
             <a:lstStyle/>
             <a:p>
-              <a:pPr marL="0" lvl="0" indent="0" algn="l" rtl="0">
+              <a:pPr indent="0" lvl="0" marL="0" rtl="0" algn="l">
                 <a:spcBef>
                   <a:spcPts val="0"/>
                 </a:spcBef>
@@ -3335,6 +3531,9 @@
                 </a:spcAft>
                 <a:buNone/>
               </a:pPr>
+              <a:r>
+                <a:t/>
+              </a:r>
               <a:endParaRPr/>
             </a:p>
           </p:txBody>
@@ -3343,11 +3542,9 @@
       <p:sp>
         <p:nvSpPr>
           <p:cNvPr id="119" name="Google Shape;119;p11"/>
-          <p:cNvSpPr txBox="1">
-            <a:spLocks noGrp="1"/>
-          </p:cNvSpPr>
+          <p:cNvSpPr txBox="1"/>
           <p:nvPr>
-            <p:ph type="title" hasCustomPrompt="1"/>
+            <p:ph hasCustomPrompt="1" type="title"/>
           </p:nvPr>
         </p:nvSpPr>
         <p:spPr>
@@ -3360,7 +3557,7 @@
           </a:prstGeom>
         </p:spPr>
         <p:txBody>
-          <a:bodyPr spcFirstLastPara="1" wrap="square" lIns="91425" tIns="91425" rIns="91425" bIns="91425" anchor="ctr" anchorCtr="0">
+          <a:bodyPr anchorCtr="0" anchor="ctr" bIns="91425" lIns="91425" spcFirstLastPara="1" rIns="91425" wrap="square" tIns="91425">
             <a:normAutofit/>
           </a:bodyPr>
           <a:lstStyle>
@@ -3537,11 +3734,9 @@
       <p:sp>
         <p:nvSpPr>
           <p:cNvPr id="120" name="Google Shape;120;p11"/>
-          <p:cNvSpPr txBox="1">
-            <a:spLocks noGrp="1"/>
-          </p:cNvSpPr>
+          <p:cNvSpPr txBox="1"/>
           <p:nvPr>
-            <p:ph type="body" idx="1"/>
+            <p:ph idx="1" type="body"/>
           </p:nvPr>
         </p:nvSpPr>
         <p:spPr>
@@ -3554,11 +3749,11 @@
           </a:prstGeom>
         </p:spPr>
         <p:txBody>
-          <a:bodyPr spcFirstLastPara="1" wrap="square" lIns="91425" tIns="91425" rIns="91425" bIns="91425" anchor="t" anchorCtr="0">
+          <a:bodyPr anchorCtr="0" anchor="t" bIns="91425" lIns="91425" spcFirstLastPara="1" rIns="91425" wrap="square" tIns="91425">
             <a:normAutofit/>
           </a:bodyPr>
           <a:lstStyle>
-            <a:lvl1pPr marL="457200" lvl="0" indent="-311150" algn="ctr">
+            <a:lvl1pPr indent="-311150" lvl="0" marL="457200" algn="ctr">
               <a:spcBef>
                 <a:spcPts val="0"/>
               </a:spcBef>
@@ -3569,7 +3764,7 @@
               <a:buChar char="●"/>
               <a:defRPr/>
             </a:lvl1pPr>
-            <a:lvl2pPr marL="914400" lvl="1" indent="-298450" algn="ctr">
+            <a:lvl2pPr indent="-298450" lvl="1" marL="914400" algn="ctr">
               <a:spcBef>
                 <a:spcPts val="0"/>
               </a:spcBef>
@@ -3580,7 +3775,7 @@
               <a:buChar char="○"/>
               <a:defRPr/>
             </a:lvl2pPr>
-            <a:lvl3pPr marL="1371600" lvl="2" indent="-298450" algn="ctr">
+            <a:lvl3pPr indent="-298450" lvl="2" marL="1371600" algn="ctr">
               <a:spcBef>
                 <a:spcPts val="0"/>
               </a:spcBef>
@@ -3591,7 +3786,7 @@
               <a:buChar char="■"/>
               <a:defRPr/>
             </a:lvl3pPr>
-            <a:lvl4pPr marL="1828800" lvl="3" indent="-298450" algn="ctr">
+            <a:lvl4pPr indent="-298450" lvl="3" marL="1828800" algn="ctr">
               <a:spcBef>
                 <a:spcPts val="0"/>
               </a:spcBef>
@@ -3602,7 +3797,7 @@
               <a:buChar char="●"/>
               <a:defRPr/>
             </a:lvl4pPr>
-            <a:lvl5pPr marL="2286000" lvl="4" indent="-298450" algn="ctr">
+            <a:lvl5pPr indent="-298450" lvl="4" marL="2286000" algn="ctr">
               <a:spcBef>
                 <a:spcPts val="0"/>
               </a:spcBef>
@@ -3613,7 +3808,7 @@
               <a:buChar char="○"/>
               <a:defRPr/>
             </a:lvl5pPr>
-            <a:lvl6pPr marL="2743200" lvl="5" indent="-298450" algn="ctr">
+            <a:lvl6pPr indent="-298450" lvl="5" marL="2743200" algn="ctr">
               <a:spcBef>
                 <a:spcPts val="0"/>
               </a:spcBef>
@@ -3624,7 +3819,7 @@
               <a:buChar char="■"/>
               <a:defRPr/>
             </a:lvl6pPr>
-            <a:lvl7pPr marL="3200400" lvl="6" indent="-298450" algn="ctr">
+            <a:lvl7pPr indent="-298450" lvl="6" marL="3200400" algn="ctr">
               <a:spcBef>
                 <a:spcPts val="0"/>
               </a:spcBef>
@@ -3635,7 +3830,7 @@
               <a:buChar char="●"/>
               <a:defRPr/>
             </a:lvl7pPr>
-            <a:lvl8pPr marL="3657600" lvl="7" indent="-298450" algn="ctr">
+            <a:lvl8pPr indent="-298450" lvl="7" marL="3657600" algn="ctr">
               <a:spcBef>
                 <a:spcPts val="0"/>
               </a:spcBef>
@@ -3646,7 +3841,7 @@
               <a:buChar char="○"/>
               <a:defRPr/>
             </a:lvl8pPr>
-            <a:lvl9pPr marL="4114800" lvl="8" indent="-298450" algn="ctr">
+            <a:lvl9pPr indent="-298450" lvl="8" marL="4114800" algn="ctr">
               <a:spcBef>
                 <a:spcPts val="0"/>
               </a:spcBef>
@@ -3658,19 +3853,15 @@
               <a:defRPr/>
             </a:lvl9pPr>
           </a:lstStyle>
-          <a:p>
-            <a:endParaRPr/>
-          </a:p>
+          <a:p/>
         </p:txBody>
       </p:sp>
       <p:sp>
         <p:nvSpPr>
           <p:cNvPr id="121" name="Google Shape;121;p11"/>
-          <p:cNvSpPr txBox="1">
-            <a:spLocks noGrp="1"/>
-          </p:cNvSpPr>
+          <p:cNvSpPr txBox="1"/>
           <p:nvPr>
-            <p:ph type="sldNum" idx="12"/>
+            <p:ph idx="12" type="sldNum"/>
           </p:nvPr>
         </p:nvSpPr>
         <p:spPr>
@@ -3683,7 +3874,7 @@
           </a:prstGeom>
         </p:spPr>
         <p:txBody>
-          <a:bodyPr spcFirstLastPara="1" wrap="square" lIns="91425" tIns="91425" rIns="91425" bIns="91425" anchor="ctr" anchorCtr="0">
+          <a:bodyPr anchorCtr="0" anchor="ctr" bIns="91425" lIns="91425" spcFirstLastPara="1" rIns="91425" wrap="square" tIns="91425">
             <a:normAutofit/>
           </a:bodyPr>
           <a:lstStyle>
@@ -3725,7 +3916,7 @@
             </a:lvl9pPr>
           </a:lstStyle>
           <a:p>
-            <a:pPr marL="0" lvl="0" indent="0" algn="r" rtl="0">
+            <a:pPr indent="0" lvl="0" marL="0" rtl="0" algn="r">
               <a:spcBef>
                 <a:spcPts val="0"/>
               </a:spcBef>
@@ -3751,11 +3942,11 @@
 </file>
 
 <file path=ppt/slideLayouts/slideLayout11.xml><?xml version="1.0" encoding="utf-8"?>
-<p:sldLayout xmlns:a="http://schemas.openxmlformats.org/drawingml/2006/main" xmlns:r="http://schemas.openxmlformats.org/officeDocument/2006/relationships" xmlns:p="http://schemas.openxmlformats.org/presentationml/2006/main" matchingName="Blank" type="blank">
+<p:sldLayout xmlns:a="http://schemas.openxmlformats.org/drawingml/2006/main" xmlns:r="http://schemas.openxmlformats.org/officeDocument/2006/relationships" xmlns:mc="http://schemas.openxmlformats.org/markup-compatibility/2006" xmlns:mv="urn:schemas-microsoft-com:mac:vml" xmlns:p="http://schemas.openxmlformats.org/presentationml/2006/main" xmlns:c="http://schemas.openxmlformats.org/drawingml/2006/chart" xmlns:dgm="http://schemas.openxmlformats.org/drawingml/2006/diagram" xmlns:o="urn:schemas-microsoft-com:office:office" xmlns:v="urn:schemas-microsoft-com:vml" xmlns:pvml="urn:schemas-microsoft-com:office:powerpoint" xmlns:com="http://schemas.openxmlformats.org/drawingml/2006/compatibility" xmlns:p14="http://schemas.microsoft.com/office/powerpoint/2010/main" xmlns:p15="http://schemas.microsoft.com/office/powerpoint/2012/main" xmlns:ahyp="http://schemas.microsoft.com/office/drawing/2018/hyperlinkcolor" matchingName="Blank" type="blank">
   <p:cSld name="BLANK">
     <p:spTree>
       <p:nvGrpSpPr>
-        <p:cNvPr id="1" name="Shape 122"/>
+        <p:cNvPr id="122" name="Shape 122"/>
         <p:cNvGrpSpPr/>
         <p:nvPr/>
       </p:nvGrpSpPr>
@@ -3770,11 +3961,9 @@
       <p:sp>
         <p:nvSpPr>
           <p:cNvPr id="123" name="Google Shape;123;p12"/>
-          <p:cNvSpPr txBox="1">
-            <a:spLocks noGrp="1"/>
-          </p:cNvSpPr>
+          <p:cNvSpPr txBox="1"/>
           <p:nvPr>
-            <p:ph type="sldNum" idx="12"/>
+            <p:ph idx="12" type="sldNum"/>
           </p:nvPr>
         </p:nvSpPr>
         <p:spPr>
@@ -3787,7 +3976,7 @@
           </a:prstGeom>
         </p:spPr>
         <p:txBody>
-          <a:bodyPr spcFirstLastPara="1" wrap="square" lIns="91425" tIns="91425" rIns="91425" bIns="91425" anchor="ctr" anchorCtr="0">
+          <a:bodyPr anchorCtr="0" anchor="ctr" bIns="91425" lIns="91425" spcFirstLastPara="1" rIns="91425" wrap="square" tIns="91425">
             <a:normAutofit/>
           </a:bodyPr>
           <a:lstStyle>
@@ -3829,7 +4018,7 @@
             </a:lvl9pPr>
           </a:lstStyle>
           <a:p>
-            <a:pPr marL="0" lvl="0" indent="0" algn="r" rtl="0">
+            <a:pPr indent="0" lvl="0" marL="0" rtl="0" algn="r">
               <a:spcBef>
                 <a:spcPts val="0"/>
               </a:spcBef>
@@ -3855,19 +4044,18 @@
 </file>
 
 <file path=ppt/slideLayouts/slideLayout2.xml><?xml version="1.0" encoding="utf-8"?>
-<p:sldLayout xmlns:a="http://schemas.openxmlformats.org/drawingml/2006/main" xmlns:r="http://schemas.openxmlformats.org/officeDocument/2006/relationships" xmlns:p="http://schemas.openxmlformats.org/presentationml/2006/main" matchingName="Section header" type="secHead">
+<p:sldLayout xmlns:a="http://schemas.openxmlformats.org/drawingml/2006/main" xmlns:r="http://schemas.openxmlformats.org/officeDocument/2006/relationships" xmlns:mc="http://schemas.openxmlformats.org/markup-compatibility/2006" xmlns:mv="urn:schemas-microsoft-com:mac:vml" xmlns:p="http://schemas.openxmlformats.org/presentationml/2006/main" xmlns:c="http://schemas.openxmlformats.org/drawingml/2006/chart" xmlns:dgm="http://schemas.openxmlformats.org/drawingml/2006/diagram" xmlns:o="urn:schemas-microsoft-com:office:office" xmlns:v="urn:schemas-microsoft-com:vml" xmlns:pvml="urn:schemas-microsoft-com:office:powerpoint" xmlns:com="http://schemas.openxmlformats.org/drawingml/2006/compatibility" xmlns:p14="http://schemas.microsoft.com/office/powerpoint/2010/main" xmlns:p15="http://schemas.microsoft.com/office/powerpoint/2012/main" xmlns:ahyp="http://schemas.microsoft.com/office/drawing/2018/hyperlinkcolor" matchingName="Section header" type="secHead">
   <p:cSld name="SECTION_HEADER">
     <p:bg>
       <p:bgPr>
         <a:solidFill>
           <a:schemeClr val="accent3"/>
         </a:solidFill>
-        <a:effectLst/>
       </p:bgPr>
     </p:bg>
     <p:spTree>
       <p:nvGrpSpPr>
-        <p:cNvPr id="1" name="Shape 37"/>
+        <p:cNvPr id="37" name="Shape 37"/>
         <p:cNvGrpSpPr/>
         <p:nvPr/>
       </p:nvGrpSpPr>
@@ -3901,12 +4089,12 @@
           </a:ln>
         </p:spPr>
         <p:txBody>
-          <a:bodyPr spcFirstLastPara="1" wrap="square" lIns="91425" tIns="91425" rIns="91425" bIns="91425" anchor="ctr" anchorCtr="0">
+          <a:bodyPr anchorCtr="0" anchor="ctr" bIns="91425" lIns="91425" spcFirstLastPara="1" rIns="91425" wrap="square" tIns="91425">
             <a:noAutofit/>
           </a:bodyPr>
           <a:lstStyle/>
           <a:p>
-            <a:pPr marL="0" lvl="0" indent="0" algn="l" rtl="0">
+            <a:pPr indent="0" lvl="0" marL="0" rtl="0" algn="l">
               <a:spcBef>
                 <a:spcPts val="0"/>
               </a:spcBef>
@@ -3915,6 +4103,9 @@
               </a:spcAft>
               <a:buNone/>
             </a:pPr>
+            <a:r>
+              <a:t/>
+            </a:r>
             <a:endParaRPr/>
           </a:p>
         </p:txBody>
@@ -3946,7 +4137,7 @@
             </a:xfrm>
             <a:prstGeom prst="parallelogram">
               <a:avLst>
-                <a:gd name="adj" fmla="val 158024"/>
+                <a:gd fmla="val 158024" name="adj"/>
               </a:avLst>
             </a:prstGeom>
             <a:solidFill>
@@ -3957,12 +4148,12 @@
             </a:ln>
           </p:spPr>
           <p:txBody>
-            <a:bodyPr spcFirstLastPara="1" wrap="square" lIns="91425" tIns="91425" rIns="91425" bIns="91425" anchor="ctr" anchorCtr="0">
+            <a:bodyPr anchorCtr="0" anchor="ctr" bIns="91425" lIns="91425" spcFirstLastPara="1" rIns="91425" wrap="square" tIns="91425">
               <a:noAutofit/>
             </a:bodyPr>
             <a:lstStyle/>
             <a:p>
-              <a:pPr marL="0" lvl="0" indent="0" algn="l" rtl="0">
+              <a:pPr indent="0" lvl="0" marL="0" rtl="0" algn="l">
                 <a:spcBef>
                   <a:spcPts val="0"/>
                 </a:spcBef>
@@ -3971,6 +4162,9 @@
                 </a:spcAft>
                 <a:buNone/>
               </a:pPr>
+              <a:r>
+                <a:t/>
+              </a:r>
               <a:endParaRPr/>
             </a:p>
           </p:txBody>
@@ -3988,7 +4182,7 @@
             </a:xfrm>
             <a:prstGeom prst="parallelogram">
               <a:avLst>
-                <a:gd name="adj" fmla="val 158024"/>
+                <a:gd fmla="val 158024" name="adj"/>
               </a:avLst>
             </a:prstGeom>
             <a:solidFill>
@@ -3999,12 +4193,12 @@
             </a:ln>
           </p:spPr>
           <p:txBody>
-            <a:bodyPr spcFirstLastPara="1" wrap="square" lIns="91425" tIns="91425" rIns="91425" bIns="91425" anchor="ctr" anchorCtr="0">
+            <a:bodyPr anchorCtr="0" anchor="ctr" bIns="91425" lIns="91425" spcFirstLastPara="1" rIns="91425" wrap="square" tIns="91425">
               <a:noAutofit/>
             </a:bodyPr>
             <a:lstStyle/>
             <a:p>
-              <a:pPr marL="0" lvl="0" indent="0" algn="l" rtl="0">
+              <a:pPr indent="0" lvl="0" marL="0" rtl="0" algn="l">
                 <a:spcBef>
                   <a:spcPts val="0"/>
                 </a:spcBef>
@@ -4013,6 +4207,9 @@
                 </a:spcAft>
                 <a:buNone/>
               </a:pPr>
+              <a:r>
+                <a:t/>
+              </a:r>
               <a:endParaRPr/>
             </a:p>
           </p:txBody>
@@ -4030,7 +4227,7 @@
             </a:xfrm>
             <a:prstGeom prst="parallelogram">
               <a:avLst>
-                <a:gd name="adj" fmla="val 158024"/>
+                <a:gd fmla="val 158024" name="adj"/>
               </a:avLst>
             </a:prstGeom>
             <a:solidFill>
@@ -4041,12 +4238,12 @@
             </a:ln>
           </p:spPr>
           <p:txBody>
-            <a:bodyPr spcFirstLastPara="1" wrap="square" lIns="91425" tIns="91425" rIns="91425" bIns="91425" anchor="ctr" anchorCtr="0">
+            <a:bodyPr anchorCtr="0" anchor="ctr" bIns="91425" lIns="91425" spcFirstLastPara="1" rIns="91425" wrap="square" tIns="91425">
               <a:noAutofit/>
             </a:bodyPr>
             <a:lstStyle/>
             <a:p>
-              <a:pPr marL="0" lvl="0" indent="0" algn="l" rtl="0">
+              <a:pPr indent="0" lvl="0" marL="0" rtl="0" algn="l">
                 <a:spcBef>
                   <a:spcPts val="0"/>
                 </a:spcBef>
@@ -4055,6 +4252,9 @@
                 </a:spcAft>
                 <a:buNone/>
               </a:pPr>
+              <a:r>
+                <a:t/>
+              </a:r>
               <a:endParaRPr/>
             </a:p>
           </p:txBody>
@@ -4087,7 +4287,7 @@
             </a:xfrm>
             <a:prstGeom prst="parallelogram">
               <a:avLst>
-                <a:gd name="adj" fmla="val 158024"/>
+                <a:gd fmla="val 158024" name="adj"/>
               </a:avLst>
             </a:prstGeom>
             <a:solidFill>
@@ -4098,12 +4298,12 @@
             </a:ln>
           </p:spPr>
           <p:txBody>
-            <a:bodyPr spcFirstLastPara="1" wrap="square" lIns="91425" tIns="91425" rIns="91425" bIns="91425" anchor="ctr" anchorCtr="0">
+            <a:bodyPr anchorCtr="0" anchor="ctr" bIns="91425" lIns="91425" spcFirstLastPara="1" rIns="91425" wrap="square" tIns="91425">
               <a:noAutofit/>
             </a:bodyPr>
             <a:lstStyle/>
             <a:p>
-              <a:pPr marL="0" lvl="0" indent="0" algn="l" rtl="0">
+              <a:pPr indent="0" lvl="0" marL="0" rtl="0" algn="l">
                 <a:spcBef>
                   <a:spcPts val="0"/>
                 </a:spcBef>
@@ -4112,6 +4312,9 @@
                 </a:spcAft>
                 <a:buNone/>
               </a:pPr>
+              <a:r>
+                <a:t/>
+              </a:r>
               <a:endParaRPr/>
             </a:p>
           </p:txBody>
@@ -4129,7 +4332,7 @@
             </a:xfrm>
             <a:prstGeom prst="parallelogram">
               <a:avLst>
-                <a:gd name="adj" fmla="val 158024"/>
+                <a:gd fmla="val 158024" name="adj"/>
               </a:avLst>
             </a:prstGeom>
             <a:solidFill>
@@ -4140,12 +4343,12 @@
             </a:ln>
           </p:spPr>
           <p:txBody>
-            <a:bodyPr spcFirstLastPara="1" wrap="square" lIns="91425" tIns="91425" rIns="91425" bIns="91425" anchor="ctr" anchorCtr="0">
+            <a:bodyPr anchorCtr="0" anchor="ctr" bIns="91425" lIns="91425" spcFirstLastPara="1" rIns="91425" wrap="square" tIns="91425">
               <a:noAutofit/>
             </a:bodyPr>
             <a:lstStyle/>
             <a:p>
-              <a:pPr marL="0" lvl="0" indent="0" algn="l" rtl="0">
+              <a:pPr indent="0" lvl="0" marL="0" rtl="0" algn="l">
                 <a:spcBef>
                   <a:spcPts val="0"/>
                 </a:spcBef>
@@ -4154,6 +4357,9 @@
                 </a:spcAft>
                 <a:buNone/>
               </a:pPr>
+              <a:r>
+                <a:t/>
+              </a:r>
               <a:endParaRPr/>
             </a:p>
           </p:txBody>
@@ -4171,7 +4377,7 @@
             </a:xfrm>
             <a:prstGeom prst="parallelogram">
               <a:avLst>
-                <a:gd name="adj" fmla="val 158024"/>
+                <a:gd fmla="val 158024" name="adj"/>
               </a:avLst>
             </a:prstGeom>
             <a:solidFill>
@@ -4182,12 +4388,12 @@
             </a:ln>
           </p:spPr>
           <p:txBody>
-            <a:bodyPr spcFirstLastPara="1" wrap="square" lIns="91425" tIns="91425" rIns="91425" bIns="91425" anchor="ctr" anchorCtr="0">
+            <a:bodyPr anchorCtr="0" anchor="ctr" bIns="91425" lIns="91425" spcFirstLastPara="1" rIns="91425" wrap="square" tIns="91425">
               <a:noAutofit/>
             </a:bodyPr>
             <a:lstStyle/>
             <a:p>
-              <a:pPr marL="0" lvl="0" indent="0" algn="l" rtl="0">
+              <a:pPr indent="0" lvl="0" marL="0" rtl="0" algn="l">
                 <a:spcBef>
                   <a:spcPts val="0"/>
                 </a:spcBef>
@@ -4196,6 +4402,9 @@
                 </a:spcAft>
                 <a:buNone/>
               </a:pPr>
+              <a:r>
+                <a:t/>
+              </a:r>
               <a:endParaRPr/>
             </a:p>
           </p:txBody>
@@ -4204,9 +4413,7 @@
       <p:sp>
         <p:nvSpPr>
           <p:cNvPr id="47" name="Google Shape;47;p3"/>
-          <p:cNvSpPr txBox="1">
-            <a:spLocks noGrp="1"/>
-          </p:cNvSpPr>
+          <p:cNvSpPr txBox="1"/>
           <p:nvPr>
             <p:ph type="title"/>
           </p:nvPr>
@@ -4221,7 +4428,7 @@
           </a:prstGeom>
         </p:spPr>
         <p:txBody>
-          <a:bodyPr spcFirstLastPara="1" wrap="square" lIns="91425" tIns="91425" rIns="91425" bIns="91425" anchor="ctr" anchorCtr="0">
+          <a:bodyPr anchorCtr="0" anchor="ctr" bIns="91425" lIns="91425" spcFirstLastPara="1" rIns="91425" wrap="square" tIns="91425">
             <a:normAutofit/>
           </a:bodyPr>
           <a:lstStyle>
@@ -4388,19 +4595,15 @@
               </a:defRPr>
             </a:lvl9pPr>
           </a:lstStyle>
-          <a:p>
-            <a:endParaRPr/>
-          </a:p>
+          <a:p/>
         </p:txBody>
       </p:sp>
       <p:sp>
         <p:nvSpPr>
           <p:cNvPr id="48" name="Google Shape;48;p3"/>
-          <p:cNvSpPr txBox="1">
-            <a:spLocks noGrp="1"/>
-          </p:cNvSpPr>
+          <p:cNvSpPr txBox="1"/>
           <p:nvPr>
-            <p:ph type="sldNum" idx="12"/>
+            <p:ph idx="12" type="sldNum"/>
           </p:nvPr>
         </p:nvSpPr>
         <p:spPr>
@@ -4413,7 +4616,7 @@
           </a:prstGeom>
         </p:spPr>
         <p:txBody>
-          <a:bodyPr spcFirstLastPara="1" wrap="square" lIns="91425" tIns="91425" rIns="91425" bIns="91425" anchor="ctr" anchorCtr="0">
+          <a:bodyPr anchorCtr="0" anchor="ctr" bIns="91425" lIns="91425" spcFirstLastPara="1" rIns="91425" wrap="square" tIns="91425">
             <a:normAutofit/>
           </a:bodyPr>
           <a:lstStyle>
@@ -4455,7 +4658,7 @@
             </a:lvl9pPr>
           </a:lstStyle>
           <a:p>
-            <a:pPr marL="0" lvl="0" indent="0" algn="r" rtl="0">
+            <a:pPr indent="0" lvl="0" marL="0" rtl="0" algn="r">
               <a:spcBef>
                 <a:spcPts val="0"/>
               </a:spcBef>
@@ -4481,19 +4684,18 @@
 </file>
 
 <file path=ppt/slideLayouts/slideLayout3.xml><?xml version="1.0" encoding="utf-8"?>
-<p:sldLayout xmlns:a="http://schemas.openxmlformats.org/drawingml/2006/main" xmlns:r="http://schemas.openxmlformats.org/officeDocument/2006/relationships" xmlns:p="http://schemas.openxmlformats.org/presentationml/2006/main" matchingName="Title and body" type="tx">
+<p:sldLayout xmlns:a="http://schemas.openxmlformats.org/drawingml/2006/main" xmlns:r="http://schemas.openxmlformats.org/officeDocument/2006/relationships" xmlns:mc="http://schemas.openxmlformats.org/markup-compatibility/2006" xmlns:mv="urn:schemas-microsoft-com:mac:vml" xmlns:p="http://schemas.openxmlformats.org/presentationml/2006/main" xmlns:c="http://schemas.openxmlformats.org/drawingml/2006/chart" xmlns:dgm="http://schemas.openxmlformats.org/drawingml/2006/diagram" xmlns:o="urn:schemas-microsoft-com:office:office" xmlns:v="urn:schemas-microsoft-com:vml" xmlns:pvml="urn:schemas-microsoft-com:office:powerpoint" xmlns:com="http://schemas.openxmlformats.org/drawingml/2006/compatibility" xmlns:p14="http://schemas.microsoft.com/office/powerpoint/2010/main" xmlns:p15="http://schemas.microsoft.com/office/powerpoint/2012/main" xmlns:ahyp="http://schemas.microsoft.com/office/drawing/2018/hyperlinkcolor" matchingName="Title and body" type="tx">
   <p:cSld name="TITLE_AND_BODY">
     <p:bg>
       <p:bgPr>
         <a:solidFill>
           <a:schemeClr val="dk2"/>
         </a:solidFill>
-        <a:effectLst/>
       </p:bgPr>
     </p:bg>
     <p:spTree>
       <p:nvGrpSpPr>
-        <p:cNvPr id="1" name="Shape 49"/>
+        <p:cNvPr id="49" name="Shape 49"/>
         <p:cNvGrpSpPr/>
         <p:nvPr/>
       </p:nvGrpSpPr>
@@ -4527,12 +4729,12 @@
           </a:ln>
         </p:spPr>
         <p:txBody>
-          <a:bodyPr spcFirstLastPara="1" wrap="square" lIns="91425" tIns="91425" rIns="91425" bIns="91425" anchor="ctr" anchorCtr="0">
+          <a:bodyPr anchorCtr="0" anchor="ctr" bIns="91425" lIns="91425" spcFirstLastPara="1" rIns="91425" wrap="square" tIns="91425">
             <a:noAutofit/>
           </a:bodyPr>
           <a:lstStyle/>
           <a:p>
-            <a:pPr marL="0" lvl="0" indent="0" algn="l" rtl="0">
+            <a:pPr indent="0" lvl="0" marL="0" rtl="0" algn="l">
               <a:spcBef>
                 <a:spcPts val="0"/>
               </a:spcBef>
@@ -4541,6 +4743,9 @@
               </a:spcAft>
               <a:buNone/>
             </a:pPr>
+            <a:r>
+              <a:t/>
+            </a:r>
             <a:endParaRPr/>
           </a:p>
         </p:txBody>
@@ -4567,12 +4772,12 @@
           </a:ln>
         </p:spPr>
         <p:txBody>
-          <a:bodyPr spcFirstLastPara="1" wrap="square" lIns="91425" tIns="91425" rIns="91425" bIns="91425" anchor="ctr" anchorCtr="0">
+          <a:bodyPr anchorCtr="0" anchor="ctr" bIns="91425" lIns="91425" spcFirstLastPara="1" rIns="91425" wrap="square" tIns="91425">
             <a:noAutofit/>
           </a:bodyPr>
           <a:lstStyle/>
           <a:p>
-            <a:pPr marL="0" lvl="0" indent="0" algn="l" rtl="0">
+            <a:pPr indent="0" lvl="0" marL="0" rtl="0" algn="l">
               <a:spcBef>
                 <a:spcPts val="0"/>
               </a:spcBef>
@@ -4581,6 +4786,9 @@
               </a:spcAft>
               <a:buNone/>
             </a:pPr>
+            <a:r>
+              <a:t/>
+            </a:r>
             <a:endParaRPr/>
           </a:p>
         </p:txBody>
@@ -4606,7 +4814,7 @@
             <a:noFill/>
           </a:ln>
           <a:effectLst>
-            <a:outerShdw blurRad="228600" sx="101000" sy="101000" algn="ctr" rotWithShape="0">
+            <a:outerShdw blurRad="228600" sx="101000" rotWithShape="0" algn="ctr" sy="101000">
               <a:srgbClr val="000000">
                 <a:alpha val="40000"/>
               </a:srgbClr>
@@ -4614,12 +4822,12 @@
           </a:effectLst>
         </p:spPr>
         <p:txBody>
-          <a:bodyPr spcFirstLastPara="1" wrap="square" lIns="91425" tIns="91425" rIns="91425" bIns="91425" anchor="ctr" anchorCtr="0">
+          <a:bodyPr anchorCtr="0" anchor="ctr" bIns="91425" lIns="91425" spcFirstLastPara="1" rIns="91425" wrap="square" tIns="91425">
             <a:noAutofit/>
           </a:bodyPr>
           <a:lstStyle/>
           <a:p>
-            <a:pPr marL="0" lvl="0" indent="0" algn="l" rtl="0">
+            <a:pPr indent="0" lvl="0" marL="0" rtl="0" algn="l">
               <a:spcBef>
                 <a:spcPts val="0"/>
               </a:spcBef>
@@ -4628,6 +4836,9 @@
               </a:spcAft>
               <a:buNone/>
             </a:pPr>
+            <a:r>
+              <a:t/>
+            </a:r>
             <a:endParaRPr/>
           </a:p>
         </p:txBody>
@@ -4635,9 +4846,7 @@
       <p:sp>
         <p:nvSpPr>
           <p:cNvPr id="53" name="Google Shape;53;p4"/>
-          <p:cNvSpPr txBox="1">
-            <a:spLocks noGrp="1"/>
-          </p:cNvSpPr>
+          <p:cNvSpPr txBox="1"/>
           <p:nvPr>
             <p:ph type="title"/>
           </p:nvPr>
@@ -4652,7 +4861,7 @@
           </a:prstGeom>
         </p:spPr>
         <p:txBody>
-          <a:bodyPr spcFirstLastPara="1" wrap="square" lIns="91425" tIns="91425" rIns="91425" bIns="91425" anchor="t" anchorCtr="0">
+          <a:bodyPr anchorCtr="0" anchor="t" bIns="91425" lIns="91425" spcFirstLastPara="1" rIns="91425" wrap="square" tIns="91425">
             <a:normAutofit/>
           </a:bodyPr>
           <a:lstStyle>
@@ -4756,19 +4965,15 @@
               <a:defRPr sz="3000"/>
             </a:lvl9pPr>
           </a:lstStyle>
-          <a:p>
-            <a:endParaRPr/>
-          </a:p>
+          <a:p/>
         </p:txBody>
       </p:sp>
       <p:sp>
         <p:nvSpPr>
           <p:cNvPr id="54" name="Google Shape;54;p4"/>
-          <p:cNvSpPr txBox="1">
-            <a:spLocks noGrp="1"/>
-          </p:cNvSpPr>
+          <p:cNvSpPr txBox="1"/>
           <p:nvPr>
-            <p:ph type="body" idx="1"/>
+            <p:ph idx="1" type="body"/>
           </p:nvPr>
         </p:nvSpPr>
         <p:spPr>
@@ -4781,11 +4986,11 @@
           </a:prstGeom>
         </p:spPr>
         <p:txBody>
-          <a:bodyPr spcFirstLastPara="1" wrap="square" lIns="91425" tIns="91425" rIns="91425" bIns="91425" anchor="t" anchorCtr="0">
+          <a:bodyPr anchorCtr="0" anchor="t" bIns="91425" lIns="91425" spcFirstLastPara="1" rIns="91425" wrap="square" tIns="91425">
             <a:normAutofit/>
           </a:bodyPr>
           <a:lstStyle>
-            <a:lvl1pPr marL="457200" lvl="0" indent="-311150">
+            <a:lvl1pPr indent="-311150" lvl="0" marL="457200">
               <a:spcBef>
                 <a:spcPts val="0"/>
               </a:spcBef>
@@ -4796,7 +5001,7 @@
               <a:buChar char="●"/>
               <a:defRPr/>
             </a:lvl1pPr>
-            <a:lvl2pPr marL="914400" lvl="1" indent="-298450">
+            <a:lvl2pPr indent="-298450" lvl="1" marL="914400">
               <a:spcBef>
                 <a:spcPts val="0"/>
               </a:spcBef>
@@ -4807,7 +5012,7 @@
               <a:buChar char="○"/>
               <a:defRPr/>
             </a:lvl2pPr>
-            <a:lvl3pPr marL="1371600" lvl="2" indent="-298450">
+            <a:lvl3pPr indent="-298450" lvl="2" marL="1371600">
               <a:spcBef>
                 <a:spcPts val="0"/>
               </a:spcBef>
@@ -4818,7 +5023,7 @@
               <a:buChar char="■"/>
               <a:defRPr/>
             </a:lvl3pPr>
-            <a:lvl4pPr marL="1828800" lvl="3" indent="-298450">
+            <a:lvl4pPr indent="-298450" lvl="3" marL="1828800">
               <a:spcBef>
                 <a:spcPts val="0"/>
               </a:spcBef>
@@ -4829,7 +5034,7 @@
               <a:buChar char="●"/>
               <a:defRPr/>
             </a:lvl4pPr>
-            <a:lvl5pPr marL="2286000" lvl="4" indent="-298450">
+            <a:lvl5pPr indent="-298450" lvl="4" marL="2286000">
               <a:spcBef>
                 <a:spcPts val="0"/>
               </a:spcBef>
@@ -4840,7 +5045,7 @@
               <a:buChar char="○"/>
               <a:defRPr/>
             </a:lvl5pPr>
-            <a:lvl6pPr marL="2743200" lvl="5" indent="-298450">
+            <a:lvl6pPr indent="-298450" lvl="5" marL="2743200">
               <a:spcBef>
                 <a:spcPts val="0"/>
               </a:spcBef>
@@ -4851,7 +5056,7 @@
               <a:buChar char="■"/>
               <a:defRPr/>
             </a:lvl6pPr>
-            <a:lvl7pPr marL="3200400" lvl="6" indent="-298450">
+            <a:lvl7pPr indent="-298450" lvl="6" marL="3200400">
               <a:spcBef>
                 <a:spcPts val="0"/>
               </a:spcBef>
@@ -4862,7 +5067,7 @@
               <a:buChar char="●"/>
               <a:defRPr/>
             </a:lvl7pPr>
-            <a:lvl8pPr marL="3657600" lvl="7" indent="-298450">
+            <a:lvl8pPr indent="-298450" lvl="7" marL="3657600">
               <a:spcBef>
                 <a:spcPts val="0"/>
               </a:spcBef>
@@ -4873,7 +5078,7 @@
               <a:buChar char="○"/>
               <a:defRPr/>
             </a:lvl8pPr>
-            <a:lvl9pPr marL="4114800" lvl="8" indent="-298450">
+            <a:lvl9pPr indent="-298450" lvl="8" marL="4114800">
               <a:spcBef>
                 <a:spcPts val="0"/>
               </a:spcBef>
@@ -4885,19 +5090,15 @@
               <a:defRPr/>
             </a:lvl9pPr>
           </a:lstStyle>
-          <a:p>
-            <a:endParaRPr/>
-          </a:p>
+          <a:p/>
         </p:txBody>
       </p:sp>
       <p:sp>
         <p:nvSpPr>
           <p:cNvPr id="55" name="Google Shape;55;p4"/>
-          <p:cNvSpPr txBox="1">
-            <a:spLocks noGrp="1"/>
-          </p:cNvSpPr>
+          <p:cNvSpPr txBox="1"/>
           <p:nvPr>
-            <p:ph type="sldNum" idx="12"/>
+            <p:ph idx="12" type="sldNum"/>
           </p:nvPr>
         </p:nvSpPr>
         <p:spPr>
@@ -4910,7 +5111,7 @@
           </a:prstGeom>
         </p:spPr>
         <p:txBody>
-          <a:bodyPr spcFirstLastPara="1" wrap="square" lIns="91425" tIns="91425" rIns="91425" bIns="91425" anchor="ctr" anchorCtr="0">
+          <a:bodyPr anchorCtr="0" anchor="ctr" bIns="91425" lIns="91425" spcFirstLastPara="1" rIns="91425" wrap="square" tIns="91425">
             <a:normAutofit/>
           </a:bodyPr>
           <a:lstStyle>
@@ -4952,7 +5153,7 @@
             </a:lvl9pPr>
           </a:lstStyle>
           <a:p>
-            <a:pPr marL="0" lvl="0" indent="0" algn="r" rtl="0">
+            <a:pPr indent="0" lvl="0" marL="0" rtl="0" algn="r">
               <a:spcBef>
                 <a:spcPts val="0"/>
               </a:spcBef>
@@ -4978,19 +5179,18 @@
 </file>
 
 <file path=ppt/slideLayouts/slideLayout4.xml><?xml version="1.0" encoding="utf-8"?>
-<p:sldLayout xmlns:a="http://schemas.openxmlformats.org/drawingml/2006/main" xmlns:r="http://schemas.openxmlformats.org/officeDocument/2006/relationships" xmlns:p="http://schemas.openxmlformats.org/presentationml/2006/main" matchingName="Title and two columns" type="twoColTx">
+<p:sldLayout xmlns:a="http://schemas.openxmlformats.org/drawingml/2006/main" xmlns:r="http://schemas.openxmlformats.org/officeDocument/2006/relationships" xmlns:mc="http://schemas.openxmlformats.org/markup-compatibility/2006" xmlns:mv="urn:schemas-microsoft-com:mac:vml" xmlns:p="http://schemas.openxmlformats.org/presentationml/2006/main" xmlns:c="http://schemas.openxmlformats.org/drawingml/2006/chart" xmlns:dgm="http://schemas.openxmlformats.org/drawingml/2006/diagram" xmlns:o="urn:schemas-microsoft-com:office:office" xmlns:v="urn:schemas-microsoft-com:vml" xmlns:pvml="urn:schemas-microsoft-com:office:powerpoint" xmlns:com="http://schemas.openxmlformats.org/drawingml/2006/compatibility" xmlns:p14="http://schemas.microsoft.com/office/powerpoint/2010/main" xmlns:p15="http://schemas.microsoft.com/office/powerpoint/2012/main" xmlns:ahyp="http://schemas.microsoft.com/office/drawing/2018/hyperlinkcolor" matchingName="Title and two columns" type="twoColTx">
   <p:cSld name="TITLE_AND_TWO_COLUMNS">
     <p:bg>
       <p:bgPr>
         <a:solidFill>
           <a:schemeClr val="dk2"/>
         </a:solidFill>
-        <a:effectLst/>
       </p:bgPr>
     </p:bg>
     <p:spTree>
       <p:nvGrpSpPr>
-        <p:cNvPr id="1" name="Shape 56"/>
+        <p:cNvPr id="56" name="Shape 56"/>
         <p:cNvGrpSpPr/>
         <p:nvPr/>
       </p:nvGrpSpPr>
@@ -5024,12 +5224,12 @@
           </a:ln>
         </p:spPr>
         <p:txBody>
-          <a:bodyPr spcFirstLastPara="1" wrap="square" lIns="91425" tIns="91425" rIns="91425" bIns="91425" anchor="ctr" anchorCtr="0">
+          <a:bodyPr anchorCtr="0" anchor="ctr" bIns="91425" lIns="91425" spcFirstLastPara="1" rIns="91425" wrap="square" tIns="91425">
             <a:noAutofit/>
           </a:bodyPr>
           <a:lstStyle/>
           <a:p>
-            <a:pPr marL="0" lvl="0" indent="0" algn="l" rtl="0">
+            <a:pPr indent="0" lvl="0" marL="0" rtl="0" algn="l">
               <a:spcBef>
                 <a:spcPts val="0"/>
               </a:spcBef>
@@ -5038,6 +5238,9 @@
               </a:spcAft>
               <a:buNone/>
             </a:pPr>
+            <a:r>
+              <a:t/>
+            </a:r>
             <a:endParaRPr/>
           </a:p>
         </p:txBody>
@@ -5064,12 +5267,12 @@
           </a:ln>
         </p:spPr>
         <p:txBody>
-          <a:bodyPr spcFirstLastPara="1" wrap="square" lIns="91425" tIns="91425" rIns="91425" bIns="91425" anchor="ctr" anchorCtr="0">
+          <a:bodyPr anchorCtr="0" anchor="ctr" bIns="91425" lIns="91425" spcFirstLastPara="1" rIns="91425" wrap="square" tIns="91425">
             <a:noAutofit/>
           </a:bodyPr>
           <a:lstStyle/>
           <a:p>
-            <a:pPr marL="0" lvl="0" indent="0" algn="l" rtl="0">
+            <a:pPr indent="0" lvl="0" marL="0" rtl="0" algn="l">
               <a:spcBef>
                 <a:spcPts val="0"/>
               </a:spcBef>
@@ -5078,6 +5281,9 @@
               </a:spcAft>
               <a:buNone/>
             </a:pPr>
+            <a:r>
+              <a:t/>
+            </a:r>
             <a:endParaRPr/>
           </a:p>
         </p:txBody>
@@ -5103,7 +5309,7 @@
             <a:noFill/>
           </a:ln>
           <a:effectLst>
-            <a:outerShdw blurRad="228600" sx="101000" sy="101000" algn="ctr" rotWithShape="0">
+            <a:outerShdw blurRad="228600" sx="101000" rotWithShape="0" algn="ctr" sy="101000">
               <a:srgbClr val="000000">
                 <a:alpha val="40000"/>
               </a:srgbClr>
@@ -5111,12 +5317,12 @@
           </a:effectLst>
         </p:spPr>
         <p:txBody>
-          <a:bodyPr spcFirstLastPara="1" wrap="square" lIns="91425" tIns="91425" rIns="91425" bIns="91425" anchor="ctr" anchorCtr="0">
+          <a:bodyPr anchorCtr="0" anchor="ctr" bIns="91425" lIns="91425" spcFirstLastPara="1" rIns="91425" wrap="square" tIns="91425">
             <a:noAutofit/>
           </a:bodyPr>
           <a:lstStyle/>
           <a:p>
-            <a:pPr marL="0" lvl="0" indent="0" algn="l" rtl="0">
+            <a:pPr indent="0" lvl="0" marL="0" rtl="0" algn="l">
               <a:spcBef>
                 <a:spcPts val="0"/>
               </a:spcBef>
@@ -5125,6 +5331,9 @@
               </a:spcAft>
               <a:buNone/>
             </a:pPr>
+            <a:r>
+              <a:t/>
+            </a:r>
             <a:endParaRPr/>
           </a:p>
         </p:txBody>
@@ -5132,9 +5341,7 @@
       <p:sp>
         <p:nvSpPr>
           <p:cNvPr id="60" name="Google Shape;60;p5"/>
-          <p:cNvSpPr txBox="1">
-            <a:spLocks noGrp="1"/>
-          </p:cNvSpPr>
+          <p:cNvSpPr txBox="1"/>
           <p:nvPr>
             <p:ph type="title"/>
           </p:nvPr>
@@ -5149,7 +5356,7 @@
           </a:prstGeom>
         </p:spPr>
         <p:txBody>
-          <a:bodyPr spcFirstLastPara="1" wrap="square" lIns="91425" tIns="91425" rIns="91425" bIns="91425" anchor="t" anchorCtr="0">
+          <a:bodyPr anchorCtr="0" anchor="t" bIns="91425" lIns="91425" spcFirstLastPara="1" rIns="91425" wrap="square" tIns="91425">
             <a:normAutofit/>
           </a:bodyPr>
           <a:lstStyle>
@@ -5253,19 +5460,15 @@
               <a:defRPr sz="3000"/>
             </a:lvl9pPr>
           </a:lstStyle>
-          <a:p>
-            <a:endParaRPr/>
-          </a:p>
+          <a:p/>
         </p:txBody>
       </p:sp>
       <p:sp>
         <p:nvSpPr>
           <p:cNvPr id="61" name="Google Shape;61;p5"/>
-          <p:cNvSpPr txBox="1">
-            <a:spLocks noGrp="1"/>
-          </p:cNvSpPr>
+          <p:cNvSpPr txBox="1"/>
           <p:nvPr>
-            <p:ph type="body" idx="1"/>
+            <p:ph idx="1" type="body"/>
           </p:nvPr>
         </p:nvSpPr>
         <p:spPr>
@@ -5278,11 +5481,11 @@
           </a:prstGeom>
         </p:spPr>
         <p:txBody>
-          <a:bodyPr spcFirstLastPara="1" wrap="square" lIns="91425" tIns="91425" rIns="91425" bIns="91425" anchor="t" anchorCtr="0">
+          <a:bodyPr anchorCtr="0" anchor="t" bIns="91425" lIns="91425" spcFirstLastPara="1" rIns="91425" wrap="square" tIns="91425">
             <a:normAutofit/>
           </a:bodyPr>
           <a:lstStyle>
-            <a:lvl1pPr marL="457200" lvl="0" indent="-311150">
+            <a:lvl1pPr indent="-311150" lvl="0" marL="457200">
               <a:spcBef>
                 <a:spcPts val="0"/>
               </a:spcBef>
@@ -5293,7 +5496,7 @@
               <a:buChar char="●"/>
               <a:defRPr/>
             </a:lvl1pPr>
-            <a:lvl2pPr marL="914400" lvl="1" indent="-298450">
+            <a:lvl2pPr indent="-298450" lvl="1" marL="914400">
               <a:spcBef>
                 <a:spcPts val="0"/>
               </a:spcBef>
@@ -5304,7 +5507,7 @@
               <a:buChar char="○"/>
               <a:defRPr/>
             </a:lvl2pPr>
-            <a:lvl3pPr marL="1371600" lvl="2" indent="-298450">
+            <a:lvl3pPr indent="-298450" lvl="2" marL="1371600">
               <a:spcBef>
                 <a:spcPts val="0"/>
               </a:spcBef>
@@ -5315,7 +5518,7 @@
               <a:buChar char="■"/>
               <a:defRPr/>
             </a:lvl3pPr>
-            <a:lvl4pPr marL="1828800" lvl="3" indent="-298450">
+            <a:lvl4pPr indent="-298450" lvl="3" marL="1828800">
               <a:spcBef>
                 <a:spcPts val="0"/>
               </a:spcBef>
@@ -5326,7 +5529,7 @@
               <a:buChar char="●"/>
               <a:defRPr/>
             </a:lvl4pPr>
-            <a:lvl5pPr marL="2286000" lvl="4" indent="-298450">
+            <a:lvl5pPr indent="-298450" lvl="4" marL="2286000">
               <a:spcBef>
                 <a:spcPts val="0"/>
               </a:spcBef>
@@ -5337,7 +5540,7 @@
               <a:buChar char="○"/>
               <a:defRPr/>
             </a:lvl5pPr>
-            <a:lvl6pPr marL="2743200" lvl="5" indent="-298450">
+            <a:lvl6pPr indent="-298450" lvl="5" marL="2743200">
               <a:spcBef>
                 <a:spcPts val="0"/>
               </a:spcBef>
@@ -5348,7 +5551,7 @@
               <a:buChar char="■"/>
               <a:defRPr/>
             </a:lvl6pPr>
-            <a:lvl7pPr marL="3200400" lvl="6" indent="-298450">
+            <a:lvl7pPr indent="-298450" lvl="6" marL="3200400">
               <a:spcBef>
                 <a:spcPts val="0"/>
               </a:spcBef>
@@ -5359,7 +5562,7 @@
               <a:buChar char="●"/>
               <a:defRPr/>
             </a:lvl7pPr>
-            <a:lvl8pPr marL="3657600" lvl="7" indent="-298450">
+            <a:lvl8pPr indent="-298450" lvl="7" marL="3657600">
               <a:spcBef>
                 <a:spcPts val="0"/>
               </a:spcBef>
@@ -5370,7 +5573,7 @@
               <a:buChar char="○"/>
               <a:defRPr/>
             </a:lvl8pPr>
-            <a:lvl9pPr marL="4114800" lvl="8" indent="-298450">
+            <a:lvl9pPr indent="-298450" lvl="8" marL="4114800">
               <a:spcBef>
                 <a:spcPts val="0"/>
               </a:spcBef>
@@ -5382,19 +5585,15 @@
               <a:defRPr/>
             </a:lvl9pPr>
           </a:lstStyle>
-          <a:p>
-            <a:endParaRPr/>
-          </a:p>
+          <a:p/>
         </p:txBody>
       </p:sp>
       <p:sp>
         <p:nvSpPr>
           <p:cNvPr id="62" name="Google Shape;62;p5"/>
-          <p:cNvSpPr txBox="1">
-            <a:spLocks noGrp="1"/>
-          </p:cNvSpPr>
+          <p:cNvSpPr txBox="1"/>
           <p:nvPr>
-            <p:ph type="body" idx="2"/>
+            <p:ph idx="2" type="body"/>
           </p:nvPr>
         </p:nvSpPr>
         <p:spPr>
@@ -5407,11 +5606,11 @@
           </a:prstGeom>
         </p:spPr>
         <p:txBody>
-          <a:bodyPr spcFirstLastPara="1" wrap="square" lIns="91425" tIns="91425" rIns="91425" bIns="91425" anchor="t" anchorCtr="0">
+          <a:bodyPr anchorCtr="0" anchor="t" bIns="91425" lIns="91425" spcFirstLastPara="1" rIns="91425" wrap="square" tIns="91425">
             <a:normAutofit/>
           </a:bodyPr>
           <a:lstStyle>
-            <a:lvl1pPr marL="457200" lvl="0" indent="-311150">
+            <a:lvl1pPr indent="-311150" lvl="0" marL="457200">
               <a:spcBef>
                 <a:spcPts val="0"/>
               </a:spcBef>
@@ -5422,7 +5621,7 @@
               <a:buChar char="●"/>
               <a:defRPr/>
             </a:lvl1pPr>
-            <a:lvl2pPr marL="914400" lvl="1" indent="-298450">
+            <a:lvl2pPr indent="-298450" lvl="1" marL="914400">
               <a:spcBef>
                 <a:spcPts val="0"/>
               </a:spcBef>
@@ -5433,7 +5632,7 @@
               <a:buChar char="○"/>
               <a:defRPr/>
             </a:lvl2pPr>
-            <a:lvl3pPr marL="1371600" lvl="2" indent="-298450">
+            <a:lvl3pPr indent="-298450" lvl="2" marL="1371600">
               <a:spcBef>
                 <a:spcPts val="0"/>
               </a:spcBef>
@@ -5444,7 +5643,7 @@
               <a:buChar char="■"/>
               <a:defRPr/>
             </a:lvl3pPr>
-            <a:lvl4pPr marL="1828800" lvl="3" indent="-298450">
+            <a:lvl4pPr indent="-298450" lvl="3" marL="1828800">
               <a:spcBef>
                 <a:spcPts val="0"/>
               </a:spcBef>
@@ -5455,7 +5654,7 @@
               <a:buChar char="●"/>
               <a:defRPr/>
             </a:lvl4pPr>
-            <a:lvl5pPr marL="2286000" lvl="4" indent="-298450">
+            <a:lvl5pPr indent="-298450" lvl="4" marL="2286000">
               <a:spcBef>
                 <a:spcPts val="0"/>
               </a:spcBef>
@@ -5466,7 +5665,7 @@
               <a:buChar char="○"/>
               <a:defRPr/>
             </a:lvl5pPr>
-            <a:lvl6pPr marL="2743200" lvl="5" indent="-298450">
+            <a:lvl6pPr indent="-298450" lvl="5" marL="2743200">
               <a:spcBef>
                 <a:spcPts val="0"/>
               </a:spcBef>
@@ -5477,7 +5676,7 @@
               <a:buChar char="■"/>
               <a:defRPr/>
             </a:lvl6pPr>
-            <a:lvl7pPr marL="3200400" lvl="6" indent="-298450">
+            <a:lvl7pPr indent="-298450" lvl="6" marL="3200400">
               <a:spcBef>
                 <a:spcPts val="0"/>
               </a:spcBef>
@@ -5488,7 +5687,7 @@
               <a:buChar char="●"/>
               <a:defRPr/>
             </a:lvl7pPr>
-            <a:lvl8pPr marL="3657600" lvl="7" indent="-298450">
+            <a:lvl8pPr indent="-298450" lvl="7" marL="3657600">
               <a:spcBef>
                 <a:spcPts val="0"/>
               </a:spcBef>
@@ -5499,7 +5698,7 @@
               <a:buChar char="○"/>
               <a:defRPr/>
             </a:lvl8pPr>
-            <a:lvl9pPr marL="4114800" lvl="8" indent="-298450">
+            <a:lvl9pPr indent="-298450" lvl="8" marL="4114800">
               <a:spcBef>
                 <a:spcPts val="0"/>
               </a:spcBef>
@@ -5511,19 +5710,15 @@
               <a:defRPr/>
             </a:lvl9pPr>
           </a:lstStyle>
-          <a:p>
-            <a:endParaRPr/>
-          </a:p>
+          <a:p/>
         </p:txBody>
       </p:sp>
       <p:sp>
         <p:nvSpPr>
           <p:cNvPr id="63" name="Google Shape;63;p5"/>
-          <p:cNvSpPr txBox="1">
-            <a:spLocks noGrp="1"/>
-          </p:cNvSpPr>
+          <p:cNvSpPr txBox="1"/>
           <p:nvPr>
-            <p:ph type="sldNum" idx="12"/>
+            <p:ph idx="12" type="sldNum"/>
           </p:nvPr>
         </p:nvSpPr>
         <p:spPr>
@@ -5536,7 +5731,7 @@
           </a:prstGeom>
         </p:spPr>
         <p:txBody>
-          <a:bodyPr spcFirstLastPara="1" wrap="square" lIns="91425" tIns="91425" rIns="91425" bIns="91425" anchor="ctr" anchorCtr="0">
+          <a:bodyPr anchorCtr="0" anchor="ctr" bIns="91425" lIns="91425" spcFirstLastPara="1" rIns="91425" wrap="square" tIns="91425">
             <a:normAutofit/>
           </a:bodyPr>
           <a:lstStyle>
@@ -5578,7 +5773,7 @@
             </a:lvl9pPr>
           </a:lstStyle>
           <a:p>
-            <a:pPr marL="0" lvl="0" indent="0" algn="r" rtl="0">
+            <a:pPr indent="0" lvl="0" marL="0" rtl="0" algn="r">
               <a:spcBef>
                 <a:spcPts val="0"/>
               </a:spcBef>
@@ -5604,19 +5799,18 @@
 </file>
 
 <file path=ppt/slideLayouts/slideLayout5.xml><?xml version="1.0" encoding="utf-8"?>
-<p:sldLayout xmlns:a="http://schemas.openxmlformats.org/drawingml/2006/main" xmlns:r="http://schemas.openxmlformats.org/officeDocument/2006/relationships" xmlns:p="http://schemas.openxmlformats.org/presentationml/2006/main" matchingName="Title only" type="titleOnly">
+<p:sldLayout xmlns:a="http://schemas.openxmlformats.org/drawingml/2006/main" xmlns:r="http://schemas.openxmlformats.org/officeDocument/2006/relationships" xmlns:mc="http://schemas.openxmlformats.org/markup-compatibility/2006" xmlns:mv="urn:schemas-microsoft-com:mac:vml" xmlns:p="http://schemas.openxmlformats.org/presentationml/2006/main" xmlns:c="http://schemas.openxmlformats.org/drawingml/2006/chart" xmlns:dgm="http://schemas.openxmlformats.org/drawingml/2006/diagram" xmlns:o="urn:schemas-microsoft-com:office:office" xmlns:v="urn:schemas-microsoft-com:vml" xmlns:pvml="urn:schemas-microsoft-com:office:powerpoint" xmlns:com="http://schemas.openxmlformats.org/drawingml/2006/compatibility" xmlns:p14="http://schemas.microsoft.com/office/powerpoint/2010/main" xmlns:p15="http://schemas.microsoft.com/office/powerpoint/2012/main" xmlns:ahyp="http://schemas.microsoft.com/office/drawing/2018/hyperlinkcolor" matchingName="Title only" type="titleOnly">
   <p:cSld name="TITLE_ONLY">
     <p:bg>
       <p:bgPr>
         <a:solidFill>
           <a:schemeClr val="dk2"/>
         </a:solidFill>
-        <a:effectLst/>
       </p:bgPr>
     </p:bg>
     <p:spTree>
       <p:nvGrpSpPr>
-        <p:cNvPr id="1" name="Shape 64"/>
+        <p:cNvPr id="64" name="Shape 64"/>
         <p:cNvGrpSpPr/>
         <p:nvPr/>
       </p:nvGrpSpPr>
@@ -5650,12 +5844,12 @@
           </a:ln>
         </p:spPr>
         <p:txBody>
-          <a:bodyPr spcFirstLastPara="1" wrap="square" lIns="91425" tIns="91425" rIns="91425" bIns="91425" anchor="ctr" anchorCtr="0">
+          <a:bodyPr anchorCtr="0" anchor="ctr" bIns="91425" lIns="91425" spcFirstLastPara="1" rIns="91425" wrap="square" tIns="91425">
             <a:noAutofit/>
           </a:bodyPr>
           <a:lstStyle/>
           <a:p>
-            <a:pPr marL="0" lvl="0" indent="0" algn="l" rtl="0">
+            <a:pPr indent="0" lvl="0" marL="0" rtl="0" algn="l">
               <a:spcBef>
                 <a:spcPts val="0"/>
               </a:spcBef>
@@ -5664,6 +5858,9 @@
               </a:spcAft>
               <a:buNone/>
             </a:pPr>
+            <a:r>
+              <a:t/>
+            </a:r>
             <a:endParaRPr/>
           </a:p>
         </p:txBody>
@@ -5690,12 +5887,12 @@
           </a:ln>
         </p:spPr>
         <p:txBody>
-          <a:bodyPr spcFirstLastPara="1" wrap="square" lIns="91425" tIns="91425" rIns="91425" bIns="91425" anchor="ctr" anchorCtr="0">
+          <a:bodyPr anchorCtr="0" anchor="ctr" bIns="91425" lIns="91425" spcFirstLastPara="1" rIns="91425" wrap="square" tIns="91425">
             <a:noAutofit/>
           </a:bodyPr>
           <a:lstStyle/>
           <a:p>
-            <a:pPr marL="0" lvl="0" indent="0" algn="l" rtl="0">
+            <a:pPr indent="0" lvl="0" marL="0" rtl="0" algn="l">
               <a:spcBef>
                 <a:spcPts val="0"/>
               </a:spcBef>
@@ -5704,6 +5901,9 @@
               </a:spcAft>
               <a:buNone/>
             </a:pPr>
+            <a:r>
+              <a:t/>
+            </a:r>
             <a:endParaRPr/>
           </a:p>
         </p:txBody>
@@ -5729,7 +5929,7 @@
             <a:noFill/>
           </a:ln>
           <a:effectLst>
-            <a:outerShdw blurRad="228600" sx="101000" sy="101000" algn="ctr" rotWithShape="0">
+            <a:outerShdw blurRad="228600" sx="101000" rotWithShape="0" algn="ctr" sy="101000">
               <a:srgbClr val="000000">
                 <a:alpha val="40000"/>
               </a:srgbClr>
@@ -5737,12 +5937,12 @@
           </a:effectLst>
         </p:spPr>
         <p:txBody>
-          <a:bodyPr spcFirstLastPara="1" wrap="square" lIns="91425" tIns="91425" rIns="91425" bIns="91425" anchor="ctr" anchorCtr="0">
+          <a:bodyPr anchorCtr="0" anchor="ctr" bIns="91425" lIns="91425" spcFirstLastPara="1" rIns="91425" wrap="square" tIns="91425">
             <a:noAutofit/>
           </a:bodyPr>
           <a:lstStyle/>
           <a:p>
-            <a:pPr marL="0" lvl="0" indent="0" algn="l" rtl="0">
+            <a:pPr indent="0" lvl="0" marL="0" rtl="0" algn="l">
               <a:spcBef>
                 <a:spcPts val="0"/>
               </a:spcBef>
@@ -5751,6 +5951,9 @@
               </a:spcAft>
               <a:buNone/>
             </a:pPr>
+            <a:r>
+              <a:t/>
+            </a:r>
             <a:endParaRPr/>
           </a:p>
         </p:txBody>
@@ -5758,9 +5961,7 @@
       <p:sp>
         <p:nvSpPr>
           <p:cNvPr id="68" name="Google Shape;68;p6"/>
-          <p:cNvSpPr txBox="1">
-            <a:spLocks noGrp="1"/>
-          </p:cNvSpPr>
+          <p:cNvSpPr txBox="1"/>
           <p:nvPr>
             <p:ph type="title"/>
           </p:nvPr>
@@ -5775,7 +5976,7 @@
           </a:prstGeom>
         </p:spPr>
         <p:txBody>
-          <a:bodyPr spcFirstLastPara="1" wrap="square" lIns="91425" tIns="91425" rIns="91425" bIns="91425" anchor="t" anchorCtr="0">
+          <a:bodyPr anchorCtr="0" anchor="t" bIns="91425" lIns="91425" spcFirstLastPara="1" rIns="91425" wrap="square" tIns="91425">
             <a:normAutofit/>
           </a:bodyPr>
           <a:lstStyle>
@@ -5879,19 +6080,15 @@
               <a:defRPr sz="3000"/>
             </a:lvl9pPr>
           </a:lstStyle>
-          <a:p>
-            <a:endParaRPr/>
-          </a:p>
+          <a:p/>
         </p:txBody>
       </p:sp>
       <p:sp>
         <p:nvSpPr>
           <p:cNvPr id="69" name="Google Shape;69;p6"/>
-          <p:cNvSpPr txBox="1">
-            <a:spLocks noGrp="1"/>
-          </p:cNvSpPr>
+          <p:cNvSpPr txBox="1"/>
           <p:nvPr>
-            <p:ph type="sldNum" idx="12"/>
+            <p:ph idx="12" type="sldNum"/>
           </p:nvPr>
         </p:nvSpPr>
         <p:spPr>
@@ -5904,7 +6101,7 @@
           </a:prstGeom>
         </p:spPr>
         <p:txBody>
-          <a:bodyPr spcFirstLastPara="1" wrap="square" lIns="91425" tIns="91425" rIns="91425" bIns="91425" anchor="ctr" anchorCtr="0">
+          <a:bodyPr anchorCtr="0" anchor="ctr" bIns="91425" lIns="91425" spcFirstLastPara="1" rIns="91425" wrap="square" tIns="91425">
             <a:normAutofit/>
           </a:bodyPr>
           <a:lstStyle>
@@ -5946,7 +6143,7 @@
             </a:lvl9pPr>
           </a:lstStyle>
           <a:p>
-            <a:pPr marL="0" lvl="0" indent="0" algn="r" rtl="0">
+            <a:pPr indent="0" lvl="0" marL="0" rtl="0" algn="r">
               <a:spcBef>
                 <a:spcPts val="0"/>
               </a:spcBef>
@@ -5972,19 +6169,18 @@
 </file>
 
 <file path=ppt/slideLayouts/slideLayout6.xml><?xml version="1.0" encoding="utf-8"?>
-<p:sldLayout xmlns:a="http://schemas.openxmlformats.org/drawingml/2006/main" xmlns:r="http://schemas.openxmlformats.org/officeDocument/2006/relationships" xmlns:p="http://schemas.openxmlformats.org/presentationml/2006/main" matchingName="One column text">
+<p:sldLayout xmlns:a="http://schemas.openxmlformats.org/drawingml/2006/main" xmlns:r="http://schemas.openxmlformats.org/officeDocument/2006/relationships" xmlns:mc="http://schemas.openxmlformats.org/markup-compatibility/2006" xmlns:mv="urn:schemas-microsoft-com:mac:vml" xmlns:p="http://schemas.openxmlformats.org/presentationml/2006/main" xmlns:c="http://schemas.openxmlformats.org/drawingml/2006/chart" xmlns:dgm="http://schemas.openxmlformats.org/drawingml/2006/diagram" xmlns:o="urn:schemas-microsoft-com:office:office" xmlns:v="urn:schemas-microsoft-com:vml" xmlns:pvml="urn:schemas-microsoft-com:office:powerpoint" xmlns:com="http://schemas.openxmlformats.org/drawingml/2006/compatibility" xmlns:p14="http://schemas.microsoft.com/office/powerpoint/2010/main" xmlns:p15="http://schemas.microsoft.com/office/powerpoint/2012/main" xmlns:ahyp="http://schemas.microsoft.com/office/drawing/2018/hyperlinkcolor" matchingName="One column text">
   <p:cSld name="ONE_COLUMN_TEXT">
     <p:bg>
       <p:bgPr>
         <a:solidFill>
           <a:schemeClr val="accent3"/>
         </a:solidFill>
-        <a:effectLst/>
       </p:bgPr>
     </p:bg>
     <p:spTree>
       <p:nvGrpSpPr>
-        <p:cNvPr id="1" name="Shape 70"/>
+        <p:cNvPr id="70" name="Shape 70"/>
         <p:cNvGrpSpPr/>
         <p:nvPr/>
       </p:nvGrpSpPr>
@@ -6018,12 +6214,12 @@
           </a:ln>
         </p:spPr>
         <p:txBody>
-          <a:bodyPr spcFirstLastPara="1" wrap="square" lIns="91425" tIns="91425" rIns="91425" bIns="91425" anchor="ctr" anchorCtr="0">
+          <a:bodyPr anchorCtr="0" anchor="ctr" bIns="91425" lIns="91425" spcFirstLastPara="1" rIns="91425" wrap="square" tIns="91425">
             <a:noAutofit/>
           </a:bodyPr>
           <a:lstStyle/>
           <a:p>
-            <a:pPr marL="0" lvl="0" indent="0" algn="l" rtl="0">
+            <a:pPr indent="0" lvl="0" marL="0" rtl="0" algn="l">
               <a:spcBef>
                 <a:spcPts val="0"/>
               </a:spcBef>
@@ -6032,6 +6228,9 @@
               </a:spcAft>
               <a:buNone/>
             </a:pPr>
+            <a:r>
+              <a:t/>
+            </a:r>
             <a:endParaRPr/>
           </a:p>
         </p:txBody>
@@ -6058,12 +6257,12 @@
           </a:ln>
         </p:spPr>
         <p:txBody>
-          <a:bodyPr spcFirstLastPara="1" wrap="square" lIns="91425" tIns="91425" rIns="91425" bIns="91425" anchor="ctr" anchorCtr="0">
+          <a:bodyPr anchorCtr="0" anchor="ctr" bIns="91425" lIns="91425" spcFirstLastPara="1" rIns="91425" wrap="square" tIns="91425">
             <a:noAutofit/>
           </a:bodyPr>
           <a:lstStyle/>
           <a:p>
-            <a:pPr marL="0" lvl="0" indent="0" algn="l" rtl="0">
+            <a:pPr indent="0" lvl="0" marL="0" rtl="0" algn="l">
               <a:spcBef>
                 <a:spcPts val="0"/>
               </a:spcBef>
@@ -6072,6 +6271,9 @@
               </a:spcAft>
               <a:buNone/>
             </a:pPr>
+            <a:r>
+              <a:t/>
+            </a:r>
             <a:endParaRPr/>
           </a:p>
         </p:txBody>
@@ -6097,7 +6299,7 @@
             <a:noFill/>
           </a:ln>
           <a:effectLst>
-            <a:outerShdw blurRad="228600" sx="101000" sy="101000" algn="ctr" rotWithShape="0">
+            <a:outerShdw blurRad="228600" sx="101000" rotWithShape="0" algn="ctr" sy="101000">
               <a:srgbClr val="000000">
                 <a:alpha val="40000"/>
               </a:srgbClr>
@@ -6105,12 +6307,12 @@
           </a:effectLst>
         </p:spPr>
         <p:txBody>
-          <a:bodyPr spcFirstLastPara="1" wrap="square" lIns="91425" tIns="91425" rIns="91425" bIns="91425" anchor="ctr" anchorCtr="0">
+          <a:bodyPr anchorCtr="0" anchor="ctr" bIns="91425" lIns="91425" spcFirstLastPara="1" rIns="91425" wrap="square" tIns="91425">
             <a:noAutofit/>
           </a:bodyPr>
           <a:lstStyle/>
           <a:p>
-            <a:pPr marL="0" lvl="0" indent="0" algn="l" rtl="0">
+            <a:pPr indent="0" lvl="0" marL="0" rtl="0" algn="l">
               <a:spcBef>
                 <a:spcPts val="0"/>
               </a:spcBef>
@@ -6119,6 +6321,9 @@
               </a:spcAft>
               <a:buNone/>
             </a:pPr>
+            <a:r>
+              <a:t/>
+            </a:r>
             <a:endParaRPr/>
           </a:p>
         </p:txBody>
@@ -6126,9 +6331,7 @@
       <p:sp>
         <p:nvSpPr>
           <p:cNvPr id="74" name="Google Shape;74;p7"/>
-          <p:cNvSpPr txBox="1">
-            <a:spLocks noGrp="1"/>
-          </p:cNvSpPr>
+          <p:cNvSpPr txBox="1"/>
           <p:nvPr>
             <p:ph type="title"/>
           </p:nvPr>
@@ -6143,7 +6346,7 @@
           </a:prstGeom>
         </p:spPr>
         <p:txBody>
-          <a:bodyPr spcFirstLastPara="1" wrap="square" lIns="91425" tIns="91425" rIns="91425" bIns="91425" anchor="t" anchorCtr="0">
+          <a:bodyPr anchorCtr="0" anchor="t" bIns="91425" lIns="91425" spcFirstLastPara="1" rIns="91425" wrap="square" tIns="91425">
             <a:normAutofit/>
           </a:bodyPr>
           <a:lstStyle>
@@ -6247,19 +6450,15 @@
               <a:defRPr sz="3000"/>
             </a:lvl9pPr>
           </a:lstStyle>
-          <a:p>
-            <a:endParaRPr/>
-          </a:p>
+          <a:p/>
         </p:txBody>
       </p:sp>
       <p:sp>
         <p:nvSpPr>
           <p:cNvPr id="75" name="Google Shape;75;p7"/>
-          <p:cNvSpPr txBox="1">
-            <a:spLocks noGrp="1"/>
-          </p:cNvSpPr>
+          <p:cNvSpPr txBox="1"/>
           <p:nvPr>
-            <p:ph type="body" idx="1"/>
+            <p:ph idx="1" type="body"/>
           </p:nvPr>
         </p:nvSpPr>
         <p:spPr>
@@ -6272,11 +6471,11 @@
           </a:prstGeom>
         </p:spPr>
         <p:txBody>
-          <a:bodyPr spcFirstLastPara="1" wrap="square" lIns="91425" tIns="91425" rIns="91425" bIns="91425" anchor="t" anchorCtr="0">
+          <a:bodyPr anchorCtr="0" anchor="t" bIns="91425" lIns="91425" spcFirstLastPara="1" rIns="91425" wrap="square" tIns="91425">
             <a:normAutofit/>
           </a:bodyPr>
           <a:lstStyle>
-            <a:lvl1pPr marL="457200" lvl="0" indent="-311150">
+            <a:lvl1pPr indent="-311150" lvl="0" marL="457200">
               <a:spcBef>
                 <a:spcPts val="0"/>
               </a:spcBef>
@@ -6287,7 +6486,7 @@
               <a:buChar char="●"/>
               <a:defRPr/>
             </a:lvl1pPr>
-            <a:lvl2pPr marL="914400" lvl="1" indent="-298450">
+            <a:lvl2pPr indent="-298450" lvl="1" marL="914400">
               <a:spcBef>
                 <a:spcPts val="0"/>
               </a:spcBef>
@@ -6298,7 +6497,7 @@
               <a:buChar char="○"/>
               <a:defRPr/>
             </a:lvl2pPr>
-            <a:lvl3pPr marL="1371600" lvl="2" indent="-298450">
+            <a:lvl3pPr indent="-298450" lvl="2" marL="1371600">
               <a:spcBef>
                 <a:spcPts val="0"/>
               </a:spcBef>
@@ -6309,7 +6508,7 @@
               <a:buChar char="■"/>
               <a:defRPr/>
             </a:lvl3pPr>
-            <a:lvl4pPr marL="1828800" lvl="3" indent="-298450">
+            <a:lvl4pPr indent="-298450" lvl="3" marL="1828800">
               <a:spcBef>
                 <a:spcPts val="0"/>
               </a:spcBef>
@@ -6320,7 +6519,7 @@
               <a:buChar char="●"/>
               <a:defRPr/>
             </a:lvl4pPr>
-            <a:lvl5pPr marL="2286000" lvl="4" indent="-298450">
+            <a:lvl5pPr indent="-298450" lvl="4" marL="2286000">
               <a:spcBef>
                 <a:spcPts val="0"/>
               </a:spcBef>
@@ -6331,7 +6530,7 @@
               <a:buChar char="○"/>
               <a:defRPr/>
             </a:lvl5pPr>
-            <a:lvl6pPr marL="2743200" lvl="5" indent="-298450">
+            <a:lvl6pPr indent="-298450" lvl="5" marL="2743200">
               <a:spcBef>
                 <a:spcPts val="0"/>
               </a:spcBef>
@@ -6342,7 +6541,7 @@
               <a:buChar char="■"/>
               <a:defRPr/>
             </a:lvl6pPr>
-            <a:lvl7pPr marL="3200400" lvl="6" indent="-298450">
+            <a:lvl7pPr indent="-298450" lvl="6" marL="3200400">
               <a:spcBef>
                 <a:spcPts val="0"/>
               </a:spcBef>
@@ -6353,7 +6552,7 @@
               <a:buChar char="●"/>
               <a:defRPr/>
             </a:lvl7pPr>
-            <a:lvl8pPr marL="3657600" lvl="7" indent="-298450">
+            <a:lvl8pPr indent="-298450" lvl="7" marL="3657600">
               <a:spcBef>
                 <a:spcPts val="0"/>
               </a:spcBef>
@@ -6364,7 +6563,7 @@
               <a:buChar char="○"/>
               <a:defRPr/>
             </a:lvl8pPr>
-            <a:lvl9pPr marL="4114800" lvl="8" indent="-298450">
+            <a:lvl9pPr indent="-298450" lvl="8" marL="4114800">
               <a:spcBef>
                 <a:spcPts val="0"/>
               </a:spcBef>
@@ -6376,19 +6575,15 @@
               <a:defRPr/>
             </a:lvl9pPr>
           </a:lstStyle>
-          <a:p>
-            <a:endParaRPr/>
-          </a:p>
+          <a:p/>
         </p:txBody>
       </p:sp>
       <p:sp>
         <p:nvSpPr>
           <p:cNvPr id="76" name="Google Shape;76;p7"/>
-          <p:cNvSpPr txBox="1">
-            <a:spLocks noGrp="1"/>
-          </p:cNvSpPr>
+          <p:cNvSpPr txBox="1"/>
           <p:nvPr>
-            <p:ph type="sldNum" idx="12"/>
+            <p:ph idx="12" type="sldNum"/>
           </p:nvPr>
         </p:nvSpPr>
         <p:spPr>
@@ -6401,7 +6596,7 @@
           </a:prstGeom>
         </p:spPr>
         <p:txBody>
-          <a:bodyPr spcFirstLastPara="1" wrap="square" lIns="91425" tIns="91425" rIns="91425" bIns="91425" anchor="ctr" anchorCtr="0">
+          <a:bodyPr anchorCtr="0" anchor="ctr" bIns="91425" lIns="91425" spcFirstLastPara="1" rIns="91425" wrap="square" tIns="91425">
             <a:normAutofit/>
           </a:bodyPr>
           <a:lstStyle>
@@ -6443,7 +6638,7 @@
             </a:lvl9pPr>
           </a:lstStyle>
           <a:p>
-            <a:pPr marL="0" lvl="0" indent="0" algn="r" rtl="0">
+            <a:pPr indent="0" lvl="0" marL="0" rtl="0" algn="r">
               <a:spcBef>
                 <a:spcPts val="0"/>
               </a:spcBef>
@@ -6469,19 +6664,18 @@
 </file>
 
 <file path=ppt/slideLayouts/slideLayout7.xml><?xml version="1.0" encoding="utf-8"?>
-<p:sldLayout xmlns:a="http://schemas.openxmlformats.org/drawingml/2006/main" xmlns:r="http://schemas.openxmlformats.org/officeDocument/2006/relationships" xmlns:p="http://schemas.openxmlformats.org/presentationml/2006/main" matchingName="Main point">
+<p:sldLayout xmlns:a="http://schemas.openxmlformats.org/drawingml/2006/main" xmlns:r="http://schemas.openxmlformats.org/officeDocument/2006/relationships" xmlns:mc="http://schemas.openxmlformats.org/markup-compatibility/2006" xmlns:mv="urn:schemas-microsoft-com:mac:vml" xmlns:p="http://schemas.openxmlformats.org/presentationml/2006/main" xmlns:c="http://schemas.openxmlformats.org/drawingml/2006/chart" xmlns:dgm="http://schemas.openxmlformats.org/drawingml/2006/diagram" xmlns:o="urn:schemas-microsoft-com:office:office" xmlns:v="urn:schemas-microsoft-com:vml" xmlns:pvml="urn:schemas-microsoft-com:office:powerpoint" xmlns:com="http://schemas.openxmlformats.org/drawingml/2006/compatibility" xmlns:p14="http://schemas.microsoft.com/office/powerpoint/2010/main" xmlns:p15="http://schemas.microsoft.com/office/powerpoint/2012/main" xmlns:ahyp="http://schemas.microsoft.com/office/drawing/2018/hyperlinkcolor" matchingName="Main point">
   <p:cSld name="MAIN_POINT">
     <p:bg>
       <p:bgPr>
         <a:solidFill>
           <a:schemeClr val="accent1"/>
         </a:solidFill>
-        <a:effectLst/>
       </p:bgPr>
     </p:bg>
     <p:spTree>
       <p:nvGrpSpPr>
-        <p:cNvPr id="1" name="Shape 77"/>
+        <p:cNvPr id="77" name="Shape 77"/>
         <p:cNvGrpSpPr/>
         <p:nvPr/>
       </p:nvGrpSpPr>
@@ -6515,12 +6709,12 @@
           </a:ln>
         </p:spPr>
         <p:txBody>
-          <a:bodyPr spcFirstLastPara="1" wrap="square" lIns="91425" tIns="91425" rIns="91425" bIns="91425" anchor="ctr" anchorCtr="0">
+          <a:bodyPr anchorCtr="0" anchor="ctr" bIns="91425" lIns="91425" spcFirstLastPara="1" rIns="91425" wrap="square" tIns="91425">
             <a:noAutofit/>
           </a:bodyPr>
           <a:lstStyle/>
           <a:p>
-            <a:pPr marL="0" lvl="0" indent="0" algn="l" rtl="0">
+            <a:pPr indent="0" lvl="0" marL="0" rtl="0" algn="l">
               <a:spcBef>
                 <a:spcPts val="0"/>
               </a:spcBef>
@@ -6529,6 +6723,9 @@
               </a:spcAft>
               <a:buNone/>
             </a:pPr>
+            <a:r>
+              <a:t/>
+            </a:r>
             <a:endParaRPr/>
           </a:p>
         </p:txBody>
@@ -6555,12 +6752,12 @@
           </a:ln>
         </p:spPr>
         <p:txBody>
-          <a:bodyPr spcFirstLastPara="1" wrap="square" lIns="91425" tIns="91425" rIns="91425" bIns="91425" anchor="ctr" anchorCtr="0">
+          <a:bodyPr anchorCtr="0" anchor="ctr" bIns="91425" lIns="91425" spcFirstLastPara="1" rIns="91425" wrap="square" tIns="91425">
             <a:noAutofit/>
           </a:bodyPr>
           <a:lstStyle/>
           <a:p>
-            <a:pPr marL="0" lvl="0" indent="0" algn="l" rtl="0">
+            <a:pPr indent="0" lvl="0" marL="0" rtl="0" algn="l">
               <a:spcBef>
                 <a:spcPts val="0"/>
               </a:spcBef>
@@ -6569,6 +6766,9 @@
               </a:spcAft>
               <a:buNone/>
             </a:pPr>
+            <a:r>
+              <a:t/>
+            </a:r>
             <a:endParaRPr/>
           </a:p>
         </p:txBody>
@@ -6600,7 +6800,7 @@
             </a:xfrm>
             <a:prstGeom prst="parallelogram">
               <a:avLst>
-                <a:gd name="adj" fmla="val 153193"/>
+                <a:gd fmla="val 153193" name="adj"/>
               </a:avLst>
             </a:prstGeom>
             <a:solidFill>
@@ -6611,12 +6811,12 @@
             </a:ln>
           </p:spPr>
           <p:txBody>
-            <a:bodyPr spcFirstLastPara="1" wrap="square" lIns="91425" tIns="91425" rIns="91425" bIns="91425" anchor="ctr" anchorCtr="0">
+            <a:bodyPr anchorCtr="0" anchor="ctr" bIns="91425" lIns="91425" spcFirstLastPara="1" rIns="91425" wrap="square" tIns="91425">
               <a:noAutofit/>
             </a:bodyPr>
             <a:lstStyle/>
             <a:p>
-              <a:pPr marL="0" lvl="0" indent="0" algn="l" rtl="0">
+              <a:pPr indent="0" lvl="0" marL="0" rtl="0" algn="l">
                 <a:spcBef>
                   <a:spcPts val="0"/>
                 </a:spcBef>
@@ -6625,6 +6825,9 @@
                 </a:spcAft>
                 <a:buNone/>
               </a:pPr>
+              <a:r>
+                <a:t/>
+              </a:r>
               <a:endParaRPr/>
             </a:p>
           </p:txBody>
@@ -6642,7 +6845,7 @@
             </a:xfrm>
             <a:prstGeom prst="parallelogram">
               <a:avLst>
-                <a:gd name="adj" fmla="val 153193"/>
+                <a:gd fmla="val 153193" name="adj"/>
               </a:avLst>
             </a:prstGeom>
             <a:solidFill>
@@ -6653,12 +6856,12 @@
             </a:ln>
           </p:spPr>
           <p:txBody>
-            <a:bodyPr spcFirstLastPara="1" wrap="square" lIns="91425" tIns="91425" rIns="91425" bIns="91425" anchor="ctr" anchorCtr="0">
+            <a:bodyPr anchorCtr="0" anchor="ctr" bIns="91425" lIns="91425" spcFirstLastPara="1" rIns="91425" wrap="square" tIns="91425">
               <a:noAutofit/>
             </a:bodyPr>
             <a:lstStyle/>
             <a:p>
-              <a:pPr marL="0" lvl="0" indent="0" algn="l" rtl="0">
+              <a:pPr indent="0" lvl="0" marL="0" rtl="0" algn="l">
                 <a:spcBef>
                   <a:spcPts val="0"/>
                 </a:spcBef>
@@ -6667,6 +6870,9 @@
                 </a:spcAft>
                 <a:buNone/>
               </a:pPr>
+              <a:r>
+                <a:t/>
+              </a:r>
               <a:endParaRPr/>
             </a:p>
           </p:txBody>
@@ -6684,7 +6890,7 @@
             </a:xfrm>
             <a:prstGeom prst="parallelogram">
               <a:avLst>
-                <a:gd name="adj" fmla="val 153193"/>
+                <a:gd fmla="val 153193" name="adj"/>
               </a:avLst>
             </a:prstGeom>
             <a:solidFill>
@@ -6695,12 +6901,12 @@
             </a:ln>
           </p:spPr>
           <p:txBody>
-            <a:bodyPr spcFirstLastPara="1" wrap="square" lIns="91425" tIns="91425" rIns="91425" bIns="91425" anchor="ctr" anchorCtr="0">
+            <a:bodyPr anchorCtr="0" anchor="ctr" bIns="91425" lIns="91425" spcFirstLastPara="1" rIns="91425" wrap="square" tIns="91425">
               <a:noAutofit/>
             </a:bodyPr>
             <a:lstStyle/>
             <a:p>
-              <a:pPr marL="0" lvl="0" indent="0" algn="l" rtl="0">
+              <a:pPr indent="0" lvl="0" marL="0" rtl="0" algn="l">
                 <a:spcBef>
                   <a:spcPts val="0"/>
                 </a:spcBef>
@@ -6709,6 +6915,9 @@
                 </a:spcAft>
                 <a:buNone/>
               </a:pPr>
+              <a:r>
+                <a:t/>
+              </a:r>
               <a:endParaRPr/>
             </a:p>
           </p:txBody>
@@ -6735,7 +6944,7 @@
             <a:noFill/>
           </a:ln>
           <a:effectLst>
-            <a:outerShdw blurRad="228600" sx="101000" sy="101000" algn="ctr" rotWithShape="0">
+            <a:outerShdw blurRad="228600" sx="101000" rotWithShape="0" algn="ctr" sy="101000">
               <a:srgbClr val="000000">
                 <a:alpha val="40000"/>
               </a:srgbClr>
@@ -6743,12 +6952,12 @@
           </a:effectLst>
         </p:spPr>
         <p:txBody>
-          <a:bodyPr spcFirstLastPara="1" wrap="square" lIns="91425" tIns="91425" rIns="91425" bIns="91425" anchor="ctr" anchorCtr="0">
+          <a:bodyPr anchorCtr="0" anchor="ctr" bIns="91425" lIns="91425" spcFirstLastPara="1" rIns="91425" wrap="square" tIns="91425">
             <a:noAutofit/>
           </a:bodyPr>
           <a:lstStyle/>
           <a:p>
-            <a:pPr marL="0" lvl="0" indent="0" algn="l" rtl="0">
+            <a:pPr indent="0" lvl="0" marL="0" rtl="0" algn="l">
               <a:spcBef>
                 <a:spcPts val="0"/>
               </a:spcBef>
@@ -6757,6 +6966,9 @@
               </a:spcAft>
               <a:buNone/>
             </a:pPr>
+            <a:r>
+              <a:t/>
+            </a:r>
             <a:endParaRPr/>
           </a:p>
         </p:txBody>
@@ -6788,7 +7000,7 @@
             </a:xfrm>
             <a:prstGeom prst="parallelogram">
               <a:avLst>
-                <a:gd name="adj" fmla="val 158024"/>
+                <a:gd fmla="val 158024" name="adj"/>
               </a:avLst>
             </a:prstGeom>
             <a:solidFill>
@@ -6799,12 +7011,12 @@
             </a:ln>
           </p:spPr>
           <p:txBody>
-            <a:bodyPr spcFirstLastPara="1" wrap="square" lIns="91425" tIns="91425" rIns="91425" bIns="91425" anchor="ctr" anchorCtr="0">
+            <a:bodyPr anchorCtr="0" anchor="ctr" bIns="91425" lIns="91425" spcFirstLastPara="1" rIns="91425" wrap="square" tIns="91425">
               <a:noAutofit/>
             </a:bodyPr>
             <a:lstStyle/>
             <a:p>
-              <a:pPr marL="0" lvl="0" indent="0" algn="l" rtl="0">
+              <a:pPr indent="0" lvl="0" marL="0" rtl="0" algn="l">
                 <a:spcBef>
                   <a:spcPts val="0"/>
                 </a:spcBef>
@@ -6813,6 +7025,9 @@
                 </a:spcAft>
                 <a:buNone/>
               </a:pPr>
+              <a:r>
+                <a:t/>
+              </a:r>
               <a:endParaRPr/>
             </a:p>
           </p:txBody>
@@ -6830,7 +7045,7 @@
             </a:xfrm>
             <a:prstGeom prst="parallelogram">
               <a:avLst>
-                <a:gd name="adj" fmla="val 158024"/>
+                <a:gd fmla="val 158024" name="adj"/>
               </a:avLst>
             </a:prstGeom>
             <a:solidFill>
@@ -6841,12 +7056,12 @@
             </a:ln>
           </p:spPr>
           <p:txBody>
-            <a:bodyPr spcFirstLastPara="1" wrap="square" lIns="91425" tIns="91425" rIns="91425" bIns="91425" anchor="ctr" anchorCtr="0">
+            <a:bodyPr anchorCtr="0" anchor="ctr" bIns="91425" lIns="91425" spcFirstLastPara="1" rIns="91425" wrap="square" tIns="91425">
               <a:noAutofit/>
             </a:bodyPr>
             <a:lstStyle/>
             <a:p>
-              <a:pPr marL="0" lvl="0" indent="0" algn="l" rtl="0">
+              <a:pPr indent="0" lvl="0" marL="0" rtl="0" algn="l">
                 <a:spcBef>
                   <a:spcPts val="0"/>
                 </a:spcBef>
@@ -6855,6 +7070,9 @@
                 </a:spcAft>
                 <a:buNone/>
               </a:pPr>
+              <a:r>
+                <a:t/>
+              </a:r>
               <a:endParaRPr/>
             </a:p>
           </p:txBody>
@@ -6872,7 +7090,7 @@
             </a:xfrm>
             <a:prstGeom prst="parallelogram">
               <a:avLst>
-                <a:gd name="adj" fmla="val 158024"/>
+                <a:gd fmla="val 158024" name="adj"/>
               </a:avLst>
             </a:prstGeom>
             <a:solidFill>
@@ -6883,12 +7101,12 @@
             </a:ln>
           </p:spPr>
           <p:txBody>
-            <a:bodyPr spcFirstLastPara="1" wrap="square" lIns="91425" tIns="91425" rIns="91425" bIns="91425" anchor="ctr" anchorCtr="0">
+            <a:bodyPr anchorCtr="0" anchor="ctr" bIns="91425" lIns="91425" spcFirstLastPara="1" rIns="91425" wrap="square" tIns="91425">
               <a:noAutofit/>
             </a:bodyPr>
             <a:lstStyle/>
             <a:p>
-              <a:pPr marL="0" lvl="0" indent="0" algn="l" rtl="0">
+              <a:pPr indent="0" lvl="0" marL="0" rtl="0" algn="l">
                 <a:spcBef>
                   <a:spcPts val="0"/>
                 </a:spcBef>
@@ -6897,6 +7115,9 @@
                 </a:spcAft>
                 <a:buNone/>
               </a:pPr>
+              <a:r>
+                <a:t/>
+              </a:r>
               <a:endParaRPr/>
             </a:p>
           </p:txBody>
@@ -6929,7 +7150,7 @@
             </a:xfrm>
             <a:prstGeom prst="parallelogram">
               <a:avLst>
-                <a:gd name="adj" fmla="val 158024"/>
+                <a:gd fmla="val 158024" name="adj"/>
               </a:avLst>
             </a:prstGeom>
             <a:solidFill>
@@ -6940,12 +7161,12 @@
             </a:ln>
           </p:spPr>
           <p:txBody>
-            <a:bodyPr spcFirstLastPara="1" wrap="square" lIns="91425" tIns="91425" rIns="91425" bIns="91425" anchor="ctr" anchorCtr="0">
+            <a:bodyPr anchorCtr="0" anchor="ctr" bIns="91425" lIns="91425" spcFirstLastPara="1" rIns="91425" wrap="square" tIns="91425">
               <a:noAutofit/>
             </a:bodyPr>
             <a:lstStyle/>
             <a:p>
-              <a:pPr marL="0" lvl="0" indent="0" algn="l" rtl="0">
+              <a:pPr indent="0" lvl="0" marL="0" rtl="0" algn="l">
                 <a:spcBef>
                   <a:spcPts val="0"/>
                 </a:spcBef>
@@ -6954,6 +7175,9 @@
                 </a:spcAft>
                 <a:buNone/>
               </a:pPr>
+              <a:r>
+                <a:t/>
+              </a:r>
               <a:endParaRPr/>
             </a:p>
           </p:txBody>
@@ -6971,7 +7195,7 @@
             </a:xfrm>
             <a:prstGeom prst="parallelogram">
               <a:avLst>
-                <a:gd name="adj" fmla="val 158024"/>
+                <a:gd fmla="val 158024" name="adj"/>
               </a:avLst>
             </a:prstGeom>
             <a:solidFill>
@@ -6982,12 +7206,12 @@
             </a:ln>
           </p:spPr>
           <p:txBody>
-            <a:bodyPr spcFirstLastPara="1" wrap="square" lIns="91425" tIns="91425" rIns="91425" bIns="91425" anchor="ctr" anchorCtr="0">
+            <a:bodyPr anchorCtr="0" anchor="ctr" bIns="91425" lIns="91425" spcFirstLastPara="1" rIns="91425" wrap="square" tIns="91425">
               <a:noAutofit/>
             </a:bodyPr>
             <a:lstStyle/>
             <a:p>
-              <a:pPr marL="0" lvl="0" indent="0" algn="l" rtl="0">
+              <a:pPr indent="0" lvl="0" marL="0" rtl="0" algn="l">
                 <a:spcBef>
                   <a:spcPts val="0"/>
                 </a:spcBef>
@@ -6996,6 +7220,9 @@
                 </a:spcAft>
                 <a:buNone/>
               </a:pPr>
+              <a:r>
+                <a:t/>
+              </a:r>
               <a:endParaRPr/>
             </a:p>
           </p:txBody>
@@ -7013,7 +7240,7 @@
             </a:xfrm>
             <a:prstGeom prst="parallelogram">
               <a:avLst>
-                <a:gd name="adj" fmla="val 158024"/>
+                <a:gd fmla="val 158024" name="adj"/>
               </a:avLst>
             </a:prstGeom>
             <a:solidFill>
@@ -7024,12 +7251,12 @@
             </a:ln>
           </p:spPr>
           <p:txBody>
-            <a:bodyPr spcFirstLastPara="1" wrap="square" lIns="91425" tIns="91425" rIns="91425" bIns="91425" anchor="ctr" anchorCtr="0">
+            <a:bodyPr anchorCtr="0" anchor="ctr" bIns="91425" lIns="91425" spcFirstLastPara="1" rIns="91425" wrap="square" tIns="91425">
               <a:noAutofit/>
             </a:bodyPr>
             <a:lstStyle/>
             <a:p>
-              <a:pPr marL="0" lvl="0" indent="0" algn="l" rtl="0">
+              <a:pPr indent="0" lvl="0" marL="0" rtl="0" algn="l">
                 <a:spcBef>
                   <a:spcPts val="0"/>
                 </a:spcBef>
@@ -7038,6 +7265,9 @@
                 </a:spcAft>
                 <a:buNone/>
               </a:pPr>
+              <a:r>
+                <a:t/>
+              </a:r>
               <a:endParaRPr/>
             </a:p>
           </p:txBody>
@@ -7046,9 +7276,7 @@
       <p:sp>
         <p:nvSpPr>
           <p:cNvPr id="93" name="Google Shape;93;p8"/>
-          <p:cNvSpPr txBox="1">
-            <a:spLocks noGrp="1"/>
-          </p:cNvSpPr>
+          <p:cNvSpPr txBox="1"/>
           <p:nvPr>
             <p:ph type="title"/>
           </p:nvPr>
@@ -7063,7 +7291,7 @@
           </a:prstGeom>
         </p:spPr>
         <p:txBody>
-          <a:bodyPr spcFirstLastPara="1" wrap="square" lIns="91425" tIns="91425" rIns="91425" bIns="91425" anchor="ctr" anchorCtr="0">
+          <a:bodyPr anchorCtr="0" anchor="ctr" bIns="91425" lIns="91425" spcFirstLastPara="1" rIns="91425" wrap="square" tIns="91425">
             <a:normAutofit/>
           </a:bodyPr>
           <a:lstStyle>
@@ -7167,19 +7395,15 @@
               <a:defRPr sz="3200"/>
             </a:lvl9pPr>
           </a:lstStyle>
-          <a:p>
-            <a:endParaRPr/>
-          </a:p>
+          <a:p/>
         </p:txBody>
       </p:sp>
       <p:sp>
         <p:nvSpPr>
           <p:cNvPr id="94" name="Google Shape;94;p8"/>
-          <p:cNvSpPr txBox="1">
-            <a:spLocks noGrp="1"/>
-          </p:cNvSpPr>
+          <p:cNvSpPr txBox="1"/>
           <p:nvPr>
-            <p:ph type="sldNum" idx="12"/>
+            <p:ph idx="12" type="sldNum"/>
           </p:nvPr>
         </p:nvSpPr>
         <p:spPr>
@@ -7192,7 +7416,7 @@
           </a:prstGeom>
         </p:spPr>
         <p:txBody>
-          <a:bodyPr spcFirstLastPara="1" wrap="square" lIns="91425" tIns="91425" rIns="91425" bIns="91425" anchor="ctr" anchorCtr="0">
+          <a:bodyPr anchorCtr="0" anchor="ctr" bIns="91425" lIns="91425" spcFirstLastPara="1" rIns="91425" wrap="square" tIns="91425">
             <a:normAutofit/>
           </a:bodyPr>
           <a:lstStyle>
@@ -7234,7 +7458,7 @@
             </a:lvl9pPr>
           </a:lstStyle>
           <a:p>
-            <a:pPr marL="0" lvl="0" indent="0" algn="r" rtl="0">
+            <a:pPr indent="0" lvl="0" marL="0" rtl="0" algn="r">
               <a:spcBef>
                 <a:spcPts val="0"/>
               </a:spcBef>
@@ -7260,19 +7484,18 @@
 </file>
 
 <file path=ppt/slideLayouts/slideLayout8.xml><?xml version="1.0" encoding="utf-8"?>
-<p:sldLayout xmlns:a="http://schemas.openxmlformats.org/drawingml/2006/main" xmlns:r="http://schemas.openxmlformats.org/officeDocument/2006/relationships" xmlns:p="http://schemas.openxmlformats.org/presentationml/2006/main" matchingName="Section title and description">
+<p:sldLayout xmlns:a="http://schemas.openxmlformats.org/drawingml/2006/main" xmlns:r="http://schemas.openxmlformats.org/officeDocument/2006/relationships" xmlns:mc="http://schemas.openxmlformats.org/markup-compatibility/2006" xmlns:mv="urn:schemas-microsoft-com:mac:vml" xmlns:p="http://schemas.openxmlformats.org/presentationml/2006/main" xmlns:c="http://schemas.openxmlformats.org/drawingml/2006/chart" xmlns:dgm="http://schemas.openxmlformats.org/drawingml/2006/diagram" xmlns:o="urn:schemas-microsoft-com:office:office" xmlns:v="urn:schemas-microsoft-com:vml" xmlns:pvml="urn:schemas-microsoft-com:office:powerpoint" xmlns:com="http://schemas.openxmlformats.org/drawingml/2006/compatibility" xmlns:p14="http://schemas.microsoft.com/office/powerpoint/2010/main" xmlns:p15="http://schemas.microsoft.com/office/powerpoint/2012/main" xmlns:ahyp="http://schemas.microsoft.com/office/drawing/2018/hyperlinkcolor" matchingName="Section title and description">
   <p:cSld name="SECTION_TITLE_AND_DESCRIPTION">
     <p:bg>
       <p:bgPr>
         <a:solidFill>
           <a:schemeClr val="dk2"/>
         </a:solidFill>
-        <a:effectLst/>
       </p:bgPr>
     </p:bg>
     <p:spTree>
       <p:nvGrpSpPr>
-        <p:cNvPr id="1" name="Shape 95"/>
+        <p:cNvPr id="95" name="Shape 95"/>
         <p:cNvGrpSpPr/>
         <p:nvPr/>
       </p:nvGrpSpPr>
@@ -7306,12 +7529,12 @@
           </a:ln>
         </p:spPr>
         <p:txBody>
-          <a:bodyPr spcFirstLastPara="1" wrap="square" lIns="91425" tIns="91425" rIns="91425" bIns="91425" anchor="ctr" anchorCtr="0">
+          <a:bodyPr anchorCtr="0" anchor="ctr" bIns="91425" lIns="91425" spcFirstLastPara="1" rIns="91425" wrap="square" tIns="91425">
             <a:noAutofit/>
           </a:bodyPr>
           <a:lstStyle/>
           <a:p>
-            <a:pPr marL="0" lvl="0" indent="0" algn="l" rtl="0">
+            <a:pPr indent="0" lvl="0" marL="0" rtl="0" algn="l">
               <a:spcBef>
                 <a:spcPts val="0"/>
               </a:spcBef>
@@ -7320,6 +7543,9 @@
               </a:spcAft>
               <a:buNone/>
             </a:pPr>
+            <a:r>
+              <a:t/>
+            </a:r>
             <a:endParaRPr/>
           </a:p>
         </p:txBody>
@@ -7346,12 +7572,12 @@
           </a:ln>
         </p:spPr>
         <p:txBody>
-          <a:bodyPr spcFirstLastPara="1" wrap="square" lIns="91425" tIns="91425" rIns="91425" bIns="91425" anchor="ctr" anchorCtr="0">
+          <a:bodyPr anchorCtr="0" anchor="ctr" bIns="91425" lIns="91425" spcFirstLastPara="1" rIns="91425" wrap="square" tIns="91425">
             <a:noAutofit/>
           </a:bodyPr>
           <a:lstStyle/>
           <a:p>
-            <a:pPr marL="0" lvl="0" indent="0" algn="l" rtl="0">
+            <a:pPr indent="0" lvl="0" marL="0" rtl="0" algn="l">
               <a:spcBef>
                 <a:spcPts val="0"/>
               </a:spcBef>
@@ -7360,6 +7586,9 @@
               </a:spcAft>
               <a:buNone/>
             </a:pPr>
+            <a:r>
+              <a:t/>
+            </a:r>
             <a:endParaRPr/>
           </a:p>
         </p:txBody>
@@ -7385,7 +7614,7 @@
             <a:noFill/>
           </a:ln>
           <a:effectLst>
-            <a:outerShdw blurRad="228600" sx="101000" sy="101000" algn="ctr" rotWithShape="0">
+            <a:outerShdw blurRad="228600" sx="101000" rotWithShape="0" algn="ctr" sy="101000">
               <a:srgbClr val="000000">
                 <a:alpha val="40000"/>
               </a:srgbClr>
@@ -7393,12 +7622,12 @@
           </a:effectLst>
         </p:spPr>
         <p:txBody>
-          <a:bodyPr spcFirstLastPara="1" wrap="square" lIns="91425" tIns="91425" rIns="91425" bIns="91425" anchor="ctr" anchorCtr="0">
+          <a:bodyPr anchorCtr="0" anchor="ctr" bIns="91425" lIns="91425" spcFirstLastPara="1" rIns="91425" wrap="square" tIns="91425">
             <a:noAutofit/>
           </a:bodyPr>
           <a:lstStyle/>
           <a:p>
-            <a:pPr marL="0" lvl="0" indent="0" algn="l" rtl="0">
+            <a:pPr indent="0" lvl="0" marL="0" rtl="0" algn="l">
               <a:spcBef>
                 <a:spcPts val="0"/>
               </a:spcBef>
@@ -7407,6 +7636,9 @@
               </a:spcAft>
               <a:buNone/>
             </a:pPr>
+            <a:r>
+              <a:t/>
+            </a:r>
             <a:endParaRPr/>
           </a:p>
         </p:txBody>
@@ -7414,9 +7646,7 @@
       <p:sp>
         <p:nvSpPr>
           <p:cNvPr id="99" name="Google Shape;99;p9"/>
-          <p:cNvSpPr txBox="1">
-            <a:spLocks noGrp="1"/>
-          </p:cNvSpPr>
+          <p:cNvSpPr txBox="1"/>
           <p:nvPr>
             <p:ph type="title"/>
           </p:nvPr>
@@ -7431,7 +7661,7 @@
           </a:prstGeom>
         </p:spPr>
         <p:txBody>
-          <a:bodyPr spcFirstLastPara="1" wrap="square" lIns="91425" tIns="91425" rIns="91425" bIns="91425" anchor="t" anchorCtr="0">
+          <a:bodyPr anchorCtr="0" anchor="t" bIns="91425" lIns="91425" spcFirstLastPara="1" rIns="91425" wrap="square" tIns="91425">
             <a:normAutofit/>
           </a:bodyPr>
           <a:lstStyle>
@@ -7535,19 +7765,15 @@
               <a:defRPr sz="3000"/>
             </a:lvl9pPr>
           </a:lstStyle>
-          <a:p>
-            <a:endParaRPr/>
-          </a:p>
+          <a:p/>
         </p:txBody>
       </p:sp>
       <p:sp>
         <p:nvSpPr>
           <p:cNvPr id="100" name="Google Shape;100;p9"/>
-          <p:cNvSpPr txBox="1">
-            <a:spLocks noGrp="1"/>
-          </p:cNvSpPr>
+          <p:cNvSpPr txBox="1"/>
           <p:nvPr>
-            <p:ph type="subTitle" idx="1"/>
+            <p:ph idx="1" type="subTitle"/>
           </p:nvPr>
         </p:nvSpPr>
         <p:spPr>
@@ -7560,7 +7786,7 @@
           </a:prstGeom>
         </p:spPr>
         <p:txBody>
-          <a:bodyPr spcFirstLastPara="1" wrap="square" lIns="91425" tIns="91425" rIns="91425" bIns="91425" anchor="t" anchorCtr="0">
+          <a:bodyPr anchorCtr="0" anchor="t" bIns="91425" lIns="91425" spcFirstLastPara="1" rIns="91425" wrap="square" tIns="91425">
             <a:normAutofit/>
           </a:bodyPr>
           <a:lstStyle>
@@ -7754,19 +7980,15 @@
               </a:defRPr>
             </a:lvl9pPr>
           </a:lstStyle>
-          <a:p>
-            <a:endParaRPr/>
-          </a:p>
+          <a:p/>
         </p:txBody>
       </p:sp>
       <p:sp>
         <p:nvSpPr>
           <p:cNvPr id="101" name="Google Shape;101;p9"/>
-          <p:cNvSpPr txBox="1">
-            <a:spLocks noGrp="1"/>
-          </p:cNvSpPr>
+          <p:cNvSpPr txBox="1"/>
           <p:nvPr>
-            <p:ph type="body" idx="2"/>
+            <p:ph idx="2" type="body"/>
           </p:nvPr>
         </p:nvSpPr>
         <p:spPr>
@@ -7779,11 +8001,11 @@
           </a:prstGeom>
         </p:spPr>
         <p:txBody>
-          <a:bodyPr spcFirstLastPara="1" wrap="square" lIns="91425" tIns="91425" rIns="91425" bIns="91425" anchor="t" anchorCtr="0">
+          <a:bodyPr anchorCtr="0" anchor="t" bIns="91425" lIns="91425" spcFirstLastPara="1" rIns="91425" wrap="square" tIns="91425">
             <a:normAutofit/>
           </a:bodyPr>
           <a:lstStyle>
-            <a:lvl1pPr marL="457200" lvl="0" indent="-311150">
+            <a:lvl1pPr indent="-311150" lvl="0" marL="457200">
               <a:spcBef>
                 <a:spcPts val="0"/>
               </a:spcBef>
@@ -7794,7 +8016,7 @@
               <a:buChar char="●"/>
               <a:defRPr/>
             </a:lvl1pPr>
-            <a:lvl2pPr marL="914400" lvl="1" indent="-298450">
+            <a:lvl2pPr indent="-298450" lvl="1" marL="914400">
               <a:spcBef>
                 <a:spcPts val="0"/>
               </a:spcBef>
@@ -7805,7 +8027,7 @@
               <a:buChar char="○"/>
               <a:defRPr/>
             </a:lvl2pPr>
-            <a:lvl3pPr marL="1371600" lvl="2" indent="-298450">
+            <a:lvl3pPr indent="-298450" lvl="2" marL="1371600">
               <a:spcBef>
                 <a:spcPts val="0"/>
               </a:spcBef>
@@ -7816,7 +8038,7 @@
               <a:buChar char="■"/>
               <a:defRPr/>
             </a:lvl3pPr>
-            <a:lvl4pPr marL="1828800" lvl="3" indent="-298450">
+            <a:lvl4pPr indent="-298450" lvl="3" marL="1828800">
               <a:spcBef>
                 <a:spcPts val="0"/>
               </a:spcBef>
@@ -7827,7 +8049,7 @@
               <a:buChar char="●"/>
               <a:defRPr/>
             </a:lvl4pPr>
-            <a:lvl5pPr marL="2286000" lvl="4" indent="-298450">
+            <a:lvl5pPr indent="-298450" lvl="4" marL="2286000">
               <a:spcBef>
                 <a:spcPts val="0"/>
               </a:spcBef>
@@ -7838,7 +8060,7 @@
               <a:buChar char="○"/>
               <a:defRPr/>
             </a:lvl5pPr>
-            <a:lvl6pPr marL="2743200" lvl="5" indent="-298450">
+            <a:lvl6pPr indent="-298450" lvl="5" marL="2743200">
               <a:spcBef>
                 <a:spcPts val="0"/>
               </a:spcBef>
@@ -7849,7 +8071,7 @@
               <a:buChar char="■"/>
               <a:defRPr/>
             </a:lvl6pPr>
-            <a:lvl7pPr marL="3200400" lvl="6" indent="-298450">
+            <a:lvl7pPr indent="-298450" lvl="6" marL="3200400">
               <a:spcBef>
                 <a:spcPts val="0"/>
               </a:spcBef>
@@ -7860,7 +8082,7 @@
               <a:buChar char="●"/>
               <a:defRPr/>
             </a:lvl7pPr>
-            <a:lvl8pPr marL="3657600" lvl="7" indent="-298450">
+            <a:lvl8pPr indent="-298450" lvl="7" marL="3657600">
               <a:spcBef>
                 <a:spcPts val="0"/>
               </a:spcBef>
@@ -7871,7 +8093,7 @@
               <a:buChar char="○"/>
               <a:defRPr/>
             </a:lvl8pPr>
-            <a:lvl9pPr marL="4114800" lvl="8" indent="-298450">
+            <a:lvl9pPr indent="-298450" lvl="8" marL="4114800">
               <a:spcBef>
                 <a:spcPts val="0"/>
               </a:spcBef>
@@ -7883,19 +8105,15 @@
               <a:defRPr/>
             </a:lvl9pPr>
           </a:lstStyle>
-          <a:p>
-            <a:endParaRPr/>
-          </a:p>
+          <a:p/>
         </p:txBody>
       </p:sp>
       <p:sp>
         <p:nvSpPr>
           <p:cNvPr id="102" name="Google Shape;102;p9"/>
-          <p:cNvSpPr txBox="1">
-            <a:spLocks noGrp="1"/>
-          </p:cNvSpPr>
+          <p:cNvSpPr txBox="1"/>
           <p:nvPr>
-            <p:ph type="sldNum" idx="12"/>
+            <p:ph idx="12" type="sldNum"/>
           </p:nvPr>
         </p:nvSpPr>
         <p:spPr>
@@ -7908,7 +8126,7 @@
           </a:prstGeom>
         </p:spPr>
         <p:txBody>
-          <a:bodyPr spcFirstLastPara="1" wrap="square" lIns="91425" tIns="91425" rIns="91425" bIns="91425" anchor="ctr" anchorCtr="0">
+          <a:bodyPr anchorCtr="0" anchor="ctr" bIns="91425" lIns="91425" spcFirstLastPara="1" rIns="91425" wrap="square" tIns="91425">
             <a:normAutofit/>
           </a:bodyPr>
           <a:lstStyle>
@@ -7950,7 +8168,7 @@
             </a:lvl9pPr>
           </a:lstStyle>
           <a:p>
-            <a:pPr marL="0" lvl="0" indent="0" algn="r" rtl="0">
+            <a:pPr indent="0" lvl="0" marL="0" rtl="0" algn="r">
               <a:spcBef>
                 <a:spcPts val="0"/>
               </a:spcBef>
@@ -7976,19 +8194,18 @@
 </file>
 
 <file path=ppt/slideLayouts/slideLayout9.xml><?xml version="1.0" encoding="utf-8"?>
-<p:sldLayout xmlns:a="http://schemas.openxmlformats.org/drawingml/2006/main" xmlns:r="http://schemas.openxmlformats.org/officeDocument/2006/relationships" xmlns:p="http://schemas.openxmlformats.org/presentationml/2006/main" matchingName="Caption">
+<p:sldLayout xmlns:a="http://schemas.openxmlformats.org/drawingml/2006/main" xmlns:r="http://schemas.openxmlformats.org/officeDocument/2006/relationships" xmlns:mc="http://schemas.openxmlformats.org/markup-compatibility/2006" xmlns:mv="urn:schemas-microsoft-com:mac:vml" xmlns:p="http://schemas.openxmlformats.org/presentationml/2006/main" xmlns:c="http://schemas.openxmlformats.org/drawingml/2006/chart" xmlns:dgm="http://schemas.openxmlformats.org/drawingml/2006/diagram" xmlns:o="urn:schemas-microsoft-com:office:office" xmlns:v="urn:schemas-microsoft-com:vml" xmlns:pvml="urn:schemas-microsoft-com:office:powerpoint" xmlns:com="http://schemas.openxmlformats.org/drawingml/2006/compatibility" xmlns:p14="http://schemas.microsoft.com/office/powerpoint/2010/main" xmlns:p15="http://schemas.microsoft.com/office/powerpoint/2012/main" xmlns:ahyp="http://schemas.microsoft.com/office/drawing/2018/hyperlinkcolor" matchingName="Caption">
   <p:cSld name="CAPTION_ONLY">
     <p:bg>
       <p:bgPr>
         <a:solidFill>
           <a:schemeClr val="accent1"/>
         </a:solidFill>
-        <a:effectLst/>
       </p:bgPr>
     </p:bg>
     <p:spTree>
       <p:nvGrpSpPr>
-        <p:cNvPr id="1" name="Shape 103"/>
+        <p:cNvPr id="103" name="Shape 103"/>
         <p:cNvGrpSpPr/>
         <p:nvPr/>
       </p:nvGrpSpPr>
@@ -8022,12 +8239,12 @@
           </a:ln>
         </p:spPr>
         <p:txBody>
-          <a:bodyPr spcFirstLastPara="1" wrap="square" lIns="91425" tIns="91425" rIns="91425" bIns="91425" anchor="ctr" anchorCtr="0">
+          <a:bodyPr anchorCtr="0" anchor="ctr" bIns="91425" lIns="91425" spcFirstLastPara="1" rIns="91425" wrap="square" tIns="91425">
             <a:noAutofit/>
           </a:bodyPr>
           <a:lstStyle/>
           <a:p>
-            <a:pPr marL="0" lvl="0" indent="0" algn="l" rtl="0">
+            <a:pPr indent="0" lvl="0" marL="0" rtl="0" algn="l">
               <a:spcBef>
                 <a:spcPts val="0"/>
               </a:spcBef>
@@ -8036,6 +8253,9 @@
               </a:spcAft>
               <a:buNone/>
             </a:pPr>
+            <a:r>
+              <a:t/>
+            </a:r>
             <a:endParaRPr/>
           </a:p>
         </p:txBody>
@@ -8062,12 +8282,12 @@
           </a:ln>
         </p:spPr>
         <p:txBody>
-          <a:bodyPr spcFirstLastPara="1" wrap="square" lIns="91425" tIns="91425" rIns="91425" bIns="91425" anchor="ctr" anchorCtr="0">
+          <a:bodyPr anchorCtr="0" anchor="ctr" bIns="91425" lIns="91425" spcFirstLastPara="1" rIns="91425" wrap="square" tIns="91425">
             <a:noAutofit/>
           </a:bodyPr>
           <a:lstStyle/>
           <a:p>
-            <a:pPr marL="0" lvl="0" indent="0" algn="l" rtl="0">
+            <a:pPr indent="0" lvl="0" marL="0" rtl="0" algn="l">
               <a:spcBef>
                 <a:spcPts val="0"/>
               </a:spcBef>
@@ -8076,6 +8296,9 @@
               </a:spcAft>
               <a:buNone/>
             </a:pPr>
+            <a:r>
+              <a:t/>
+            </a:r>
             <a:endParaRPr/>
           </a:p>
         </p:txBody>
@@ -8101,7 +8324,7 @@
             <a:noFill/>
           </a:ln>
           <a:effectLst>
-            <a:outerShdw blurRad="228600" sx="101000" sy="101000" algn="ctr" rotWithShape="0">
+            <a:outerShdw blurRad="228600" sx="101000" rotWithShape="0" algn="ctr" sy="101000">
               <a:srgbClr val="000000">
                 <a:alpha val="40000"/>
               </a:srgbClr>
@@ -8109,12 +8332,12 @@
           </a:effectLst>
         </p:spPr>
         <p:txBody>
-          <a:bodyPr spcFirstLastPara="1" wrap="square" lIns="91425" tIns="91425" rIns="91425" bIns="91425" anchor="ctr" anchorCtr="0">
+          <a:bodyPr anchorCtr="0" anchor="ctr" bIns="91425" lIns="91425" spcFirstLastPara="1" rIns="91425" wrap="square" tIns="91425">
             <a:noAutofit/>
           </a:bodyPr>
           <a:lstStyle/>
           <a:p>
-            <a:pPr marL="0" lvl="0" indent="0" algn="l" rtl="0">
+            <a:pPr indent="0" lvl="0" marL="0" rtl="0" algn="l">
               <a:spcBef>
                 <a:spcPts val="0"/>
               </a:spcBef>
@@ -8123,6 +8346,9 @@
               </a:spcAft>
               <a:buNone/>
             </a:pPr>
+            <a:r>
+              <a:t/>
+            </a:r>
             <a:endParaRPr/>
           </a:p>
         </p:txBody>
@@ -8130,11 +8356,9 @@
       <p:sp>
         <p:nvSpPr>
           <p:cNvPr id="107" name="Google Shape;107;p10"/>
-          <p:cNvSpPr txBox="1">
-            <a:spLocks noGrp="1"/>
-          </p:cNvSpPr>
+          <p:cNvSpPr txBox="1"/>
           <p:nvPr>
-            <p:ph type="body" idx="1"/>
+            <p:ph idx="1" type="body"/>
           </p:nvPr>
         </p:nvSpPr>
         <p:spPr>
@@ -8147,11 +8371,11 @@
           </a:prstGeom>
         </p:spPr>
         <p:txBody>
-          <a:bodyPr spcFirstLastPara="1" wrap="square" lIns="91425" tIns="91425" rIns="91425" bIns="91425" anchor="b" anchorCtr="0">
+          <a:bodyPr anchorCtr="0" anchor="b" bIns="91425" lIns="91425" spcFirstLastPara="1" rIns="91425" wrap="square" tIns="91425">
             <a:normAutofit/>
           </a:bodyPr>
           <a:lstStyle>
-            <a:lvl1pPr marL="457200" lvl="0" indent="-228600">
+            <a:lvl1pPr indent="-228600" lvl="0" marL="457200">
               <a:lnSpc>
                 <a:spcPct val="100000"/>
               </a:lnSpc>
@@ -8166,19 +8390,15 @@
               <a:defRPr/>
             </a:lvl1pPr>
           </a:lstStyle>
-          <a:p>
-            <a:endParaRPr/>
-          </a:p>
+          <a:p/>
         </p:txBody>
       </p:sp>
       <p:sp>
         <p:nvSpPr>
           <p:cNvPr id="108" name="Google Shape;108;p10"/>
-          <p:cNvSpPr txBox="1">
-            <a:spLocks noGrp="1"/>
-          </p:cNvSpPr>
+          <p:cNvSpPr txBox="1"/>
           <p:nvPr>
-            <p:ph type="sldNum" idx="12"/>
+            <p:ph idx="12" type="sldNum"/>
           </p:nvPr>
         </p:nvSpPr>
         <p:spPr>
@@ -8191,7 +8411,7 @@
           </a:prstGeom>
         </p:spPr>
         <p:txBody>
-          <a:bodyPr spcFirstLastPara="1" wrap="square" lIns="91425" tIns="91425" rIns="91425" bIns="91425" anchor="ctr" anchorCtr="0">
+          <a:bodyPr anchorCtr="0" anchor="ctr" bIns="91425" lIns="91425" spcFirstLastPara="1" rIns="91425" wrap="square" tIns="91425">
             <a:normAutofit/>
           </a:bodyPr>
           <a:lstStyle>
@@ -8233,7 +8453,7 @@
             </a:lvl9pPr>
           </a:lstStyle>
           <a:p>
-            <a:pPr marL="0" lvl="0" indent="0" algn="r" rtl="0">
+            <a:pPr indent="0" lvl="0" marL="0" rtl="0" algn="r">
               <a:spcBef>
                 <a:spcPts val="0"/>
               </a:spcBef>
@@ -8259,19 +8479,18 @@
 </file>
 
 <file path=ppt/slideMasters/slideMaster1.xml><?xml version="1.0" encoding="utf-8"?>
-<p:sldMaster xmlns:a="http://schemas.openxmlformats.org/drawingml/2006/main" xmlns:r="http://schemas.openxmlformats.org/officeDocument/2006/relationships" xmlns:p="http://schemas.openxmlformats.org/presentationml/2006/main">
+<p:sldMaster xmlns:a="http://schemas.openxmlformats.org/drawingml/2006/main" xmlns:r="http://schemas.openxmlformats.org/officeDocument/2006/relationships" xmlns:mc="http://schemas.openxmlformats.org/markup-compatibility/2006" xmlns:mv="urn:schemas-microsoft-com:mac:vml" xmlns:p="http://schemas.openxmlformats.org/presentationml/2006/main" xmlns:c="http://schemas.openxmlformats.org/drawingml/2006/chart" xmlns:dgm="http://schemas.openxmlformats.org/drawingml/2006/diagram" xmlns:o="urn:schemas-microsoft-com:office:office" xmlns:v="urn:schemas-microsoft-com:vml" xmlns:pvml="urn:schemas-microsoft-com:office:powerpoint" xmlns:com="http://schemas.openxmlformats.org/drawingml/2006/compatibility" xmlns:p14="http://schemas.microsoft.com/office/powerpoint/2010/main" xmlns:p15="http://schemas.microsoft.com/office/powerpoint/2012/main" xmlns:ahyp="http://schemas.microsoft.com/office/drawing/2018/hyperlinkcolor">
   <p:cSld name="shift">
     <p:bg>
       <p:bgPr>
         <a:solidFill>
           <a:schemeClr val="dk1"/>
         </a:solidFill>
-        <a:effectLst/>
       </p:bgPr>
     </p:bg>
     <p:spTree>
       <p:nvGrpSpPr>
-        <p:cNvPr id="1" name="Shape 5"/>
+        <p:cNvPr id="5" name="Shape 5"/>
         <p:cNvGrpSpPr/>
         <p:nvPr/>
       </p:nvGrpSpPr>
@@ -8286,9 +8505,7 @@
       <p:sp>
         <p:nvSpPr>
           <p:cNvPr id="6" name="Google Shape;6;p1"/>
-          <p:cNvSpPr txBox="1">
-            <a:spLocks noGrp="1"/>
-          </p:cNvSpPr>
+          <p:cNvSpPr txBox="1"/>
           <p:nvPr>
             <p:ph type="title"/>
           </p:nvPr>
@@ -8307,7 +8524,7 @@
           </a:ln>
         </p:spPr>
         <p:txBody>
-          <a:bodyPr spcFirstLastPara="1" wrap="square" lIns="91425" tIns="91425" rIns="91425" bIns="91425" anchor="t" anchorCtr="0">
+          <a:bodyPr anchorCtr="0" anchor="t" bIns="91425" lIns="91425" spcFirstLastPara="1" rIns="91425" wrap="square" tIns="91425">
             <a:normAutofit/>
           </a:bodyPr>
           <a:lstStyle>
@@ -8519,19 +8736,15 @@
               </a:defRPr>
             </a:lvl9pPr>
           </a:lstStyle>
-          <a:p>
-            <a:endParaRPr/>
-          </a:p>
+          <a:p/>
         </p:txBody>
       </p:sp>
       <p:sp>
         <p:nvSpPr>
           <p:cNvPr id="7" name="Google Shape;7;p1"/>
-          <p:cNvSpPr txBox="1">
-            <a:spLocks noGrp="1"/>
-          </p:cNvSpPr>
+          <p:cNvSpPr txBox="1"/>
           <p:nvPr>
-            <p:ph type="body" idx="1"/>
+            <p:ph idx="1" type="body"/>
           </p:nvPr>
         </p:nvSpPr>
         <p:spPr>
@@ -8548,11 +8761,11 @@
           </a:ln>
         </p:spPr>
         <p:txBody>
-          <a:bodyPr spcFirstLastPara="1" wrap="square" lIns="91425" tIns="91425" rIns="91425" bIns="91425" anchor="t" anchorCtr="0">
+          <a:bodyPr anchorCtr="0" anchor="t" bIns="91425" lIns="91425" spcFirstLastPara="1" rIns="91425" wrap="square" tIns="91425">
             <a:normAutofit/>
           </a:bodyPr>
           <a:lstStyle>
-            <a:lvl1pPr marL="457200" lvl="0" indent="-311150">
+            <a:lvl1pPr indent="-311150" lvl="0" marL="457200">
               <a:lnSpc>
                 <a:spcPct val="115000"/>
               </a:lnSpc>
@@ -8578,7 +8791,7 @@
                 <a:sym typeface="Calibri"/>
               </a:defRPr>
             </a:lvl1pPr>
-            <a:lvl2pPr marL="914400" lvl="1" indent="-298450">
+            <a:lvl2pPr indent="-298450" lvl="1" marL="914400">
               <a:lnSpc>
                 <a:spcPct val="115000"/>
               </a:lnSpc>
@@ -8604,7 +8817,7 @@
                 <a:sym typeface="Calibri"/>
               </a:defRPr>
             </a:lvl2pPr>
-            <a:lvl3pPr marL="1371600" lvl="2" indent="-298450">
+            <a:lvl3pPr indent="-298450" lvl="2" marL="1371600">
               <a:lnSpc>
                 <a:spcPct val="115000"/>
               </a:lnSpc>
@@ -8630,7 +8843,7 @@
                 <a:sym typeface="Calibri"/>
               </a:defRPr>
             </a:lvl3pPr>
-            <a:lvl4pPr marL="1828800" lvl="3" indent="-298450">
+            <a:lvl4pPr indent="-298450" lvl="3" marL="1828800">
               <a:lnSpc>
                 <a:spcPct val="115000"/>
               </a:lnSpc>
@@ -8656,7 +8869,7 @@
                 <a:sym typeface="Calibri"/>
               </a:defRPr>
             </a:lvl4pPr>
-            <a:lvl5pPr marL="2286000" lvl="4" indent="-298450">
+            <a:lvl5pPr indent="-298450" lvl="4" marL="2286000">
               <a:lnSpc>
                 <a:spcPct val="115000"/>
               </a:lnSpc>
@@ -8682,7 +8895,7 @@
                 <a:sym typeface="Calibri"/>
               </a:defRPr>
             </a:lvl5pPr>
-            <a:lvl6pPr marL="2743200" lvl="5" indent="-298450">
+            <a:lvl6pPr indent="-298450" lvl="5" marL="2743200">
               <a:lnSpc>
                 <a:spcPct val="115000"/>
               </a:lnSpc>
@@ -8708,7 +8921,7 @@
                 <a:sym typeface="Calibri"/>
               </a:defRPr>
             </a:lvl6pPr>
-            <a:lvl7pPr marL="3200400" lvl="6" indent="-298450">
+            <a:lvl7pPr indent="-298450" lvl="6" marL="3200400">
               <a:lnSpc>
                 <a:spcPct val="115000"/>
               </a:lnSpc>
@@ -8734,7 +8947,7 @@
                 <a:sym typeface="Calibri"/>
               </a:defRPr>
             </a:lvl7pPr>
-            <a:lvl8pPr marL="3657600" lvl="7" indent="-298450">
+            <a:lvl8pPr indent="-298450" lvl="7" marL="3657600">
               <a:lnSpc>
                 <a:spcPct val="115000"/>
               </a:lnSpc>
@@ -8760,7 +8973,7 @@
                 <a:sym typeface="Calibri"/>
               </a:defRPr>
             </a:lvl8pPr>
-            <a:lvl9pPr marL="4114800" lvl="8" indent="-298450">
+            <a:lvl9pPr indent="-298450" lvl="8" marL="4114800">
               <a:lnSpc>
                 <a:spcPct val="115000"/>
               </a:lnSpc>
@@ -8787,19 +9000,15 @@
               </a:defRPr>
             </a:lvl9pPr>
           </a:lstStyle>
-          <a:p>
-            <a:endParaRPr/>
-          </a:p>
+          <a:p/>
         </p:txBody>
       </p:sp>
       <p:sp>
         <p:nvSpPr>
           <p:cNvPr id="8" name="Google Shape;8;p1"/>
-          <p:cNvSpPr txBox="1">
-            <a:spLocks noGrp="1"/>
-          </p:cNvSpPr>
+          <p:cNvSpPr txBox="1"/>
           <p:nvPr>
-            <p:ph type="sldNum" idx="12"/>
+            <p:ph idx="12" type="sldNum"/>
           </p:nvPr>
         </p:nvSpPr>
         <p:spPr>
@@ -8816,7 +9025,7 @@
           </a:ln>
         </p:spPr>
         <p:txBody>
-          <a:bodyPr spcFirstLastPara="1" wrap="square" lIns="91425" tIns="91425" rIns="91425" bIns="91425" anchor="ctr" anchorCtr="0">
+          <a:bodyPr anchorCtr="0" anchor="ctr" bIns="91425" lIns="91425" spcFirstLastPara="1" rIns="91425" wrap="square" tIns="91425">
             <a:normAutofit/>
           </a:bodyPr>
           <a:lstStyle>
@@ -8930,7 +9139,7 @@
             </a:lvl9pPr>
           </a:lstStyle>
           <a:p>
-            <a:pPr marL="0" lvl="0" indent="0" algn="r" rtl="0">
+            <a:pPr indent="0" lvl="0" marL="0" rtl="0" algn="r">
               <a:spcBef>
                 <a:spcPts val="0"/>
               </a:spcBef>
@@ -8949,7 +9158,7 @@
       </p:sp>
     </p:spTree>
   </p:cSld>
-  <p:clrMap bg1="lt1" tx1="dk1" bg2="dk2" tx2="lt2" accent1="accent1" accent2="accent2" accent3="accent3" accent4="accent4" accent5="accent5" accent6="accent6" hlink="hlink" folHlink="folHlink"/>
+  <p:clrMap accent1="accent1" accent2="accent2" accent3="accent3" accent4="accent4" accent5="accent5" accent6="accent6" bg1="lt1" bg2="dk2" tx1="dk1" tx2="lt2" folHlink="folHlink" hlink="hlink"/>
   <p:sldLayoutIdLst>
     <p:sldLayoutId id="2147483648" r:id="rId1"/>
     <p:sldLayoutId id="2147483649" r:id="rId2"/>
@@ -8963,10 +9172,10 @@
     <p:sldLayoutId id="2147483657" r:id="rId10"/>
     <p:sldLayoutId id="2147483658" r:id="rId11"/>
   </p:sldLayoutIdLst>
-  <p:hf sldNum="0" hdr="0" ftr="0" dt="0"/>
+  <p:hf dt="0" ftr="0" hdr="0" sldNum="0"/>
   <p:txStyles>
     <p:titleStyle>
-      <a:defPPr marR="0" lvl="0" algn="l" rtl="0">
+      <a:defPPr lvl="0" marR="0" rtl="0" algn="l">
         <a:lnSpc>
           <a:spcPct val="100000"/>
         </a:lnSpc>
@@ -8977,7 +9186,7 @@
           <a:spcPts val="0"/>
         </a:spcAft>
       </a:defPPr>
-      <a:lvl1pPr marR="0" lvl="0" algn="l" rtl="0">
+      <a:lvl1pPr lvl="0" marR="0" rtl="0" algn="l">
         <a:lnSpc>
           <a:spcPct val="100000"/>
         </a:lnSpc>
@@ -8991,7 +9200,7 @@
           <a:srgbClr val="000000"/>
         </a:buClr>
         <a:buFont typeface="Arial"/>
-        <a:defRPr sz="1400" b="0" i="0" u="none" strike="noStrike" cap="none">
+        <a:defRPr b="0" i="0" sz="1400" u="none" cap="none" strike="noStrike">
           <a:solidFill>
             <a:srgbClr val="000000"/>
           </a:solidFill>
@@ -9001,7 +9210,7 @@
           <a:sym typeface="Arial"/>
         </a:defRPr>
       </a:lvl1pPr>
-      <a:lvl2pPr marR="0" lvl="1" algn="l" rtl="0">
+      <a:lvl2pPr lvl="1" marR="0" rtl="0" algn="l">
         <a:lnSpc>
           <a:spcPct val="100000"/>
         </a:lnSpc>
@@ -9015,7 +9224,7 @@
           <a:srgbClr val="000000"/>
         </a:buClr>
         <a:buFont typeface="Arial"/>
-        <a:defRPr sz="1400" b="0" i="0" u="none" strike="noStrike" cap="none">
+        <a:defRPr b="0" i="0" sz="1400" u="none" cap="none" strike="noStrike">
           <a:solidFill>
             <a:srgbClr val="000000"/>
           </a:solidFill>
@@ -9025,7 +9234,7 @@
           <a:sym typeface="Arial"/>
         </a:defRPr>
       </a:lvl2pPr>
-      <a:lvl3pPr marR="0" lvl="2" algn="l" rtl="0">
+      <a:lvl3pPr lvl="2" marR="0" rtl="0" algn="l">
         <a:lnSpc>
           <a:spcPct val="100000"/>
         </a:lnSpc>
@@ -9039,7 +9248,7 @@
           <a:srgbClr val="000000"/>
         </a:buClr>
         <a:buFont typeface="Arial"/>
-        <a:defRPr sz="1400" b="0" i="0" u="none" strike="noStrike" cap="none">
+        <a:defRPr b="0" i="0" sz="1400" u="none" cap="none" strike="noStrike">
           <a:solidFill>
             <a:srgbClr val="000000"/>
           </a:solidFill>
@@ -9049,7 +9258,7 @@
           <a:sym typeface="Arial"/>
         </a:defRPr>
       </a:lvl3pPr>
-      <a:lvl4pPr marR="0" lvl="3" algn="l" rtl="0">
+      <a:lvl4pPr lvl="3" marR="0" rtl="0" algn="l">
         <a:lnSpc>
           <a:spcPct val="100000"/>
         </a:lnSpc>
@@ -9063,7 +9272,7 @@
           <a:srgbClr val="000000"/>
         </a:buClr>
         <a:buFont typeface="Arial"/>
-        <a:defRPr sz="1400" b="0" i="0" u="none" strike="noStrike" cap="none">
+        <a:defRPr b="0" i="0" sz="1400" u="none" cap="none" strike="noStrike">
           <a:solidFill>
             <a:srgbClr val="000000"/>
           </a:solidFill>
@@ -9073,7 +9282,7 @@
           <a:sym typeface="Arial"/>
         </a:defRPr>
       </a:lvl4pPr>
-      <a:lvl5pPr marR="0" lvl="4" algn="l" rtl="0">
+      <a:lvl5pPr lvl="4" marR="0" rtl="0" algn="l">
         <a:lnSpc>
           <a:spcPct val="100000"/>
         </a:lnSpc>
@@ -9087,7 +9296,7 @@
           <a:srgbClr val="000000"/>
         </a:buClr>
         <a:buFont typeface="Arial"/>
-        <a:defRPr sz="1400" b="0" i="0" u="none" strike="noStrike" cap="none">
+        <a:defRPr b="0" i="0" sz="1400" u="none" cap="none" strike="noStrike">
           <a:solidFill>
             <a:srgbClr val="000000"/>
           </a:solidFill>
@@ -9097,7 +9306,7 @@
           <a:sym typeface="Arial"/>
         </a:defRPr>
       </a:lvl5pPr>
-      <a:lvl6pPr marR="0" lvl="5" algn="l" rtl="0">
+      <a:lvl6pPr lvl="5" marR="0" rtl="0" algn="l">
         <a:lnSpc>
           <a:spcPct val="100000"/>
         </a:lnSpc>
@@ -9111,7 +9320,7 @@
           <a:srgbClr val="000000"/>
         </a:buClr>
         <a:buFont typeface="Arial"/>
-        <a:defRPr sz="1400" b="0" i="0" u="none" strike="noStrike" cap="none">
+        <a:defRPr b="0" i="0" sz="1400" u="none" cap="none" strike="noStrike">
           <a:solidFill>
             <a:srgbClr val="000000"/>
           </a:solidFill>
@@ -9121,7 +9330,7 @@
           <a:sym typeface="Arial"/>
         </a:defRPr>
       </a:lvl6pPr>
-      <a:lvl7pPr marR="0" lvl="6" algn="l" rtl="0">
+      <a:lvl7pPr lvl="6" marR="0" rtl="0" algn="l">
         <a:lnSpc>
           <a:spcPct val="100000"/>
         </a:lnSpc>
@@ -9135,7 +9344,7 @@
           <a:srgbClr val="000000"/>
         </a:buClr>
         <a:buFont typeface="Arial"/>
-        <a:defRPr sz="1400" b="0" i="0" u="none" strike="noStrike" cap="none">
+        <a:defRPr b="0" i="0" sz="1400" u="none" cap="none" strike="noStrike">
           <a:solidFill>
             <a:srgbClr val="000000"/>
           </a:solidFill>
@@ -9145,7 +9354,7 @@
           <a:sym typeface="Arial"/>
         </a:defRPr>
       </a:lvl7pPr>
-      <a:lvl8pPr marR="0" lvl="7" algn="l" rtl="0">
+      <a:lvl8pPr lvl="7" marR="0" rtl="0" algn="l">
         <a:lnSpc>
           <a:spcPct val="100000"/>
         </a:lnSpc>
@@ -9159,7 +9368,7 @@
           <a:srgbClr val="000000"/>
         </a:buClr>
         <a:buFont typeface="Arial"/>
-        <a:defRPr sz="1400" b="0" i="0" u="none" strike="noStrike" cap="none">
+        <a:defRPr b="0" i="0" sz="1400" u="none" cap="none" strike="noStrike">
           <a:solidFill>
             <a:srgbClr val="000000"/>
           </a:solidFill>
@@ -9169,7 +9378,7 @@
           <a:sym typeface="Arial"/>
         </a:defRPr>
       </a:lvl8pPr>
-      <a:lvl9pPr marR="0" lvl="8" algn="l" rtl="0">
+      <a:lvl9pPr lvl="8" marR="0" rtl="0" algn="l">
         <a:lnSpc>
           <a:spcPct val="100000"/>
         </a:lnSpc>
@@ -9183,7 +9392,7 @@
           <a:srgbClr val="000000"/>
         </a:buClr>
         <a:buFont typeface="Arial"/>
-        <a:defRPr sz="1400" b="0" i="0" u="none" strike="noStrike" cap="none">
+        <a:defRPr b="0" i="0" sz="1400" u="none" cap="none" strike="noStrike">
           <a:solidFill>
             <a:srgbClr val="000000"/>
           </a:solidFill>
@@ -9195,7 +9404,7 @@
       </a:lvl9pPr>
     </p:titleStyle>
     <p:bodyStyle>
-      <a:defPPr marR="0" lvl="0" algn="l" rtl="0">
+      <a:defPPr lvl="0" marR="0" rtl="0" algn="l">
         <a:lnSpc>
           <a:spcPct val="100000"/>
         </a:lnSpc>
@@ -9206,7 +9415,7 @@
           <a:spcPts val="0"/>
         </a:spcAft>
       </a:defPPr>
-      <a:lvl1pPr marR="0" lvl="0" algn="l" rtl="0">
+      <a:lvl1pPr lvl="0" marR="0" rtl="0" algn="l">
         <a:lnSpc>
           <a:spcPct val="100000"/>
         </a:lnSpc>
@@ -9220,7 +9429,7 @@
           <a:srgbClr val="000000"/>
         </a:buClr>
         <a:buFont typeface="Arial"/>
-        <a:defRPr sz="1400" b="0" i="0" u="none" strike="noStrike" cap="none">
+        <a:defRPr b="0" i="0" sz="1400" u="none" cap="none" strike="noStrike">
           <a:solidFill>
             <a:srgbClr val="000000"/>
           </a:solidFill>
@@ -9230,7 +9439,7 @@
           <a:sym typeface="Arial"/>
         </a:defRPr>
       </a:lvl1pPr>
-      <a:lvl2pPr marR="0" lvl="1" algn="l" rtl="0">
+      <a:lvl2pPr lvl="1" marR="0" rtl="0" algn="l">
         <a:lnSpc>
           <a:spcPct val="100000"/>
         </a:lnSpc>
@@ -9244,7 +9453,7 @@
           <a:srgbClr val="000000"/>
         </a:buClr>
         <a:buFont typeface="Arial"/>
-        <a:defRPr sz="1400" b="0" i="0" u="none" strike="noStrike" cap="none">
+        <a:defRPr b="0" i="0" sz="1400" u="none" cap="none" strike="noStrike">
           <a:solidFill>
             <a:srgbClr val="000000"/>
           </a:solidFill>
@@ -9254,7 +9463,7 @@
           <a:sym typeface="Arial"/>
         </a:defRPr>
       </a:lvl2pPr>
-      <a:lvl3pPr marR="0" lvl="2" algn="l" rtl="0">
+      <a:lvl3pPr lvl="2" marR="0" rtl="0" algn="l">
         <a:lnSpc>
           <a:spcPct val="100000"/>
         </a:lnSpc>
@@ -9268,7 +9477,7 @@
           <a:srgbClr val="000000"/>
         </a:buClr>
         <a:buFont typeface="Arial"/>
-        <a:defRPr sz="1400" b="0" i="0" u="none" strike="noStrike" cap="none">
+        <a:defRPr b="0" i="0" sz="1400" u="none" cap="none" strike="noStrike">
           <a:solidFill>
             <a:srgbClr val="000000"/>
           </a:solidFill>
@@ -9278,7 +9487,7 @@
           <a:sym typeface="Arial"/>
         </a:defRPr>
       </a:lvl3pPr>
-      <a:lvl4pPr marR="0" lvl="3" algn="l" rtl="0">
+      <a:lvl4pPr lvl="3" marR="0" rtl="0" algn="l">
         <a:lnSpc>
           <a:spcPct val="100000"/>
         </a:lnSpc>
@@ -9292,7 +9501,7 @@
           <a:srgbClr val="000000"/>
         </a:buClr>
         <a:buFont typeface="Arial"/>
-        <a:defRPr sz="1400" b="0" i="0" u="none" strike="noStrike" cap="none">
+        <a:defRPr b="0" i="0" sz="1400" u="none" cap="none" strike="noStrike">
           <a:solidFill>
             <a:srgbClr val="000000"/>
           </a:solidFill>
@@ -9302,7 +9511,7 @@
           <a:sym typeface="Arial"/>
         </a:defRPr>
       </a:lvl4pPr>
-      <a:lvl5pPr marR="0" lvl="4" algn="l" rtl="0">
+      <a:lvl5pPr lvl="4" marR="0" rtl="0" algn="l">
         <a:lnSpc>
           <a:spcPct val="100000"/>
         </a:lnSpc>
@@ -9316,7 +9525,7 @@
           <a:srgbClr val="000000"/>
         </a:buClr>
         <a:buFont typeface="Arial"/>
-        <a:defRPr sz="1400" b="0" i="0" u="none" strike="noStrike" cap="none">
+        <a:defRPr b="0" i="0" sz="1400" u="none" cap="none" strike="noStrike">
           <a:solidFill>
             <a:srgbClr val="000000"/>
           </a:solidFill>
@@ -9326,7 +9535,7 @@
           <a:sym typeface="Arial"/>
         </a:defRPr>
       </a:lvl5pPr>
-      <a:lvl6pPr marR="0" lvl="5" algn="l" rtl="0">
+      <a:lvl6pPr lvl="5" marR="0" rtl="0" algn="l">
         <a:lnSpc>
           <a:spcPct val="100000"/>
         </a:lnSpc>
@@ -9340,7 +9549,7 @@
           <a:srgbClr val="000000"/>
         </a:buClr>
         <a:buFont typeface="Arial"/>
-        <a:defRPr sz="1400" b="0" i="0" u="none" strike="noStrike" cap="none">
+        <a:defRPr b="0" i="0" sz="1400" u="none" cap="none" strike="noStrike">
           <a:solidFill>
             <a:srgbClr val="000000"/>
           </a:solidFill>
@@ -9350,7 +9559,7 @@
           <a:sym typeface="Arial"/>
         </a:defRPr>
       </a:lvl6pPr>
-      <a:lvl7pPr marR="0" lvl="6" algn="l" rtl="0">
+      <a:lvl7pPr lvl="6" marR="0" rtl="0" algn="l">
         <a:lnSpc>
           <a:spcPct val="100000"/>
         </a:lnSpc>
@@ -9364,7 +9573,7 @@
           <a:srgbClr val="000000"/>
         </a:buClr>
         <a:buFont typeface="Arial"/>
-        <a:defRPr sz="1400" b="0" i="0" u="none" strike="noStrike" cap="none">
+        <a:defRPr b="0" i="0" sz="1400" u="none" cap="none" strike="noStrike">
           <a:solidFill>
             <a:srgbClr val="000000"/>
           </a:solidFill>
@@ -9374,7 +9583,7 @@
           <a:sym typeface="Arial"/>
         </a:defRPr>
       </a:lvl7pPr>
-      <a:lvl8pPr marR="0" lvl="7" algn="l" rtl="0">
+      <a:lvl8pPr lvl="7" marR="0" rtl="0" algn="l">
         <a:lnSpc>
           <a:spcPct val="100000"/>
         </a:lnSpc>
@@ -9388,7 +9597,7 @@
           <a:srgbClr val="000000"/>
         </a:buClr>
         <a:buFont typeface="Arial"/>
-        <a:defRPr sz="1400" b="0" i="0" u="none" strike="noStrike" cap="none">
+        <a:defRPr b="0" i="0" sz="1400" u="none" cap="none" strike="noStrike">
           <a:solidFill>
             <a:srgbClr val="000000"/>
           </a:solidFill>
@@ -9398,7 +9607,7 @@
           <a:sym typeface="Arial"/>
         </a:defRPr>
       </a:lvl8pPr>
-      <a:lvl9pPr marR="0" lvl="8" algn="l" rtl="0">
+      <a:lvl9pPr lvl="8" marR="0" rtl="0" algn="l">
         <a:lnSpc>
           <a:spcPct val="100000"/>
         </a:lnSpc>
@@ -9412,7 +9621,7 @@
           <a:srgbClr val="000000"/>
         </a:buClr>
         <a:buFont typeface="Arial"/>
-        <a:defRPr sz="1400" b="0" i="0" u="none" strike="noStrike" cap="none">
+        <a:defRPr b="0" i="0" sz="1400" u="none" cap="none" strike="noStrike">
           <a:solidFill>
             <a:srgbClr val="000000"/>
           </a:solidFill>
@@ -9424,7 +9633,7 @@
       </a:lvl9pPr>
     </p:bodyStyle>
     <p:otherStyle>
-      <a:defPPr marR="0" lvl="0" algn="l" rtl="0">
+      <a:defPPr lvl="0" marR="0" rtl="0" algn="l">
         <a:lnSpc>
           <a:spcPct val="100000"/>
         </a:lnSpc>
@@ -9435,7 +9644,7 @@
           <a:spcPts val="0"/>
         </a:spcAft>
       </a:defPPr>
-      <a:lvl1pPr marR="0" lvl="0" algn="l" rtl="0">
+      <a:lvl1pPr lvl="0" marR="0" rtl="0" algn="l">
         <a:lnSpc>
           <a:spcPct val="100000"/>
         </a:lnSpc>
@@ -9449,7 +9658,7 @@
           <a:srgbClr val="000000"/>
         </a:buClr>
         <a:buFont typeface="Arial"/>
-        <a:defRPr sz="1400" b="0" i="0" u="none" strike="noStrike" cap="none">
+        <a:defRPr b="0" i="0" sz="1400" u="none" cap="none" strike="noStrike">
           <a:solidFill>
             <a:srgbClr val="000000"/>
           </a:solidFill>
@@ -9459,7 +9668,7 @@
           <a:sym typeface="Arial"/>
         </a:defRPr>
       </a:lvl1pPr>
-      <a:lvl2pPr marR="0" lvl="1" algn="l" rtl="0">
+      <a:lvl2pPr lvl="1" marR="0" rtl="0" algn="l">
         <a:lnSpc>
           <a:spcPct val="100000"/>
         </a:lnSpc>
@@ -9473,7 +9682,7 @@
           <a:srgbClr val="000000"/>
         </a:buClr>
         <a:buFont typeface="Arial"/>
-        <a:defRPr sz="1400" b="0" i="0" u="none" strike="noStrike" cap="none">
+        <a:defRPr b="0" i="0" sz="1400" u="none" cap="none" strike="noStrike">
           <a:solidFill>
             <a:srgbClr val="000000"/>
           </a:solidFill>
@@ -9483,7 +9692,7 @@
           <a:sym typeface="Arial"/>
         </a:defRPr>
       </a:lvl2pPr>
-      <a:lvl3pPr marR="0" lvl="2" algn="l" rtl="0">
+      <a:lvl3pPr lvl="2" marR="0" rtl="0" algn="l">
         <a:lnSpc>
           <a:spcPct val="100000"/>
         </a:lnSpc>
@@ -9497,7 +9706,7 @@
           <a:srgbClr val="000000"/>
         </a:buClr>
         <a:buFont typeface="Arial"/>
-        <a:defRPr sz="1400" b="0" i="0" u="none" strike="noStrike" cap="none">
+        <a:defRPr b="0" i="0" sz="1400" u="none" cap="none" strike="noStrike">
           <a:solidFill>
             <a:srgbClr val="000000"/>
           </a:solidFill>
@@ -9507,7 +9716,7 @@
           <a:sym typeface="Arial"/>
         </a:defRPr>
       </a:lvl3pPr>
-      <a:lvl4pPr marR="0" lvl="3" algn="l" rtl="0">
+      <a:lvl4pPr lvl="3" marR="0" rtl="0" algn="l">
         <a:lnSpc>
           <a:spcPct val="100000"/>
         </a:lnSpc>
@@ -9521,7 +9730,7 @@
           <a:srgbClr val="000000"/>
         </a:buClr>
         <a:buFont typeface="Arial"/>
-        <a:defRPr sz="1400" b="0" i="0" u="none" strike="noStrike" cap="none">
+        <a:defRPr b="0" i="0" sz="1400" u="none" cap="none" strike="noStrike">
           <a:solidFill>
             <a:srgbClr val="000000"/>
           </a:solidFill>
@@ -9531,7 +9740,7 @@
           <a:sym typeface="Arial"/>
         </a:defRPr>
       </a:lvl4pPr>
-      <a:lvl5pPr marR="0" lvl="4" algn="l" rtl="0">
+      <a:lvl5pPr lvl="4" marR="0" rtl="0" algn="l">
         <a:lnSpc>
           <a:spcPct val="100000"/>
         </a:lnSpc>
@@ -9545,7 +9754,7 @@
           <a:srgbClr val="000000"/>
         </a:buClr>
         <a:buFont typeface="Arial"/>
-        <a:defRPr sz="1400" b="0" i="0" u="none" strike="noStrike" cap="none">
+        <a:defRPr b="0" i="0" sz="1400" u="none" cap="none" strike="noStrike">
           <a:solidFill>
             <a:srgbClr val="000000"/>
           </a:solidFill>
@@ -9555,7 +9764,7 @@
           <a:sym typeface="Arial"/>
         </a:defRPr>
       </a:lvl5pPr>
-      <a:lvl6pPr marR="0" lvl="5" algn="l" rtl="0">
+      <a:lvl6pPr lvl="5" marR="0" rtl="0" algn="l">
         <a:lnSpc>
           <a:spcPct val="100000"/>
         </a:lnSpc>
@@ -9569,7 +9778,7 @@
           <a:srgbClr val="000000"/>
         </a:buClr>
         <a:buFont typeface="Arial"/>
-        <a:defRPr sz="1400" b="0" i="0" u="none" strike="noStrike" cap="none">
+        <a:defRPr b="0" i="0" sz="1400" u="none" cap="none" strike="noStrike">
           <a:solidFill>
             <a:srgbClr val="000000"/>
           </a:solidFill>
@@ -9579,7 +9788,7 @@
           <a:sym typeface="Arial"/>
         </a:defRPr>
       </a:lvl6pPr>
-      <a:lvl7pPr marR="0" lvl="6" algn="l" rtl="0">
+      <a:lvl7pPr lvl="6" marR="0" rtl="0" algn="l">
         <a:lnSpc>
           <a:spcPct val="100000"/>
         </a:lnSpc>
@@ -9593,7 +9802,7 @@
           <a:srgbClr val="000000"/>
         </a:buClr>
         <a:buFont typeface="Arial"/>
-        <a:defRPr sz="1400" b="0" i="0" u="none" strike="noStrike" cap="none">
+        <a:defRPr b="0" i="0" sz="1400" u="none" cap="none" strike="noStrike">
           <a:solidFill>
             <a:srgbClr val="000000"/>
           </a:solidFill>
@@ -9603,7 +9812,7 @@
           <a:sym typeface="Arial"/>
         </a:defRPr>
       </a:lvl7pPr>
-      <a:lvl8pPr marR="0" lvl="7" algn="l" rtl="0">
+      <a:lvl8pPr lvl="7" marR="0" rtl="0" algn="l">
         <a:lnSpc>
           <a:spcPct val="100000"/>
         </a:lnSpc>
@@ -9617,7 +9826,7 @@
           <a:srgbClr val="000000"/>
         </a:buClr>
         <a:buFont typeface="Arial"/>
-        <a:defRPr sz="1400" b="0" i="0" u="none" strike="noStrike" cap="none">
+        <a:defRPr b="0" i="0" sz="1400" u="none" cap="none" strike="noStrike">
           <a:solidFill>
             <a:srgbClr val="000000"/>
           </a:solidFill>
@@ -9627,7 +9836,7 @@
           <a:sym typeface="Arial"/>
         </a:defRPr>
       </a:lvl8pPr>
-      <a:lvl9pPr marR="0" lvl="8" algn="l" rtl="0">
+      <a:lvl9pPr lvl="8" marR="0" rtl="0" algn="l">
         <a:lnSpc>
           <a:spcPct val="100000"/>
         </a:lnSpc>
@@ -9641,7 +9850,7 @@
           <a:srgbClr val="000000"/>
         </a:buClr>
         <a:buFont typeface="Arial"/>
-        <a:defRPr sz="1400" b="0" i="0" u="none" strike="noStrike" cap="none">
+        <a:defRPr b="0" i="0" sz="1400" u="none" cap="none" strike="noStrike">
           <a:solidFill>
             <a:srgbClr val="000000"/>
           </a:solidFill>
@@ -9657,11 +9866,11 @@
 </file>
 
 <file path=ppt/slides/slide1.xml><?xml version="1.0" encoding="utf-8"?>
-<p:sld xmlns:a="http://schemas.openxmlformats.org/drawingml/2006/main" xmlns:r="http://schemas.openxmlformats.org/officeDocument/2006/relationships" xmlns:p="http://schemas.openxmlformats.org/presentationml/2006/main">
+<p:sld xmlns:a="http://schemas.openxmlformats.org/drawingml/2006/main" xmlns:r="http://schemas.openxmlformats.org/officeDocument/2006/relationships" xmlns:mc="http://schemas.openxmlformats.org/markup-compatibility/2006" xmlns:mv="urn:schemas-microsoft-com:mac:vml" xmlns:p="http://schemas.openxmlformats.org/presentationml/2006/main" xmlns:c="http://schemas.openxmlformats.org/drawingml/2006/chart" xmlns:dgm="http://schemas.openxmlformats.org/drawingml/2006/diagram" xmlns:o="urn:schemas-microsoft-com:office:office" xmlns:v="urn:schemas-microsoft-com:vml" xmlns:pvml="urn:schemas-microsoft-com:office:powerpoint" xmlns:com="http://schemas.openxmlformats.org/drawingml/2006/compatibility" xmlns:p14="http://schemas.microsoft.com/office/powerpoint/2010/main" xmlns:p15="http://schemas.microsoft.com/office/powerpoint/2012/main" xmlns:ahyp="http://schemas.microsoft.com/office/drawing/2018/hyperlinkcolor">
   <p:cSld>
     <p:spTree>
       <p:nvGrpSpPr>
-        <p:cNvPr id="1" name="Shape 127"/>
+        <p:cNvPr id="127" name="Shape 127"/>
         <p:cNvGrpSpPr/>
         <p:nvPr/>
       </p:nvGrpSpPr>
@@ -9676,9 +9885,7 @@
       <p:sp>
         <p:nvSpPr>
           <p:cNvPr id="128" name="Google Shape;128;p13"/>
-          <p:cNvSpPr txBox="1">
-            <a:spLocks noGrp="1"/>
-          </p:cNvSpPr>
+          <p:cNvSpPr txBox="1"/>
           <p:nvPr>
             <p:ph type="ctrTitle"/>
           </p:nvPr>
@@ -9693,12 +9900,12 @@
           </a:prstGeom>
         </p:spPr>
         <p:txBody>
-          <a:bodyPr spcFirstLastPara="1" wrap="square" lIns="91425" tIns="91425" rIns="91425" bIns="91425" anchor="ctr" anchorCtr="0">
+          <a:bodyPr anchorCtr="0" anchor="ctr" bIns="91425" lIns="91425" spcFirstLastPara="1" rIns="91425" wrap="square" tIns="91425">
             <a:normAutofit/>
           </a:bodyPr>
           <a:lstStyle/>
           <a:p>
-            <a:pPr marL="0" lvl="0" indent="0" algn="ctr" rtl="0">
+            <a:pPr indent="0" lvl="0" marL="0" rtl="0" algn="ctr">
               <a:spcBef>
                 <a:spcPts val="0"/>
               </a:spcBef>
@@ -9708,7 +9915,7 @@
               <a:buNone/>
             </a:pPr>
             <a:r>
-              <a:rPr lang="ru" b="1">
+              <a:rPr b="1" lang="ru">
                 <a:solidFill>
                   <a:srgbClr val="BF9000"/>
                 </a:solidFill>
@@ -9726,11 +9933,9 @@
       <p:sp>
         <p:nvSpPr>
           <p:cNvPr id="129" name="Google Shape;129;p13"/>
-          <p:cNvSpPr txBox="1">
-            <a:spLocks noGrp="1"/>
-          </p:cNvSpPr>
+          <p:cNvSpPr txBox="1"/>
           <p:nvPr>
-            <p:ph type="subTitle" idx="1"/>
+            <p:ph idx="1" type="subTitle"/>
           </p:nvPr>
         </p:nvSpPr>
         <p:spPr>
@@ -9743,12 +9948,12 @@
           </a:prstGeom>
         </p:spPr>
         <p:txBody>
-          <a:bodyPr spcFirstLastPara="1" wrap="square" lIns="91425" tIns="91425" rIns="91425" bIns="91425" anchor="t" anchorCtr="0">
+          <a:bodyPr anchorCtr="0" anchor="t" bIns="91425" lIns="91425" spcFirstLastPara="1" rIns="91425" wrap="square" tIns="91425">
             <a:normAutofit/>
           </a:bodyPr>
           <a:lstStyle/>
           <a:p>
-            <a:pPr marL="0" lvl="0" indent="0" algn="ctr" rtl="0">
+            <a:pPr indent="0" lvl="0" marL="0" rtl="0" algn="ctr">
               <a:spcBef>
                 <a:spcPts val="0"/>
               </a:spcBef>
@@ -9757,6 +9962,9 @@
               </a:spcAft>
               <a:buNone/>
             </a:pPr>
+            <a:r>
+              <a:t/>
+            </a:r>
             <a:endParaRPr/>
           </a:p>
         </p:txBody>
@@ -9797,12 +10005,392 @@
 </p:sld>
 </file>
 
-<file path=ppt/slides/slide2.xml><?xml version="1.0" encoding="utf-8"?>
-<p:sld xmlns:a="http://schemas.openxmlformats.org/drawingml/2006/main" xmlns:r="http://schemas.openxmlformats.org/officeDocument/2006/relationships" xmlns:p="http://schemas.openxmlformats.org/presentationml/2006/main">
+<file path=ppt/slides/slide10.xml><?xml version="1.0" encoding="utf-8"?>
+<p:sld xmlns:a="http://schemas.openxmlformats.org/drawingml/2006/main" xmlns:r="http://schemas.openxmlformats.org/officeDocument/2006/relationships" xmlns:mc="http://schemas.openxmlformats.org/markup-compatibility/2006" xmlns:mv="urn:schemas-microsoft-com:mac:vml" xmlns:p="http://schemas.openxmlformats.org/presentationml/2006/main" xmlns:c="http://schemas.openxmlformats.org/drawingml/2006/chart" xmlns:dgm="http://schemas.openxmlformats.org/drawingml/2006/diagram" xmlns:o="urn:schemas-microsoft-com:office:office" xmlns:v="urn:schemas-microsoft-com:vml" xmlns:pvml="urn:schemas-microsoft-com:office:powerpoint" xmlns:com="http://schemas.openxmlformats.org/drawingml/2006/compatibility" xmlns:p14="http://schemas.microsoft.com/office/powerpoint/2010/main" xmlns:p15="http://schemas.microsoft.com/office/powerpoint/2012/main" xmlns:ahyp="http://schemas.microsoft.com/office/drawing/2018/hyperlinkcolor">
   <p:cSld>
     <p:spTree>
       <p:nvGrpSpPr>
-        <p:cNvPr id="1" name="Shape 134"/>
+        <p:cNvPr id="191" name="Shape 191"/>
+        <p:cNvGrpSpPr/>
+        <p:nvPr/>
+      </p:nvGrpSpPr>
+      <p:grpSpPr>
+        <a:xfrm>
+          <a:off x="0" y="0"/>
+          <a:ext cx="0" cy="0"/>
+          <a:chOff x="0" y="0"/>
+          <a:chExt cx="0" cy="0"/>
+        </a:xfrm>
+      </p:grpSpPr>
+      <p:sp>
+        <p:nvSpPr>
+          <p:cNvPr id="192" name="Google Shape;192;p22"/>
+          <p:cNvSpPr txBox="1"/>
+          <p:nvPr>
+            <p:ph type="title"/>
+          </p:nvPr>
+        </p:nvSpPr>
+        <p:spPr>
+          <a:xfrm>
+            <a:off x="819150" y="340225"/>
+            <a:ext cx="7505700" cy="954600"/>
+          </a:xfrm>
+          <a:prstGeom prst="rect">
+            <a:avLst/>
+          </a:prstGeom>
+        </p:spPr>
+        <p:txBody>
+          <a:bodyPr anchorCtr="0" anchor="t" bIns="91425" lIns="91425" spcFirstLastPara="1" rIns="91425" wrap="square" tIns="91425">
+            <a:normAutofit fontScale="90000"/>
+          </a:bodyPr>
+          <a:lstStyle/>
+          <a:p>
+            <a:pPr indent="0" lvl="0" marL="0" rtl="0" algn="l">
+              <a:spcBef>
+                <a:spcPts val="0"/>
+              </a:spcBef>
+              <a:spcAft>
+                <a:spcPts val="0"/>
+              </a:spcAft>
+              <a:buNone/>
+            </a:pPr>
+            <a:r>
+              <a:rPr lang="ru">
+                <a:solidFill>
+                  <a:srgbClr val="BF9000"/>
+                </a:solidFill>
+              </a:rPr>
+              <a:t>Можно ли запустить приложения с разных устройств?</a:t>
+            </a:r>
+            <a:endParaRPr>
+              <a:solidFill>
+                <a:srgbClr val="BF9000"/>
+              </a:solidFill>
+            </a:endParaRPr>
+          </a:p>
+        </p:txBody>
+      </p:sp>
+      <p:sp>
+        <p:nvSpPr>
+          <p:cNvPr id="193" name="Google Shape;193;p22"/>
+          <p:cNvSpPr txBox="1"/>
+          <p:nvPr>
+            <p:ph idx="1" type="body"/>
+          </p:nvPr>
+        </p:nvSpPr>
+        <p:spPr>
+          <a:xfrm>
+            <a:off x="819150" y="1507825"/>
+            <a:ext cx="5629200" cy="2448000"/>
+          </a:xfrm>
+          <a:prstGeom prst="rect">
+            <a:avLst/>
+          </a:prstGeom>
+        </p:spPr>
+        <p:txBody>
+          <a:bodyPr anchorCtr="0" anchor="t" bIns="91425" lIns="91425" spcFirstLastPara="1" rIns="91425" wrap="square" tIns="91425">
+            <a:normAutofit/>
+          </a:bodyPr>
+          <a:lstStyle/>
+          <a:p>
+            <a:pPr indent="0" lvl="0" marL="0" rtl="0" algn="l">
+              <a:spcBef>
+                <a:spcPts val="0"/>
+              </a:spcBef>
+              <a:spcAft>
+                <a:spcPts val="1200"/>
+              </a:spcAft>
+              <a:buNone/>
+            </a:pPr>
+            <a:r>
+              <a:rPr lang="ru" sz="2600"/>
+              <a:t>Да, наше приложение грамотно </a:t>
+            </a:r>
+            <a:r>
+              <a:rPr lang="ru" sz="2600">
+                <a:solidFill>
+                  <a:srgbClr val="BF9000"/>
+                </a:solidFill>
+              </a:rPr>
+              <a:t>синхронизировано </a:t>
+            </a:r>
+            <a:r>
+              <a:rPr lang="ru" sz="2600"/>
+              <a:t>под компьютеры, телефоны и планшеты.</a:t>
+            </a:r>
+            <a:endParaRPr sz="2600"/>
+          </a:p>
+        </p:txBody>
+      </p:sp>
+      <p:pic>
+        <p:nvPicPr>
+          <p:cNvPr id="194" name="Google Shape;194;p22"/>
+          <p:cNvPicPr preferRelativeResize="0"/>
+          <p:nvPr/>
+        </p:nvPicPr>
+        <p:blipFill>
+          <a:blip r:embed="rId3">
+            <a:alphaModFix/>
+          </a:blip>
+          <a:stretch>
+            <a:fillRect/>
+          </a:stretch>
+        </p:blipFill>
+        <p:spPr>
+          <a:xfrm>
+            <a:off x="6448350" y="2109825"/>
+            <a:ext cx="2143125" cy="2143125"/>
+          </a:xfrm>
+          <a:prstGeom prst="rect">
+            <a:avLst/>
+          </a:prstGeom>
+          <a:noFill/>
+          <a:ln>
+            <a:noFill/>
+          </a:ln>
+        </p:spPr>
+      </p:pic>
+    </p:spTree>
+  </p:cSld>
+  <p:clrMapOvr>
+    <a:masterClrMapping/>
+  </p:clrMapOvr>
+</p:sld>
+</file>
+
+<file path=ppt/slides/slide11.xml><?xml version="1.0" encoding="utf-8"?>
+<p:sld xmlns:a="http://schemas.openxmlformats.org/drawingml/2006/main" xmlns:r="http://schemas.openxmlformats.org/officeDocument/2006/relationships" xmlns:mc="http://schemas.openxmlformats.org/markup-compatibility/2006" xmlns:mv="urn:schemas-microsoft-com:mac:vml" xmlns:p="http://schemas.openxmlformats.org/presentationml/2006/main" xmlns:c="http://schemas.openxmlformats.org/drawingml/2006/chart" xmlns:dgm="http://schemas.openxmlformats.org/drawingml/2006/diagram" xmlns:o="urn:schemas-microsoft-com:office:office" xmlns:v="urn:schemas-microsoft-com:vml" xmlns:pvml="urn:schemas-microsoft-com:office:powerpoint" xmlns:com="http://schemas.openxmlformats.org/drawingml/2006/compatibility" xmlns:p14="http://schemas.microsoft.com/office/powerpoint/2010/main" xmlns:p15="http://schemas.microsoft.com/office/powerpoint/2012/main" xmlns:ahyp="http://schemas.microsoft.com/office/drawing/2018/hyperlinkcolor">
+  <p:cSld>
+    <p:spTree>
+      <p:nvGrpSpPr>
+        <p:cNvPr id="198" name="Shape 198"/>
+        <p:cNvGrpSpPr/>
+        <p:nvPr/>
+      </p:nvGrpSpPr>
+      <p:grpSpPr>
+        <a:xfrm>
+          <a:off x="0" y="0"/>
+          <a:ext cx="0" cy="0"/>
+          <a:chOff x="0" y="0"/>
+          <a:chExt cx="0" cy="0"/>
+        </a:xfrm>
+      </p:grpSpPr>
+      <p:sp>
+        <p:nvSpPr>
+          <p:cNvPr id="199" name="Google Shape;199;p23"/>
+          <p:cNvSpPr txBox="1"/>
+          <p:nvPr>
+            <p:ph type="title"/>
+          </p:nvPr>
+        </p:nvSpPr>
+        <p:spPr>
+          <a:xfrm>
+            <a:off x="819150" y="362700"/>
+            <a:ext cx="7505700" cy="954600"/>
+          </a:xfrm>
+          <a:prstGeom prst="rect">
+            <a:avLst/>
+          </a:prstGeom>
+        </p:spPr>
+        <p:txBody>
+          <a:bodyPr anchorCtr="0" anchor="t" bIns="91425" lIns="91425" spcFirstLastPara="1" rIns="91425" wrap="square" tIns="91425">
+            <a:normAutofit/>
+          </a:bodyPr>
+          <a:lstStyle/>
+          <a:p>
+            <a:pPr indent="0" lvl="0" marL="0" rtl="0" algn="l">
+              <a:spcBef>
+                <a:spcPts val="0"/>
+              </a:spcBef>
+              <a:spcAft>
+                <a:spcPts val="0"/>
+              </a:spcAft>
+              <a:buNone/>
+            </a:pPr>
+            <a:r>
+              <a:rPr lang="ru">
+                <a:solidFill>
+                  <a:srgbClr val="BF9000"/>
+                </a:solidFill>
+              </a:rPr>
+              <a:t>Какие перспективы?</a:t>
+            </a:r>
+            <a:endParaRPr>
+              <a:solidFill>
+                <a:srgbClr val="BF9000"/>
+              </a:solidFill>
+            </a:endParaRPr>
+          </a:p>
+        </p:txBody>
+      </p:sp>
+      <p:sp>
+        <p:nvSpPr>
+          <p:cNvPr id="200" name="Google Shape;200;p23"/>
+          <p:cNvSpPr txBox="1"/>
+          <p:nvPr>
+            <p:ph idx="1" type="body"/>
+          </p:nvPr>
+        </p:nvSpPr>
+        <p:spPr>
+          <a:xfrm>
+            <a:off x="819150" y="1260750"/>
+            <a:ext cx="6089700" cy="2842800"/>
+          </a:xfrm>
+          <a:prstGeom prst="rect">
+            <a:avLst/>
+          </a:prstGeom>
+        </p:spPr>
+        <p:txBody>
+          <a:bodyPr anchorCtr="0" anchor="t" bIns="91425" lIns="91425" spcFirstLastPara="1" rIns="91425" wrap="square" tIns="91425">
+            <a:normAutofit fontScale="92500"/>
+          </a:bodyPr>
+          <a:lstStyle/>
+          <a:p>
+            <a:pPr indent="-363696" lvl="0" marL="457200" rtl="0" algn="l">
+              <a:spcBef>
+                <a:spcPts val="0"/>
+              </a:spcBef>
+              <a:spcAft>
+                <a:spcPts val="0"/>
+              </a:spcAft>
+              <a:buSzPct val="100000"/>
+              <a:buAutoNum type="arabicPeriod"/>
+            </a:pPr>
+            <a:r>
+              <a:rPr lang="ru" sz="2300"/>
+              <a:t>Создать конструктор расположения столов.</a:t>
+            </a:r>
+            <a:endParaRPr sz="2300"/>
+          </a:p>
+          <a:p>
+            <a:pPr indent="-363696" lvl="0" marL="457200" rtl="0" algn="l">
+              <a:spcBef>
+                <a:spcPts val="0"/>
+              </a:spcBef>
+              <a:spcAft>
+                <a:spcPts val="0"/>
+              </a:spcAft>
+              <a:buSzPct val="100000"/>
+              <a:buAutoNum type="arabicPeriod"/>
+            </a:pPr>
+            <a:r>
+              <a:rPr lang="ru" sz="2300"/>
+              <a:t>Сделать более удобный интерфейс</a:t>
+            </a:r>
+            <a:endParaRPr sz="2300"/>
+          </a:p>
+          <a:p>
+            <a:pPr indent="-363696" lvl="0" marL="457200" rtl="0" algn="l">
+              <a:spcBef>
+                <a:spcPts val="0"/>
+              </a:spcBef>
+              <a:spcAft>
+                <a:spcPts val="0"/>
+              </a:spcAft>
+              <a:buSzPct val="100000"/>
+              <a:buAutoNum type="arabicPeriod"/>
+            </a:pPr>
+            <a:r>
+              <a:rPr lang="ru" sz="2300"/>
+              <a:t>Улучшить безопасность.</a:t>
+            </a:r>
+            <a:endParaRPr sz="2300"/>
+          </a:p>
+          <a:p>
+            <a:pPr indent="-363696" lvl="0" marL="457200" rtl="0" algn="l">
+              <a:spcBef>
+                <a:spcPts val="0"/>
+              </a:spcBef>
+              <a:spcAft>
+                <a:spcPts val="0"/>
+              </a:spcAft>
+              <a:buSzPct val="100000"/>
+              <a:buAutoNum type="arabicPeriod"/>
+            </a:pPr>
+            <a:r>
+              <a:rPr lang="ru" sz="2300"/>
+              <a:t>Сделать больше функций для администратора</a:t>
+            </a:r>
+            <a:endParaRPr sz="2300"/>
+          </a:p>
+          <a:p>
+            <a:pPr indent="-363696" lvl="0" marL="457200" rtl="0" algn="l">
+              <a:spcBef>
+                <a:spcPts val="0"/>
+              </a:spcBef>
+              <a:spcAft>
+                <a:spcPts val="0"/>
+              </a:spcAft>
+              <a:buSzPct val="100000"/>
+              <a:buAutoNum type="arabicPeriod"/>
+            </a:pPr>
+            <a:r>
+              <a:rPr lang="ru" sz="2300"/>
+              <a:t>Спроектировать систему акций и привилегий</a:t>
+            </a:r>
+            <a:endParaRPr sz="2300"/>
+          </a:p>
+          <a:p>
+            <a:pPr indent="-363696" lvl="0" marL="457200" rtl="0" algn="l">
+              <a:spcBef>
+                <a:spcPts val="0"/>
+              </a:spcBef>
+              <a:spcAft>
+                <a:spcPts val="0"/>
+              </a:spcAft>
+              <a:buSzPct val="100000"/>
+              <a:buAutoNum type="arabicPeriod"/>
+            </a:pPr>
+            <a:r>
+              <a:rPr lang="ru" sz="2300"/>
+              <a:t>Импортировать объекты из kivymd для красивого дизайна</a:t>
+            </a:r>
+            <a:endParaRPr sz="2300"/>
+          </a:p>
+        </p:txBody>
+      </p:sp>
+      <p:pic>
+        <p:nvPicPr>
+          <p:cNvPr id="201" name="Google Shape;201;p23"/>
+          <p:cNvPicPr preferRelativeResize="0"/>
+          <p:nvPr/>
+        </p:nvPicPr>
+        <p:blipFill>
+          <a:blip r:embed="rId3">
+            <a:alphaModFix/>
+          </a:blip>
+          <a:stretch>
+            <a:fillRect/>
+          </a:stretch>
+        </p:blipFill>
+        <p:spPr>
+          <a:xfrm>
+            <a:off x="6546450" y="476150"/>
+            <a:ext cx="1778400" cy="1778400"/>
+          </a:xfrm>
+          <a:prstGeom prst="rect">
+            <a:avLst/>
+          </a:prstGeom>
+          <a:noFill/>
+          <a:ln>
+            <a:noFill/>
+          </a:ln>
+        </p:spPr>
+      </p:pic>
+    </p:spTree>
+  </p:cSld>
+  <p:clrMapOvr>
+    <a:masterClrMapping/>
+  </p:clrMapOvr>
+</p:sld>
+</file>
+
+<file path=ppt/slides/slide2.xml><?xml version="1.0" encoding="utf-8"?>
+<p:sld xmlns:a="http://schemas.openxmlformats.org/drawingml/2006/main" xmlns:r="http://schemas.openxmlformats.org/officeDocument/2006/relationships" xmlns:mc="http://schemas.openxmlformats.org/markup-compatibility/2006" xmlns:mv="urn:schemas-microsoft-com:mac:vml" xmlns:p="http://schemas.openxmlformats.org/presentationml/2006/main" xmlns:c="http://schemas.openxmlformats.org/drawingml/2006/chart" xmlns:dgm="http://schemas.openxmlformats.org/drawingml/2006/diagram" xmlns:o="urn:schemas-microsoft-com:office:office" xmlns:v="urn:schemas-microsoft-com:vml" xmlns:pvml="urn:schemas-microsoft-com:office:powerpoint" xmlns:com="http://schemas.openxmlformats.org/drawingml/2006/compatibility" xmlns:p14="http://schemas.microsoft.com/office/powerpoint/2010/main" xmlns:p15="http://schemas.microsoft.com/office/powerpoint/2012/main" xmlns:ahyp="http://schemas.microsoft.com/office/drawing/2018/hyperlinkcolor">
+  <p:cSld>
+    <p:spTree>
+      <p:nvGrpSpPr>
+        <p:cNvPr id="134" name="Shape 134"/>
         <p:cNvGrpSpPr/>
         <p:nvPr/>
       </p:nvGrpSpPr>
@@ -9817,9 +10405,7 @@
       <p:sp>
         <p:nvSpPr>
           <p:cNvPr id="135" name="Google Shape;135;p14"/>
-          <p:cNvSpPr txBox="1">
-            <a:spLocks noGrp="1"/>
-          </p:cNvSpPr>
+          <p:cNvSpPr txBox="1"/>
           <p:nvPr>
             <p:ph type="title"/>
           </p:nvPr>
@@ -9834,12 +10420,12 @@
           </a:prstGeom>
         </p:spPr>
         <p:txBody>
-          <a:bodyPr spcFirstLastPara="1" wrap="square" lIns="91425" tIns="91425" rIns="91425" bIns="91425" anchor="t" anchorCtr="0">
+          <a:bodyPr anchorCtr="0" anchor="t" bIns="91425" lIns="91425" spcFirstLastPara="1" rIns="91425" wrap="square" tIns="91425">
             <a:normAutofit/>
           </a:bodyPr>
           <a:lstStyle/>
           <a:p>
-            <a:pPr marL="0" lvl="0" indent="0" algn="l" rtl="0">
+            <a:pPr indent="0" lvl="0" marL="0" rtl="0" algn="l">
               <a:spcBef>
                 <a:spcPts val="0"/>
               </a:spcBef>
@@ -9867,11 +10453,9 @@
       <p:sp>
         <p:nvSpPr>
           <p:cNvPr id="136" name="Google Shape;136;p14"/>
-          <p:cNvSpPr txBox="1">
-            <a:spLocks noGrp="1"/>
-          </p:cNvSpPr>
+          <p:cNvSpPr txBox="1"/>
           <p:nvPr>
-            <p:ph type="body" idx="1"/>
+            <p:ph idx="1" type="body"/>
           </p:nvPr>
         </p:nvSpPr>
         <p:spPr>
@@ -9884,12 +10468,12 @@
           </a:prstGeom>
         </p:spPr>
         <p:txBody>
-          <a:bodyPr spcFirstLastPara="1" wrap="square" lIns="91425" tIns="91425" rIns="91425" bIns="91425" anchor="t" anchorCtr="0">
+          <a:bodyPr anchorCtr="0" anchor="t" bIns="91425" lIns="91425" spcFirstLastPara="1" rIns="91425" wrap="square" tIns="91425">
             <a:normAutofit/>
           </a:bodyPr>
           <a:lstStyle/>
           <a:p>
-            <a:pPr marL="0" lvl="0" indent="0" algn="l" rtl="0">
+            <a:pPr indent="0" lvl="0" marL="0" rtl="0" algn="l">
               <a:spcBef>
                 <a:spcPts val="0"/>
               </a:spcBef>
@@ -9951,11 +10535,11 @@
 </file>
 
 <file path=ppt/slides/slide3.xml><?xml version="1.0" encoding="utf-8"?>
-<p:sld xmlns:a="http://schemas.openxmlformats.org/drawingml/2006/main" xmlns:r="http://schemas.openxmlformats.org/officeDocument/2006/relationships" xmlns:p="http://schemas.openxmlformats.org/presentationml/2006/main">
+<p:sld xmlns:a="http://schemas.openxmlformats.org/drawingml/2006/main" xmlns:r="http://schemas.openxmlformats.org/officeDocument/2006/relationships" xmlns:mc="http://schemas.openxmlformats.org/markup-compatibility/2006" xmlns:mv="urn:schemas-microsoft-com:mac:vml" xmlns:p="http://schemas.openxmlformats.org/presentationml/2006/main" xmlns:c="http://schemas.openxmlformats.org/drawingml/2006/chart" xmlns:dgm="http://schemas.openxmlformats.org/drawingml/2006/diagram" xmlns:o="urn:schemas-microsoft-com:office:office" xmlns:v="urn:schemas-microsoft-com:vml" xmlns:pvml="urn:schemas-microsoft-com:office:powerpoint" xmlns:com="http://schemas.openxmlformats.org/drawingml/2006/compatibility" xmlns:p14="http://schemas.microsoft.com/office/powerpoint/2010/main" xmlns:p15="http://schemas.microsoft.com/office/powerpoint/2012/main" xmlns:ahyp="http://schemas.microsoft.com/office/drawing/2018/hyperlinkcolor">
   <p:cSld>
     <p:spTree>
       <p:nvGrpSpPr>
-        <p:cNvPr id="1" name="Shape 141"/>
+        <p:cNvPr id="141" name="Shape 141"/>
         <p:cNvGrpSpPr/>
         <p:nvPr/>
       </p:nvGrpSpPr>
@@ -9970,9 +10554,7 @@
       <p:sp>
         <p:nvSpPr>
           <p:cNvPr id="142" name="Google Shape;142;p15"/>
-          <p:cNvSpPr txBox="1">
-            <a:spLocks noGrp="1"/>
-          </p:cNvSpPr>
+          <p:cNvSpPr txBox="1"/>
           <p:nvPr>
             <p:ph type="title"/>
           </p:nvPr>
@@ -9987,12 +10569,12 @@
           </a:prstGeom>
         </p:spPr>
         <p:txBody>
-          <a:bodyPr spcFirstLastPara="1" wrap="square" lIns="91425" tIns="91425" rIns="91425" bIns="91425" anchor="t" anchorCtr="0">
+          <a:bodyPr anchorCtr="0" anchor="t" bIns="91425" lIns="91425" spcFirstLastPara="1" rIns="91425" wrap="square" tIns="91425">
             <a:normAutofit/>
           </a:bodyPr>
           <a:lstStyle/>
           <a:p>
-            <a:pPr marL="0" lvl="0" indent="0" algn="l" rtl="0">
+            <a:pPr indent="0" lvl="0" marL="0" rtl="0" algn="l">
               <a:spcBef>
                 <a:spcPts val="0"/>
               </a:spcBef>
@@ -10020,11 +10602,9 @@
       <p:sp>
         <p:nvSpPr>
           <p:cNvPr id="143" name="Google Shape;143;p15"/>
-          <p:cNvSpPr txBox="1">
-            <a:spLocks noGrp="1"/>
-          </p:cNvSpPr>
+          <p:cNvSpPr txBox="1"/>
           <p:nvPr>
-            <p:ph type="body" idx="1"/>
+            <p:ph idx="1" type="body"/>
           </p:nvPr>
         </p:nvSpPr>
         <p:spPr>
@@ -10037,12 +10617,12 @@
           </a:prstGeom>
         </p:spPr>
         <p:txBody>
-          <a:bodyPr spcFirstLastPara="1" wrap="square" lIns="91425" tIns="91425" rIns="91425" bIns="91425" anchor="t" anchorCtr="0">
+          <a:bodyPr anchorCtr="0" anchor="t" bIns="91425" lIns="91425" spcFirstLastPara="1" rIns="91425" wrap="square" tIns="91425">
             <a:normAutofit/>
           </a:bodyPr>
           <a:lstStyle/>
           <a:p>
-            <a:pPr marL="0" lvl="0" indent="0" algn="l" rtl="0">
+            <a:pPr indent="0" lvl="0" marL="0" rtl="0" algn="l">
               <a:spcBef>
                 <a:spcPts val="0"/>
               </a:spcBef>
@@ -10148,11 +10728,11 @@
 </file>
 
 <file path=ppt/slides/slide4.xml><?xml version="1.0" encoding="utf-8"?>
-<p:sld xmlns:a="http://schemas.openxmlformats.org/drawingml/2006/main" xmlns:r="http://schemas.openxmlformats.org/officeDocument/2006/relationships" xmlns:p="http://schemas.openxmlformats.org/presentationml/2006/main">
+<p:sld xmlns:a="http://schemas.openxmlformats.org/drawingml/2006/main" xmlns:r="http://schemas.openxmlformats.org/officeDocument/2006/relationships" xmlns:mc="http://schemas.openxmlformats.org/markup-compatibility/2006" xmlns:mv="urn:schemas-microsoft-com:mac:vml" xmlns:p="http://schemas.openxmlformats.org/presentationml/2006/main" xmlns:c="http://schemas.openxmlformats.org/drawingml/2006/chart" xmlns:dgm="http://schemas.openxmlformats.org/drawingml/2006/diagram" xmlns:o="urn:schemas-microsoft-com:office:office" xmlns:v="urn:schemas-microsoft-com:vml" xmlns:pvml="urn:schemas-microsoft-com:office:powerpoint" xmlns:com="http://schemas.openxmlformats.org/drawingml/2006/compatibility" xmlns:p14="http://schemas.microsoft.com/office/powerpoint/2010/main" xmlns:p15="http://schemas.microsoft.com/office/powerpoint/2012/main" xmlns:ahyp="http://schemas.microsoft.com/office/drawing/2018/hyperlinkcolor">
   <p:cSld>
     <p:spTree>
       <p:nvGrpSpPr>
-        <p:cNvPr id="1" name="Shape 149"/>
+        <p:cNvPr id="149" name="Shape 149"/>
         <p:cNvGrpSpPr/>
         <p:nvPr/>
       </p:nvGrpSpPr>
@@ -10167,9 +10747,7 @@
       <p:sp>
         <p:nvSpPr>
           <p:cNvPr id="150" name="Google Shape;150;p16"/>
-          <p:cNvSpPr txBox="1">
-            <a:spLocks noGrp="1"/>
-          </p:cNvSpPr>
+          <p:cNvSpPr txBox="1"/>
           <p:nvPr>
             <p:ph type="title"/>
           </p:nvPr>
@@ -10184,12 +10762,12 @@
           </a:prstGeom>
         </p:spPr>
         <p:txBody>
-          <a:bodyPr spcFirstLastPara="1" wrap="square" lIns="91425" tIns="91425" rIns="91425" bIns="91425" anchor="t" anchorCtr="0">
+          <a:bodyPr anchorCtr="0" anchor="t" bIns="91425" lIns="91425" spcFirstLastPara="1" rIns="91425" wrap="square" tIns="91425">
             <a:normAutofit/>
           </a:bodyPr>
           <a:lstStyle/>
           <a:p>
-            <a:pPr marL="0" lvl="0" indent="0" algn="l" rtl="0">
+            <a:pPr indent="0" lvl="0" marL="0" rtl="0" algn="l">
               <a:spcBef>
                 <a:spcPts val="0"/>
               </a:spcBef>
@@ -10217,11 +10795,9 @@
       <p:sp>
         <p:nvSpPr>
           <p:cNvPr id="151" name="Google Shape;151;p16"/>
-          <p:cNvSpPr txBox="1">
-            <a:spLocks noGrp="1"/>
-          </p:cNvSpPr>
+          <p:cNvSpPr txBox="1"/>
           <p:nvPr>
-            <p:ph type="body" idx="1"/>
+            <p:ph idx="1" type="body"/>
           </p:nvPr>
         </p:nvSpPr>
         <p:spPr>
@@ -10234,12 +10810,12 @@
           </a:prstGeom>
         </p:spPr>
         <p:txBody>
-          <a:bodyPr spcFirstLastPara="1" wrap="square" lIns="91425" tIns="91425" rIns="91425" bIns="91425" anchor="t" anchorCtr="0">
+          <a:bodyPr anchorCtr="0" anchor="t" bIns="91425" lIns="91425" spcFirstLastPara="1" rIns="91425" wrap="square" tIns="91425">
             <a:normAutofit/>
           </a:bodyPr>
           <a:lstStyle/>
           <a:p>
-            <a:pPr marL="457200" lvl="0" indent="-406400" algn="l" rtl="0">
+            <a:pPr indent="-406400" lvl="0" marL="457200" rtl="0" algn="l">
               <a:spcBef>
                 <a:spcPts val="0"/>
               </a:spcBef>
@@ -10250,11 +10826,11 @@
               <a:buAutoNum type="arabicPeriod"/>
             </a:pPr>
             <a:r>
-              <a:rPr lang="ru" sz="2800" dirty="0"/>
+              <a:rPr lang="ru" sz="2800"/>
               <a:t>В нашем проекте разработан </a:t>
             </a:r>
             <a:r>
-              <a:rPr lang="ru" sz="2800" dirty="0">
+              <a:rPr lang="ru" sz="2800">
                 <a:solidFill>
                   <a:srgbClr val="BF9000"/>
                 </a:solidFill>
@@ -10262,18 +10838,22 @@
               <a:t>модуль авторизации</a:t>
             </a:r>
             <a:r>
-              <a:rPr lang="ru" sz="2800" dirty="0"/>
+              <a:rPr lang="ru" sz="2800"/>
               <a:t> с </a:t>
             </a:r>
             <a:r>
-              <a:rPr lang="ru" sz="2800" dirty="0">
+              <a:rPr lang="ru" sz="2800">
                 <a:solidFill>
                   <a:srgbClr val="BF9000"/>
                 </a:solidFill>
               </a:rPr>
               <a:t>jwt-токеном.</a:t>
             </a:r>
-            <a:endParaRPr sz="2800" dirty="0"/>
+            <a:endParaRPr sz="2800">
+              <a:solidFill>
+                <a:srgbClr val="BF9000"/>
+              </a:solidFill>
+            </a:endParaRPr>
           </a:p>
         </p:txBody>
       </p:sp>
@@ -10314,11 +10894,11 @@
 </file>
 
 <file path=ppt/slides/slide5.xml><?xml version="1.0" encoding="utf-8"?>
-<p:sld xmlns:a="http://schemas.openxmlformats.org/drawingml/2006/main" xmlns:r="http://schemas.openxmlformats.org/officeDocument/2006/relationships" xmlns:p="http://schemas.openxmlformats.org/presentationml/2006/main">
+<p:sld xmlns:a="http://schemas.openxmlformats.org/drawingml/2006/main" xmlns:r="http://schemas.openxmlformats.org/officeDocument/2006/relationships" xmlns:mc="http://schemas.openxmlformats.org/markup-compatibility/2006" xmlns:mv="urn:schemas-microsoft-com:mac:vml" xmlns:p="http://schemas.openxmlformats.org/presentationml/2006/main" xmlns:c="http://schemas.openxmlformats.org/drawingml/2006/chart" xmlns:dgm="http://schemas.openxmlformats.org/drawingml/2006/diagram" xmlns:o="urn:schemas-microsoft-com:office:office" xmlns:v="urn:schemas-microsoft-com:vml" xmlns:pvml="urn:schemas-microsoft-com:office:powerpoint" xmlns:com="http://schemas.openxmlformats.org/drawingml/2006/compatibility" xmlns:p14="http://schemas.microsoft.com/office/powerpoint/2010/main" xmlns:p15="http://schemas.microsoft.com/office/powerpoint/2012/main" xmlns:ahyp="http://schemas.microsoft.com/office/drawing/2018/hyperlinkcolor">
   <p:cSld>
     <p:spTree>
       <p:nvGrpSpPr>
-        <p:cNvPr id="1" name="Shape 156"/>
+        <p:cNvPr id="156" name="Shape 156"/>
         <p:cNvGrpSpPr/>
         <p:nvPr/>
       </p:nvGrpSpPr>
@@ -10333,9 +10913,7 @@
       <p:sp>
         <p:nvSpPr>
           <p:cNvPr id="157" name="Google Shape;157;p17"/>
-          <p:cNvSpPr txBox="1">
-            <a:spLocks noGrp="1"/>
-          </p:cNvSpPr>
+          <p:cNvSpPr txBox="1"/>
           <p:nvPr>
             <p:ph type="title"/>
           </p:nvPr>
@@ -10350,12 +10928,12 @@
           </a:prstGeom>
         </p:spPr>
         <p:txBody>
-          <a:bodyPr spcFirstLastPara="1" wrap="square" lIns="91425" tIns="91425" rIns="91425" bIns="91425" anchor="t" anchorCtr="0">
+          <a:bodyPr anchorCtr="0" anchor="t" bIns="91425" lIns="91425" spcFirstLastPara="1" rIns="91425" wrap="square" tIns="91425">
             <a:normAutofit/>
           </a:bodyPr>
           <a:lstStyle/>
           <a:p>
-            <a:pPr marL="0" lvl="0" indent="0" algn="l" rtl="0">
+            <a:pPr indent="0" lvl="0" marL="0" rtl="0" algn="l">
               <a:spcBef>
                 <a:spcPts val="0"/>
               </a:spcBef>
@@ -10383,11 +10961,9 @@
       <p:sp>
         <p:nvSpPr>
           <p:cNvPr id="158" name="Google Shape;158;p17"/>
-          <p:cNvSpPr txBox="1">
-            <a:spLocks noGrp="1"/>
-          </p:cNvSpPr>
+          <p:cNvSpPr txBox="1"/>
           <p:nvPr>
-            <p:ph type="body" idx="1"/>
+            <p:ph idx="1" type="body"/>
           </p:nvPr>
         </p:nvSpPr>
         <p:spPr>
@@ -10400,12 +10976,12 @@
           </a:prstGeom>
         </p:spPr>
         <p:txBody>
-          <a:bodyPr spcFirstLastPara="1" wrap="square" lIns="91425" tIns="91425" rIns="91425" bIns="91425" anchor="t" anchorCtr="0">
+          <a:bodyPr anchorCtr="0" anchor="t" bIns="91425" lIns="91425" spcFirstLastPara="1" rIns="91425" wrap="square" tIns="91425">
             <a:normAutofit/>
           </a:bodyPr>
           <a:lstStyle/>
           <a:p>
-            <a:pPr marL="0" lvl="0" indent="0" algn="l" rtl="0">
+            <a:pPr indent="0" lvl="0" marL="0" rtl="0" algn="l">
               <a:spcBef>
                 <a:spcPts val="0"/>
               </a:spcBef>
@@ -10471,11 +11047,11 @@
 </file>
 
 <file path=ppt/slides/slide6.xml><?xml version="1.0" encoding="utf-8"?>
-<p:sld xmlns:a="http://schemas.openxmlformats.org/drawingml/2006/main" xmlns:r="http://schemas.openxmlformats.org/officeDocument/2006/relationships" xmlns:p="http://schemas.openxmlformats.org/presentationml/2006/main">
+<p:sld xmlns:a="http://schemas.openxmlformats.org/drawingml/2006/main" xmlns:r="http://schemas.openxmlformats.org/officeDocument/2006/relationships" xmlns:mc="http://schemas.openxmlformats.org/markup-compatibility/2006" xmlns:mv="urn:schemas-microsoft-com:mac:vml" xmlns:p="http://schemas.openxmlformats.org/presentationml/2006/main" xmlns:c="http://schemas.openxmlformats.org/drawingml/2006/chart" xmlns:dgm="http://schemas.openxmlformats.org/drawingml/2006/diagram" xmlns:o="urn:schemas-microsoft-com:office:office" xmlns:v="urn:schemas-microsoft-com:vml" xmlns:pvml="urn:schemas-microsoft-com:office:powerpoint" xmlns:com="http://schemas.openxmlformats.org/drawingml/2006/compatibility" xmlns:p14="http://schemas.microsoft.com/office/powerpoint/2010/main" xmlns:p15="http://schemas.microsoft.com/office/powerpoint/2012/main" xmlns:ahyp="http://schemas.microsoft.com/office/drawing/2018/hyperlinkcolor">
   <p:cSld>
     <p:spTree>
       <p:nvGrpSpPr>
-        <p:cNvPr id="1" name="Shape 163"/>
+        <p:cNvPr id="163" name="Shape 163"/>
         <p:cNvGrpSpPr/>
         <p:nvPr/>
       </p:nvGrpSpPr>
@@ -10490,9 +11066,7 @@
       <p:sp>
         <p:nvSpPr>
           <p:cNvPr id="164" name="Google Shape;164;p18"/>
-          <p:cNvSpPr txBox="1">
-            <a:spLocks noGrp="1"/>
-          </p:cNvSpPr>
+          <p:cNvSpPr txBox="1"/>
           <p:nvPr>
             <p:ph type="title"/>
           </p:nvPr>
@@ -10507,12 +11081,12 @@
           </a:prstGeom>
         </p:spPr>
         <p:txBody>
-          <a:bodyPr spcFirstLastPara="1" wrap="square" lIns="91425" tIns="91425" rIns="91425" bIns="91425" anchor="t" anchorCtr="0">
+          <a:bodyPr anchorCtr="0" anchor="t" bIns="91425" lIns="91425" spcFirstLastPara="1" rIns="91425" wrap="square" tIns="91425">
             <a:normAutofit/>
           </a:bodyPr>
           <a:lstStyle/>
           <a:p>
-            <a:pPr marL="0" lvl="0" indent="0" algn="l" rtl="0">
+            <a:pPr indent="0" lvl="0" marL="0" rtl="0" algn="l">
               <a:spcBef>
                 <a:spcPts val="0"/>
               </a:spcBef>
@@ -10540,11 +11114,9 @@
       <p:sp>
         <p:nvSpPr>
           <p:cNvPr id="165" name="Google Shape;165;p18"/>
-          <p:cNvSpPr txBox="1">
-            <a:spLocks noGrp="1"/>
-          </p:cNvSpPr>
+          <p:cNvSpPr txBox="1"/>
           <p:nvPr>
-            <p:ph type="body" idx="1"/>
+            <p:ph idx="1" type="body"/>
           </p:nvPr>
         </p:nvSpPr>
         <p:spPr>
@@ -10557,12 +11129,12 @@
           </a:prstGeom>
         </p:spPr>
         <p:txBody>
-          <a:bodyPr spcFirstLastPara="1" wrap="square" lIns="91425" tIns="91425" rIns="91425" bIns="91425" anchor="t" anchorCtr="0">
+          <a:bodyPr anchorCtr="0" anchor="t" bIns="91425" lIns="91425" spcFirstLastPara="1" rIns="91425" wrap="square" tIns="91425">
             <a:normAutofit/>
           </a:bodyPr>
           <a:lstStyle/>
           <a:p>
-            <a:pPr marL="0" lvl="0" indent="0" algn="l" rtl="0">
+            <a:pPr indent="0" lvl="0" marL="0" rtl="0" algn="l">
               <a:spcBef>
                 <a:spcPts val="0"/>
               </a:spcBef>
@@ -10628,11 +11200,11 @@
 </file>
 
 <file path=ppt/slides/slide7.xml><?xml version="1.0" encoding="utf-8"?>
-<p:sld xmlns:a="http://schemas.openxmlformats.org/drawingml/2006/main" xmlns:r="http://schemas.openxmlformats.org/officeDocument/2006/relationships" xmlns:p="http://schemas.openxmlformats.org/presentationml/2006/main">
+<p:sld xmlns:a="http://schemas.openxmlformats.org/drawingml/2006/main" xmlns:r="http://schemas.openxmlformats.org/officeDocument/2006/relationships" xmlns:mc="http://schemas.openxmlformats.org/markup-compatibility/2006" xmlns:mv="urn:schemas-microsoft-com:mac:vml" xmlns:p="http://schemas.openxmlformats.org/presentationml/2006/main" xmlns:c="http://schemas.openxmlformats.org/drawingml/2006/chart" xmlns:dgm="http://schemas.openxmlformats.org/drawingml/2006/diagram" xmlns:o="urn:schemas-microsoft-com:office:office" xmlns:v="urn:schemas-microsoft-com:vml" xmlns:pvml="urn:schemas-microsoft-com:office:powerpoint" xmlns:com="http://schemas.openxmlformats.org/drawingml/2006/compatibility" xmlns:p14="http://schemas.microsoft.com/office/powerpoint/2010/main" xmlns:p15="http://schemas.microsoft.com/office/powerpoint/2012/main" xmlns:ahyp="http://schemas.microsoft.com/office/drawing/2018/hyperlinkcolor">
   <p:cSld>
     <p:spTree>
       <p:nvGrpSpPr>
-        <p:cNvPr id="1" name="Shape 170"/>
+        <p:cNvPr id="170" name="Shape 170"/>
         <p:cNvGrpSpPr/>
         <p:nvPr/>
       </p:nvGrpSpPr>
@@ -10647,9 +11219,7 @@
       <p:sp>
         <p:nvSpPr>
           <p:cNvPr id="171" name="Google Shape;171;p19"/>
-          <p:cNvSpPr txBox="1">
-            <a:spLocks noGrp="1"/>
-          </p:cNvSpPr>
+          <p:cNvSpPr txBox="1"/>
           <p:nvPr>
             <p:ph type="title"/>
           </p:nvPr>
@@ -10664,12 +11234,12 @@
           </a:prstGeom>
         </p:spPr>
         <p:txBody>
-          <a:bodyPr spcFirstLastPara="1" wrap="square" lIns="91425" tIns="91425" rIns="91425" bIns="91425" anchor="t" anchorCtr="0">
+          <a:bodyPr anchorCtr="0" anchor="t" bIns="91425" lIns="91425" spcFirstLastPara="1" rIns="91425" wrap="square" tIns="91425">
             <a:normAutofit/>
           </a:bodyPr>
           <a:lstStyle/>
           <a:p>
-            <a:pPr marL="0" lvl="0" indent="0" algn="l" rtl="0">
+            <a:pPr indent="0" lvl="0" marL="0" rtl="0" algn="l">
               <a:spcBef>
                 <a:spcPts val="0"/>
               </a:spcBef>
@@ -10697,11 +11267,9 @@
       <p:sp>
         <p:nvSpPr>
           <p:cNvPr id="172" name="Google Shape;172;p19"/>
-          <p:cNvSpPr txBox="1">
-            <a:spLocks noGrp="1"/>
-          </p:cNvSpPr>
+          <p:cNvSpPr txBox="1"/>
           <p:nvPr>
-            <p:ph type="body" idx="1"/>
+            <p:ph idx="1" type="body"/>
           </p:nvPr>
         </p:nvSpPr>
         <p:spPr>
@@ -10714,12 +11282,12 @@
           </a:prstGeom>
         </p:spPr>
         <p:txBody>
-          <a:bodyPr spcFirstLastPara="1" wrap="square" lIns="91425" tIns="91425" rIns="91425" bIns="91425" anchor="t" anchorCtr="0">
+          <a:bodyPr anchorCtr="0" anchor="t" bIns="91425" lIns="91425" spcFirstLastPara="1" rIns="91425" wrap="square" tIns="91425">
             <a:normAutofit/>
           </a:bodyPr>
           <a:lstStyle/>
           <a:p>
-            <a:pPr marL="0" lvl="0" indent="0" algn="l" rtl="0">
+            <a:pPr indent="0" lvl="0" marL="0" rtl="0" algn="l">
               <a:spcBef>
                 <a:spcPts val="0"/>
               </a:spcBef>
@@ -10785,11 +11353,11 @@
 </file>
 
 <file path=ppt/slides/slide8.xml><?xml version="1.0" encoding="utf-8"?>
-<p:sld xmlns:a="http://schemas.openxmlformats.org/drawingml/2006/main" xmlns:r="http://schemas.openxmlformats.org/officeDocument/2006/relationships" xmlns:p="http://schemas.openxmlformats.org/presentationml/2006/main">
+<p:sld xmlns:a="http://schemas.openxmlformats.org/drawingml/2006/main" xmlns:r="http://schemas.openxmlformats.org/officeDocument/2006/relationships" xmlns:mc="http://schemas.openxmlformats.org/markup-compatibility/2006" xmlns:mv="urn:schemas-microsoft-com:mac:vml" xmlns:p="http://schemas.openxmlformats.org/presentationml/2006/main" xmlns:c="http://schemas.openxmlformats.org/drawingml/2006/chart" xmlns:dgm="http://schemas.openxmlformats.org/drawingml/2006/diagram" xmlns:o="urn:schemas-microsoft-com:office:office" xmlns:v="urn:schemas-microsoft-com:vml" xmlns:pvml="urn:schemas-microsoft-com:office:powerpoint" xmlns:com="http://schemas.openxmlformats.org/drawingml/2006/compatibility" xmlns:p14="http://schemas.microsoft.com/office/powerpoint/2010/main" xmlns:p15="http://schemas.microsoft.com/office/powerpoint/2012/main" xmlns:ahyp="http://schemas.microsoft.com/office/drawing/2018/hyperlinkcolor">
   <p:cSld>
     <p:spTree>
       <p:nvGrpSpPr>
-        <p:cNvPr id="1" name="Shape 177"/>
+        <p:cNvPr id="177" name="Shape 177"/>
         <p:cNvGrpSpPr/>
         <p:nvPr/>
       </p:nvGrpSpPr>
@@ -10804,9 +11372,7 @@
       <p:sp>
         <p:nvSpPr>
           <p:cNvPr id="178" name="Google Shape;178;p20"/>
-          <p:cNvSpPr txBox="1">
-            <a:spLocks noGrp="1"/>
-          </p:cNvSpPr>
+          <p:cNvSpPr txBox="1"/>
           <p:nvPr>
             <p:ph type="title"/>
           </p:nvPr>
@@ -10821,12 +11387,12 @@
           </a:prstGeom>
         </p:spPr>
         <p:txBody>
-          <a:bodyPr spcFirstLastPara="1" wrap="square" lIns="91425" tIns="91425" rIns="91425" bIns="91425" anchor="t" anchorCtr="0">
+          <a:bodyPr anchorCtr="0" anchor="t" bIns="91425" lIns="91425" spcFirstLastPara="1" rIns="91425" wrap="square" tIns="91425">
             <a:normAutofit/>
           </a:bodyPr>
           <a:lstStyle/>
           <a:p>
-            <a:pPr marL="0" lvl="0" indent="0" algn="l" rtl="0">
+            <a:pPr indent="0" lvl="0" marL="0" rtl="0" algn="l">
               <a:spcBef>
                 <a:spcPts val="0"/>
               </a:spcBef>
@@ -10854,11 +11420,9 @@
       <p:sp>
         <p:nvSpPr>
           <p:cNvPr id="179" name="Google Shape;179;p20"/>
-          <p:cNvSpPr txBox="1">
-            <a:spLocks noGrp="1"/>
-          </p:cNvSpPr>
+          <p:cNvSpPr txBox="1"/>
           <p:nvPr>
-            <p:ph type="body" idx="1"/>
+            <p:ph idx="1" type="body"/>
           </p:nvPr>
         </p:nvSpPr>
         <p:spPr>
@@ -10871,12 +11435,12 @@
           </a:prstGeom>
         </p:spPr>
         <p:txBody>
-          <a:bodyPr spcFirstLastPara="1" wrap="square" lIns="91425" tIns="91425" rIns="91425" bIns="91425" anchor="t" anchorCtr="0">
+          <a:bodyPr anchorCtr="0" anchor="t" bIns="91425" lIns="91425" spcFirstLastPara="1" rIns="91425" wrap="square" tIns="91425">
             <a:normAutofit/>
           </a:bodyPr>
           <a:lstStyle/>
           <a:p>
-            <a:pPr marL="0" lvl="0" indent="0" algn="l" rtl="0">
+            <a:pPr indent="0" lvl="0" marL="0" rtl="0" algn="l">
               <a:spcBef>
                 <a:spcPts val="0"/>
               </a:spcBef>
@@ -10954,11 +11518,11 @@
 </file>
 
 <file path=ppt/slides/slide9.xml><?xml version="1.0" encoding="utf-8"?>
-<p:sld xmlns:a="http://schemas.openxmlformats.org/drawingml/2006/main" xmlns:r="http://schemas.openxmlformats.org/officeDocument/2006/relationships" xmlns:p="http://schemas.openxmlformats.org/presentationml/2006/main">
+<p:sld xmlns:a="http://schemas.openxmlformats.org/drawingml/2006/main" xmlns:r="http://schemas.openxmlformats.org/officeDocument/2006/relationships" xmlns:mc="http://schemas.openxmlformats.org/markup-compatibility/2006" xmlns:mv="urn:schemas-microsoft-com:mac:vml" xmlns:p="http://schemas.openxmlformats.org/presentationml/2006/main" xmlns:c="http://schemas.openxmlformats.org/drawingml/2006/chart" xmlns:dgm="http://schemas.openxmlformats.org/drawingml/2006/diagram" xmlns:o="urn:schemas-microsoft-com:office:office" xmlns:v="urn:schemas-microsoft-com:vml" xmlns:pvml="urn:schemas-microsoft-com:office:powerpoint" xmlns:com="http://schemas.openxmlformats.org/drawingml/2006/compatibility" xmlns:p14="http://schemas.microsoft.com/office/powerpoint/2010/main" xmlns:p15="http://schemas.microsoft.com/office/powerpoint/2012/main" xmlns:ahyp="http://schemas.microsoft.com/office/drawing/2018/hyperlinkcolor">
   <p:cSld>
     <p:spTree>
       <p:nvGrpSpPr>
-        <p:cNvPr id="1" name="Shape 184"/>
+        <p:cNvPr id="184" name="Shape 184"/>
         <p:cNvGrpSpPr/>
         <p:nvPr/>
       </p:nvGrpSpPr>
@@ -10973,16 +11537,14 @@
       <p:sp>
         <p:nvSpPr>
           <p:cNvPr id="185" name="Google Shape;185;p21"/>
-          <p:cNvSpPr txBox="1">
-            <a:spLocks noGrp="1"/>
-          </p:cNvSpPr>
+          <p:cNvSpPr txBox="1"/>
           <p:nvPr>
             <p:ph type="title"/>
           </p:nvPr>
         </p:nvSpPr>
         <p:spPr>
           <a:xfrm>
-            <a:off x="819150" y="362700"/>
+            <a:off x="819150" y="306550"/>
             <a:ext cx="7505700" cy="954600"/>
           </a:xfrm>
           <a:prstGeom prst="rect">
@@ -10990,12 +11552,12 @@
           </a:prstGeom>
         </p:spPr>
         <p:txBody>
-          <a:bodyPr spcFirstLastPara="1" wrap="square" lIns="91425" tIns="91425" rIns="91425" bIns="91425" anchor="t" anchorCtr="0">
+          <a:bodyPr anchorCtr="0" anchor="t" bIns="91425" lIns="91425" spcFirstLastPara="1" rIns="91425" wrap="square" tIns="91425">
             <a:normAutofit/>
           </a:bodyPr>
           <a:lstStyle/>
           <a:p>
-            <a:pPr marL="0" lvl="0" indent="0" algn="l" rtl="0">
+            <a:pPr indent="0" lvl="0" marL="0" rtl="0" algn="l">
               <a:spcBef>
                 <a:spcPts val="0"/>
               </a:spcBef>
@@ -11010,7 +11572,7 @@
                   <a:srgbClr val="BF9000"/>
                 </a:solidFill>
               </a:rPr>
-              <a:t>Какие перспективы?</a:t>
+              <a:t>Где хранятся данные пользователей?</a:t>
             </a:r>
             <a:endParaRPr>
               <a:solidFill>
@@ -11023,104 +11585,52 @@
       <p:sp>
         <p:nvSpPr>
           <p:cNvPr id="186" name="Google Shape;186;p21"/>
-          <p:cNvSpPr txBox="1">
-            <a:spLocks noGrp="1"/>
-          </p:cNvSpPr>
+          <p:cNvSpPr txBox="1"/>
           <p:nvPr>
-            <p:ph type="body" idx="1"/>
+            <p:ph idx="1" type="body"/>
           </p:nvPr>
         </p:nvSpPr>
         <p:spPr>
           <a:xfrm>
-            <a:off x="819150" y="1260750"/>
-            <a:ext cx="6089700" cy="2448000"/>
+            <a:off x="819150" y="991225"/>
+            <a:ext cx="5853900" cy="2448000"/>
           </a:xfrm>
           <a:prstGeom prst="rect">
             <a:avLst/>
           </a:prstGeom>
         </p:spPr>
         <p:txBody>
-          <a:bodyPr spcFirstLastPara="1" wrap="square" lIns="91425" tIns="91425" rIns="91425" bIns="91425" anchor="t" anchorCtr="0">
-            <a:normAutofit fontScale="92500"/>
+          <a:bodyPr anchorCtr="0" anchor="t" bIns="91425" lIns="91425" spcFirstLastPara="1" rIns="91425" wrap="square" tIns="91425">
+            <a:normAutofit/>
           </a:bodyPr>
           <a:lstStyle/>
           <a:p>
-            <a:pPr indent="-363696">
-              <a:buSzPct val="100000"/>
-              <a:buFont typeface="Calibri"/>
-              <a:buAutoNum type="arabicPeriod"/>
+            <a:pPr indent="0" lvl="0" marL="0" rtl="0" algn="l">
+              <a:spcBef>
+                <a:spcPts val="0"/>
+              </a:spcBef>
+              <a:spcAft>
+                <a:spcPts val="1200"/>
+              </a:spcAft>
+              <a:buNone/>
             </a:pPr>
             <a:r>
-              <a:rPr lang="ru-RU" sz="2300" dirty="0"/>
-              <a:t>Создать конструктор расположения столов.</a:t>
+              <a:rPr lang="ru" sz="3200"/>
+              <a:t>Все данные наших пользователей, хранятся в специальной </a:t>
             </a:r>
-          </a:p>
-          <a:p>
-            <a:pPr marL="457200" lvl="0" indent="-363696" algn="l" rtl="0">
-              <a:spcBef>
-                <a:spcPts val="0"/>
-              </a:spcBef>
-              <a:spcAft>
-                <a:spcPts val="0"/>
-              </a:spcAft>
-              <a:buSzPct val="100000"/>
-              <a:buAutoNum type="arabicPeriod"/>
-            </a:pPr>
             <a:r>
-              <a:rPr lang="ru" sz="2300" dirty="0"/>
-              <a:t>Сделать более удобный интерфейс</a:t>
+              <a:rPr lang="ru" sz="3200">
+                <a:solidFill>
+                  <a:srgbClr val="BF9000"/>
+                </a:solidFill>
+              </a:rPr>
+              <a:t>базе данных</a:t>
             </a:r>
-            <a:endParaRPr sz="2300" dirty="0"/>
-          </a:p>
-          <a:p>
-            <a:pPr marL="457200" lvl="0" indent="-363696" algn="l" rtl="0">
-              <a:spcBef>
-                <a:spcPts val="0"/>
-              </a:spcBef>
-              <a:spcAft>
-                <a:spcPts val="0"/>
-              </a:spcAft>
-              <a:buSzPct val="100000"/>
-              <a:buAutoNum type="arabicPeriod"/>
-            </a:pPr>
             <a:r>
-              <a:rPr lang="ru" sz="2300" dirty="0"/>
-              <a:t>Улучшить безопасность.</a:t>
+              <a:rPr lang="ru" sz="3200"/>
+              <a:t>.</a:t>
             </a:r>
-          </a:p>
-          <a:p>
-            <a:pPr marL="457200" lvl="0" indent="-363696" algn="l" rtl="0">
-              <a:spcBef>
-                <a:spcPts val="0"/>
-              </a:spcBef>
-              <a:spcAft>
-                <a:spcPts val="0"/>
-              </a:spcAft>
-              <a:buSzPct val="100000"/>
-              <a:buAutoNum type="arabicPeriod"/>
-            </a:pPr>
-            <a:r>
-              <a:rPr lang="ru" sz="2300" dirty="0"/>
-              <a:t>Сделать больше функций для администратора</a:t>
-            </a:r>
-            <a:endParaRPr sz="2300" dirty="0"/>
-          </a:p>
-          <a:p>
-            <a:pPr marL="457200" lvl="0" indent="-363696" algn="l" rtl="0">
-              <a:spcBef>
-                <a:spcPts val="0"/>
-              </a:spcBef>
-              <a:spcAft>
-                <a:spcPts val="0"/>
-              </a:spcAft>
-              <a:buSzPct val="100000"/>
-              <a:buAutoNum type="arabicPeriod"/>
-            </a:pPr>
-            <a:r>
-              <a:rPr lang="ru" sz="2300" dirty="0"/>
-              <a:t>Спроектировать систему акций и привилегий</a:t>
-            </a:r>
-            <a:endParaRPr sz="2300" dirty="0"/>
+            <a:endParaRPr sz="3200"/>
           </a:p>
         </p:txBody>
       </p:sp>
@@ -11140,8 +11650,8 @@
         </p:blipFill>
         <p:spPr>
           <a:xfrm>
-            <a:off x="6546450" y="476150"/>
-            <a:ext cx="1778400" cy="1778400"/>
+            <a:off x="6230225" y="1660625"/>
+            <a:ext cx="2143125" cy="2143125"/>
           </a:xfrm>
           <a:prstGeom prst="rect">
             <a:avLst/>
@@ -11161,7 +11671,7 @@
 </file>
 
 <file path=ppt/theme/theme1.xml><?xml version="1.0" encoding="utf-8"?>
-<a:theme xmlns:a="http://schemas.openxmlformats.org/drawingml/2006/main" name="Shift">
+<a:theme xmlns:a="http://schemas.openxmlformats.org/drawingml/2006/main" xmlns:r="http://schemas.openxmlformats.org/officeDocument/2006/relationships" name="Shift">
   <a:themeElements>
     <a:clrScheme name="Shift">
       <a:dk1>
@@ -11436,13 +11946,11 @@
       </a:bgFillStyleLst>
     </a:fmtScheme>
   </a:themeElements>
-  <a:objectDefaults/>
-  <a:extraClrSchemeLst/>
 </a:theme>
 </file>
 
 <file path=ppt/theme/theme2.xml><?xml version="1.0" encoding="utf-8"?>
-<a:theme xmlns:a="http://schemas.openxmlformats.org/drawingml/2006/main">
+<a:theme xmlns:a="http://schemas.openxmlformats.org/drawingml/2006/main" xmlns:r="http://schemas.openxmlformats.org/officeDocument/2006/relationships">
   <a:themeElements>
     <a:clrScheme name="Default">
       <a:dk1>
@@ -11717,7 +12225,5 @@
       </a:bgFillStyleLst>
     </a:fmtScheme>
   </a:themeElements>
-  <a:objectDefaults/>
-  <a:extraClrSchemeLst/>
 </a:theme>
 </file>